--- a/libs/uds/flyer.pptx
+++ b/libs/uds/flyer.pptx
@@ -5111,7 +5111,7 @@
         </p:nvGrpSpPr>
         <p:grpSpPr>
           <a:xfrm>
-            <a:off x="-324544" y="0"/>
+            <a:off x="-324544" y="27384"/>
             <a:ext cx="10513168" cy="6858000"/>
             <a:chOff x="-324544" y="0"/>
             <a:chExt cx="10513168" cy="6858000"/>
@@ -5592,7 +5592,25 @@
                   </a:solidFill>
                   <a:latin typeface="Ink Free" pitchFamily="66" charset="0"/>
                 </a:rPr>
-                <a:t>A disseminação do COVID- 19 no Brasil e no mundo ainda está cercada de incertezas mas já indicam que haverá mudanças relevantes na nossa vida. Serão feitas reflexões a respeito das que poderão ser positivas e que medidas para diminuir os efeitos negativos.</a:t>
+                <a:t>A disseminação do COVID- 19 no Brasil e no mundo ainda está cercada de incertezas mas já indicam que </a:t>
+              </a:r>
+              <a:r>
+                <a:rPr lang="pt-BR" sz="1600" b="1" dirty="0" smtClean="0">
+                  <a:solidFill>
+                    <a:schemeClr val="tx1"/>
+                  </a:solidFill>
+                  <a:latin typeface="Ink Free" pitchFamily="66" charset="0"/>
+                </a:rPr>
+                <a:t>deverão acontecer mudanças </a:t>
+              </a:r>
+              <a:r>
+                <a:rPr lang="pt-BR" sz="1600" b="1" dirty="0" smtClean="0">
+                  <a:solidFill>
+                    <a:schemeClr val="tx1"/>
+                  </a:solidFill>
+                  <a:latin typeface="Ink Free" pitchFamily="66" charset="0"/>
+                </a:rPr>
+                <a:t>relevantes na nossa vida. Serão feitas reflexões a respeito das que poderão ser positivas e que medidas para diminuir os efeitos negativos.</a:t>
               </a:r>
               <a:endParaRPr lang="pt-BR" sz="1600" b="1" dirty="0">
                 <a:solidFill>

--- a/libs/uds/flyer.pptx
+++ b/libs/uds/flyer.pptx
@@ -196,7 +196,7 @@
             <a:fld id="{03CA6A64-D8DA-4790-AC21-8D1D39F048E7}" type="datetimeFigureOut">
               <a:rPr lang="pt-BR" smtClean="0"/>
               <a:pPr/>
-              <a:t>18/05/2020</a:t>
+              <a:t>19/05/2020</a:t>
             </a:fld>
             <a:endParaRPr lang="pt-BR"/>
           </a:p>
@@ -808,7 +808,7 @@
             <a:fld id="{32EE085F-AAA4-4482-A02A-EDCE077316B0}" type="datetimeFigureOut">
               <a:rPr lang="pt-BR" smtClean="0"/>
               <a:pPr/>
-              <a:t>18/05/2020</a:t>
+              <a:t>19/05/2020</a:t>
             </a:fld>
             <a:endParaRPr lang="pt-BR"/>
           </a:p>
@@ -975,7 +975,7 @@
             <a:fld id="{32EE085F-AAA4-4482-A02A-EDCE077316B0}" type="datetimeFigureOut">
               <a:rPr lang="pt-BR" smtClean="0"/>
               <a:pPr/>
-              <a:t>18/05/2020</a:t>
+              <a:t>19/05/2020</a:t>
             </a:fld>
             <a:endParaRPr lang="pt-BR"/>
           </a:p>
@@ -1152,7 +1152,7 @@
             <a:fld id="{32EE085F-AAA4-4482-A02A-EDCE077316B0}" type="datetimeFigureOut">
               <a:rPr lang="pt-BR" smtClean="0"/>
               <a:pPr/>
-              <a:t>18/05/2020</a:t>
+              <a:t>19/05/2020</a:t>
             </a:fld>
             <a:endParaRPr lang="pt-BR"/>
           </a:p>
@@ -1319,7 +1319,7 @@
             <a:fld id="{32EE085F-AAA4-4482-A02A-EDCE077316B0}" type="datetimeFigureOut">
               <a:rPr lang="pt-BR" smtClean="0"/>
               <a:pPr/>
-              <a:t>18/05/2020</a:t>
+              <a:t>19/05/2020</a:t>
             </a:fld>
             <a:endParaRPr lang="pt-BR"/>
           </a:p>
@@ -1562,7 +1562,7 @@
             <a:fld id="{32EE085F-AAA4-4482-A02A-EDCE077316B0}" type="datetimeFigureOut">
               <a:rPr lang="pt-BR" smtClean="0"/>
               <a:pPr/>
-              <a:t>18/05/2020</a:t>
+              <a:t>19/05/2020</a:t>
             </a:fld>
             <a:endParaRPr lang="pt-BR"/>
           </a:p>
@@ -1847,7 +1847,7 @@
             <a:fld id="{32EE085F-AAA4-4482-A02A-EDCE077316B0}" type="datetimeFigureOut">
               <a:rPr lang="pt-BR" smtClean="0"/>
               <a:pPr/>
-              <a:t>18/05/2020</a:t>
+              <a:t>19/05/2020</a:t>
             </a:fld>
             <a:endParaRPr lang="pt-BR"/>
           </a:p>
@@ -2266,7 +2266,7 @@
             <a:fld id="{32EE085F-AAA4-4482-A02A-EDCE077316B0}" type="datetimeFigureOut">
               <a:rPr lang="pt-BR" smtClean="0"/>
               <a:pPr/>
-              <a:t>18/05/2020</a:t>
+              <a:t>19/05/2020</a:t>
             </a:fld>
             <a:endParaRPr lang="pt-BR"/>
           </a:p>
@@ -2381,7 +2381,7 @@
             <a:fld id="{32EE085F-AAA4-4482-A02A-EDCE077316B0}" type="datetimeFigureOut">
               <a:rPr lang="pt-BR" smtClean="0"/>
               <a:pPr/>
-              <a:t>18/05/2020</a:t>
+              <a:t>19/05/2020</a:t>
             </a:fld>
             <a:endParaRPr lang="pt-BR"/>
           </a:p>
@@ -2473,7 +2473,7 @@
             <a:fld id="{32EE085F-AAA4-4482-A02A-EDCE077316B0}" type="datetimeFigureOut">
               <a:rPr lang="pt-BR" smtClean="0"/>
               <a:pPr/>
-              <a:t>18/05/2020</a:t>
+              <a:t>19/05/2020</a:t>
             </a:fld>
             <a:endParaRPr lang="pt-BR"/>
           </a:p>
@@ -2747,7 +2747,7 @@
             <a:fld id="{32EE085F-AAA4-4482-A02A-EDCE077316B0}" type="datetimeFigureOut">
               <a:rPr lang="pt-BR" smtClean="0"/>
               <a:pPr/>
-              <a:t>18/05/2020</a:t>
+              <a:t>19/05/2020</a:t>
             </a:fld>
             <a:endParaRPr lang="pt-BR"/>
           </a:p>
@@ -2997,7 +2997,7 @@
             <a:fld id="{32EE085F-AAA4-4482-A02A-EDCE077316B0}" type="datetimeFigureOut">
               <a:rPr lang="pt-BR" smtClean="0"/>
               <a:pPr/>
-              <a:t>18/05/2020</a:t>
+              <a:t>19/05/2020</a:t>
             </a:fld>
             <a:endParaRPr lang="pt-BR"/>
           </a:p>
@@ -3207,7 +3207,7 @@
             <a:fld id="{32EE085F-AAA4-4482-A02A-EDCE077316B0}" type="datetimeFigureOut">
               <a:rPr lang="pt-BR" smtClean="0"/>
               <a:pPr/>
-              <a:t>18/05/2020</a:t>
+              <a:t>19/05/2020</a:t>
             </a:fld>
             <a:endParaRPr lang="pt-BR"/>
           </a:p>
@@ -3930,17 +3930,14 @@
                   </a:solidFill>
                   <a:latin typeface="Forte" pitchFamily="66" charset="0"/>
                 </a:rPr>
-                <a:t>Link </a:t>
+                <a:t>Link para o evento</a:t>
               </a:r>
-              <a:r>
-                <a:rPr lang="pt-BR" sz="2400" dirty="0">
-                  <a:solidFill>
-                    <a:schemeClr val="tx1"/>
-                  </a:solidFill>
-                  <a:latin typeface="Forte" pitchFamily="66" charset="0"/>
-                </a:rPr>
-                <a:t>para o evento</a:t>
-              </a:r>
+              <a:endParaRPr lang="pt-BR" sz="2400" dirty="0">
+                <a:solidFill>
+                  <a:schemeClr val="tx1"/>
+                </a:solidFill>
+                <a:latin typeface="Forte" pitchFamily="66" charset="0"/>
+              </a:endParaRPr>
             </a:p>
           </p:txBody>
         </p:sp>
@@ -5526,8 +5523,47 @@
                   </a:solidFill>
                   <a:latin typeface="Forte" pitchFamily="66" charset="0"/>
                 </a:rPr>
-                <a:t>para o evento</a:t>
+                <a:t>para o </a:t>
               </a:r>
+              <a:r>
+                <a:rPr lang="pt-BR" sz="2400" dirty="0" smtClean="0">
+                  <a:solidFill>
+                    <a:schemeClr val="tx1"/>
+                  </a:solidFill>
+                  <a:latin typeface="Forte" pitchFamily="66" charset="0"/>
+                </a:rPr>
+                <a:t>evento</a:t>
+              </a:r>
+            </a:p>
+            <a:p>
+              <a:pPr algn="ctr"/>
+              <a:r>
+                <a:rPr lang="pt-BR" sz="2400" dirty="0" err="1" smtClean="0">
+                  <a:latin typeface="Bahnschrift" pitchFamily="34" charset="0"/>
+                  <a:hlinkClick r:id="rId5"/>
+                </a:rPr>
+                <a:t>meet</a:t>
+              </a:r>
+              <a:r>
+                <a:rPr lang="pt-BR" sz="2400" dirty="0" smtClean="0">
+                  <a:latin typeface="Bahnschrift" pitchFamily="34" charset="0"/>
+                  <a:hlinkClick r:id="rId5"/>
+                </a:rPr>
+                <a:t>.google.com/</a:t>
+              </a:r>
+              <a:r>
+                <a:rPr lang="pt-BR" sz="2400" dirty="0" err="1" smtClean="0">
+                  <a:latin typeface="Bahnschrift" pitchFamily="34" charset="0"/>
+                  <a:hlinkClick r:id="rId5"/>
+                </a:rPr>
+                <a:t>wqk-fcod-eps</a:t>
+              </a:r>
+              <a:endParaRPr lang="pt-BR" sz="2400" dirty="0">
+                <a:solidFill>
+                  <a:schemeClr val="tx1"/>
+                </a:solidFill>
+                <a:latin typeface="Bahnschrift" pitchFamily="34" charset="0"/>
+              </a:endParaRPr>
             </a:p>
           </p:txBody>
         </p:sp>
@@ -5592,25 +5628,7 @@
                   </a:solidFill>
                   <a:latin typeface="Ink Free" pitchFamily="66" charset="0"/>
                 </a:rPr>
-                <a:t>A disseminação do COVID- 19 no Brasil e no mundo ainda está cercada de incertezas mas já indicam que </a:t>
-              </a:r>
-              <a:r>
-                <a:rPr lang="pt-BR" sz="1600" b="1" dirty="0" smtClean="0">
-                  <a:solidFill>
-                    <a:schemeClr val="tx1"/>
-                  </a:solidFill>
-                  <a:latin typeface="Ink Free" pitchFamily="66" charset="0"/>
-                </a:rPr>
-                <a:t>deverão acontecer mudanças </a:t>
-              </a:r>
-              <a:r>
-                <a:rPr lang="pt-BR" sz="1600" b="1" dirty="0" smtClean="0">
-                  <a:solidFill>
-                    <a:schemeClr val="tx1"/>
-                  </a:solidFill>
-                  <a:latin typeface="Ink Free" pitchFamily="66" charset="0"/>
-                </a:rPr>
-                <a:t>relevantes na nossa vida. Serão feitas reflexões a respeito das que poderão ser positivas e que medidas para diminuir os efeitos negativos.</a:t>
+                <a:t>A disseminação do COVID- 19 no Brasil e no mundo ainda está cercada de incertezas mas já indicam que deverão acontecer mudanças relevantes na nossa vida. Serão feitas reflexões a respeito das que poderão ser positivas e que medidas para diminuir os efeitos negativos.</a:t>
               </a:r>
               <a:endParaRPr lang="pt-BR" sz="1600" b="1" dirty="0">
                 <a:solidFill>

--- a/libs/uds/flyer.pptx
+++ b/libs/uds/flyer.pptx
@@ -196,7 +196,7 @@
             <a:fld id="{03CA6A64-D8DA-4790-AC21-8D1D39F048E7}" type="datetimeFigureOut">
               <a:rPr lang="pt-BR" smtClean="0"/>
               <a:pPr/>
-              <a:t>19/05/2020</a:t>
+              <a:t>20/05/2020</a:t>
             </a:fld>
             <a:endParaRPr lang="pt-BR"/>
           </a:p>
@@ -808,7 +808,7 @@
             <a:fld id="{32EE085F-AAA4-4482-A02A-EDCE077316B0}" type="datetimeFigureOut">
               <a:rPr lang="pt-BR" smtClean="0"/>
               <a:pPr/>
-              <a:t>19/05/2020</a:t>
+              <a:t>20/05/2020</a:t>
             </a:fld>
             <a:endParaRPr lang="pt-BR"/>
           </a:p>
@@ -975,7 +975,7 @@
             <a:fld id="{32EE085F-AAA4-4482-A02A-EDCE077316B0}" type="datetimeFigureOut">
               <a:rPr lang="pt-BR" smtClean="0"/>
               <a:pPr/>
-              <a:t>19/05/2020</a:t>
+              <a:t>20/05/2020</a:t>
             </a:fld>
             <a:endParaRPr lang="pt-BR"/>
           </a:p>
@@ -1152,7 +1152,7 @@
             <a:fld id="{32EE085F-AAA4-4482-A02A-EDCE077316B0}" type="datetimeFigureOut">
               <a:rPr lang="pt-BR" smtClean="0"/>
               <a:pPr/>
-              <a:t>19/05/2020</a:t>
+              <a:t>20/05/2020</a:t>
             </a:fld>
             <a:endParaRPr lang="pt-BR"/>
           </a:p>
@@ -1319,7 +1319,7 @@
             <a:fld id="{32EE085F-AAA4-4482-A02A-EDCE077316B0}" type="datetimeFigureOut">
               <a:rPr lang="pt-BR" smtClean="0"/>
               <a:pPr/>
-              <a:t>19/05/2020</a:t>
+              <a:t>20/05/2020</a:t>
             </a:fld>
             <a:endParaRPr lang="pt-BR"/>
           </a:p>
@@ -1562,7 +1562,7 @@
             <a:fld id="{32EE085F-AAA4-4482-A02A-EDCE077316B0}" type="datetimeFigureOut">
               <a:rPr lang="pt-BR" smtClean="0"/>
               <a:pPr/>
-              <a:t>19/05/2020</a:t>
+              <a:t>20/05/2020</a:t>
             </a:fld>
             <a:endParaRPr lang="pt-BR"/>
           </a:p>
@@ -1847,7 +1847,7 @@
             <a:fld id="{32EE085F-AAA4-4482-A02A-EDCE077316B0}" type="datetimeFigureOut">
               <a:rPr lang="pt-BR" smtClean="0"/>
               <a:pPr/>
-              <a:t>19/05/2020</a:t>
+              <a:t>20/05/2020</a:t>
             </a:fld>
             <a:endParaRPr lang="pt-BR"/>
           </a:p>
@@ -2266,7 +2266,7 @@
             <a:fld id="{32EE085F-AAA4-4482-A02A-EDCE077316B0}" type="datetimeFigureOut">
               <a:rPr lang="pt-BR" smtClean="0"/>
               <a:pPr/>
-              <a:t>19/05/2020</a:t>
+              <a:t>20/05/2020</a:t>
             </a:fld>
             <a:endParaRPr lang="pt-BR"/>
           </a:p>
@@ -2381,7 +2381,7 @@
             <a:fld id="{32EE085F-AAA4-4482-A02A-EDCE077316B0}" type="datetimeFigureOut">
               <a:rPr lang="pt-BR" smtClean="0"/>
               <a:pPr/>
-              <a:t>19/05/2020</a:t>
+              <a:t>20/05/2020</a:t>
             </a:fld>
             <a:endParaRPr lang="pt-BR"/>
           </a:p>
@@ -2473,7 +2473,7 @@
             <a:fld id="{32EE085F-AAA4-4482-A02A-EDCE077316B0}" type="datetimeFigureOut">
               <a:rPr lang="pt-BR" smtClean="0"/>
               <a:pPr/>
-              <a:t>19/05/2020</a:t>
+              <a:t>20/05/2020</a:t>
             </a:fld>
             <a:endParaRPr lang="pt-BR"/>
           </a:p>
@@ -2747,7 +2747,7 @@
             <a:fld id="{32EE085F-AAA4-4482-A02A-EDCE077316B0}" type="datetimeFigureOut">
               <a:rPr lang="pt-BR" smtClean="0"/>
               <a:pPr/>
-              <a:t>19/05/2020</a:t>
+              <a:t>20/05/2020</a:t>
             </a:fld>
             <a:endParaRPr lang="pt-BR"/>
           </a:p>
@@ -2997,7 +2997,7 @@
             <a:fld id="{32EE085F-AAA4-4482-A02A-EDCE077316B0}" type="datetimeFigureOut">
               <a:rPr lang="pt-BR" smtClean="0"/>
               <a:pPr/>
-              <a:t>19/05/2020</a:t>
+              <a:t>20/05/2020</a:t>
             </a:fld>
             <a:endParaRPr lang="pt-BR"/>
           </a:p>
@@ -3207,7 +3207,7 @@
             <a:fld id="{32EE085F-AAA4-4482-A02A-EDCE077316B0}" type="datetimeFigureOut">
               <a:rPr lang="pt-BR" smtClean="0"/>
               <a:pPr/>
-              <a:t>19/05/2020</a:t>
+              <a:t>20/05/2020</a:t>
             </a:fld>
             <a:endParaRPr lang="pt-BR"/>
           </a:p>
@@ -5100,9 +5100,34 @@
           <a:chExt cx="0" cy="0"/>
         </a:xfrm>
       </p:grpSpPr>
+      <p:pic>
+        <p:nvPicPr>
+          <p:cNvPr id="11" name="Imagem 10" descr="Rpy.png"/>
+          <p:cNvPicPr>
+            <a:picLocks noChangeAspect="1"/>
+          </p:cNvPicPr>
+          <p:nvPr/>
+        </p:nvPicPr>
+        <p:blipFill>
+          <a:blip r:embed="rId2" cstate="print"/>
+          <a:srcRect l="375" t="32022" r="92044" b="62554"/>
+          <a:stretch>
+            <a:fillRect/>
+          </a:stretch>
+        </p:blipFill>
+        <p:spPr>
+          <a:xfrm>
+            <a:off x="0" y="27384"/>
+            <a:ext cx="9468544" cy="6858000"/>
+          </a:xfrm>
+          <a:prstGeom prst="rect">
+            <a:avLst/>
+          </a:prstGeom>
+        </p:spPr>
+      </p:pic>
       <p:grpSp>
         <p:nvGrpSpPr>
-          <p:cNvPr id="12" name="Grupo 11"/>
+          <p:cNvPr id="13" name="Grupo 12"/>
           <p:cNvGrpSpPr/>
           <p:nvPr/>
         </p:nvGrpSpPr>
@@ -5110,35 +5135,10 @@
           <a:xfrm>
             <a:off x="-324544" y="27384"/>
             <a:ext cx="10513168" cy="6858000"/>
-            <a:chOff x="-324544" y="0"/>
+            <a:chOff x="-324544" y="27384"/>
             <a:chExt cx="10513168" cy="6858000"/>
           </a:xfrm>
         </p:grpSpPr>
-        <p:pic>
-          <p:nvPicPr>
-            <p:cNvPr id="11" name="Imagem 10" descr="Rpy.png"/>
-            <p:cNvPicPr>
-              <a:picLocks noChangeAspect="1"/>
-            </p:cNvPicPr>
-            <p:nvPr/>
-          </p:nvPicPr>
-          <p:blipFill>
-            <a:blip r:embed="rId2" cstate="print"/>
-            <a:srcRect l="375" t="32022" r="92044" b="62554"/>
-            <a:stretch>
-              <a:fillRect/>
-            </a:stretch>
-          </p:blipFill>
-          <p:spPr>
-            <a:xfrm>
-              <a:off x="0" y="0"/>
-              <a:ext cx="9468544" cy="6858000"/>
-            </a:xfrm>
-            <a:prstGeom prst="rect">
-              <a:avLst/>
-            </a:prstGeom>
-          </p:spPr>
-        </p:pic>
         <p:pic>
           <p:nvPicPr>
             <p:cNvPr id="15" name="Picture 4" descr="https://pbs.twimg.com/media/DfqjHpNU0AIuufg.jpg"/>
@@ -5164,7 +5164,7 @@
           </p:blipFill>
           <p:spPr bwMode="auto">
             <a:xfrm>
-              <a:off x="-324544" y="0"/>
+              <a:off x="-324544" y="27384"/>
               <a:ext cx="10513168" cy="6858000"/>
             </a:xfrm>
             <a:prstGeom prst="rect">
@@ -5189,7 +5189,7 @@
           </p:blipFill>
           <p:spPr>
             <a:xfrm>
-              <a:off x="251520" y="1407493"/>
+              <a:off x="251520" y="1434877"/>
               <a:ext cx="3672408" cy="4253755"/>
             </a:xfrm>
             <a:prstGeom prst="rect">
@@ -5205,7 +5205,7 @@
           </p:nvSpPr>
           <p:spPr>
             <a:xfrm>
-              <a:off x="4279380" y="188640"/>
+              <a:off x="4274370" y="216024"/>
               <a:ext cx="4684361" cy="1188000"/>
             </a:xfrm>
             <a:prstGeom prst="rect">
@@ -5255,7 +5255,7 @@
           </p:nvSpPr>
           <p:spPr>
             <a:xfrm>
-              <a:off x="4286402" y="3512998"/>
+              <a:off x="4286402" y="3540382"/>
               <a:ext cx="4721958" cy="967234"/>
             </a:xfrm>
             <a:prstGeom prst="rect">
@@ -5333,7 +5333,7 @@
           </p:nvSpPr>
           <p:spPr>
             <a:xfrm>
-              <a:off x="4355976" y="188640"/>
+              <a:off x="4355976" y="216024"/>
               <a:ext cx="4536504" cy="830997"/>
             </a:xfrm>
             <a:prstGeom prst="rect">
@@ -5370,7 +5370,7 @@
           </p:nvSpPr>
           <p:spPr>
             <a:xfrm>
-              <a:off x="5846988" y="929319"/>
+              <a:off x="5846988" y="956703"/>
               <a:ext cx="3296456" cy="459401"/>
             </a:xfrm>
             <a:prstGeom prst="rect">
@@ -5419,7 +5419,7 @@
           </p:nvSpPr>
           <p:spPr>
             <a:xfrm>
-              <a:off x="4245294" y="4612387"/>
+              <a:off x="4249555" y="4639771"/>
               <a:ext cx="4721958" cy="968400"/>
             </a:xfrm>
             <a:prstGeom prst="rect">
@@ -5473,7 +5473,7 @@
           </p:nvSpPr>
           <p:spPr>
             <a:xfrm>
-              <a:off x="4265848" y="5712942"/>
+              <a:off x="4261588" y="5740326"/>
               <a:ext cx="4721958" cy="1074704"/>
             </a:xfrm>
             <a:prstGeom prst="rect">
@@ -5575,7 +5575,7 @@
           </p:nvSpPr>
           <p:spPr>
             <a:xfrm>
-              <a:off x="4262337" y="1508795"/>
+              <a:off x="4262337" y="1536179"/>
               <a:ext cx="4684361" cy="1872048"/>
             </a:xfrm>
             <a:prstGeom prst="rect">

--- a/libs/uds/flyer.pptx
+++ b/libs/uds/flyer.pptx
@@ -5,13 +5,14 @@
     <p:sldMasterId id="2147483648" r:id="rId1"/>
   </p:sldMasterIdLst>
   <p:notesMasterIdLst>
-    <p:notesMasterId r:id="rId6"/>
+    <p:notesMasterId r:id="rId7"/>
   </p:notesMasterIdLst>
   <p:sldIdLst>
     <p:sldId id="256" r:id="rId2"/>
     <p:sldId id="257" r:id="rId3"/>
     <p:sldId id="258" r:id="rId4"/>
     <p:sldId id="259" r:id="rId5"/>
+    <p:sldId id="260" r:id="rId6"/>
   </p:sldIdLst>
   <p:sldSz cx="9144000" cy="6858000" type="screen4x3"/>
   <p:notesSz cx="6858000" cy="9144000"/>
@@ -196,7 +197,7 @@
             <a:fld id="{03CA6A64-D8DA-4790-AC21-8D1D39F048E7}" type="datetimeFigureOut">
               <a:rPr lang="pt-BR" smtClean="0"/>
               <a:pPr/>
-              <a:t>20/05/2020</a:t>
+              <a:t>29/05/2020</a:t>
             </a:fld>
             <a:endParaRPr lang="pt-BR"/>
           </a:p>
@@ -808,7 +809,7 @@
             <a:fld id="{32EE085F-AAA4-4482-A02A-EDCE077316B0}" type="datetimeFigureOut">
               <a:rPr lang="pt-BR" smtClean="0"/>
               <a:pPr/>
-              <a:t>20/05/2020</a:t>
+              <a:t>29/05/2020</a:t>
             </a:fld>
             <a:endParaRPr lang="pt-BR"/>
           </a:p>
@@ -975,7 +976,7 @@
             <a:fld id="{32EE085F-AAA4-4482-A02A-EDCE077316B0}" type="datetimeFigureOut">
               <a:rPr lang="pt-BR" smtClean="0"/>
               <a:pPr/>
-              <a:t>20/05/2020</a:t>
+              <a:t>29/05/2020</a:t>
             </a:fld>
             <a:endParaRPr lang="pt-BR"/>
           </a:p>
@@ -1152,7 +1153,7 @@
             <a:fld id="{32EE085F-AAA4-4482-A02A-EDCE077316B0}" type="datetimeFigureOut">
               <a:rPr lang="pt-BR" smtClean="0"/>
               <a:pPr/>
-              <a:t>20/05/2020</a:t>
+              <a:t>29/05/2020</a:t>
             </a:fld>
             <a:endParaRPr lang="pt-BR"/>
           </a:p>
@@ -1319,7 +1320,7 @@
             <a:fld id="{32EE085F-AAA4-4482-A02A-EDCE077316B0}" type="datetimeFigureOut">
               <a:rPr lang="pt-BR" smtClean="0"/>
               <a:pPr/>
-              <a:t>20/05/2020</a:t>
+              <a:t>29/05/2020</a:t>
             </a:fld>
             <a:endParaRPr lang="pt-BR"/>
           </a:p>
@@ -1562,7 +1563,7 @@
             <a:fld id="{32EE085F-AAA4-4482-A02A-EDCE077316B0}" type="datetimeFigureOut">
               <a:rPr lang="pt-BR" smtClean="0"/>
               <a:pPr/>
-              <a:t>20/05/2020</a:t>
+              <a:t>29/05/2020</a:t>
             </a:fld>
             <a:endParaRPr lang="pt-BR"/>
           </a:p>
@@ -1847,7 +1848,7 @@
             <a:fld id="{32EE085F-AAA4-4482-A02A-EDCE077316B0}" type="datetimeFigureOut">
               <a:rPr lang="pt-BR" smtClean="0"/>
               <a:pPr/>
-              <a:t>20/05/2020</a:t>
+              <a:t>29/05/2020</a:t>
             </a:fld>
             <a:endParaRPr lang="pt-BR"/>
           </a:p>
@@ -2266,7 +2267,7 @@
             <a:fld id="{32EE085F-AAA4-4482-A02A-EDCE077316B0}" type="datetimeFigureOut">
               <a:rPr lang="pt-BR" smtClean="0"/>
               <a:pPr/>
-              <a:t>20/05/2020</a:t>
+              <a:t>29/05/2020</a:t>
             </a:fld>
             <a:endParaRPr lang="pt-BR"/>
           </a:p>
@@ -2381,7 +2382,7 @@
             <a:fld id="{32EE085F-AAA4-4482-A02A-EDCE077316B0}" type="datetimeFigureOut">
               <a:rPr lang="pt-BR" smtClean="0"/>
               <a:pPr/>
-              <a:t>20/05/2020</a:t>
+              <a:t>29/05/2020</a:t>
             </a:fld>
             <a:endParaRPr lang="pt-BR"/>
           </a:p>
@@ -2473,7 +2474,7 @@
             <a:fld id="{32EE085F-AAA4-4482-A02A-EDCE077316B0}" type="datetimeFigureOut">
               <a:rPr lang="pt-BR" smtClean="0"/>
               <a:pPr/>
-              <a:t>20/05/2020</a:t>
+              <a:t>29/05/2020</a:t>
             </a:fld>
             <a:endParaRPr lang="pt-BR"/>
           </a:p>
@@ -2747,7 +2748,7 @@
             <a:fld id="{32EE085F-AAA4-4482-A02A-EDCE077316B0}" type="datetimeFigureOut">
               <a:rPr lang="pt-BR" smtClean="0"/>
               <a:pPr/>
-              <a:t>20/05/2020</a:t>
+              <a:t>29/05/2020</a:t>
             </a:fld>
             <a:endParaRPr lang="pt-BR"/>
           </a:p>
@@ -2997,7 +2998,7 @@
             <a:fld id="{32EE085F-AAA4-4482-A02A-EDCE077316B0}" type="datetimeFigureOut">
               <a:rPr lang="pt-BR" smtClean="0"/>
               <a:pPr/>
-              <a:t>20/05/2020</a:t>
+              <a:t>29/05/2020</a:t>
             </a:fld>
             <a:endParaRPr lang="pt-BR"/>
           </a:p>
@@ -3207,7 +3208,7 @@
             <a:fld id="{32EE085F-AAA4-4482-A02A-EDCE077316B0}" type="datetimeFigureOut">
               <a:rPr lang="pt-BR" smtClean="0"/>
               <a:pPr/>
-              <a:t>20/05/2020</a:t>
+              <a:t>29/05/2020</a:t>
             </a:fld>
             <a:endParaRPr lang="pt-BR"/>
           </a:p>
@@ -5655,6 +5656,529 @@
 </p:sld>
 </file>
 
+<file path=ppt/slides/slide5.xml><?xml version="1.0" encoding="utf-8"?>
+<p:sld xmlns:a="http://schemas.openxmlformats.org/drawingml/2006/main" xmlns:r="http://schemas.openxmlformats.org/officeDocument/2006/relationships" xmlns:p="http://schemas.openxmlformats.org/presentationml/2006/main">
+  <p:cSld>
+    <p:spTree>
+      <p:nvGrpSpPr>
+        <p:cNvPr id="1" name=""/>
+        <p:cNvGrpSpPr/>
+        <p:nvPr/>
+      </p:nvGrpSpPr>
+      <p:grpSpPr>
+        <a:xfrm>
+          <a:off x="0" y="0"/>
+          <a:ext cx="0" cy="0"/>
+          <a:chOff x="0" y="0"/>
+          <a:chExt cx="0" cy="0"/>
+        </a:xfrm>
+      </p:grpSpPr>
+      <p:pic>
+        <p:nvPicPr>
+          <p:cNvPr id="11" name="Imagem 10" descr="Rpy.png"/>
+          <p:cNvPicPr>
+            <a:picLocks noChangeAspect="1"/>
+          </p:cNvPicPr>
+          <p:nvPr/>
+        </p:nvPicPr>
+        <p:blipFill>
+          <a:blip r:embed="rId2" cstate="print"/>
+          <a:srcRect l="375" t="32022" r="92044" b="62554"/>
+          <a:stretch>
+            <a:fillRect/>
+          </a:stretch>
+        </p:blipFill>
+        <p:spPr>
+          <a:xfrm>
+            <a:off x="0" y="27384"/>
+            <a:ext cx="9468544" cy="6858000"/>
+          </a:xfrm>
+          <a:prstGeom prst="rect">
+            <a:avLst/>
+          </a:prstGeom>
+        </p:spPr>
+      </p:pic>
+      <p:grpSp>
+        <p:nvGrpSpPr>
+          <p:cNvPr id="12" name="Grupo 11"/>
+          <p:cNvGrpSpPr/>
+          <p:nvPr/>
+        </p:nvGrpSpPr>
+        <p:grpSpPr>
+          <a:xfrm>
+            <a:off x="-324544" y="27384"/>
+            <a:ext cx="10513168" cy="6858000"/>
+            <a:chOff x="-324544" y="27384"/>
+            <a:chExt cx="10513168" cy="6858000"/>
+          </a:xfrm>
+        </p:grpSpPr>
+        <p:pic>
+          <p:nvPicPr>
+            <p:cNvPr id="15" name="Picture 4" descr="https://pbs.twimg.com/media/DfqjHpNU0AIuufg.jpg"/>
+            <p:cNvPicPr>
+              <a:picLocks noChangeAspect="1" noChangeArrowheads="1"/>
+            </p:cNvPicPr>
+            <p:nvPr/>
+          </p:nvPicPr>
+          <p:blipFill>
+            <a:blip r:embed="rId3" cstate="print">
+              <a:duotone>
+                <a:prstClr val="black"/>
+                <a:schemeClr val="accent4">
+                  <a:tint val="45000"/>
+                  <a:satMod val="400000"/>
+                </a:schemeClr>
+              </a:duotone>
+            </a:blip>
+            <a:srcRect b="9841"/>
+            <a:stretch>
+              <a:fillRect/>
+            </a:stretch>
+          </p:blipFill>
+          <p:spPr bwMode="auto">
+            <a:xfrm>
+              <a:off x="-324544" y="27384"/>
+              <a:ext cx="10513168" cy="6858000"/>
+            </a:xfrm>
+            <a:prstGeom prst="rect">
+              <a:avLst/>
+            </a:prstGeom>
+            <a:noFill/>
+          </p:spPr>
+        </p:pic>
+        <p:pic>
+          <p:nvPicPr>
+            <p:cNvPr id="2" name="Imagem 1" descr="corpus-banner.png"/>
+            <p:cNvPicPr>
+              <a:picLocks noChangeAspect="1"/>
+            </p:cNvPicPr>
+            <p:nvPr/>
+          </p:nvPicPr>
+          <p:blipFill>
+            <a:blip r:embed="rId4" cstate="print"/>
+            <a:stretch>
+              <a:fillRect/>
+            </a:stretch>
+          </p:blipFill>
+          <p:spPr>
+            <a:xfrm>
+              <a:off x="251520" y="1434877"/>
+              <a:ext cx="3672408" cy="4253755"/>
+            </a:xfrm>
+            <a:prstGeom prst="rect">
+              <a:avLst/>
+            </a:prstGeom>
+          </p:spPr>
+        </p:pic>
+        <p:sp>
+          <p:nvSpPr>
+            <p:cNvPr id="3" name="Retângulo 2"/>
+            <p:cNvSpPr/>
+            <p:nvPr/>
+          </p:nvSpPr>
+          <p:spPr>
+            <a:xfrm>
+              <a:off x="4274370" y="432048"/>
+              <a:ext cx="4684361" cy="2276872"/>
+            </a:xfrm>
+            <a:prstGeom prst="rect">
+              <a:avLst/>
+            </a:prstGeom>
+            <a:solidFill>
+              <a:schemeClr val="bg1"/>
+            </a:solidFill>
+            <a:ln>
+              <a:noFill/>
+            </a:ln>
+          </p:spPr>
+          <p:style>
+            <a:lnRef idx="2">
+              <a:schemeClr val="accent1">
+                <a:shade val="50000"/>
+              </a:schemeClr>
+            </a:lnRef>
+            <a:fillRef idx="1">
+              <a:schemeClr val="accent1"/>
+            </a:fillRef>
+            <a:effectRef idx="0">
+              <a:schemeClr val="accent1"/>
+            </a:effectRef>
+            <a:fontRef idx="minor">
+              <a:schemeClr val="lt1"/>
+            </a:fontRef>
+          </p:style>
+          <p:txBody>
+            <a:bodyPr rtlCol="0" anchor="ctr"/>
+            <a:lstStyle/>
+            <a:p>
+              <a:pPr algn="ctr"/>
+              <a:endParaRPr lang="pt-BR" b="1" dirty="0">
+                <a:solidFill>
+                  <a:schemeClr val="tx1"/>
+                </a:solidFill>
+              </a:endParaRPr>
+            </a:p>
+          </p:txBody>
+        </p:sp>
+        <p:sp>
+          <p:nvSpPr>
+            <p:cNvPr id="4" name="Retângulo 3"/>
+            <p:cNvSpPr/>
+            <p:nvPr/>
+          </p:nvSpPr>
+          <p:spPr>
+            <a:xfrm>
+              <a:off x="4286402" y="2893814"/>
+              <a:ext cx="4667817" cy="967234"/>
+            </a:xfrm>
+            <a:prstGeom prst="rect">
+              <a:avLst/>
+            </a:prstGeom>
+            <a:solidFill>
+              <a:schemeClr val="bg1"/>
+            </a:solidFill>
+            <a:ln>
+              <a:noFill/>
+            </a:ln>
+          </p:spPr>
+          <p:style>
+            <a:lnRef idx="2">
+              <a:schemeClr val="accent1">
+                <a:shade val="50000"/>
+              </a:schemeClr>
+            </a:lnRef>
+            <a:fillRef idx="1">
+              <a:schemeClr val="accent1"/>
+            </a:fillRef>
+            <a:effectRef idx="0">
+              <a:schemeClr val="accent1"/>
+            </a:effectRef>
+            <a:fontRef idx="minor">
+              <a:schemeClr val="lt1"/>
+            </a:fontRef>
+          </p:style>
+          <p:txBody>
+            <a:bodyPr rtlCol="0" anchor="ctr"/>
+            <a:lstStyle/>
+            <a:p>
+              <a:pPr algn="ctr"/>
+              <a:r>
+                <a:rPr lang="pt-BR" sz="4000" dirty="0" smtClean="0">
+                  <a:solidFill>
+                    <a:schemeClr val="tx1"/>
+                  </a:solidFill>
+                  <a:latin typeface="xkcd" pitchFamily="2" charset="0"/>
+                </a:rPr>
+                <a:t>01</a:t>
+              </a:r>
+              <a:r>
+                <a:rPr lang="pt-BR" sz="4000" dirty="0" smtClean="0">
+                  <a:solidFill>
+                    <a:schemeClr val="tx1"/>
+                  </a:solidFill>
+                  <a:latin typeface="+mj-lt"/>
+                </a:rPr>
+                <a:t>/</a:t>
+              </a:r>
+              <a:r>
+                <a:rPr lang="pt-BR" sz="4000" dirty="0" smtClean="0">
+                  <a:solidFill>
+                    <a:schemeClr val="tx1"/>
+                  </a:solidFill>
+                  <a:latin typeface="xkcd" pitchFamily="2" charset="0"/>
+                </a:rPr>
+                <a:t>06   14 horas</a:t>
+              </a:r>
+              <a:endParaRPr lang="pt-BR" sz="4000" dirty="0">
+                <a:solidFill>
+                  <a:schemeClr val="tx1"/>
+                </a:solidFill>
+                <a:latin typeface="xkcd" pitchFamily="2" charset="0"/>
+              </a:endParaRPr>
+            </a:p>
+          </p:txBody>
+        </p:sp>
+        <p:sp>
+          <p:nvSpPr>
+            <p:cNvPr id="5" name="CaixaDeTexto 4"/>
+            <p:cNvSpPr txBox="1"/>
+            <p:nvPr/>
+          </p:nvSpPr>
+          <p:spPr>
+            <a:xfrm>
+              <a:off x="4355976" y="432048"/>
+              <a:ext cx="4536504" cy="1692771"/>
+            </a:xfrm>
+            <a:prstGeom prst="rect">
+              <a:avLst/>
+            </a:prstGeom>
+            <a:noFill/>
+            <a:ln>
+              <a:noFill/>
+            </a:ln>
+          </p:spPr>
+          <p:txBody>
+            <a:bodyPr wrap="square" rtlCol="0">
+              <a:spAutoFit/>
+            </a:bodyPr>
+            <a:lstStyle/>
+            <a:p>
+              <a:pPr algn="just"/>
+              <a:r>
+                <a:rPr lang="pt-BR" sz="2600" b="1" dirty="0" smtClean="0">
+                  <a:latin typeface="Ink Free" pitchFamily="66" charset="0"/>
+                </a:rPr>
+                <a:t>Práticas didático-pedagógicas </a:t>
+              </a:r>
+              <a:r>
+                <a:rPr lang="pt-BR" sz="2600" b="1" dirty="0" smtClean="0">
+                  <a:latin typeface="Ink Free" pitchFamily="66" charset="0"/>
+                </a:rPr>
+                <a:t>e </a:t>
+              </a:r>
+              <a:r>
+                <a:rPr lang="pt-BR" sz="2600" b="1" dirty="0" smtClean="0">
+                  <a:latin typeface="Ink Free" pitchFamily="66" charset="0"/>
+                </a:rPr>
+                <a:t>a formação de professores para o exercício responsável da docência online</a:t>
+              </a:r>
+            </a:p>
+          </p:txBody>
+        </p:sp>
+        <p:sp>
+          <p:nvSpPr>
+            <p:cNvPr id="6" name="CaixaDeTexto 5"/>
+            <p:cNvSpPr txBox="1"/>
+            <p:nvPr/>
+          </p:nvSpPr>
+          <p:spPr>
+            <a:xfrm>
+              <a:off x="4427984" y="1988840"/>
+              <a:ext cx="4376576" cy="738664"/>
+            </a:xfrm>
+            <a:prstGeom prst="rect">
+              <a:avLst/>
+            </a:prstGeom>
+            <a:noFill/>
+            <a:ln>
+              <a:noFill/>
+            </a:ln>
+          </p:spPr>
+          <p:txBody>
+            <a:bodyPr wrap="square" rtlCol="0">
+              <a:spAutoFit/>
+            </a:bodyPr>
+            <a:lstStyle/>
+            <a:p>
+              <a:pPr algn="r"/>
+              <a:r>
+                <a:rPr lang="pt-BR" sz="2400" b="1" dirty="0" smtClean="0">
+                  <a:latin typeface="Ink Free" pitchFamily="66" charset="0"/>
+                </a:rPr>
+                <a:t>Prof. </a:t>
+              </a:r>
+              <a:r>
+                <a:rPr lang="pt-BR" sz="2400" b="1" dirty="0" err="1" smtClean="0">
+                  <a:latin typeface="Ink Free" pitchFamily="66" charset="0"/>
+                </a:rPr>
+                <a:t>MarianoPimentel</a:t>
+              </a:r>
+              <a:endParaRPr lang="pt-BR" sz="2400" b="1" dirty="0" smtClean="0">
+                <a:latin typeface="Ink Free" pitchFamily="66" charset="0"/>
+              </a:endParaRPr>
+            </a:p>
+            <a:p>
+              <a:pPr algn="r"/>
+              <a:r>
+                <a:rPr lang="pt-BR" b="1" dirty="0" smtClean="0">
+                  <a:latin typeface="Ink Free" pitchFamily="66" charset="0"/>
+                </a:rPr>
+                <a:t>Departamento de Informática Aplicada</a:t>
+              </a:r>
+              <a:endParaRPr lang="pt-BR" b="1" dirty="0">
+                <a:latin typeface="Ink Free" pitchFamily="66" charset="0"/>
+              </a:endParaRPr>
+            </a:p>
+          </p:txBody>
+        </p:sp>
+        <p:sp>
+          <p:nvSpPr>
+            <p:cNvPr id="7" name="Retângulo 6"/>
+            <p:cNvSpPr/>
+            <p:nvPr/>
+          </p:nvSpPr>
+          <p:spPr>
+            <a:xfrm>
+              <a:off x="4280032" y="4044776"/>
+              <a:ext cx="4674187" cy="968400"/>
+            </a:xfrm>
+            <a:prstGeom prst="rect">
+              <a:avLst/>
+            </a:prstGeom>
+            <a:solidFill>
+              <a:schemeClr val="bg1"/>
+            </a:solidFill>
+            <a:ln>
+              <a:noFill/>
+            </a:ln>
+          </p:spPr>
+          <p:style>
+            <a:lnRef idx="2">
+              <a:schemeClr val="accent1">
+                <a:shade val="50000"/>
+              </a:schemeClr>
+            </a:lnRef>
+            <a:fillRef idx="1">
+              <a:schemeClr val="accent1"/>
+            </a:fillRef>
+            <a:effectRef idx="0">
+              <a:schemeClr val="accent1"/>
+            </a:effectRef>
+            <a:fontRef idx="minor">
+              <a:schemeClr val="lt1"/>
+            </a:fontRef>
+          </p:style>
+          <p:txBody>
+            <a:bodyPr rtlCol="0" anchor="ctr"/>
+            <a:lstStyle/>
+            <a:p>
+              <a:pPr algn="ctr"/>
+              <a:r>
+                <a:rPr lang="pt-BR" sz="2400" b="1" dirty="0" smtClean="0">
+                  <a:solidFill>
+                    <a:schemeClr val="tx1"/>
+                  </a:solidFill>
+                  <a:latin typeface="Ink Free" pitchFamily="66" charset="0"/>
+                </a:rPr>
+                <a:t>mediação: Prof. Vinicius Israel</a:t>
+              </a:r>
+            </a:p>
+          </p:txBody>
+        </p:sp>
+        <p:sp>
+          <p:nvSpPr>
+            <p:cNvPr id="8" name="Retângulo 7"/>
+            <p:cNvSpPr/>
+            <p:nvPr/>
+          </p:nvSpPr>
+          <p:spPr>
+            <a:xfrm>
+              <a:off x="4278841" y="5234616"/>
+              <a:ext cx="4658125" cy="1074704"/>
+            </a:xfrm>
+            <a:prstGeom prst="rect">
+              <a:avLst/>
+            </a:prstGeom>
+            <a:solidFill>
+              <a:schemeClr val="bg1"/>
+            </a:solidFill>
+            <a:ln>
+              <a:noFill/>
+            </a:ln>
+          </p:spPr>
+          <p:style>
+            <a:lnRef idx="2">
+              <a:schemeClr val="accent1">
+                <a:shade val="50000"/>
+              </a:schemeClr>
+            </a:lnRef>
+            <a:fillRef idx="1">
+              <a:schemeClr val="accent1"/>
+            </a:fillRef>
+            <a:effectRef idx="0">
+              <a:schemeClr val="accent1"/>
+            </a:effectRef>
+            <a:fontRef idx="minor">
+              <a:schemeClr val="lt1"/>
+            </a:fontRef>
+          </p:style>
+          <p:txBody>
+            <a:bodyPr rtlCol="0" anchor="ctr"/>
+            <a:lstStyle/>
+            <a:p>
+              <a:pPr algn="ctr"/>
+              <a:r>
+                <a:rPr lang="pt-BR" sz="2400" dirty="0" smtClean="0">
+                  <a:solidFill>
+                    <a:schemeClr val="tx1"/>
+                  </a:solidFill>
+                  <a:latin typeface="Forte" pitchFamily="66" charset="0"/>
+                </a:rPr>
+                <a:t>Link </a:t>
+              </a:r>
+              <a:r>
+                <a:rPr lang="pt-BR" sz="2400" dirty="0">
+                  <a:solidFill>
+                    <a:schemeClr val="tx1"/>
+                  </a:solidFill>
+                  <a:latin typeface="Forte" pitchFamily="66" charset="0"/>
+                </a:rPr>
+                <a:t>para o </a:t>
+              </a:r>
+              <a:r>
+                <a:rPr lang="pt-BR" sz="2400" dirty="0" smtClean="0">
+                  <a:solidFill>
+                    <a:schemeClr val="tx1"/>
+                  </a:solidFill>
+                  <a:latin typeface="Forte" pitchFamily="66" charset="0"/>
+                </a:rPr>
+                <a:t>evento</a:t>
+              </a:r>
+            </a:p>
+            <a:p>
+              <a:pPr algn="ctr"/>
+              <a:r>
+                <a:rPr lang="pt-BR" sz="2400" b="1" dirty="0" err="1" smtClean="0">
+                  <a:solidFill>
+                    <a:srgbClr val="002060"/>
+                  </a:solidFill>
+                  <a:latin typeface="Bahnschrift" pitchFamily="34" charset="0"/>
+                </a:rPr>
+                <a:t>meet</a:t>
+              </a:r>
+              <a:r>
+                <a:rPr lang="pt-BR" sz="2400" b="1" dirty="0" smtClean="0">
+                  <a:solidFill>
+                    <a:srgbClr val="002060"/>
+                  </a:solidFill>
+                  <a:latin typeface="Bahnschrift" pitchFamily="34" charset="0"/>
+                </a:rPr>
+                <a:t>.google.com/</a:t>
+              </a:r>
+              <a:r>
+                <a:rPr lang="pt-BR" sz="2400" b="1" dirty="0" err="1" smtClean="0">
+                  <a:solidFill>
+                    <a:srgbClr val="002060"/>
+                  </a:solidFill>
+                  <a:latin typeface="Bahnschrift" pitchFamily="34" charset="0"/>
+                </a:rPr>
+                <a:t>bwt-pmee-acz</a:t>
+              </a:r>
+              <a:endParaRPr lang="pt-BR" sz="2400" b="1" dirty="0">
+                <a:solidFill>
+                  <a:srgbClr val="002060"/>
+                </a:solidFill>
+                <a:latin typeface="Bahnschrift" pitchFamily="34" charset="0"/>
+              </a:endParaRPr>
+            </a:p>
+          </p:txBody>
+        </p:sp>
+      </p:grpSp>
+    </p:spTree>
+  </p:cSld>
+  <p:clrMapOvr>
+    <a:masterClrMapping/>
+  </p:clrMapOvr>
+  <p:timing>
+    <p:tnLst>
+      <p:par>
+        <p:cTn id="1" dur="indefinite" restart="never" nodeType="tmRoot"/>
+      </p:par>
+    </p:tnLst>
+  </p:timing>
+</p:sld>
+</file>
+
 <file path=ppt/theme/theme1.xml><?xml version="1.0" encoding="utf-8"?>
 <a:theme xmlns:a="http://schemas.openxmlformats.org/drawingml/2006/main" name="Tema do Office">
   <a:themeElements>

--- a/libs/uds/flyer.pptx
+++ b/libs/uds/flyer.pptx
@@ -5,7 +5,7 @@
     <p:sldMasterId id="2147483648" r:id="rId1"/>
   </p:sldMasterIdLst>
   <p:notesMasterIdLst>
-    <p:notesMasterId r:id="rId7"/>
+    <p:notesMasterId r:id="rId8"/>
   </p:notesMasterIdLst>
   <p:sldIdLst>
     <p:sldId id="256" r:id="rId2"/>
@@ -13,6 +13,7 @@
     <p:sldId id="258" r:id="rId4"/>
     <p:sldId id="259" r:id="rId5"/>
     <p:sldId id="260" r:id="rId6"/>
+    <p:sldId id="261" r:id="rId7"/>
   </p:sldIdLst>
   <p:sldSz cx="9144000" cy="6858000" type="screen4x3"/>
   <p:notesSz cx="6858000" cy="9144000"/>
@@ -197,7 +198,7 @@
             <a:fld id="{03CA6A64-D8DA-4790-AC21-8D1D39F048E7}" type="datetimeFigureOut">
               <a:rPr lang="pt-BR" smtClean="0"/>
               <a:pPr/>
-              <a:t>29/05/2020</a:t>
+              <a:t>04/06/2020</a:t>
             </a:fld>
             <a:endParaRPr lang="pt-BR"/>
           </a:p>
@@ -809,7 +810,7 @@
             <a:fld id="{32EE085F-AAA4-4482-A02A-EDCE077316B0}" type="datetimeFigureOut">
               <a:rPr lang="pt-BR" smtClean="0"/>
               <a:pPr/>
-              <a:t>29/05/2020</a:t>
+              <a:t>04/06/2020</a:t>
             </a:fld>
             <a:endParaRPr lang="pt-BR"/>
           </a:p>
@@ -976,7 +977,7 @@
             <a:fld id="{32EE085F-AAA4-4482-A02A-EDCE077316B0}" type="datetimeFigureOut">
               <a:rPr lang="pt-BR" smtClean="0"/>
               <a:pPr/>
-              <a:t>29/05/2020</a:t>
+              <a:t>04/06/2020</a:t>
             </a:fld>
             <a:endParaRPr lang="pt-BR"/>
           </a:p>
@@ -1153,7 +1154,7 @@
             <a:fld id="{32EE085F-AAA4-4482-A02A-EDCE077316B0}" type="datetimeFigureOut">
               <a:rPr lang="pt-BR" smtClean="0"/>
               <a:pPr/>
-              <a:t>29/05/2020</a:t>
+              <a:t>04/06/2020</a:t>
             </a:fld>
             <a:endParaRPr lang="pt-BR"/>
           </a:p>
@@ -1320,7 +1321,7 @@
             <a:fld id="{32EE085F-AAA4-4482-A02A-EDCE077316B0}" type="datetimeFigureOut">
               <a:rPr lang="pt-BR" smtClean="0"/>
               <a:pPr/>
-              <a:t>29/05/2020</a:t>
+              <a:t>04/06/2020</a:t>
             </a:fld>
             <a:endParaRPr lang="pt-BR"/>
           </a:p>
@@ -1563,7 +1564,7 @@
             <a:fld id="{32EE085F-AAA4-4482-A02A-EDCE077316B0}" type="datetimeFigureOut">
               <a:rPr lang="pt-BR" smtClean="0"/>
               <a:pPr/>
-              <a:t>29/05/2020</a:t>
+              <a:t>04/06/2020</a:t>
             </a:fld>
             <a:endParaRPr lang="pt-BR"/>
           </a:p>
@@ -1848,7 +1849,7 @@
             <a:fld id="{32EE085F-AAA4-4482-A02A-EDCE077316B0}" type="datetimeFigureOut">
               <a:rPr lang="pt-BR" smtClean="0"/>
               <a:pPr/>
-              <a:t>29/05/2020</a:t>
+              <a:t>04/06/2020</a:t>
             </a:fld>
             <a:endParaRPr lang="pt-BR"/>
           </a:p>
@@ -2267,7 +2268,7 @@
             <a:fld id="{32EE085F-AAA4-4482-A02A-EDCE077316B0}" type="datetimeFigureOut">
               <a:rPr lang="pt-BR" smtClean="0"/>
               <a:pPr/>
-              <a:t>29/05/2020</a:t>
+              <a:t>04/06/2020</a:t>
             </a:fld>
             <a:endParaRPr lang="pt-BR"/>
           </a:p>
@@ -2382,7 +2383,7 @@
             <a:fld id="{32EE085F-AAA4-4482-A02A-EDCE077316B0}" type="datetimeFigureOut">
               <a:rPr lang="pt-BR" smtClean="0"/>
               <a:pPr/>
-              <a:t>29/05/2020</a:t>
+              <a:t>04/06/2020</a:t>
             </a:fld>
             <a:endParaRPr lang="pt-BR"/>
           </a:p>
@@ -2474,7 +2475,7 @@
             <a:fld id="{32EE085F-AAA4-4482-A02A-EDCE077316B0}" type="datetimeFigureOut">
               <a:rPr lang="pt-BR" smtClean="0"/>
               <a:pPr/>
-              <a:t>29/05/2020</a:t>
+              <a:t>04/06/2020</a:t>
             </a:fld>
             <a:endParaRPr lang="pt-BR"/>
           </a:p>
@@ -2748,7 +2749,7 @@
             <a:fld id="{32EE085F-AAA4-4482-A02A-EDCE077316B0}" type="datetimeFigureOut">
               <a:rPr lang="pt-BR" smtClean="0"/>
               <a:pPr/>
-              <a:t>29/05/2020</a:t>
+              <a:t>04/06/2020</a:t>
             </a:fld>
             <a:endParaRPr lang="pt-BR"/>
           </a:p>
@@ -2998,7 +2999,7 @@
             <a:fld id="{32EE085F-AAA4-4482-A02A-EDCE077316B0}" type="datetimeFigureOut">
               <a:rPr lang="pt-BR" smtClean="0"/>
               <a:pPr/>
-              <a:t>29/05/2020</a:t>
+              <a:t>04/06/2020</a:t>
             </a:fld>
             <a:endParaRPr lang="pt-BR"/>
           </a:p>
@@ -3208,7 +3209,7 @@
             <a:fld id="{32EE085F-AAA4-4482-A02A-EDCE077316B0}" type="datetimeFigureOut">
               <a:rPr lang="pt-BR" smtClean="0"/>
               <a:pPr/>
-              <a:t>29/05/2020</a:t>
+              <a:t>04/06/2020</a:t>
             </a:fld>
             <a:endParaRPr lang="pt-BR"/>
           </a:p>
@@ -5928,19 +5929,7 @@
                 <a:rPr lang="pt-BR" sz="2600" b="1" dirty="0" smtClean="0">
                   <a:latin typeface="Ink Free" pitchFamily="66" charset="0"/>
                 </a:rPr>
-                <a:t>Práticas didático-pedagógicas </a:t>
-              </a:r>
-              <a:r>
-                <a:rPr lang="pt-BR" sz="2600" b="1" dirty="0" smtClean="0">
-                  <a:latin typeface="Ink Free" pitchFamily="66" charset="0"/>
-                </a:rPr>
-                <a:t>e </a:t>
-              </a:r>
-              <a:r>
-                <a:rPr lang="pt-BR" sz="2600" b="1" dirty="0" smtClean="0">
-                  <a:latin typeface="Ink Free" pitchFamily="66" charset="0"/>
-                </a:rPr>
-                <a:t>a formação de professores para o exercício responsável da docência online</a:t>
+                <a:t>Práticas didático-pedagógicas e a formação de professores para o exercício responsável da docência online</a:t>
               </a:r>
             </a:p>
           </p:txBody>
@@ -6159,6 +6148,644 @@
                   <a:srgbClr val="002060"/>
                 </a:solidFill>
                 <a:latin typeface="Bahnschrift" pitchFamily="34" charset="0"/>
+              </a:endParaRPr>
+            </a:p>
+          </p:txBody>
+        </p:sp>
+      </p:grpSp>
+    </p:spTree>
+  </p:cSld>
+  <p:clrMapOvr>
+    <a:masterClrMapping/>
+  </p:clrMapOvr>
+  <p:timing>
+    <p:tnLst>
+      <p:par>
+        <p:cTn id="1" dur="indefinite" restart="never" nodeType="tmRoot"/>
+      </p:par>
+    </p:tnLst>
+  </p:timing>
+</p:sld>
+</file>
+
+<file path=ppt/slides/slide6.xml><?xml version="1.0" encoding="utf-8"?>
+<p:sld xmlns:a="http://schemas.openxmlformats.org/drawingml/2006/main" xmlns:r="http://schemas.openxmlformats.org/officeDocument/2006/relationships" xmlns:p="http://schemas.openxmlformats.org/presentationml/2006/main">
+  <p:cSld>
+    <p:spTree>
+      <p:nvGrpSpPr>
+        <p:cNvPr id="1" name=""/>
+        <p:cNvGrpSpPr/>
+        <p:nvPr/>
+      </p:nvGrpSpPr>
+      <p:grpSpPr>
+        <a:xfrm>
+          <a:off x="0" y="0"/>
+          <a:ext cx="0" cy="0"/>
+          <a:chOff x="0" y="0"/>
+          <a:chExt cx="0" cy="0"/>
+        </a:xfrm>
+      </p:grpSpPr>
+      <p:pic>
+        <p:nvPicPr>
+          <p:cNvPr id="11" name="Imagem 10" descr="Rpy.png"/>
+          <p:cNvPicPr>
+            <a:picLocks noChangeAspect="1"/>
+          </p:cNvPicPr>
+          <p:nvPr/>
+        </p:nvPicPr>
+        <p:blipFill>
+          <a:blip r:embed="rId2" cstate="print"/>
+          <a:srcRect l="375" t="32022" r="92044" b="62554"/>
+          <a:stretch>
+            <a:fillRect/>
+          </a:stretch>
+        </p:blipFill>
+        <p:spPr>
+          <a:xfrm>
+            <a:off x="0" y="27384"/>
+            <a:ext cx="9468544" cy="6858000"/>
+          </a:xfrm>
+          <a:prstGeom prst="rect">
+            <a:avLst/>
+          </a:prstGeom>
+        </p:spPr>
+      </p:pic>
+      <p:grpSp>
+        <p:nvGrpSpPr>
+          <p:cNvPr id="13" name="Grupo 12"/>
+          <p:cNvGrpSpPr/>
+          <p:nvPr/>
+        </p:nvGrpSpPr>
+        <p:grpSpPr>
+          <a:xfrm>
+            <a:off x="-612576" y="27384"/>
+            <a:ext cx="10513168" cy="6858000"/>
+            <a:chOff x="-612576" y="27384"/>
+            <a:chExt cx="10513168" cy="6858000"/>
+          </a:xfrm>
+        </p:grpSpPr>
+        <p:pic>
+          <p:nvPicPr>
+            <p:cNvPr id="15" name="Picture 4" descr="https://pbs.twimg.com/media/DfqjHpNU0AIuufg.jpg"/>
+            <p:cNvPicPr>
+              <a:picLocks noChangeAspect="1" noChangeArrowheads="1"/>
+            </p:cNvPicPr>
+            <p:nvPr/>
+          </p:nvPicPr>
+          <p:blipFill>
+            <a:blip r:embed="rId3" cstate="print">
+              <a:duotone>
+                <a:prstClr val="black"/>
+                <a:srgbClr val="FF0000">
+                  <a:tint val="45000"/>
+                  <a:satMod val="400000"/>
+                </a:srgbClr>
+              </a:duotone>
+            </a:blip>
+            <a:srcRect b="9841"/>
+            <a:stretch>
+              <a:fillRect/>
+            </a:stretch>
+          </p:blipFill>
+          <p:spPr bwMode="auto">
+            <a:xfrm>
+              <a:off x="-612576" y="27384"/>
+              <a:ext cx="10513168" cy="6858000"/>
+            </a:xfrm>
+            <a:prstGeom prst="rect">
+              <a:avLst/>
+            </a:prstGeom>
+            <a:noFill/>
+          </p:spPr>
+        </p:pic>
+        <p:pic>
+          <p:nvPicPr>
+            <p:cNvPr id="2" name="Imagem 1" descr="corpus-banner.png"/>
+            <p:cNvPicPr>
+              <a:picLocks noChangeAspect="1"/>
+            </p:cNvPicPr>
+            <p:nvPr/>
+          </p:nvPicPr>
+          <p:blipFill>
+            <a:blip r:embed="rId4" cstate="print"/>
+            <a:stretch>
+              <a:fillRect/>
+            </a:stretch>
+          </p:blipFill>
+          <p:spPr>
+            <a:xfrm>
+              <a:off x="-36512" y="1434877"/>
+              <a:ext cx="3672408" cy="4253755"/>
+            </a:xfrm>
+            <a:prstGeom prst="rect">
+              <a:avLst/>
+            </a:prstGeom>
+          </p:spPr>
+        </p:pic>
+        <p:sp>
+          <p:nvSpPr>
+            <p:cNvPr id="3" name="Retângulo 2"/>
+            <p:cNvSpPr/>
+            <p:nvPr/>
+          </p:nvSpPr>
+          <p:spPr>
+            <a:xfrm>
+              <a:off x="4058346" y="149432"/>
+              <a:ext cx="5410198" cy="903304"/>
+            </a:xfrm>
+            <a:prstGeom prst="rect">
+              <a:avLst/>
+            </a:prstGeom>
+            <a:solidFill>
+              <a:schemeClr val="bg1"/>
+            </a:solidFill>
+            <a:ln>
+              <a:noFill/>
+            </a:ln>
+          </p:spPr>
+          <p:style>
+            <a:lnRef idx="2">
+              <a:schemeClr val="accent1">
+                <a:shade val="50000"/>
+              </a:schemeClr>
+            </a:lnRef>
+            <a:fillRef idx="1">
+              <a:schemeClr val="accent1"/>
+            </a:fillRef>
+            <a:effectRef idx="0">
+              <a:schemeClr val="accent1"/>
+            </a:effectRef>
+            <a:fontRef idx="minor">
+              <a:schemeClr val="lt1"/>
+            </a:fontRef>
+          </p:style>
+          <p:txBody>
+            <a:bodyPr rtlCol="0" anchor="ctr"/>
+            <a:lstStyle/>
+            <a:p>
+              <a:pPr algn="ctr"/>
+              <a:endParaRPr lang="pt-BR" b="1" dirty="0">
+                <a:solidFill>
+                  <a:schemeClr val="tx1"/>
+                </a:solidFill>
+              </a:endParaRPr>
+            </a:p>
+          </p:txBody>
+        </p:sp>
+        <p:sp>
+          <p:nvSpPr>
+            <p:cNvPr id="4" name="Retângulo 3"/>
+            <p:cNvSpPr/>
+            <p:nvPr/>
+          </p:nvSpPr>
+          <p:spPr>
+            <a:xfrm>
+              <a:off x="4070378" y="3613894"/>
+              <a:ext cx="5398166" cy="967234"/>
+            </a:xfrm>
+            <a:prstGeom prst="rect">
+              <a:avLst/>
+            </a:prstGeom>
+            <a:solidFill>
+              <a:schemeClr val="bg1"/>
+            </a:solidFill>
+            <a:ln>
+              <a:noFill/>
+            </a:ln>
+          </p:spPr>
+          <p:style>
+            <a:lnRef idx="2">
+              <a:schemeClr val="accent1">
+                <a:shade val="50000"/>
+              </a:schemeClr>
+            </a:lnRef>
+            <a:fillRef idx="1">
+              <a:schemeClr val="accent1"/>
+            </a:fillRef>
+            <a:effectRef idx="0">
+              <a:schemeClr val="accent1"/>
+            </a:effectRef>
+            <a:fontRef idx="minor">
+              <a:schemeClr val="lt1"/>
+            </a:fontRef>
+          </p:style>
+          <p:txBody>
+            <a:bodyPr rtlCol="0" anchor="ctr"/>
+            <a:lstStyle/>
+            <a:p>
+              <a:pPr algn="ctr"/>
+              <a:r>
+                <a:rPr lang="pt-BR" sz="4400" b="1" dirty="0" smtClean="0">
+                  <a:solidFill>
+                    <a:schemeClr val="tx1"/>
+                  </a:solidFill>
+                  <a:latin typeface="Ink Free" pitchFamily="66" charset="0"/>
+                </a:rPr>
+                <a:t>08/06   </a:t>
+              </a:r>
+              <a:r>
+                <a:rPr lang="pt-BR" sz="4400" b="1" dirty="0" smtClean="0">
+                  <a:solidFill>
+                    <a:schemeClr val="tx1"/>
+                  </a:solidFill>
+                  <a:latin typeface="Ink Free" pitchFamily="66" charset="0"/>
+                </a:rPr>
+                <a:t>14 horas</a:t>
+              </a:r>
+              <a:endParaRPr lang="pt-BR" sz="4400" b="1" dirty="0">
+                <a:solidFill>
+                  <a:schemeClr val="tx1"/>
+                </a:solidFill>
+                <a:latin typeface="Ink Free" pitchFamily="66" charset="0"/>
+              </a:endParaRPr>
+            </a:p>
+          </p:txBody>
+        </p:sp>
+        <p:sp>
+          <p:nvSpPr>
+            <p:cNvPr id="5" name="CaixaDeTexto 4"/>
+            <p:cNvSpPr txBox="1"/>
+            <p:nvPr/>
+          </p:nvSpPr>
+          <p:spPr>
+            <a:xfrm>
+              <a:off x="4139952" y="149432"/>
+              <a:ext cx="5076056" cy="830997"/>
+            </a:xfrm>
+            <a:prstGeom prst="rect">
+              <a:avLst/>
+            </a:prstGeom>
+            <a:noFill/>
+            <a:ln>
+              <a:noFill/>
+            </a:ln>
+          </p:spPr>
+          <p:txBody>
+            <a:bodyPr wrap="square" rtlCol="0">
+              <a:spAutoFit/>
+            </a:bodyPr>
+            <a:lstStyle/>
+            <a:p>
+              <a:pPr algn="just"/>
+              <a:r>
+                <a:rPr lang="pt-BR" sz="2400" b="1" dirty="0" smtClean="0">
+                  <a:latin typeface="Ink Free" pitchFamily="66" charset="0"/>
+                </a:rPr>
+                <a:t>Educação Estatística na promoção do engajamento </a:t>
+              </a:r>
+              <a:r>
+                <a:rPr lang="pt-BR" sz="2400" b="1" dirty="0" smtClean="0">
+                  <a:latin typeface="Ink Free" pitchFamily="66" charset="0"/>
+                </a:rPr>
+                <a:t>cívico</a:t>
+              </a:r>
+              <a:endParaRPr lang="pt-BR" sz="2400" b="1" dirty="0" smtClean="0">
+                <a:latin typeface="Ink Free" pitchFamily="66" charset="0"/>
+              </a:endParaRPr>
+            </a:p>
+          </p:txBody>
+        </p:sp>
+        <p:sp>
+          <p:nvSpPr>
+            <p:cNvPr id="6" name="CaixaDeTexto 5"/>
+            <p:cNvSpPr txBox="1"/>
+            <p:nvPr/>
+          </p:nvSpPr>
+          <p:spPr>
+            <a:xfrm>
+              <a:off x="4860032" y="692696"/>
+              <a:ext cx="4376576" cy="677108"/>
+            </a:xfrm>
+            <a:prstGeom prst="rect">
+              <a:avLst/>
+            </a:prstGeom>
+            <a:noFill/>
+            <a:ln>
+              <a:noFill/>
+            </a:ln>
+          </p:spPr>
+          <p:txBody>
+            <a:bodyPr wrap="square" rtlCol="0">
+              <a:spAutoFit/>
+            </a:bodyPr>
+            <a:lstStyle/>
+            <a:p>
+              <a:pPr algn="r"/>
+              <a:r>
+                <a:rPr lang="pt-BR" sz="2000" b="1" dirty="0" smtClean="0">
+                  <a:latin typeface="Ink Free" pitchFamily="66" charset="0"/>
+                </a:rPr>
+                <a:t>Prof. </a:t>
+              </a:r>
+              <a:r>
+                <a:rPr lang="pt-BR" sz="2000" b="1" dirty="0" smtClean="0">
+                  <a:latin typeface="Ink Free" pitchFamily="66" charset="0"/>
+                </a:rPr>
+                <a:t>Alexandre </a:t>
+              </a:r>
+              <a:r>
+                <a:rPr lang="pt-BR" sz="2000" b="1" dirty="0" smtClean="0">
+                  <a:latin typeface="Ink Free" pitchFamily="66" charset="0"/>
+                </a:rPr>
+                <a:t>Silva</a:t>
+              </a:r>
+              <a:endParaRPr lang="pt-BR" sz="2000" b="1" dirty="0" smtClean="0">
+                <a:latin typeface="Ink Free" pitchFamily="66" charset="0"/>
+              </a:endParaRPr>
+            </a:p>
+            <a:p>
+              <a:pPr algn="r"/>
+              <a:endParaRPr lang="pt-BR" b="1" dirty="0">
+                <a:latin typeface="Ink Free" pitchFamily="66" charset="0"/>
+              </a:endParaRPr>
+            </a:p>
+          </p:txBody>
+        </p:sp>
+        <p:sp>
+          <p:nvSpPr>
+            <p:cNvPr id="7" name="Retângulo 6"/>
+            <p:cNvSpPr/>
+            <p:nvPr/>
+          </p:nvSpPr>
+          <p:spPr>
+            <a:xfrm>
+              <a:off x="4064008" y="4692848"/>
+              <a:ext cx="5404536" cy="968400"/>
+            </a:xfrm>
+            <a:prstGeom prst="rect">
+              <a:avLst/>
+            </a:prstGeom>
+            <a:solidFill>
+              <a:schemeClr val="bg1"/>
+            </a:solidFill>
+            <a:ln>
+              <a:noFill/>
+            </a:ln>
+          </p:spPr>
+          <p:style>
+            <a:lnRef idx="2">
+              <a:schemeClr val="accent1">
+                <a:shade val="50000"/>
+              </a:schemeClr>
+            </a:lnRef>
+            <a:fillRef idx="1">
+              <a:schemeClr val="accent1"/>
+            </a:fillRef>
+            <a:effectRef idx="0">
+              <a:schemeClr val="accent1"/>
+            </a:effectRef>
+            <a:fontRef idx="minor">
+              <a:schemeClr val="lt1"/>
+            </a:fontRef>
+          </p:style>
+          <p:txBody>
+            <a:bodyPr rtlCol="0" anchor="ctr"/>
+            <a:lstStyle/>
+            <a:p>
+              <a:pPr algn="ctr"/>
+              <a:r>
+                <a:rPr lang="pt-BR" sz="2000" b="1" dirty="0" smtClean="0">
+                  <a:solidFill>
+                    <a:schemeClr val="tx1"/>
+                  </a:solidFill>
+                  <a:latin typeface="Ink Free" pitchFamily="66" charset="0"/>
+                </a:rPr>
+                <a:t>mediação: </a:t>
+              </a:r>
+              <a:r>
+                <a:rPr lang="pt-BR" sz="2000" b="1" dirty="0" smtClean="0">
+                  <a:solidFill>
+                    <a:schemeClr val="tx1"/>
+                  </a:solidFill>
+                  <a:latin typeface="Ink Free" pitchFamily="66" charset="0"/>
+                </a:rPr>
+                <a:t> </a:t>
+              </a:r>
+              <a:r>
+                <a:rPr lang="pt-BR" sz="2000" b="1" dirty="0" err="1" smtClean="0">
+                  <a:solidFill>
+                    <a:schemeClr val="tx1"/>
+                  </a:solidFill>
+                  <a:latin typeface="Ink Free" pitchFamily="66" charset="0"/>
+                </a:rPr>
+                <a:t>Profa</a:t>
+              </a:r>
+              <a:r>
+                <a:rPr lang="pt-BR" sz="2000" b="1" dirty="0" smtClean="0">
+                  <a:solidFill>
+                    <a:schemeClr val="tx1"/>
+                  </a:solidFill>
+                  <a:latin typeface="Ink Free" pitchFamily="66" charset="0"/>
+                </a:rPr>
+                <a:t>. Letícia Raposo</a:t>
+              </a:r>
+              <a:endParaRPr lang="pt-BR" sz="2000" b="1" dirty="0" smtClean="0">
+                <a:solidFill>
+                  <a:schemeClr val="tx1"/>
+                </a:solidFill>
+                <a:latin typeface="Ink Free" pitchFamily="66" charset="0"/>
+              </a:endParaRPr>
+            </a:p>
+          </p:txBody>
+        </p:sp>
+        <p:sp>
+          <p:nvSpPr>
+            <p:cNvPr id="8" name="Retângulo 7"/>
+            <p:cNvSpPr/>
+            <p:nvPr/>
+          </p:nvSpPr>
+          <p:spPr>
+            <a:xfrm>
+              <a:off x="4062817" y="5733256"/>
+              <a:ext cx="5405727" cy="1074704"/>
+            </a:xfrm>
+            <a:prstGeom prst="rect">
+              <a:avLst/>
+            </a:prstGeom>
+            <a:solidFill>
+              <a:schemeClr val="bg1"/>
+            </a:solidFill>
+            <a:ln>
+              <a:noFill/>
+            </a:ln>
+          </p:spPr>
+          <p:style>
+            <a:lnRef idx="2">
+              <a:schemeClr val="accent1">
+                <a:shade val="50000"/>
+              </a:schemeClr>
+            </a:lnRef>
+            <a:fillRef idx="1">
+              <a:schemeClr val="accent1"/>
+            </a:fillRef>
+            <a:effectRef idx="0">
+              <a:schemeClr val="accent1"/>
+            </a:effectRef>
+            <a:fontRef idx="minor">
+              <a:schemeClr val="lt1"/>
+            </a:fontRef>
+          </p:style>
+          <p:txBody>
+            <a:bodyPr rtlCol="0" anchor="ctr"/>
+            <a:lstStyle/>
+            <a:p>
+              <a:pPr algn="ctr"/>
+              <a:r>
+                <a:rPr lang="pt-BR" sz="2400" dirty="0" smtClean="0">
+                  <a:solidFill>
+                    <a:schemeClr val="tx1"/>
+                  </a:solidFill>
+                  <a:latin typeface="Forte" pitchFamily="66" charset="0"/>
+                </a:rPr>
+                <a:t>Link </a:t>
+              </a:r>
+              <a:r>
+                <a:rPr lang="pt-BR" sz="2400" dirty="0">
+                  <a:solidFill>
+                    <a:schemeClr val="tx1"/>
+                  </a:solidFill>
+                  <a:latin typeface="Forte" pitchFamily="66" charset="0"/>
+                </a:rPr>
+                <a:t>para o </a:t>
+              </a:r>
+              <a:r>
+                <a:rPr lang="pt-BR" sz="2400" dirty="0" smtClean="0">
+                  <a:solidFill>
+                    <a:schemeClr val="tx1"/>
+                  </a:solidFill>
+                  <a:latin typeface="Forte" pitchFamily="66" charset="0"/>
+                </a:rPr>
+                <a:t>evento</a:t>
+              </a:r>
+            </a:p>
+            <a:p>
+              <a:pPr algn="ctr"/>
+              <a:r>
+                <a:rPr lang="pt-BR" sz="2400" b="1" dirty="0" err="1" smtClean="0">
+                  <a:solidFill>
+                    <a:srgbClr val="002060"/>
+                  </a:solidFill>
+                  <a:latin typeface="Bahnschrift" pitchFamily="34" charset="0"/>
+                  <a:hlinkClick r:id="rId5"/>
+                </a:rPr>
+                <a:t>meet</a:t>
+              </a:r>
+              <a:r>
+                <a:rPr lang="pt-BR" sz="2400" b="1" dirty="0" smtClean="0">
+                  <a:solidFill>
+                    <a:srgbClr val="002060"/>
+                  </a:solidFill>
+                  <a:latin typeface="Bahnschrift" pitchFamily="34" charset="0"/>
+                  <a:hlinkClick r:id="rId5"/>
+                </a:rPr>
+                <a:t>.google.com/</a:t>
+              </a:r>
+              <a:r>
+                <a:rPr lang="pt-BR" sz="2400" b="1" dirty="0" err="1" smtClean="0">
+                  <a:solidFill>
+                    <a:srgbClr val="002060"/>
+                  </a:solidFill>
+                  <a:latin typeface="Bahnschrift" pitchFamily="34" charset="0"/>
+                  <a:hlinkClick r:id="rId5"/>
+                </a:rPr>
+                <a:t>axv-azca-rwq</a:t>
+              </a:r>
+              <a:r>
+                <a:rPr lang="pt-BR" sz="2400" b="1" dirty="0" smtClean="0">
+                  <a:solidFill>
+                    <a:srgbClr val="002060"/>
+                  </a:solidFill>
+                  <a:latin typeface="Bahnschrift" pitchFamily="34" charset="0"/>
+                  <a:hlinkClick r:id="rId5"/>
+                </a:rPr>
+                <a:t> </a:t>
+              </a:r>
+              <a:endParaRPr lang="pt-BR" sz="2400" b="1" dirty="0">
+                <a:solidFill>
+                  <a:srgbClr val="002060"/>
+                </a:solidFill>
+                <a:latin typeface="Bahnschrift" pitchFamily="34" charset="0"/>
+              </a:endParaRPr>
+            </a:p>
+          </p:txBody>
+        </p:sp>
+        <p:sp>
+          <p:nvSpPr>
+            <p:cNvPr id="12" name="Retângulo 11"/>
+            <p:cNvSpPr/>
+            <p:nvPr/>
+          </p:nvSpPr>
+          <p:spPr>
+            <a:xfrm>
+              <a:off x="4067944" y="1124744"/>
+              <a:ext cx="5400600" cy="2376264"/>
+            </a:xfrm>
+            <a:prstGeom prst="rect">
+              <a:avLst/>
+            </a:prstGeom>
+            <a:solidFill>
+              <a:schemeClr val="bg1"/>
+            </a:solidFill>
+            <a:ln>
+              <a:noFill/>
+            </a:ln>
+          </p:spPr>
+          <p:style>
+            <a:lnRef idx="2">
+              <a:schemeClr val="accent1">
+                <a:shade val="50000"/>
+              </a:schemeClr>
+            </a:lnRef>
+            <a:fillRef idx="1">
+              <a:schemeClr val="accent1"/>
+            </a:fillRef>
+            <a:effectRef idx="0">
+              <a:schemeClr val="accent1"/>
+            </a:effectRef>
+            <a:fontRef idx="minor">
+              <a:schemeClr val="lt1"/>
+            </a:fontRef>
+          </p:style>
+          <p:txBody>
+            <a:bodyPr rtlCol="0" anchor="ctr"/>
+            <a:lstStyle/>
+            <a:p>
+              <a:pPr algn="just"/>
+              <a:r>
+                <a:rPr lang="pt-BR" sz="1600" b="1" dirty="0" smtClean="0">
+                  <a:solidFill>
+                    <a:schemeClr val="tx1"/>
+                  </a:solidFill>
+                  <a:latin typeface="Ink Free" pitchFamily="66" charset="0"/>
+                </a:rPr>
+                <a:t>Os fenômenos sociais são complexos e as democracias precisam de cidadãos que possam explorar, entender e raciocinar sobre evidências e informações fundamentadas em dados e resultados estatísticos. </a:t>
+              </a:r>
+            </a:p>
+            <a:p>
+              <a:pPr algn="just"/>
+              <a:r>
+                <a:rPr lang="pt-BR" sz="1600" b="1" dirty="0" smtClean="0">
+                  <a:solidFill>
+                    <a:schemeClr val="tx1"/>
+                  </a:solidFill>
+                  <a:latin typeface="Ink Free" pitchFamily="66" charset="0"/>
+                </a:rPr>
+                <a:t>Nessa conversa serão apresentadas iniciativas metodológicas, ferramentas computacionais, portais e artigos que apoiam e incentivam o desenvolvimento de cidadãos ativos e capacitados a participar de decisões da sociedade</a:t>
+              </a:r>
+              <a:r>
+                <a:rPr lang="pt-BR" sz="1600" b="1" dirty="0" smtClean="0">
+                  <a:solidFill>
+                    <a:schemeClr val="tx1"/>
+                  </a:solidFill>
+                  <a:latin typeface="Ink Free" pitchFamily="66" charset="0"/>
+                </a:rPr>
+                <a:t>.</a:t>
+              </a:r>
+              <a:endParaRPr lang="pt-BR" sz="2800" b="1" dirty="0" smtClean="0">
+                <a:solidFill>
+                  <a:schemeClr val="tx1"/>
+                </a:solidFill>
+                <a:latin typeface="Ink Free" pitchFamily="66" charset="0"/>
               </a:endParaRPr>
             </a:p>
           </p:txBody>

--- a/libs/uds/flyer.pptx
+++ b/libs/uds/flyer.pptx
@@ -5,15 +5,16 @@
     <p:sldMasterId id="2147483648" r:id="rId1"/>
   </p:sldMasterIdLst>
   <p:notesMasterIdLst>
-    <p:notesMasterId r:id="rId8"/>
+    <p:notesMasterId r:id="rId9"/>
   </p:notesMasterIdLst>
   <p:sldIdLst>
     <p:sldId id="256" r:id="rId2"/>
-    <p:sldId id="257" r:id="rId3"/>
-    <p:sldId id="258" r:id="rId4"/>
-    <p:sldId id="259" r:id="rId5"/>
-    <p:sldId id="260" r:id="rId6"/>
-    <p:sldId id="261" r:id="rId7"/>
+    <p:sldId id="262" r:id="rId3"/>
+    <p:sldId id="257" r:id="rId4"/>
+    <p:sldId id="258" r:id="rId5"/>
+    <p:sldId id="259" r:id="rId6"/>
+    <p:sldId id="260" r:id="rId7"/>
+    <p:sldId id="261" r:id="rId8"/>
   </p:sldIdLst>
   <p:sldSz cx="9144000" cy="6858000" type="screen4x3"/>
   <p:notesSz cx="6858000" cy="9144000"/>
@@ -615,6 +616,88 @@
               <a:rPr lang="pt-BR" smtClean="0"/>
               <a:pPr/>
               <a:t>2</a:t>
+            </a:fld>
+            <a:endParaRPr lang="pt-BR"/>
+          </a:p>
+        </p:txBody>
+      </p:sp>
+    </p:spTree>
+  </p:cSld>
+  <p:clrMapOvr>
+    <a:masterClrMapping/>
+  </p:clrMapOvr>
+</p:notes>
+</file>
+
+<file path=ppt/notesSlides/notesSlide3.xml><?xml version="1.0" encoding="utf-8"?>
+<p:notes xmlns:a="http://schemas.openxmlformats.org/drawingml/2006/main" xmlns:r="http://schemas.openxmlformats.org/officeDocument/2006/relationships" xmlns:p="http://schemas.openxmlformats.org/presentationml/2006/main">
+  <p:cSld>
+    <p:spTree>
+      <p:nvGrpSpPr>
+        <p:cNvPr id="1" name=""/>
+        <p:cNvGrpSpPr/>
+        <p:nvPr/>
+      </p:nvGrpSpPr>
+      <p:grpSpPr>
+        <a:xfrm>
+          <a:off x="0" y="0"/>
+          <a:ext cx="0" cy="0"/>
+          <a:chOff x="0" y="0"/>
+          <a:chExt cx="0" cy="0"/>
+        </a:xfrm>
+      </p:grpSpPr>
+      <p:sp>
+        <p:nvSpPr>
+          <p:cNvPr id="2" name="Espaço Reservado para Imagem de Slide 1"/>
+          <p:cNvSpPr>
+            <a:spLocks noGrp="1" noRot="1" noChangeAspect="1"/>
+          </p:cNvSpPr>
+          <p:nvPr>
+            <p:ph type="sldImg"/>
+          </p:nvPr>
+        </p:nvSpPr>
+        <p:spPr/>
+      </p:sp>
+      <p:sp>
+        <p:nvSpPr>
+          <p:cNvPr id="3" name="Espaço Reservado para Anotações 2"/>
+          <p:cNvSpPr>
+            <a:spLocks noGrp="1"/>
+          </p:cNvSpPr>
+          <p:nvPr>
+            <p:ph type="body" idx="1"/>
+          </p:nvPr>
+        </p:nvSpPr>
+        <p:spPr/>
+        <p:txBody>
+          <a:bodyPr>
+            <a:normAutofit/>
+          </a:bodyPr>
+          <a:lstStyle/>
+          <a:p>
+            <a:endParaRPr lang="pt-BR" dirty="0"/>
+          </a:p>
+        </p:txBody>
+      </p:sp>
+      <p:sp>
+        <p:nvSpPr>
+          <p:cNvPr id="4" name="Espaço Reservado para Número de Slide 3"/>
+          <p:cNvSpPr>
+            <a:spLocks noGrp="1"/>
+          </p:cNvSpPr>
+          <p:nvPr>
+            <p:ph type="sldNum" sz="quarter" idx="10"/>
+          </p:nvPr>
+        </p:nvSpPr>
+        <p:spPr/>
+        <p:txBody>
+          <a:bodyPr/>
+          <a:lstStyle/>
+          <a:p>
+            <a:fld id="{BD1B4987-2CC4-4667-87C8-8C2E08797078}" type="slidenum">
+              <a:rPr lang="pt-BR" smtClean="0"/>
+              <a:pPr/>
+              <a:t>3</a:t>
             </a:fld>
             <a:endParaRPr lang="pt-BR"/>
           </a:p>
@@ -3580,9 +3663,67 @@
           <a:chExt cx="0" cy="0"/>
         </a:xfrm>
       </p:grpSpPr>
+      <p:pic>
+        <p:nvPicPr>
+          <p:cNvPr id="1028" name="Picture 4" descr="https://pbs.twimg.com/media/DfqjHpNU0AIuufg.jpg"/>
+          <p:cNvPicPr>
+            <a:picLocks noChangeAspect="1" noChangeArrowheads="1"/>
+          </p:cNvPicPr>
+          <p:nvPr/>
+        </p:nvPicPr>
+        <p:blipFill>
+          <a:blip r:embed="rId3" cstate="print"/>
+          <a:srcRect/>
+          <a:stretch>
+            <a:fillRect/>
+          </a:stretch>
+        </p:blipFill>
+        <p:spPr bwMode="auto">
+          <a:xfrm>
+            <a:off x="35496" y="0"/>
+            <a:ext cx="10513168" cy="7317431"/>
+          </a:xfrm>
+          <a:prstGeom prst="rect">
+            <a:avLst/>
+          </a:prstGeom>
+          <a:noFill/>
+        </p:spPr>
+      </p:pic>
+    </p:spTree>
+  </p:cSld>
+  <p:clrMapOvr>
+    <a:masterClrMapping/>
+  </p:clrMapOvr>
+  <p:timing>
+    <p:tnLst>
+      <p:par>
+        <p:cTn id="1" dur="indefinite" restart="never" nodeType="tmRoot"/>
+      </p:par>
+    </p:tnLst>
+  </p:timing>
+</p:sld>
+</file>
+
+<file path=ppt/slides/slide2.xml><?xml version="1.0" encoding="utf-8"?>
+<p:sld xmlns:a="http://schemas.openxmlformats.org/drawingml/2006/main" xmlns:r="http://schemas.openxmlformats.org/officeDocument/2006/relationships" xmlns:p="http://schemas.openxmlformats.org/presentationml/2006/main">
+  <p:cSld>
+    <p:spTree>
+      <p:nvGrpSpPr>
+        <p:cNvPr id="1" name=""/>
+        <p:cNvGrpSpPr/>
+        <p:nvPr/>
+      </p:nvGrpSpPr>
+      <p:grpSpPr>
+        <a:xfrm>
+          <a:off x="0" y="0"/>
+          <a:ext cx="0" cy="0"/>
+          <a:chOff x="0" y="0"/>
+          <a:chExt cx="0" cy="0"/>
+        </a:xfrm>
+      </p:grpSpPr>
       <p:grpSp>
         <p:nvGrpSpPr>
-          <p:cNvPr id="18" name="Grupo 17"/>
+          <p:cNvPr id="2" name="Grupo 17"/>
           <p:cNvGrpSpPr/>
           <p:nvPr/>
         </p:nvGrpSpPr>
@@ -3945,7 +4086,7 @@
         </p:sp>
         <p:grpSp>
           <p:nvGrpSpPr>
-            <p:cNvPr id="15" name="Grupo 14"/>
+            <p:cNvPr id="3" name="Grupo 14"/>
             <p:cNvGrpSpPr/>
             <p:nvPr/>
           </p:nvGrpSpPr>
@@ -4068,7 +4209,7 @@
 </p:sld>
 </file>
 
-<file path=ppt/slides/slide2.xml><?xml version="1.0" encoding="utf-8"?>
+<file path=ppt/slides/slide3.xml><?xml version="1.0" encoding="utf-8"?>
 <p:sld xmlns:a="http://schemas.openxmlformats.org/drawingml/2006/main" xmlns:r="http://schemas.openxmlformats.org/officeDocument/2006/relationships" xmlns:p="http://schemas.openxmlformats.org/presentationml/2006/main">
   <p:cSld>
     <p:spTree>
@@ -4564,7 +4705,7 @@
 </p:sld>
 </file>
 
-<file path=ppt/slides/slide3.xml><?xml version="1.0" encoding="utf-8"?>
+<file path=ppt/slides/slide4.xml><?xml version="1.0" encoding="utf-8"?>
 <p:sld xmlns:a="http://schemas.openxmlformats.org/drawingml/2006/main" xmlns:r="http://schemas.openxmlformats.org/officeDocument/2006/relationships" xmlns:p="http://schemas.openxmlformats.org/presentationml/2006/main">
   <p:cSld>
     <p:spTree>
@@ -5085,7 +5226,7 @@
 </p:sld>
 </file>
 
-<file path=ppt/slides/slide4.xml><?xml version="1.0" encoding="utf-8"?>
+<file path=ppt/slides/slide5.xml><?xml version="1.0" encoding="utf-8"?>
 <p:sld xmlns:a="http://schemas.openxmlformats.org/drawingml/2006/main" xmlns:r="http://schemas.openxmlformats.org/officeDocument/2006/relationships" xmlns:p="http://schemas.openxmlformats.org/presentationml/2006/main">
   <p:cSld>
     <p:spTree>
@@ -5657,7 +5798,7 @@
 </p:sld>
 </file>
 
-<file path=ppt/slides/slide5.xml><?xml version="1.0" encoding="utf-8"?>
+<file path=ppt/slides/slide6.xml><?xml version="1.0" encoding="utf-8"?>
 <p:sld xmlns:a="http://schemas.openxmlformats.org/drawingml/2006/main" xmlns:r="http://schemas.openxmlformats.org/officeDocument/2006/relationships" xmlns:p="http://schemas.openxmlformats.org/presentationml/2006/main">
   <p:cSld>
     <p:spTree>
@@ -6168,7 +6309,7 @@
 </p:sld>
 </file>
 
-<file path=ppt/slides/slide6.xml><?xml version="1.0" encoding="utf-8"?>
+<file path=ppt/slides/slide7.xml><?xml version="1.0" encoding="utf-8"?>
 <p:sld xmlns:a="http://schemas.openxmlformats.org/drawingml/2006/main" xmlns:r="http://schemas.openxmlformats.org/officeDocument/2006/relationships" xmlns:p="http://schemas.openxmlformats.org/presentationml/2006/main">
   <p:cSld>
     <p:spTree>
@@ -6381,16 +6522,7 @@
                   </a:solidFill>
                   <a:latin typeface="Ink Free" pitchFamily="66" charset="0"/>
                 </a:rPr>
-                <a:t>08/06   </a:t>
-              </a:r>
-              <a:r>
-                <a:rPr lang="pt-BR" sz="4400" b="1" dirty="0" smtClean="0">
-                  <a:solidFill>
-                    <a:schemeClr val="tx1"/>
-                  </a:solidFill>
-                  <a:latin typeface="Ink Free" pitchFamily="66" charset="0"/>
-                </a:rPr>
-                <a:t>14 horas</a:t>
+                <a:t>08/06   14 horas</a:t>
               </a:r>
               <a:endParaRPr lang="pt-BR" sz="4400" b="1" dirty="0">
                 <a:solidFill>
@@ -6431,17 +6563,8 @@
                 <a:rPr lang="pt-BR" sz="2400" b="1" dirty="0" smtClean="0">
                   <a:latin typeface="Ink Free" pitchFamily="66" charset="0"/>
                 </a:rPr>
-                <a:t>Educação Estatística na promoção do engajamento </a:t>
+                <a:t>Educação Estatística na promoção do engajamento cívico</a:t>
               </a:r>
-              <a:r>
-                <a:rPr lang="pt-BR" sz="2400" b="1" dirty="0" smtClean="0">
-                  <a:latin typeface="Ink Free" pitchFamily="66" charset="0"/>
-                </a:rPr>
-                <a:t>cívico</a:t>
-              </a:r>
-              <a:endParaRPr lang="pt-BR" sz="2400" b="1" dirty="0" smtClean="0">
-                <a:latin typeface="Ink Free" pitchFamily="66" charset="0"/>
-              </a:endParaRPr>
             </a:p>
           </p:txBody>
         </p:sp>
@@ -6475,23 +6598,8 @@
                 <a:rPr lang="pt-BR" sz="2000" b="1" dirty="0" smtClean="0">
                   <a:latin typeface="Ink Free" pitchFamily="66" charset="0"/>
                 </a:rPr>
-                <a:t>Prof. </a:t>
+                <a:t>Prof. Alexandre Silva</a:t>
               </a:r>
-              <a:r>
-                <a:rPr lang="pt-BR" sz="2000" b="1" dirty="0" smtClean="0">
-                  <a:latin typeface="Ink Free" pitchFamily="66" charset="0"/>
-                </a:rPr>
-                <a:t>Alexandre </a:t>
-              </a:r>
-              <a:r>
-                <a:rPr lang="pt-BR" sz="2000" b="1" dirty="0" smtClean="0">
-                  <a:latin typeface="Ink Free" pitchFamily="66" charset="0"/>
-                </a:rPr>
-                <a:t>Silva</a:t>
-              </a:r>
-              <a:endParaRPr lang="pt-BR" sz="2000" b="1" dirty="0" smtClean="0">
-                <a:latin typeface="Ink Free" pitchFamily="66" charset="0"/>
-              </a:endParaRPr>
             </a:p>
             <a:p>
               <a:pPr algn="r"/>
@@ -6550,16 +6658,7 @@
                   </a:solidFill>
                   <a:latin typeface="Ink Free" pitchFamily="66" charset="0"/>
                 </a:rPr>
-                <a:t>mediação: </a:t>
-              </a:r>
-              <a:r>
-                <a:rPr lang="pt-BR" sz="2000" b="1" dirty="0" smtClean="0">
-                  <a:solidFill>
-                    <a:schemeClr val="tx1"/>
-                  </a:solidFill>
-                  <a:latin typeface="Ink Free" pitchFamily="66" charset="0"/>
-                </a:rPr>
-                <a:t> </a:t>
+                <a:t>mediação:  </a:t>
               </a:r>
               <a:r>
                 <a:rPr lang="pt-BR" sz="2000" b="1" dirty="0" err="1" smtClean="0">
@@ -6579,12 +6678,6 @@
                 </a:rPr>
                 <a:t>. Letícia Raposo</a:t>
               </a:r>
-              <a:endParaRPr lang="pt-BR" sz="2000" b="1" dirty="0" smtClean="0">
-                <a:solidFill>
-                  <a:schemeClr val="tx1"/>
-                </a:solidFill>
-                <a:latin typeface="Ink Free" pitchFamily="66" charset="0"/>
-              </a:endParaRPr>
             </a:p>
           </p:txBody>
         </p:sp>
@@ -6770,16 +6863,7 @@
                   </a:solidFill>
                   <a:latin typeface="Ink Free" pitchFamily="66" charset="0"/>
                 </a:rPr>
-                <a:t>Nessa conversa serão apresentadas iniciativas metodológicas, ferramentas computacionais, portais e artigos que apoiam e incentivam o desenvolvimento de cidadãos ativos e capacitados a participar de decisões da sociedade</a:t>
-              </a:r>
-              <a:r>
-                <a:rPr lang="pt-BR" sz="1600" b="1" dirty="0" smtClean="0">
-                  <a:solidFill>
-                    <a:schemeClr val="tx1"/>
-                  </a:solidFill>
-                  <a:latin typeface="Ink Free" pitchFamily="66" charset="0"/>
-                </a:rPr>
-                <a:t>.</a:t>
+                <a:t>Nessa conversa serão apresentadas iniciativas metodológicas, ferramentas computacionais, portais e artigos que apoiam e incentivam o desenvolvimento de cidadãos ativos e capacitados a participar de decisões da sociedade.</a:t>
               </a:r>
               <a:endParaRPr lang="pt-BR" sz="2800" b="1" dirty="0" smtClean="0">
                 <a:solidFill>

--- a/libs/uds/flyer.pptx
+++ b/libs/uds/flyer.pptx
@@ -5,7 +5,7 @@
     <p:sldMasterId id="2147483648" r:id="rId1"/>
   </p:sldMasterIdLst>
   <p:notesMasterIdLst>
-    <p:notesMasterId r:id="rId9"/>
+    <p:notesMasterId r:id="rId10"/>
   </p:notesMasterIdLst>
   <p:sldIdLst>
     <p:sldId id="256" r:id="rId2"/>
@@ -15,6 +15,7 @@
     <p:sldId id="259" r:id="rId6"/>
     <p:sldId id="260" r:id="rId7"/>
     <p:sldId id="261" r:id="rId8"/>
+    <p:sldId id="263" r:id="rId9"/>
   </p:sldIdLst>
   <p:sldSz cx="9144000" cy="6858000" type="screen4x3"/>
   <p:notesSz cx="6858000" cy="9144000"/>
@@ -199,7 +200,7 @@
             <a:fld id="{03CA6A64-D8DA-4790-AC21-8D1D39F048E7}" type="datetimeFigureOut">
               <a:rPr lang="pt-BR" smtClean="0"/>
               <a:pPr/>
-              <a:t>04/06/2020</a:t>
+              <a:t>12/06/2020</a:t>
             </a:fld>
             <a:endParaRPr lang="pt-BR"/>
           </a:p>
@@ -893,7 +894,7 @@
             <a:fld id="{32EE085F-AAA4-4482-A02A-EDCE077316B0}" type="datetimeFigureOut">
               <a:rPr lang="pt-BR" smtClean="0"/>
               <a:pPr/>
-              <a:t>04/06/2020</a:t>
+              <a:t>12/06/2020</a:t>
             </a:fld>
             <a:endParaRPr lang="pt-BR"/>
           </a:p>
@@ -1060,7 +1061,7 @@
             <a:fld id="{32EE085F-AAA4-4482-A02A-EDCE077316B0}" type="datetimeFigureOut">
               <a:rPr lang="pt-BR" smtClean="0"/>
               <a:pPr/>
-              <a:t>04/06/2020</a:t>
+              <a:t>12/06/2020</a:t>
             </a:fld>
             <a:endParaRPr lang="pt-BR"/>
           </a:p>
@@ -1237,7 +1238,7 @@
             <a:fld id="{32EE085F-AAA4-4482-A02A-EDCE077316B0}" type="datetimeFigureOut">
               <a:rPr lang="pt-BR" smtClean="0"/>
               <a:pPr/>
-              <a:t>04/06/2020</a:t>
+              <a:t>12/06/2020</a:t>
             </a:fld>
             <a:endParaRPr lang="pt-BR"/>
           </a:p>
@@ -1404,7 +1405,7 @@
             <a:fld id="{32EE085F-AAA4-4482-A02A-EDCE077316B0}" type="datetimeFigureOut">
               <a:rPr lang="pt-BR" smtClean="0"/>
               <a:pPr/>
-              <a:t>04/06/2020</a:t>
+              <a:t>12/06/2020</a:t>
             </a:fld>
             <a:endParaRPr lang="pt-BR"/>
           </a:p>
@@ -1647,7 +1648,7 @@
             <a:fld id="{32EE085F-AAA4-4482-A02A-EDCE077316B0}" type="datetimeFigureOut">
               <a:rPr lang="pt-BR" smtClean="0"/>
               <a:pPr/>
-              <a:t>04/06/2020</a:t>
+              <a:t>12/06/2020</a:t>
             </a:fld>
             <a:endParaRPr lang="pt-BR"/>
           </a:p>
@@ -1932,7 +1933,7 @@
             <a:fld id="{32EE085F-AAA4-4482-A02A-EDCE077316B0}" type="datetimeFigureOut">
               <a:rPr lang="pt-BR" smtClean="0"/>
               <a:pPr/>
-              <a:t>04/06/2020</a:t>
+              <a:t>12/06/2020</a:t>
             </a:fld>
             <a:endParaRPr lang="pt-BR"/>
           </a:p>
@@ -2351,7 +2352,7 @@
             <a:fld id="{32EE085F-AAA4-4482-A02A-EDCE077316B0}" type="datetimeFigureOut">
               <a:rPr lang="pt-BR" smtClean="0"/>
               <a:pPr/>
-              <a:t>04/06/2020</a:t>
+              <a:t>12/06/2020</a:t>
             </a:fld>
             <a:endParaRPr lang="pt-BR"/>
           </a:p>
@@ -2466,7 +2467,7 @@
             <a:fld id="{32EE085F-AAA4-4482-A02A-EDCE077316B0}" type="datetimeFigureOut">
               <a:rPr lang="pt-BR" smtClean="0"/>
               <a:pPr/>
-              <a:t>04/06/2020</a:t>
+              <a:t>12/06/2020</a:t>
             </a:fld>
             <a:endParaRPr lang="pt-BR"/>
           </a:p>
@@ -2558,7 +2559,7 @@
             <a:fld id="{32EE085F-AAA4-4482-A02A-EDCE077316B0}" type="datetimeFigureOut">
               <a:rPr lang="pt-BR" smtClean="0"/>
               <a:pPr/>
-              <a:t>04/06/2020</a:t>
+              <a:t>12/06/2020</a:t>
             </a:fld>
             <a:endParaRPr lang="pt-BR"/>
           </a:p>
@@ -2832,7 +2833,7 @@
             <a:fld id="{32EE085F-AAA4-4482-A02A-EDCE077316B0}" type="datetimeFigureOut">
               <a:rPr lang="pt-BR" smtClean="0"/>
               <a:pPr/>
-              <a:t>04/06/2020</a:t>
+              <a:t>12/06/2020</a:t>
             </a:fld>
             <a:endParaRPr lang="pt-BR"/>
           </a:p>
@@ -3082,7 +3083,7 @@
             <a:fld id="{32EE085F-AAA4-4482-A02A-EDCE077316B0}" type="datetimeFigureOut">
               <a:rPr lang="pt-BR" smtClean="0"/>
               <a:pPr/>
-              <a:t>04/06/2020</a:t>
+              <a:t>12/06/2020</a:t>
             </a:fld>
             <a:endParaRPr lang="pt-BR"/>
           </a:p>
@@ -3292,7 +3293,7 @@
             <a:fld id="{32EE085F-AAA4-4482-A02A-EDCE077316B0}" type="datetimeFigureOut">
               <a:rPr lang="pt-BR" smtClean="0"/>
               <a:pPr/>
-              <a:t>04/06/2020</a:t>
+              <a:t>12/06/2020</a:t>
             </a:fld>
             <a:endParaRPr lang="pt-BR"/>
           </a:p>
@@ -6864,6 +6865,592 @@
                   <a:latin typeface="Ink Free" pitchFamily="66" charset="0"/>
                 </a:rPr>
                 <a:t>Nessa conversa serão apresentadas iniciativas metodológicas, ferramentas computacionais, portais e artigos que apoiam e incentivam o desenvolvimento de cidadãos ativos e capacitados a participar de decisões da sociedade.</a:t>
+              </a:r>
+              <a:endParaRPr lang="pt-BR" sz="2800" b="1" dirty="0" smtClean="0">
+                <a:solidFill>
+                  <a:schemeClr val="tx1"/>
+                </a:solidFill>
+                <a:latin typeface="Ink Free" pitchFamily="66" charset="0"/>
+              </a:endParaRPr>
+            </a:p>
+          </p:txBody>
+        </p:sp>
+      </p:grpSp>
+    </p:spTree>
+  </p:cSld>
+  <p:clrMapOvr>
+    <a:masterClrMapping/>
+  </p:clrMapOvr>
+  <p:timing>
+    <p:tnLst>
+      <p:par>
+        <p:cTn id="1" dur="indefinite" restart="never" nodeType="tmRoot"/>
+      </p:par>
+    </p:tnLst>
+  </p:timing>
+</p:sld>
+</file>
+
+<file path=ppt/slides/slide8.xml><?xml version="1.0" encoding="utf-8"?>
+<p:sld xmlns:a="http://schemas.openxmlformats.org/drawingml/2006/main" xmlns:r="http://schemas.openxmlformats.org/officeDocument/2006/relationships" xmlns:p="http://schemas.openxmlformats.org/presentationml/2006/main">
+  <p:cSld>
+    <p:spTree>
+      <p:nvGrpSpPr>
+        <p:cNvPr id="1" name=""/>
+        <p:cNvGrpSpPr/>
+        <p:nvPr/>
+      </p:nvGrpSpPr>
+      <p:grpSpPr>
+        <a:xfrm>
+          <a:off x="0" y="0"/>
+          <a:ext cx="0" cy="0"/>
+          <a:chOff x="0" y="0"/>
+          <a:chExt cx="0" cy="0"/>
+        </a:xfrm>
+      </p:grpSpPr>
+      <p:grpSp>
+        <p:nvGrpSpPr>
+          <p:cNvPr id="13" name="Grupo 12"/>
+          <p:cNvGrpSpPr/>
+          <p:nvPr/>
+        </p:nvGrpSpPr>
+        <p:grpSpPr>
+          <a:xfrm>
+            <a:off x="-612576" y="27384"/>
+            <a:ext cx="10513168" cy="6858000"/>
+            <a:chOff x="-612576" y="27384"/>
+            <a:chExt cx="10513168" cy="6858000"/>
+          </a:xfrm>
+        </p:grpSpPr>
+        <p:pic>
+          <p:nvPicPr>
+            <p:cNvPr id="11" name="Imagem 10" descr="Rpy.png"/>
+            <p:cNvPicPr>
+              <a:picLocks noChangeAspect="1"/>
+            </p:cNvPicPr>
+            <p:nvPr/>
+          </p:nvPicPr>
+          <p:blipFill>
+            <a:blip r:embed="rId2" cstate="print"/>
+            <a:srcRect l="375" t="32022" r="92044" b="62554"/>
+            <a:stretch>
+              <a:fillRect/>
+            </a:stretch>
+          </p:blipFill>
+          <p:spPr>
+            <a:xfrm>
+              <a:off x="0" y="27384"/>
+              <a:ext cx="9468544" cy="6858000"/>
+            </a:xfrm>
+            <a:prstGeom prst="rect">
+              <a:avLst/>
+            </a:prstGeom>
+          </p:spPr>
+        </p:pic>
+        <p:pic>
+          <p:nvPicPr>
+            <p:cNvPr id="15" name="Picture 4" descr="https://pbs.twimg.com/media/DfqjHpNU0AIuufg.jpg"/>
+            <p:cNvPicPr>
+              <a:picLocks noChangeAspect="1" noChangeArrowheads="1"/>
+            </p:cNvPicPr>
+            <p:nvPr/>
+          </p:nvPicPr>
+          <p:blipFill>
+            <a:blip r:embed="rId3" cstate="print">
+              <a:duotone>
+                <a:prstClr val="black"/>
+                <a:schemeClr val="accent3">
+                  <a:tint val="45000"/>
+                  <a:satMod val="400000"/>
+                </a:schemeClr>
+              </a:duotone>
+            </a:blip>
+            <a:srcRect b="9841"/>
+            <a:stretch>
+              <a:fillRect/>
+            </a:stretch>
+          </p:blipFill>
+          <p:spPr bwMode="auto">
+            <a:xfrm>
+              <a:off x="-612576" y="27384"/>
+              <a:ext cx="10513168" cy="6858000"/>
+            </a:xfrm>
+            <a:prstGeom prst="rect">
+              <a:avLst/>
+            </a:prstGeom>
+            <a:noFill/>
+          </p:spPr>
+        </p:pic>
+        <p:pic>
+          <p:nvPicPr>
+            <p:cNvPr id="2" name="Imagem 1" descr="corpus-banner.png"/>
+            <p:cNvPicPr>
+              <a:picLocks noChangeAspect="1"/>
+            </p:cNvPicPr>
+            <p:nvPr/>
+          </p:nvPicPr>
+          <p:blipFill>
+            <a:blip r:embed="rId4" cstate="print"/>
+            <a:stretch>
+              <a:fillRect/>
+            </a:stretch>
+          </p:blipFill>
+          <p:spPr>
+            <a:xfrm>
+              <a:off x="-36512" y="1434877"/>
+              <a:ext cx="3672408" cy="4253755"/>
+            </a:xfrm>
+            <a:prstGeom prst="rect">
+              <a:avLst/>
+            </a:prstGeom>
+          </p:spPr>
+        </p:pic>
+        <p:sp>
+          <p:nvSpPr>
+            <p:cNvPr id="3" name="Retângulo 2"/>
+            <p:cNvSpPr/>
+            <p:nvPr/>
+          </p:nvSpPr>
+          <p:spPr>
+            <a:xfrm>
+              <a:off x="4058346" y="116632"/>
+              <a:ext cx="5410198" cy="736808"/>
+            </a:xfrm>
+            <a:prstGeom prst="rect">
+              <a:avLst/>
+            </a:prstGeom>
+            <a:solidFill>
+              <a:schemeClr val="bg1"/>
+            </a:solidFill>
+            <a:ln>
+              <a:noFill/>
+            </a:ln>
+          </p:spPr>
+          <p:style>
+            <a:lnRef idx="2">
+              <a:schemeClr val="accent1">
+                <a:shade val="50000"/>
+              </a:schemeClr>
+            </a:lnRef>
+            <a:fillRef idx="1">
+              <a:schemeClr val="accent1"/>
+            </a:fillRef>
+            <a:effectRef idx="0">
+              <a:schemeClr val="accent1"/>
+            </a:effectRef>
+            <a:fontRef idx="minor">
+              <a:schemeClr val="lt1"/>
+            </a:fontRef>
+          </p:style>
+          <p:txBody>
+            <a:bodyPr rtlCol="0" anchor="ctr"/>
+            <a:lstStyle/>
+            <a:p>
+              <a:pPr algn="ctr"/>
+              <a:endParaRPr lang="pt-BR" b="1" dirty="0">
+                <a:solidFill>
+                  <a:schemeClr val="tx1"/>
+                </a:solidFill>
+              </a:endParaRPr>
+            </a:p>
+          </p:txBody>
+        </p:sp>
+        <p:sp>
+          <p:nvSpPr>
+            <p:cNvPr id="4" name="Retângulo 3"/>
+            <p:cNvSpPr/>
+            <p:nvPr/>
+          </p:nvSpPr>
+          <p:spPr>
+            <a:xfrm>
+              <a:off x="4070378" y="3613894"/>
+              <a:ext cx="5398166" cy="967234"/>
+            </a:xfrm>
+            <a:prstGeom prst="rect">
+              <a:avLst/>
+            </a:prstGeom>
+            <a:solidFill>
+              <a:schemeClr val="bg1"/>
+            </a:solidFill>
+            <a:ln>
+              <a:noFill/>
+            </a:ln>
+          </p:spPr>
+          <p:style>
+            <a:lnRef idx="2">
+              <a:schemeClr val="accent1">
+                <a:shade val="50000"/>
+              </a:schemeClr>
+            </a:lnRef>
+            <a:fillRef idx="1">
+              <a:schemeClr val="accent1"/>
+            </a:fillRef>
+            <a:effectRef idx="0">
+              <a:schemeClr val="accent1"/>
+            </a:effectRef>
+            <a:fontRef idx="minor">
+              <a:schemeClr val="lt1"/>
+            </a:fontRef>
+          </p:style>
+          <p:txBody>
+            <a:bodyPr rtlCol="0" anchor="ctr"/>
+            <a:lstStyle/>
+            <a:p>
+              <a:pPr algn="ctr"/>
+              <a:r>
+                <a:rPr lang="pt-BR" sz="4400" b="1" dirty="0" smtClean="0">
+                  <a:solidFill>
+                    <a:schemeClr val="tx1"/>
+                  </a:solidFill>
+                  <a:latin typeface="Ink Free" pitchFamily="66" charset="0"/>
+                </a:rPr>
+                <a:t>15/06   </a:t>
+              </a:r>
+              <a:r>
+                <a:rPr lang="pt-BR" sz="4400" b="1" dirty="0" smtClean="0">
+                  <a:solidFill>
+                    <a:schemeClr val="tx1"/>
+                  </a:solidFill>
+                  <a:latin typeface="Ink Free" pitchFamily="66" charset="0"/>
+                </a:rPr>
+                <a:t>14 horas</a:t>
+              </a:r>
+              <a:endParaRPr lang="pt-BR" sz="4400" b="1" dirty="0">
+                <a:solidFill>
+                  <a:schemeClr val="tx1"/>
+                </a:solidFill>
+                <a:latin typeface="Ink Free" pitchFamily="66" charset="0"/>
+              </a:endParaRPr>
+            </a:p>
+          </p:txBody>
+        </p:sp>
+        <p:sp>
+          <p:nvSpPr>
+            <p:cNvPr id="5" name="CaixaDeTexto 4"/>
+            <p:cNvSpPr txBox="1"/>
+            <p:nvPr/>
+          </p:nvSpPr>
+          <p:spPr>
+            <a:xfrm>
+              <a:off x="4139952" y="87015"/>
+              <a:ext cx="5076056" cy="461665"/>
+            </a:xfrm>
+            <a:prstGeom prst="rect">
+              <a:avLst/>
+            </a:prstGeom>
+            <a:noFill/>
+            <a:ln>
+              <a:noFill/>
+            </a:ln>
+          </p:spPr>
+          <p:txBody>
+            <a:bodyPr wrap="square" rtlCol="0">
+              <a:spAutoFit/>
+            </a:bodyPr>
+            <a:lstStyle/>
+            <a:p>
+              <a:pPr algn="ctr"/>
+              <a:r>
+                <a:rPr lang="pt-BR" sz="2400" b="1" dirty="0" smtClean="0">
+                  <a:latin typeface="Ink Free" pitchFamily="66" charset="0"/>
+                </a:rPr>
+                <a:t>O Pandemônio da Pandemia</a:t>
+              </a:r>
+              <a:endParaRPr lang="pt-BR" sz="2400" b="1" dirty="0" smtClean="0">
+                <a:latin typeface="Ink Free" pitchFamily="66" charset="0"/>
+              </a:endParaRPr>
+            </a:p>
+          </p:txBody>
+        </p:sp>
+        <p:sp>
+          <p:nvSpPr>
+            <p:cNvPr id="6" name="CaixaDeTexto 5"/>
+            <p:cNvSpPr txBox="1"/>
+            <p:nvPr/>
+          </p:nvSpPr>
+          <p:spPr>
+            <a:xfrm>
+              <a:off x="5076056" y="476672"/>
+              <a:ext cx="4376576" cy="400110"/>
+            </a:xfrm>
+            <a:prstGeom prst="rect">
+              <a:avLst/>
+            </a:prstGeom>
+            <a:noFill/>
+            <a:ln>
+              <a:noFill/>
+            </a:ln>
+          </p:spPr>
+          <p:txBody>
+            <a:bodyPr wrap="square" rtlCol="0">
+              <a:spAutoFit/>
+            </a:bodyPr>
+            <a:lstStyle/>
+            <a:p>
+              <a:pPr algn="r"/>
+              <a:r>
+                <a:rPr lang="pt-BR" sz="2000" b="1" dirty="0" err="1" smtClean="0">
+                  <a:latin typeface="Ink Free" pitchFamily="66" charset="0"/>
+                </a:rPr>
+                <a:t>Profa</a:t>
+              </a:r>
+              <a:r>
+                <a:rPr lang="pt-BR" sz="2000" b="1" dirty="0" smtClean="0">
+                  <a:latin typeface="Ink Free" pitchFamily="66" charset="0"/>
+                </a:rPr>
+                <a:t>. </a:t>
+              </a:r>
+              <a:r>
+                <a:rPr lang="pt-BR" sz="2000" b="1" dirty="0" smtClean="0">
+                  <a:latin typeface="Ink Free" pitchFamily="66" charset="0"/>
+                </a:rPr>
+                <a:t>Luciane </a:t>
+              </a:r>
+              <a:r>
+                <a:rPr lang="pt-BR" sz="2000" b="1" dirty="0" err="1" smtClean="0">
+                  <a:latin typeface="Ink Free" pitchFamily="66" charset="0"/>
+                </a:rPr>
+                <a:t>Velasque</a:t>
+              </a:r>
+              <a:r>
+                <a:rPr lang="pt-BR" sz="2000" b="1" dirty="0" smtClean="0">
+                  <a:latin typeface="Ink Free" pitchFamily="66" charset="0"/>
+                </a:rPr>
+                <a:t> </a:t>
+              </a:r>
+              <a:endParaRPr lang="pt-BR" b="1" dirty="0">
+                <a:latin typeface="Ink Free" pitchFamily="66" charset="0"/>
+              </a:endParaRPr>
+            </a:p>
+          </p:txBody>
+        </p:sp>
+        <p:sp>
+          <p:nvSpPr>
+            <p:cNvPr id="7" name="Retângulo 6"/>
+            <p:cNvSpPr/>
+            <p:nvPr/>
+          </p:nvSpPr>
+          <p:spPr>
+            <a:xfrm>
+              <a:off x="4064008" y="4692848"/>
+              <a:ext cx="5404536" cy="968400"/>
+            </a:xfrm>
+            <a:prstGeom prst="rect">
+              <a:avLst/>
+            </a:prstGeom>
+            <a:solidFill>
+              <a:schemeClr val="bg1"/>
+            </a:solidFill>
+            <a:ln>
+              <a:noFill/>
+            </a:ln>
+          </p:spPr>
+          <p:style>
+            <a:lnRef idx="2">
+              <a:schemeClr val="accent1">
+                <a:shade val="50000"/>
+              </a:schemeClr>
+            </a:lnRef>
+            <a:fillRef idx="1">
+              <a:schemeClr val="accent1"/>
+            </a:fillRef>
+            <a:effectRef idx="0">
+              <a:schemeClr val="accent1"/>
+            </a:effectRef>
+            <a:fontRef idx="minor">
+              <a:schemeClr val="lt1"/>
+            </a:fontRef>
+          </p:style>
+          <p:txBody>
+            <a:bodyPr rtlCol="0" anchor="ctr"/>
+            <a:lstStyle/>
+            <a:p>
+              <a:pPr algn="ctr"/>
+              <a:r>
+                <a:rPr lang="pt-BR" sz="2000" b="1" dirty="0" smtClean="0">
+                  <a:solidFill>
+                    <a:schemeClr val="tx1"/>
+                  </a:solidFill>
+                  <a:latin typeface="Ink Free" pitchFamily="66" charset="0"/>
+                </a:rPr>
+                <a:t>mediação:  </a:t>
+              </a:r>
+              <a:r>
+                <a:rPr lang="pt-BR" sz="2000" b="1" dirty="0" smtClean="0">
+                  <a:solidFill>
+                    <a:schemeClr val="tx1"/>
+                  </a:solidFill>
+                  <a:latin typeface="Ink Free" pitchFamily="66" charset="0"/>
+                </a:rPr>
+                <a:t>Prof. Davi Alves</a:t>
+              </a:r>
+              <a:endParaRPr lang="pt-BR" sz="2000" b="1" dirty="0" smtClean="0">
+                <a:solidFill>
+                  <a:schemeClr val="tx1"/>
+                </a:solidFill>
+                <a:latin typeface="Ink Free" pitchFamily="66" charset="0"/>
+              </a:endParaRPr>
+            </a:p>
+          </p:txBody>
+        </p:sp>
+        <p:sp>
+          <p:nvSpPr>
+            <p:cNvPr id="8" name="Retângulo 7"/>
+            <p:cNvSpPr/>
+            <p:nvPr/>
+          </p:nvSpPr>
+          <p:spPr>
+            <a:xfrm>
+              <a:off x="4062817" y="5733256"/>
+              <a:ext cx="5405727" cy="1074704"/>
+            </a:xfrm>
+            <a:prstGeom prst="rect">
+              <a:avLst/>
+            </a:prstGeom>
+            <a:solidFill>
+              <a:schemeClr val="bg1"/>
+            </a:solidFill>
+            <a:ln>
+              <a:noFill/>
+            </a:ln>
+          </p:spPr>
+          <p:style>
+            <a:lnRef idx="2">
+              <a:schemeClr val="accent1">
+                <a:shade val="50000"/>
+              </a:schemeClr>
+            </a:lnRef>
+            <a:fillRef idx="1">
+              <a:schemeClr val="accent1"/>
+            </a:fillRef>
+            <a:effectRef idx="0">
+              <a:schemeClr val="accent1"/>
+            </a:effectRef>
+            <a:fontRef idx="minor">
+              <a:schemeClr val="lt1"/>
+            </a:fontRef>
+          </p:style>
+          <p:txBody>
+            <a:bodyPr rtlCol="0" anchor="ctr"/>
+            <a:lstStyle/>
+            <a:p>
+              <a:pPr algn="ctr"/>
+              <a:r>
+                <a:rPr lang="pt-BR" sz="2400" dirty="0" smtClean="0">
+                  <a:solidFill>
+                    <a:schemeClr val="tx1"/>
+                  </a:solidFill>
+                  <a:latin typeface="Forte" pitchFamily="66" charset="0"/>
+                </a:rPr>
+                <a:t>Link </a:t>
+              </a:r>
+              <a:r>
+                <a:rPr lang="pt-BR" sz="2400" dirty="0">
+                  <a:solidFill>
+                    <a:schemeClr val="tx1"/>
+                  </a:solidFill>
+                  <a:latin typeface="Forte" pitchFamily="66" charset="0"/>
+                </a:rPr>
+                <a:t>para o </a:t>
+              </a:r>
+              <a:r>
+                <a:rPr lang="pt-BR" sz="2400" dirty="0" smtClean="0">
+                  <a:solidFill>
+                    <a:schemeClr val="tx1"/>
+                  </a:solidFill>
+                  <a:latin typeface="Forte" pitchFamily="66" charset="0"/>
+                </a:rPr>
+                <a:t>evento</a:t>
+              </a:r>
+            </a:p>
+            <a:p>
+              <a:pPr algn="ctr"/>
+              <a:r>
+                <a:rPr lang="pt-BR" sz="2400" b="1" dirty="0" err="1" smtClean="0">
+                  <a:hlinkClick r:id="rId5"/>
+                </a:rPr>
+                <a:t>meet</a:t>
+              </a:r>
+              <a:r>
+                <a:rPr lang="pt-BR" sz="2400" b="1" dirty="0" smtClean="0">
+                  <a:hlinkClick r:id="rId5"/>
+                </a:rPr>
+                <a:t>.google.com/</a:t>
+              </a:r>
+              <a:r>
+                <a:rPr lang="pt-BR" sz="2400" b="1" dirty="0" err="1" smtClean="0">
+                  <a:hlinkClick r:id="rId5"/>
+                </a:rPr>
+                <a:t>mrw-qgvc-svf</a:t>
+              </a:r>
+              <a:endParaRPr lang="pt-BR" sz="2400" b="1" dirty="0">
+                <a:solidFill>
+                  <a:srgbClr val="002060"/>
+                </a:solidFill>
+                <a:latin typeface="Bahnschrift" pitchFamily="34" charset="0"/>
+              </a:endParaRPr>
+            </a:p>
+          </p:txBody>
+        </p:sp>
+        <p:sp>
+          <p:nvSpPr>
+            <p:cNvPr id="12" name="Retângulo 11"/>
+            <p:cNvSpPr/>
+            <p:nvPr/>
+          </p:nvSpPr>
+          <p:spPr>
+            <a:xfrm>
+              <a:off x="4067944" y="908720"/>
+              <a:ext cx="5400600" cy="2592288"/>
+            </a:xfrm>
+            <a:prstGeom prst="rect">
+              <a:avLst/>
+            </a:prstGeom>
+            <a:solidFill>
+              <a:schemeClr val="bg1"/>
+            </a:solidFill>
+            <a:ln>
+              <a:noFill/>
+            </a:ln>
+          </p:spPr>
+          <p:style>
+            <a:lnRef idx="2">
+              <a:schemeClr val="accent1">
+                <a:shade val="50000"/>
+              </a:schemeClr>
+            </a:lnRef>
+            <a:fillRef idx="1">
+              <a:schemeClr val="accent1"/>
+            </a:fillRef>
+            <a:effectRef idx="0">
+              <a:schemeClr val="accent1"/>
+            </a:effectRef>
+            <a:fontRef idx="minor">
+              <a:schemeClr val="lt1"/>
+            </a:fontRef>
+          </p:style>
+          <p:txBody>
+            <a:bodyPr rtlCol="0" anchor="ctr"/>
+            <a:lstStyle/>
+            <a:p>
+              <a:pPr algn="just"/>
+              <a:r>
+                <a:rPr lang="pt-BR" sz="1600" b="1" dirty="0" smtClean="0">
+                  <a:solidFill>
+                    <a:schemeClr val="tx1"/>
+                  </a:solidFill>
+                  <a:latin typeface="Ink Free" pitchFamily="66" charset="0"/>
+                </a:rPr>
+                <a:t>Quando o ano de 2020 iniciou não tínhamos ideia do que iríamos vivenciar, mas o primeiro caso de COVID-19 já tinha sido reportado na China em 31 de dezembro de 2019. Aí veio o carnaval e quando finalmente o ano acadêmico estava prestes a iniciar em março, a medida de distanciamento social para contenção da pandemia nos afastou de nossas rotinas diárias e nos colocou frente a incertezas, novos desafios e a muitas, muitas reflexões. É sobre essas reflexões e desafios da vida acadêmica que irei abordar na minha apresentação do DMQ </a:t>
+              </a:r>
+              <a:r>
+                <a:rPr lang="pt-BR" sz="1600" b="1" dirty="0" err="1" smtClean="0">
+                  <a:solidFill>
+                    <a:schemeClr val="tx1"/>
+                  </a:solidFill>
+                  <a:latin typeface="Ink Free" pitchFamily="66" charset="0"/>
+                </a:rPr>
+                <a:t>Talks</a:t>
               </a:r>
               <a:endParaRPr lang="pt-BR" sz="2800" b="1" dirty="0" smtClean="0">
                 <a:solidFill>

--- a/libs/uds/flyer.pptx
+++ b/libs/uds/flyer.pptx
@@ -5,7 +5,7 @@
     <p:sldMasterId id="2147483648" r:id="rId1"/>
   </p:sldMasterIdLst>
   <p:notesMasterIdLst>
-    <p:notesMasterId r:id="rId10"/>
+    <p:notesMasterId r:id="rId11"/>
   </p:notesMasterIdLst>
   <p:sldIdLst>
     <p:sldId id="256" r:id="rId2"/>
@@ -16,6 +16,7 @@
     <p:sldId id="260" r:id="rId7"/>
     <p:sldId id="261" r:id="rId8"/>
     <p:sldId id="263" r:id="rId9"/>
+    <p:sldId id="264" r:id="rId10"/>
   </p:sldIdLst>
   <p:sldSz cx="9144000" cy="6858000" type="screen4x3"/>
   <p:notesSz cx="6858000" cy="9144000"/>
@@ -200,7 +201,7 @@
             <a:fld id="{03CA6A64-D8DA-4790-AC21-8D1D39F048E7}" type="datetimeFigureOut">
               <a:rPr lang="pt-BR" smtClean="0"/>
               <a:pPr/>
-              <a:t>12/06/2020</a:t>
+              <a:t>15/06/2020</a:t>
             </a:fld>
             <a:endParaRPr lang="pt-BR"/>
           </a:p>
@@ -894,7 +895,7 @@
             <a:fld id="{32EE085F-AAA4-4482-A02A-EDCE077316B0}" type="datetimeFigureOut">
               <a:rPr lang="pt-BR" smtClean="0"/>
               <a:pPr/>
-              <a:t>12/06/2020</a:t>
+              <a:t>15/06/2020</a:t>
             </a:fld>
             <a:endParaRPr lang="pt-BR"/>
           </a:p>
@@ -1061,7 +1062,7 @@
             <a:fld id="{32EE085F-AAA4-4482-A02A-EDCE077316B0}" type="datetimeFigureOut">
               <a:rPr lang="pt-BR" smtClean="0"/>
               <a:pPr/>
-              <a:t>12/06/2020</a:t>
+              <a:t>15/06/2020</a:t>
             </a:fld>
             <a:endParaRPr lang="pt-BR"/>
           </a:p>
@@ -1238,7 +1239,7 @@
             <a:fld id="{32EE085F-AAA4-4482-A02A-EDCE077316B0}" type="datetimeFigureOut">
               <a:rPr lang="pt-BR" smtClean="0"/>
               <a:pPr/>
-              <a:t>12/06/2020</a:t>
+              <a:t>15/06/2020</a:t>
             </a:fld>
             <a:endParaRPr lang="pt-BR"/>
           </a:p>
@@ -1405,7 +1406,7 @@
             <a:fld id="{32EE085F-AAA4-4482-A02A-EDCE077316B0}" type="datetimeFigureOut">
               <a:rPr lang="pt-BR" smtClean="0"/>
               <a:pPr/>
-              <a:t>12/06/2020</a:t>
+              <a:t>15/06/2020</a:t>
             </a:fld>
             <a:endParaRPr lang="pt-BR"/>
           </a:p>
@@ -1648,7 +1649,7 @@
             <a:fld id="{32EE085F-AAA4-4482-A02A-EDCE077316B0}" type="datetimeFigureOut">
               <a:rPr lang="pt-BR" smtClean="0"/>
               <a:pPr/>
-              <a:t>12/06/2020</a:t>
+              <a:t>15/06/2020</a:t>
             </a:fld>
             <a:endParaRPr lang="pt-BR"/>
           </a:p>
@@ -1933,7 +1934,7 @@
             <a:fld id="{32EE085F-AAA4-4482-A02A-EDCE077316B0}" type="datetimeFigureOut">
               <a:rPr lang="pt-BR" smtClean="0"/>
               <a:pPr/>
-              <a:t>12/06/2020</a:t>
+              <a:t>15/06/2020</a:t>
             </a:fld>
             <a:endParaRPr lang="pt-BR"/>
           </a:p>
@@ -2352,7 +2353,7 @@
             <a:fld id="{32EE085F-AAA4-4482-A02A-EDCE077316B0}" type="datetimeFigureOut">
               <a:rPr lang="pt-BR" smtClean="0"/>
               <a:pPr/>
-              <a:t>12/06/2020</a:t>
+              <a:t>15/06/2020</a:t>
             </a:fld>
             <a:endParaRPr lang="pt-BR"/>
           </a:p>
@@ -2467,7 +2468,7 @@
             <a:fld id="{32EE085F-AAA4-4482-A02A-EDCE077316B0}" type="datetimeFigureOut">
               <a:rPr lang="pt-BR" smtClean="0"/>
               <a:pPr/>
-              <a:t>12/06/2020</a:t>
+              <a:t>15/06/2020</a:t>
             </a:fld>
             <a:endParaRPr lang="pt-BR"/>
           </a:p>
@@ -2559,7 +2560,7 @@
             <a:fld id="{32EE085F-AAA4-4482-A02A-EDCE077316B0}" type="datetimeFigureOut">
               <a:rPr lang="pt-BR" smtClean="0"/>
               <a:pPr/>
-              <a:t>12/06/2020</a:t>
+              <a:t>15/06/2020</a:t>
             </a:fld>
             <a:endParaRPr lang="pt-BR"/>
           </a:p>
@@ -2833,7 +2834,7 @@
             <a:fld id="{32EE085F-AAA4-4482-A02A-EDCE077316B0}" type="datetimeFigureOut">
               <a:rPr lang="pt-BR" smtClean="0"/>
               <a:pPr/>
-              <a:t>12/06/2020</a:t>
+              <a:t>15/06/2020</a:t>
             </a:fld>
             <a:endParaRPr lang="pt-BR"/>
           </a:p>
@@ -3083,7 +3084,7 @@
             <a:fld id="{32EE085F-AAA4-4482-A02A-EDCE077316B0}" type="datetimeFigureOut">
               <a:rPr lang="pt-BR" smtClean="0"/>
               <a:pPr/>
-              <a:t>12/06/2020</a:t>
+              <a:t>15/06/2020</a:t>
             </a:fld>
             <a:endParaRPr lang="pt-BR"/>
           </a:p>
@@ -3293,7 +3294,7 @@
             <a:fld id="{32EE085F-AAA4-4482-A02A-EDCE077316B0}" type="datetimeFigureOut">
               <a:rPr lang="pt-BR" smtClean="0"/>
               <a:pPr/>
-              <a:t>12/06/2020</a:t>
+              <a:t>15/06/2020</a:t>
             </a:fld>
             <a:endParaRPr lang="pt-BR"/>
           </a:p>
@@ -7104,16 +7105,7 @@
                   </a:solidFill>
                   <a:latin typeface="Ink Free" pitchFamily="66" charset="0"/>
                 </a:rPr>
-                <a:t>15/06   </a:t>
-              </a:r>
-              <a:r>
-                <a:rPr lang="pt-BR" sz="4400" b="1" dirty="0" smtClean="0">
-                  <a:solidFill>
-                    <a:schemeClr val="tx1"/>
-                  </a:solidFill>
-                  <a:latin typeface="Ink Free" pitchFamily="66" charset="0"/>
-                </a:rPr>
-                <a:t>14 horas</a:t>
+                <a:t>15/06   14 horas</a:t>
               </a:r>
               <a:endParaRPr lang="pt-BR" sz="4400" b="1" dirty="0">
                 <a:solidFill>
@@ -7156,9 +7148,6 @@
                 </a:rPr>
                 <a:t>O Pandemônio da Pandemia</a:t>
               </a:r>
-              <a:endParaRPr lang="pt-BR" sz="2400" b="1" dirty="0" smtClean="0">
-                <a:latin typeface="Ink Free" pitchFamily="66" charset="0"/>
-              </a:endParaRPr>
             </a:p>
           </p:txBody>
         </p:sp>
@@ -7198,13 +7187,7 @@
                 <a:rPr lang="pt-BR" sz="2000" b="1" dirty="0" smtClean="0">
                   <a:latin typeface="Ink Free" pitchFamily="66" charset="0"/>
                 </a:rPr>
-                <a:t>. </a:t>
-              </a:r>
-              <a:r>
-                <a:rPr lang="pt-BR" sz="2000" b="1" dirty="0" smtClean="0">
-                  <a:latin typeface="Ink Free" pitchFamily="66" charset="0"/>
-                </a:rPr>
-                <a:t>Luciane </a:t>
+                <a:t>. Luciane </a:t>
               </a:r>
               <a:r>
                 <a:rPr lang="pt-BR" sz="2000" b="1" dirty="0" err="1" smtClean="0">
@@ -7273,23 +7256,8 @@
                   </a:solidFill>
                   <a:latin typeface="Ink Free" pitchFamily="66" charset="0"/>
                 </a:rPr>
-                <a:t>mediação:  </a:t>
-              </a:r>
-              <a:r>
-                <a:rPr lang="pt-BR" sz="2000" b="1" dirty="0" smtClean="0">
-                  <a:solidFill>
-                    <a:schemeClr val="tx1"/>
-                  </a:solidFill>
-                  <a:latin typeface="Ink Free" pitchFamily="66" charset="0"/>
-                </a:rPr>
-                <a:t>Prof. Davi Alves</a:t>
-              </a:r>
-              <a:endParaRPr lang="pt-BR" sz="2000" b="1" dirty="0" smtClean="0">
-                <a:solidFill>
-                  <a:schemeClr val="tx1"/>
-                </a:solidFill>
-                <a:latin typeface="Ink Free" pitchFamily="66" charset="0"/>
-              </a:endParaRPr>
+                <a:t>mediação:  Prof. Davi Alves</a:t>
+              </a:r>
             </a:p>
           </p:txBody>
         </p:sp>
@@ -7451,6 +7419,607 @@
                   <a:latin typeface="Ink Free" pitchFamily="66" charset="0"/>
                 </a:rPr>
                 <a:t>Talks</a:t>
+              </a:r>
+              <a:endParaRPr lang="pt-BR" sz="2800" b="1" dirty="0" smtClean="0">
+                <a:solidFill>
+                  <a:schemeClr val="tx1"/>
+                </a:solidFill>
+                <a:latin typeface="Ink Free" pitchFamily="66" charset="0"/>
+              </a:endParaRPr>
+            </a:p>
+          </p:txBody>
+        </p:sp>
+      </p:grpSp>
+    </p:spTree>
+  </p:cSld>
+  <p:clrMapOvr>
+    <a:masterClrMapping/>
+  </p:clrMapOvr>
+  <p:timing>
+    <p:tnLst>
+      <p:par>
+        <p:cTn id="1" dur="indefinite" restart="never" nodeType="tmRoot"/>
+      </p:par>
+    </p:tnLst>
+  </p:timing>
+</p:sld>
+</file>
+
+<file path=ppt/slides/slide9.xml><?xml version="1.0" encoding="utf-8"?>
+<p:sld xmlns:a="http://schemas.openxmlformats.org/drawingml/2006/main" xmlns:r="http://schemas.openxmlformats.org/officeDocument/2006/relationships" xmlns:p="http://schemas.openxmlformats.org/presentationml/2006/main">
+  <p:cSld>
+    <p:spTree>
+      <p:nvGrpSpPr>
+        <p:cNvPr id="1" name=""/>
+        <p:cNvGrpSpPr/>
+        <p:nvPr/>
+      </p:nvGrpSpPr>
+      <p:grpSpPr>
+        <a:xfrm>
+          <a:off x="0" y="0"/>
+          <a:ext cx="0" cy="0"/>
+          <a:chOff x="0" y="0"/>
+          <a:chExt cx="0" cy="0"/>
+        </a:xfrm>
+      </p:grpSpPr>
+      <p:grpSp>
+        <p:nvGrpSpPr>
+          <p:cNvPr id="9" name="Grupo 12"/>
+          <p:cNvGrpSpPr/>
+          <p:nvPr/>
+        </p:nvGrpSpPr>
+        <p:grpSpPr>
+          <a:xfrm>
+            <a:off x="-612576" y="-27384"/>
+            <a:ext cx="10513168" cy="6858000"/>
+            <a:chOff x="-612576" y="27384"/>
+            <a:chExt cx="10513168" cy="6858000"/>
+          </a:xfrm>
+        </p:grpSpPr>
+        <p:pic>
+          <p:nvPicPr>
+            <p:cNvPr id="11" name="Imagem 10" descr="Rpy.png"/>
+            <p:cNvPicPr>
+              <a:picLocks noChangeAspect="1"/>
+            </p:cNvPicPr>
+            <p:nvPr/>
+          </p:nvPicPr>
+          <p:blipFill>
+            <a:blip r:embed="rId2" cstate="print"/>
+            <a:srcRect l="375" t="32022" r="92044" b="62554"/>
+            <a:stretch>
+              <a:fillRect/>
+            </a:stretch>
+          </p:blipFill>
+          <p:spPr>
+            <a:xfrm>
+              <a:off x="0" y="27384"/>
+              <a:ext cx="9468544" cy="6858000"/>
+            </a:xfrm>
+            <a:prstGeom prst="rect">
+              <a:avLst/>
+            </a:prstGeom>
+          </p:spPr>
+        </p:pic>
+        <p:pic>
+          <p:nvPicPr>
+            <p:cNvPr id="15" name="Picture 4" descr="https://pbs.twimg.com/media/DfqjHpNU0AIuufg.jpg"/>
+            <p:cNvPicPr>
+              <a:picLocks noChangeAspect="1" noChangeArrowheads="1"/>
+            </p:cNvPicPr>
+            <p:nvPr/>
+          </p:nvPicPr>
+          <p:blipFill>
+            <a:blip r:embed="rId3" cstate="print">
+              <a:duotone>
+                <a:prstClr val="black"/>
+                <a:srgbClr val="FFFF00">
+                  <a:tint val="45000"/>
+                  <a:satMod val="400000"/>
+                </a:srgbClr>
+              </a:duotone>
+            </a:blip>
+            <a:srcRect b="9841"/>
+            <a:stretch>
+              <a:fillRect/>
+            </a:stretch>
+          </p:blipFill>
+          <p:spPr bwMode="auto">
+            <a:xfrm>
+              <a:off x="-612576" y="27384"/>
+              <a:ext cx="10513168" cy="6858000"/>
+            </a:xfrm>
+            <a:prstGeom prst="rect">
+              <a:avLst/>
+            </a:prstGeom>
+            <a:noFill/>
+          </p:spPr>
+        </p:pic>
+        <p:pic>
+          <p:nvPicPr>
+            <p:cNvPr id="2" name="Imagem 1" descr="corpus-banner.png"/>
+            <p:cNvPicPr>
+              <a:picLocks noChangeAspect="1"/>
+            </p:cNvPicPr>
+            <p:nvPr/>
+          </p:nvPicPr>
+          <p:blipFill>
+            <a:blip r:embed="rId4" cstate="print"/>
+            <a:stretch>
+              <a:fillRect/>
+            </a:stretch>
+          </p:blipFill>
+          <p:spPr>
+            <a:xfrm>
+              <a:off x="-36512" y="1434877"/>
+              <a:ext cx="3672408" cy="4253755"/>
+            </a:xfrm>
+            <a:prstGeom prst="rect">
+              <a:avLst/>
+            </a:prstGeom>
+          </p:spPr>
+        </p:pic>
+        <p:sp>
+          <p:nvSpPr>
+            <p:cNvPr id="3" name="Retângulo 2"/>
+            <p:cNvSpPr/>
+            <p:nvPr/>
+          </p:nvSpPr>
+          <p:spPr>
+            <a:xfrm>
+              <a:off x="4058346" y="116632"/>
+              <a:ext cx="5410198" cy="846856"/>
+            </a:xfrm>
+            <a:prstGeom prst="rect">
+              <a:avLst/>
+            </a:prstGeom>
+            <a:solidFill>
+              <a:schemeClr val="bg1"/>
+            </a:solidFill>
+            <a:ln>
+              <a:noFill/>
+            </a:ln>
+          </p:spPr>
+          <p:style>
+            <a:lnRef idx="2">
+              <a:schemeClr val="accent1">
+                <a:shade val="50000"/>
+              </a:schemeClr>
+            </a:lnRef>
+            <a:fillRef idx="1">
+              <a:schemeClr val="accent1"/>
+            </a:fillRef>
+            <a:effectRef idx="0">
+              <a:schemeClr val="accent1"/>
+            </a:effectRef>
+            <a:fontRef idx="minor">
+              <a:schemeClr val="lt1"/>
+            </a:fontRef>
+          </p:style>
+          <p:txBody>
+            <a:bodyPr rtlCol="0" anchor="ctr"/>
+            <a:lstStyle/>
+            <a:p>
+              <a:pPr algn="ctr"/>
+              <a:endParaRPr lang="pt-BR" b="1" dirty="0">
+                <a:solidFill>
+                  <a:schemeClr val="tx1"/>
+                </a:solidFill>
+              </a:endParaRPr>
+            </a:p>
+          </p:txBody>
+        </p:sp>
+        <p:sp>
+          <p:nvSpPr>
+            <p:cNvPr id="4" name="Retângulo 3"/>
+            <p:cNvSpPr/>
+            <p:nvPr/>
+          </p:nvSpPr>
+          <p:spPr>
+            <a:xfrm>
+              <a:off x="4070378" y="4460750"/>
+              <a:ext cx="5398166" cy="679202"/>
+            </a:xfrm>
+            <a:prstGeom prst="rect">
+              <a:avLst/>
+            </a:prstGeom>
+            <a:solidFill>
+              <a:schemeClr val="bg1"/>
+            </a:solidFill>
+            <a:ln>
+              <a:noFill/>
+            </a:ln>
+          </p:spPr>
+          <p:style>
+            <a:lnRef idx="2">
+              <a:schemeClr val="accent1">
+                <a:shade val="50000"/>
+              </a:schemeClr>
+            </a:lnRef>
+            <a:fillRef idx="1">
+              <a:schemeClr val="accent1"/>
+            </a:fillRef>
+            <a:effectRef idx="0">
+              <a:schemeClr val="accent1"/>
+            </a:effectRef>
+            <a:fontRef idx="minor">
+              <a:schemeClr val="lt1"/>
+            </a:fontRef>
+          </p:style>
+          <p:txBody>
+            <a:bodyPr rtlCol="0" anchor="ctr"/>
+            <a:lstStyle/>
+            <a:p>
+              <a:pPr algn="ctr"/>
+              <a:r>
+                <a:rPr lang="pt-BR" sz="3200" b="1" dirty="0" smtClean="0">
+                  <a:solidFill>
+                    <a:schemeClr val="tx1"/>
+                  </a:solidFill>
+                  <a:latin typeface="Ink Free" pitchFamily="66" charset="0"/>
+                </a:rPr>
+                <a:t>22/06   </a:t>
+              </a:r>
+              <a:r>
+                <a:rPr lang="pt-BR" sz="3200" b="1" dirty="0" smtClean="0">
+                  <a:solidFill>
+                    <a:schemeClr val="tx1"/>
+                  </a:solidFill>
+                  <a:latin typeface="Ink Free" pitchFamily="66" charset="0"/>
+                </a:rPr>
+                <a:t>14 horas</a:t>
+              </a:r>
+              <a:endParaRPr lang="pt-BR" sz="3200" b="1" dirty="0">
+                <a:solidFill>
+                  <a:schemeClr val="tx1"/>
+                </a:solidFill>
+                <a:latin typeface="Ink Free" pitchFamily="66" charset="0"/>
+              </a:endParaRPr>
+            </a:p>
+          </p:txBody>
+        </p:sp>
+        <p:sp>
+          <p:nvSpPr>
+            <p:cNvPr id="5" name="CaixaDeTexto 4"/>
+            <p:cNvSpPr txBox="1"/>
+            <p:nvPr/>
+          </p:nvSpPr>
+          <p:spPr>
+            <a:xfrm>
+              <a:off x="4139952" y="87015"/>
+              <a:ext cx="5076056" cy="1200329"/>
+            </a:xfrm>
+            <a:prstGeom prst="rect">
+              <a:avLst/>
+            </a:prstGeom>
+            <a:noFill/>
+            <a:ln>
+              <a:noFill/>
+            </a:ln>
+          </p:spPr>
+          <p:txBody>
+            <a:bodyPr wrap="square" rtlCol="0">
+              <a:spAutoFit/>
+            </a:bodyPr>
+            <a:lstStyle/>
+            <a:p>
+              <a:r>
+                <a:rPr lang="pt-BR" sz="2400" b="1" dirty="0" smtClean="0">
+                  <a:latin typeface="Ink Free" pitchFamily="66" charset="0"/>
+                </a:rPr>
+                <a:t>Atividades </a:t>
+              </a:r>
+              <a:r>
+                <a:rPr lang="pt-BR" sz="2400" b="1" dirty="0" smtClean="0">
+                  <a:latin typeface="Ink Free" pitchFamily="66" charset="0"/>
+                </a:rPr>
+                <a:t>e Ferramentas para o Ensino </a:t>
+              </a:r>
+              <a:r>
+                <a:rPr lang="pt-BR" sz="2400" b="1" dirty="0" smtClean="0">
+                  <a:latin typeface="Ink Free" pitchFamily="66" charset="0"/>
+                </a:rPr>
+                <a:t>Online</a:t>
+              </a:r>
+            </a:p>
+            <a:p>
+              <a:endParaRPr lang="pt-BR" sz="2400" b="1" dirty="0" smtClean="0">
+                <a:latin typeface="Ink Free" pitchFamily="66" charset="0"/>
+              </a:endParaRPr>
+            </a:p>
+          </p:txBody>
+        </p:sp>
+        <p:sp>
+          <p:nvSpPr>
+            <p:cNvPr id="6" name="CaixaDeTexto 5"/>
+            <p:cNvSpPr txBox="1"/>
+            <p:nvPr/>
+          </p:nvSpPr>
+          <p:spPr>
+            <a:xfrm>
+              <a:off x="5076056" y="635386"/>
+              <a:ext cx="4376576" cy="400110"/>
+            </a:xfrm>
+            <a:prstGeom prst="rect">
+              <a:avLst/>
+            </a:prstGeom>
+            <a:noFill/>
+            <a:ln>
+              <a:noFill/>
+            </a:ln>
+          </p:spPr>
+          <p:txBody>
+            <a:bodyPr wrap="square" rtlCol="0">
+              <a:spAutoFit/>
+            </a:bodyPr>
+            <a:lstStyle/>
+            <a:p>
+              <a:pPr algn="r"/>
+              <a:r>
+                <a:rPr lang="pt-BR" sz="2000" b="1" dirty="0" err="1" smtClean="0">
+                  <a:latin typeface="Ink Free" pitchFamily="66" charset="0"/>
+                </a:rPr>
+                <a:t>Profa</a:t>
+              </a:r>
+              <a:r>
+                <a:rPr lang="pt-BR" sz="2000" b="1" dirty="0" smtClean="0">
+                  <a:latin typeface="Ink Free" pitchFamily="66" charset="0"/>
+                </a:rPr>
+                <a:t>. Letícia </a:t>
+              </a:r>
+              <a:r>
+                <a:rPr lang="pt-BR" sz="2000" b="1" dirty="0" smtClean="0">
+                  <a:latin typeface="Ink Free" pitchFamily="66" charset="0"/>
+                </a:rPr>
+                <a:t>Raposo</a:t>
+              </a:r>
+              <a:endParaRPr lang="pt-BR" b="1" dirty="0">
+                <a:latin typeface="Ink Free" pitchFamily="66" charset="0"/>
+              </a:endParaRPr>
+            </a:p>
+          </p:txBody>
+        </p:sp>
+        <p:sp>
+          <p:nvSpPr>
+            <p:cNvPr id="7" name="Retângulo 6"/>
+            <p:cNvSpPr/>
+            <p:nvPr/>
+          </p:nvSpPr>
+          <p:spPr>
+            <a:xfrm>
+              <a:off x="4064008" y="5251672"/>
+              <a:ext cx="5404536" cy="464344"/>
+            </a:xfrm>
+            <a:prstGeom prst="rect">
+              <a:avLst/>
+            </a:prstGeom>
+            <a:solidFill>
+              <a:schemeClr val="bg1"/>
+            </a:solidFill>
+            <a:ln>
+              <a:noFill/>
+            </a:ln>
+          </p:spPr>
+          <p:style>
+            <a:lnRef idx="2">
+              <a:schemeClr val="accent1">
+                <a:shade val="50000"/>
+              </a:schemeClr>
+            </a:lnRef>
+            <a:fillRef idx="1">
+              <a:schemeClr val="accent1"/>
+            </a:fillRef>
+            <a:effectRef idx="0">
+              <a:schemeClr val="accent1"/>
+            </a:effectRef>
+            <a:fontRef idx="minor">
+              <a:schemeClr val="lt1"/>
+            </a:fontRef>
+          </p:style>
+          <p:txBody>
+            <a:bodyPr rtlCol="0" anchor="ctr"/>
+            <a:lstStyle/>
+            <a:p>
+              <a:pPr algn="ctr"/>
+              <a:r>
+                <a:rPr lang="pt-BR" sz="2000" b="1" dirty="0" smtClean="0">
+                  <a:solidFill>
+                    <a:schemeClr val="tx1"/>
+                  </a:solidFill>
+                  <a:latin typeface="Ink Free" pitchFamily="66" charset="0"/>
+                </a:rPr>
+                <a:t>mediação:  Prof. </a:t>
+              </a:r>
+              <a:r>
+                <a:rPr lang="pt-BR" sz="2000" b="1" dirty="0" smtClean="0">
+                  <a:solidFill>
+                    <a:schemeClr val="tx1"/>
+                  </a:solidFill>
+                  <a:latin typeface="Ink Free" pitchFamily="66" charset="0"/>
+                </a:rPr>
+                <a:t> </a:t>
+              </a:r>
+              <a:r>
+                <a:rPr lang="pt-BR" sz="2000" b="1" dirty="0" smtClean="0">
+                  <a:solidFill>
+                    <a:schemeClr val="tx1"/>
+                  </a:solidFill>
+                  <a:latin typeface="Ink Free" pitchFamily="66" charset="0"/>
+                </a:rPr>
+                <a:t>Bruno </a:t>
+              </a:r>
+              <a:r>
+                <a:rPr lang="pt-BR" sz="2000" b="1" dirty="0" smtClean="0">
+                  <a:solidFill>
+                    <a:schemeClr val="tx1"/>
+                  </a:solidFill>
+                  <a:latin typeface="Ink Free" pitchFamily="66" charset="0"/>
+                </a:rPr>
+                <a:t>Simões</a:t>
+              </a:r>
+              <a:endParaRPr lang="pt-BR" sz="2000" b="1" dirty="0" smtClean="0">
+                <a:solidFill>
+                  <a:schemeClr val="tx1"/>
+                </a:solidFill>
+                <a:latin typeface="Ink Free" pitchFamily="66" charset="0"/>
+              </a:endParaRPr>
+            </a:p>
+          </p:txBody>
+        </p:sp>
+        <p:sp>
+          <p:nvSpPr>
+            <p:cNvPr id="8" name="Retângulo 7"/>
+            <p:cNvSpPr/>
+            <p:nvPr/>
+          </p:nvSpPr>
+          <p:spPr>
+            <a:xfrm>
+              <a:off x="4062817" y="5830359"/>
+              <a:ext cx="5405727" cy="821761"/>
+            </a:xfrm>
+            <a:prstGeom prst="rect">
+              <a:avLst/>
+            </a:prstGeom>
+            <a:solidFill>
+              <a:schemeClr val="bg1"/>
+            </a:solidFill>
+            <a:ln>
+              <a:noFill/>
+            </a:ln>
+          </p:spPr>
+          <p:style>
+            <a:lnRef idx="2">
+              <a:schemeClr val="accent1">
+                <a:shade val="50000"/>
+              </a:schemeClr>
+            </a:lnRef>
+            <a:fillRef idx="1">
+              <a:schemeClr val="accent1"/>
+            </a:fillRef>
+            <a:effectRef idx="0">
+              <a:schemeClr val="accent1"/>
+            </a:effectRef>
+            <a:fontRef idx="minor">
+              <a:schemeClr val="lt1"/>
+            </a:fontRef>
+          </p:style>
+          <p:txBody>
+            <a:bodyPr rtlCol="0" anchor="ctr"/>
+            <a:lstStyle/>
+            <a:p>
+              <a:pPr algn="ctr"/>
+              <a:r>
+                <a:rPr lang="pt-BR" sz="2400" dirty="0" smtClean="0">
+                  <a:solidFill>
+                    <a:schemeClr val="tx1"/>
+                  </a:solidFill>
+                  <a:latin typeface="Forte" pitchFamily="66" charset="0"/>
+                </a:rPr>
+                <a:t>Link </a:t>
+              </a:r>
+              <a:r>
+                <a:rPr lang="pt-BR" sz="2400" dirty="0">
+                  <a:solidFill>
+                    <a:schemeClr val="tx1"/>
+                  </a:solidFill>
+                  <a:latin typeface="Forte" pitchFamily="66" charset="0"/>
+                </a:rPr>
+                <a:t>para o </a:t>
+              </a:r>
+              <a:r>
+                <a:rPr lang="pt-BR" sz="2400" dirty="0" smtClean="0">
+                  <a:solidFill>
+                    <a:schemeClr val="tx1"/>
+                  </a:solidFill>
+                  <a:latin typeface="Forte" pitchFamily="66" charset="0"/>
+                </a:rPr>
+                <a:t>evento</a:t>
+              </a:r>
+            </a:p>
+            <a:p>
+              <a:pPr algn="ctr"/>
+              <a:r>
+                <a:rPr lang="pt-BR" sz="2400" b="1" dirty="0" err="1" smtClean="0">
+                  <a:solidFill>
+                    <a:srgbClr val="002060"/>
+                  </a:solidFill>
+                </a:rPr>
+                <a:t>meet</a:t>
+              </a:r>
+              <a:r>
+                <a:rPr lang="pt-BR" sz="2400" b="1" dirty="0" smtClean="0">
+                  <a:solidFill>
+                    <a:srgbClr val="002060"/>
+                  </a:solidFill>
+                </a:rPr>
+                <a:t>.google.com/</a:t>
+              </a:r>
+              <a:r>
+                <a:rPr lang="pt-BR" sz="2400" b="1" dirty="0" err="1" smtClean="0">
+                  <a:solidFill>
+                    <a:srgbClr val="002060"/>
+                  </a:solidFill>
+                </a:rPr>
+                <a:t>cfo-zhba-oyr</a:t>
+              </a:r>
+              <a:endParaRPr lang="pt-BR" sz="2400" b="1" dirty="0" smtClean="0">
+                <a:solidFill>
+                  <a:srgbClr val="002060"/>
+                </a:solidFill>
+              </a:endParaRPr>
+            </a:p>
+          </p:txBody>
+        </p:sp>
+        <p:sp>
+          <p:nvSpPr>
+            <p:cNvPr id="12" name="Retângulo 11"/>
+            <p:cNvSpPr/>
+            <p:nvPr/>
+          </p:nvSpPr>
+          <p:spPr>
+            <a:xfrm>
+              <a:off x="4067944" y="1052736"/>
+              <a:ext cx="5400600" cy="3312368"/>
+            </a:xfrm>
+            <a:prstGeom prst="rect">
+              <a:avLst/>
+            </a:prstGeom>
+            <a:solidFill>
+              <a:schemeClr val="bg1"/>
+            </a:solidFill>
+            <a:ln>
+              <a:noFill/>
+            </a:ln>
+          </p:spPr>
+          <p:style>
+            <a:lnRef idx="2">
+              <a:schemeClr val="accent1">
+                <a:shade val="50000"/>
+              </a:schemeClr>
+            </a:lnRef>
+            <a:fillRef idx="1">
+              <a:schemeClr val="accent1"/>
+            </a:fillRef>
+            <a:effectRef idx="0">
+              <a:schemeClr val="accent1"/>
+            </a:effectRef>
+            <a:fontRef idx="minor">
+              <a:schemeClr val="lt1"/>
+            </a:fontRef>
+          </p:style>
+          <p:txBody>
+            <a:bodyPr rtlCol="0" anchor="ctr"/>
+            <a:lstStyle/>
+            <a:p>
+              <a:pPr algn="just"/>
+              <a:r>
+                <a:rPr lang="pt-BR" sz="1600" b="1" dirty="0" smtClean="0">
+                  <a:solidFill>
+                    <a:schemeClr val="tx1"/>
+                  </a:solidFill>
+                  <a:latin typeface="Ink Free" pitchFamily="66" charset="0"/>
+                </a:rPr>
+                <a:t>Diante da pandemia da COVID-19, as aulas online têm sido avaliadas e aplicadas em algumas instituições como substitutas temporárias do ensino presencial. Inúmeros professores que nunca tiveram experiência com um ensino nesta modalidade, de repente, se veem diante do desafio de ministrarem um curso remoto. Eis que surge a pergunta: "Como proporcionar ao aluno um ensino online de qualidade, criativo e dinâmico de forma a envolvê-lo ativamente nas aulas?". Para tentar responder à pergunta, irei apresentar algumas atividades e ferramentas que podem ser utilizadas no ensino online. A ideia principal é compartilharmos experiências e ideias a fim de nos prepararmos para uma nova forma de ensinar.</a:t>
               </a:r>
               <a:endParaRPr lang="pt-BR" sz="2800" b="1" dirty="0" smtClean="0">
                 <a:solidFill>

--- a/libs/uds/flyer.pptx
+++ b/libs/uds/flyer.pptx
@@ -5,7 +5,7 @@
     <p:sldMasterId id="2147483648" r:id="rId1"/>
   </p:sldMasterIdLst>
   <p:notesMasterIdLst>
-    <p:notesMasterId r:id="rId11"/>
+    <p:notesMasterId r:id="rId12"/>
   </p:notesMasterIdLst>
   <p:sldIdLst>
     <p:sldId id="256" r:id="rId2"/>
@@ -17,6 +17,7 @@
     <p:sldId id="261" r:id="rId8"/>
     <p:sldId id="263" r:id="rId9"/>
     <p:sldId id="264" r:id="rId10"/>
+    <p:sldId id="266" r:id="rId11"/>
   </p:sldIdLst>
   <p:sldSz cx="9144000" cy="6858000" type="screen4x3"/>
   <p:notesSz cx="6858000" cy="9144000"/>
@@ -201,7 +202,7 @@
             <a:fld id="{03CA6A64-D8DA-4790-AC21-8D1D39F048E7}" type="datetimeFigureOut">
               <a:rPr lang="pt-BR" smtClean="0"/>
               <a:pPr/>
-              <a:t>15/06/2020</a:t>
+              <a:t>26/06/2020</a:t>
             </a:fld>
             <a:endParaRPr lang="pt-BR"/>
           </a:p>
@@ -895,7 +896,7 @@
             <a:fld id="{32EE085F-AAA4-4482-A02A-EDCE077316B0}" type="datetimeFigureOut">
               <a:rPr lang="pt-BR" smtClean="0"/>
               <a:pPr/>
-              <a:t>15/06/2020</a:t>
+              <a:t>26/06/2020</a:t>
             </a:fld>
             <a:endParaRPr lang="pt-BR"/>
           </a:p>
@@ -1062,7 +1063,7 @@
             <a:fld id="{32EE085F-AAA4-4482-A02A-EDCE077316B0}" type="datetimeFigureOut">
               <a:rPr lang="pt-BR" smtClean="0"/>
               <a:pPr/>
-              <a:t>15/06/2020</a:t>
+              <a:t>26/06/2020</a:t>
             </a:fld>
             <a:endParaRPr lang="pt-BR"/>
           </a:p>
@@ -1239,7 +1240,7 @@
             <a:fld id="{32EE085F-AAA4-4482-A02A-EDCE077316B0}" type="datetimeFigureOut">
               <a:rPr lang="pt-BR" smtClean="0"/>
               <a:pPr/>
-              <a:t>15/06/2020</a:t>
+              <a:t>26/06/2020</a:t>
             </a:fld>
             <a:endParaRPr lang="pt-BR"/>
           </a:p>
@@ -1406,7 +1407,7 @@
             <a:fld id="{32EE085F-AAA4-4482-A02A-EDCE077316B0}" type="datetimeFigureOut">
               <a:rPr lang="pt-BR" smtClean="0"/>
               <a:pPr/>
-              <a:t>15/06/2020</a:t>
+              <a:t>26/06/2020</a:t>
             </a:fld>
             <a:endParaRPr lang="pt-BR"/>
           </a:p>
@@ -1649,7 +1650,7 @@
             <a:fld id="{32EE085F-AAA4-4482-A02A-EDCE077316B0}" type="datetimeFigureOut">
               <a:rPr lang="pt-BR" smtClean="0"/>
               <a:pPr/>
-              <a:t>15/06/2020</a:t>
+              <a:t>26/06/2020</a:t>
             </a:fld>
             <a:endParaRPr lang="pt-BR"/>
           </a:p>
@@ -1934,7 +1935,7 @@
             <a:fld id="{32EE085F-AAA4-4482-A02A-EDCE077316B0}" type="datetimeFigureOut">
               <a:rPr lang="pt-BR" smtClean="0"/>
               <a:pPr/>
-              <a:t>15/06/2020</a:t>
+              <a:t>26/06/2020</a:t>
             </a:fld>
             <a:endParaRPr lang="pt-BR"/>
           </a:p>
@@ -2353,7 +2354,7 @@
             <a:fld id="{32EE085F-AAA4-4482-A02A-EDCE077316B0}" type="datetimeFigureOut">
               <a:rPr lang="pt-BR" smtClean="0"/>
               <a:pPr/>
-              <a:t>15/06/2020</a:t>
+              <a:t>26/06/2020</a:t>
             </a:fld>
             <a:endParaRPr lang="pt-BR"/>
           </a:p>
@@ -2468,7 +2469,7 @@
             <a:fld id="{32EE085F-AAA4-4482-A02A-EDCE077316B0}" type="datetimeFigureOut">
               <a:rPr lang="pt-BR" smtClean="0"/>
               <a:pPr/>
-              <a:t>15/06/2020</a:t>
+              <a:t>26/06/2020</a:t>
             </a:fld>
             <a:endParaRPr lang="pt-BR"/>
           </a:p>
@@ -2560,7 +2561,7 @@
             <a:fld id="{32EE085F-AAA4-4482-A02A-EDCE077316B0}" type="datetimeFigureOut">
               <a:rPr lang="pt-BR" smtClean="0"/>
               <a:pPr/>
-              <a:t>15/06/2020</a:t>
+              <a:t>26/06/2020</a:t>
             </a:fld>
             <a:endParaRPr lang="pt-BR"/>
           </a:p>
@@ -2834,7 +2835,7 @@
             <a:fld id="{32EE085F-AAA4-4482-A02A-EDCE077316B0}" type="datetimeFigureOut">
               <a:rPr lang="pt-BR" smtClean="0"/>
               <a:pPr/>
-              <a:t>15/06/2020</a:t>
+              <a:t>26/06/2020</a:t>
             </a:fld>
             <a:endParaRPr lang="pt-BR"/>
           </a:p>
@@ -3084,7 +3085,7 @@
             <a:fld id="{32EE085F-AAA4-4482-A02A-EDCE077316B0}" type="datetimeFigureOut">
               <a:rPr lang="pt-BR" smtClean="0"/>
               <a:pPr/>
-              <a:t>15/06/2020</a:t>
+              <a:t>26/06/2020</a:t>
             </a:fld>
             <a:endParaRPr lang="pt-BR"/>
           </a:p>
@@ -3294,7 +3295,7 @@
             <a:fld id="{32EE085F-AAA4-4482-A02A-EDCE077316B0}" type="datetimeFigureOut">
               <a:rPr lang="pt-BR" smtClean="0"/>
               <a:pPr/>
-              <a:t>15/06/2020</a:t>
+              <a:t>26/06/2020</a:t>
             </a:fld>
             <a:endParaRPr lang="pt-BR"/>
           </a:p>
@@ -3706,6 +3707,594 @@
 </p:sld>
 </file>
 
+<file path=ppt/slides/slide10.xml><?xml version="1.0" encoding="utf-8"?>
+<p:sld xmlns:a="http://schemas.openxmlformats.org/drawingml/2006/main" xmlns:r="http://schemas.openxmlformats.org/officeDocument/2006/relationships" xmlns:p="http://schemas.openxmlformats.org/presentationml/2006/main">
+  <p:cSld>
+    <p:spTree>
+      <p:nvGrpSpPr>
+        <p:cNvPr id="1" name=""/>
+        <p:cNvGrpSpPr/>
+        <p:nvPr/>
+      </p:nvGrpSpPr>
+      <p:grpSpPr>
+        <a:xfrm>
+          <a:off x="0" y="0"/>
+          <a:ext cx="0" cy="0"/>
+          <a:chOff x="0" y="0"/>
+          <a:chExt cx="0" cy="0"/>
+        </a:xfrm>
+      </p:grpSpPr>
+      <p:grpSp>
+        <p:nvGrpSpPr>
+          <p:cNvPr id="9" name="Grupo 12"/>
+          <p:cNvGrpSpPr/>
+          <p:nvPr/>
+        </p:nvGrpSpPr>
+        <p:grpSpPr>
+          <a:xfrm>
+            <a:off x="0" y="27384"/>
+            <a:ext cx="9612560" cy="6858000"/>
+            <a:chOff x="-612576" y="-315416"/>
+            <a:chExt cx="9612560" cy="6858000"/>
+          </a:xfrm>
+        </p:grpSpPr>
+        <p:pic>
+          <p:nvPicPr>
+            <p:cNvPr id="15" name="Picture 4" descr="https://pbs.twimg.com/media/DfqjHpNU0AIuufg.jpg"/>
+            <p:cNvPicPr>
+              <a:picLocks noChangeAspect="1" noChangeArrowheads="1"/>
+            </p:cNvPicPr>
+            <p:nvPr/>
+          </p:nvPicPr>
+          <p:blipFill>
+            <a:blip r:embed="rId2" cstate="print">
+              <a:duotone>
+                <a:schemeClr val="accent5">
+                  <a:shade val="45000"/>
+                  <a:satMod val="135000"/>
+                </a:schemeClr>
+                <a:prstClr val="white"/>
+              </a:duotone>
+            </a:blip>
+            <a:srcRect b="9841"/>
+            <a:stretch>
+              <a:fillRect/>
+            </a:stretch>
+          </p:blipFill>
+          <p:spPr bwMode="auto">
+            <a:xfrm>
+              <a:off x="-612576" y="-315416"/>
+              <a:ext cx="9612560" cy="6858000"/>
+            </a:xfrm>
+            <a:prstGeom prst="rect">
+              <a:avLst/>
+            </a:prstGeom>
+            <a:noFill/>
+          </p:spPr>
+        </p:pic>
+        <p:pic>
+          <p:nvPicPr>
+            <p:cNvPr id="2" name="Imagem 1" descr="corpus-banner.png"/>
+            <p:cNvPicPr>
+              <a:picLocks noChangeAspect="1"/>
+            </p:cNvPicPr>
+            <p:nvPr/>
+          </p:nvPicPr>
+          <p:blipFill>
+            <a:blip r:embed="rId3" cstate="print"/>
+            <a:stretch>
+              <a:fillRect/>
+            </a:stretch>
+          </p:blipFill>
+          <p:spPr>
+            <a:xfrm>
+              <a:off x="-396552" y="1213992"/>
+              <a:ext cx="3672408" cy="4253755"/>
+            </a:xfrm>
+            <a:prstGeom prst="rect">
+              <a:avLst/>
+            </a:prstGeom>
+          </p:spPr>
+        </p:pic>
+        <p:sp>
+          <p:nvSpPr>
+            <p:cNvPr id="3" name="Retângulo 2"/>
+            <p:cNvSpPr/>
+            <p:nvPr/>
+          </p:nvSpPr>
+          <p:spPr>
+            <a:xfrm>
+              <a:off x="3347864" y="-226168"/>
+              <a:ext cx="5410198" cy="1152128"/>
+            </a:xfrm>
+            <a:prstGeom prst="rect">
+              <a:avLst/>
+            </a:prstGeom>
+            <a:solidFill>
+              <a:schemeClr val="bg1"/>
+            </a:solidFill>
+            <a:ln>
+              <a:noFill/>
+            </a:ln>
+          </p:spPr>
+          <p:style>
+            <a:lnRef idx="2">
+              <a:schemeClr val="accent1">
+                <a:shade val="50000"/>
+              </a:schemeClr>
+            </a:lnRef>
+            <a:fillRef idx="1">
+              <a:schemeClr val="accent1"/>
+            </a:fillRef>
+            <a:effectRef idx="0">
+              <a:schemeClr val="accent1"/>
+            </a:effectRef>
+            <a:fontRef idx="minor">
+              <a:schemeClr val="lt1"/>
+            </a:fontRef>
+          </p:style>
+          <p:txBody>
+            <a:bodyPr rtlCol="0" anchor="ctr"/>
+            <a:lstStyle/>
+            <a:p>
+              <a:pPr algn="ctr"/>
+              <a:endParaRPr lang="pt-BR" b="1" dirty="0">
+                <a:solidFill>
+                  <a:schemeClr val="tx1"/>
+                </a:solidFill>
+              </a:endParaRPr>
+            </a:p>
+          </p:txBody>
+        </p:sp>
+        <p:sp>
+          <p:nvSpPr>
+            <p:cNvPr id="4" name="Retângulo 3"/>
+            <p:cNvSpPr/>
+            <p:nvPr/>
+          </p:nvSpPr>
+          <p:spPr>
+            <a:xfrm>
+              <a:off x="3359896" y="4382344"/>
+              <a:ext cx="5398166" cy="679202"/>
+            </a:xfrm>
+            <a:prstGeom prst="rect">
+              <a:avLst/>
+            </a:prstGeom>
+            <a:solidFill>
+              <a:schemeClr val="bg1"/>
+            </a:solidFill>
+            <a:ln>
+              <a:noFill/>
+            </a:ln>
+          </p:spPr>
+          <p:style>
+            <a:lnRef idx="2">
+              <a:schemeClr val="accent1">
+                <a:shade val="50000"/>
+              </a:schemeClr>
+            </a:lnRef>
+            <a:fillRef idx="1">
+              <a:schemeClr val="accent1"/>
+            </a:fillRef>
+            <a:effectRef idx="0">
+              <a:schemeClr val="accent1"/>
+            </a:effectRef>
+            <a:fontRef idx="minor">
+              <a:schemeClr val="lt1"/>
+            </a:fontRef>
+          </p:style>
+          <p:txBody>
+            <a:bodyPr rtlCol="0" anchor="ctr"/>
+            <a:lstStyle/>
+            <a:p>
+              <a:pPr algn="ctr"/>
+              <a:r>
+                <a:rPr lang="pt-BR" sz="3200" b="1" dirty="0" smtClean="0">
+                  <a:solidFill>
+                    <a:schemeClr val="tx1"/>
+                  </a:solidFill>
+                  <a:latin typeface="Ink Free" pitchFamily="66" charset="0"/>
+                </a:rPr>
+                <a:t>29/06   </a:t>
+              </a:r>
+              <a:r>
+                <a:rPr lang="pt-BR" sz="3200" b="1" dirty="0" smtClean="0">
+                  <a:solidFill>
+                    <a:schemeClr val="tx1"/>
+                  </a:solidFill>
+                  <a:latin typeface="Ink Free" pitchFamily="66" charset="0"/>
+                </a:rPr>
+                <a:t>14 horas</a:t>
+              </a:r>
+              <a:endParaRPr lang="pt-BR" sz="3200" b="1" dirty="0">
+                <a:solidFill>
+                  <a:schemeClr val="tx1"/>
+                </a:solidFill>
+                <a:latin typeface="Ink Free" pitchFamily="66" charset="0"/>
+              </a:endParaRPr>
+            </a:p>
+          </p:txBody>
+        </p:sp>
+        <p:sp>
+          <p:nvSpPr>
+            <p:cNvPr id="5" name="CaixaDeTexto 4"/>
+            <p:cNvSpPr txBox="1"/>
+            <p:nvPr/>
+          </p:nvSpPr>
+          <p:spPr>
+            <a:xfrm>
+              <a:off x="3429470" y="-255785"/>
+              <a:ext cx="5076056" cy="1569660"/>
+            </a:xfrm>
+            <a:prstGeom prst="rect">
+              <a:avLst/>
+            </a:prstGeom>
+            <a:noFill/>
+            <a:ln>
+              <a:noFill/>
+            </a:ln>
+          </p:spPr>
+          <p:txBody>
+            <a:bodyPr wrap="square" rtlCol="0">
+              <a:spAutoFit/>
+            </a:bodyPr>
+            <a:lstStyle/>
+            <a:p>
+              <a:r>
+                <a:rPr lang="pt-BR" sz="2400" b="1" dirty="0" smtClean="0">
+                  <a:latin typeface="Ink Free" pitchFamily="66" charset="0"/>
+                </a:rPr>
+                <a:t>Projetos no ensino superior e pesquisas: ações e reflexões de um professor esperançoso</a:t>
+              </a:r>
+            </a:p>
+            <a:p>
+              <a:endParaRPr lang="pt-BR" sz="2400" b="1" dirty="0" smtClean="0">
+                <a:latin typeface="Ink Free" pitchFamily="66" charset="0"/>
+              </a:endParaRPr>
+            </a:p>
+          </p:txBody>
+        </p:sp>
+        <p:sp>
+          <p:nvSpPr>
+            <p:cNvPr id="6" name="CaixaDeTexto 5"/>
+            <p:cNvSpPr txBox="1"/>
+            <p:nvPr/>
+          </p:nvSpPr>
+          <p:spPr>
+            <a:xfrm>
+              <a:off x="4444224" y="565920"/>
+              <a:ext cx="4376576" cy="400110"/>
+            </a:xfrm>
+            <a:prstGeom prst="rect">
+              <a:avLst/>
+            </a:prstGeom>
+            <a:noFill/>
+            <a:ln>
+              <a:noFill/>
+            </a:ln>
+          </p:spPr>
+          <p:txBody>
+            <a:bodyPr wrap="square" rtlCol="0">
+              <a:spAutoFit/>
+            </a:bodyPr>
+            <a:lstStyle/>
+            <a:p>
+              <a:pPr algn="r"/>
+              <a:r>
+                <a:rPr lang="pt-BR" sz="2000" b="1" dirty="0" smtClean="0">
+                  <a:latin typeface="Ink Free" pitchFamily="66" charset="0"/>
+                </a:rPr>
+                <a:t>Prof.  Bruno Simões</a:t>
+              </a:r>
+            </a:p>
+          </p:txBody>
+        </p:sp>
+        <p:sp>
+          <p:nvSpPr>
+            <p:cNvPr id="7" name="Retângulo 6"/>
+            <p:cNvSpPr/>
+            <p:nvPr/>
+          </p:nvSpPr>
+          <p:spPr>
+            <a:xfrm>
+              <a:off x="3353526" y="5142136"/>
+              <a:ext cx="5404536" cy="464344"/>
+            </a:xfrm>
+            <a:prstGeom prst="rect">
+              <a:avLst/>
+            </a:prstGeom>
+            <a:solidFill>
+              <a:schemeClr val="bg1"/>
+            </a:solidFill>
+            <a:ln>
+              <a:noFill/>
+            </a:ln>
+          </p:spPr>
+          <p:style>
+            <a:lnRef idx="2">
+              <a:schemeClr val="accent1">
+                <a:shade val="50000"/>
+              </a:schemeClr>
+            </a:lnRef>
+            <a:fillRef idx="1">
+              <a:schemeClr val="accent1"/>
+            </a:fillRef>
+            <a:effectRef idx="0">
+              <a:schemeClr val="accent1"/>
+            </a:effectRef>
+            <a:fontRef idx="minor">
+              <a:schemeClr val="lt1"/>
+            </a:fontRef>
+          </p:style>
+          <p:txBody>
+            <a:bodyPr rtlCol="0" anchor="ctr"/>
+            <a:lstStyle/>
+            <a:p>
+              <a:pPr algn="ctr"/>
+              <a:r>
+                <a:rPr lang="pt-BR" b="1" dirty="0" smtClean="0">
+                  <a:solidFill>
+                    <a:schemeClr val="tx1"/>
+                  </a:solidFill>
+                  <a:latin typeface="Ink Free" pitchFamily="66" charset="0"/>
+                </a:rPr>
+                <a:t>mediação:  </a:t>
+              </a:r>
+              <a:r>
+                <a:rPr lang="pt-BR" b="1" dirty="0" err="1" smtClean="0">
+                  <a:solidFill>
+                    <a:schemeClr val="tx1"/>
+                  </a:solidFill>
+                  <a:latin typeface="Ink Free" pitchFamily="66" charset="0"/>
+                </a:rPr>
+                <a:t>Profa</a:t>
+              </a:r>
+              <a:r>
+                <a:rPr lang="pt-BR" b="1" dirty="0" smtClean="0">
+                  <a:solidFill>
+                    <a:schemeClr val="tx1"/>
+                  </a:solidFill>
+                  <a:latin typeface="Ink Free" pitchFamily="66" charset="0"/>
+                </a:rPr>
+                <a:t>.  Beatriz Cunha</a:t>
+              </a:r>
+              <a:endParaRPr lang="pt-BR" b="1" dirty="0" smtClean="0">
+                <a:solidFill>
+                  <a:schemeClr val="tx1"/>
+                </a:solidFill>
+                <a:latin typeface="Ink Free" pitchFamily="66" charset="0"/>
+              </a:endParaRPr>
+            </a:p>
+          </p:txBody>
+        </p:sp>
+        <p:sp>
+          <p:nvSpPr>
+            <p:cNvPr id="8" name="Retângulo 7"/>
+            <p:cNvSpPr/>
+            <p:nvPr/>
+          </p:nvSpPr>
+          <p:spPr>
+            <a:xfrm>
+              <a:off x="3352335" y="5720823"/>
+              <a:ext cx="5405727" cy="821761"/>
+            </a:xfrm>
+            <a:prstGeom prst="rect">
+              <a:avLst/>
+            </a:prstGeom>
+            <a:solidFill>
+              <a:schemeClr val="bg1"/>
+            </a:solidFill>
+            <a:ln>
+              <a:noFill/>
+            </a:ln>
+          </p:spPr>
+          <p:style>
+            <a:lnRef idx="2">
+              <a:schemeClr val="accent1">
+                <a:shade val="50000"/>
+              </a:schemeClr>
+            </a:lnRef>
+            <a:fillRef idx="1">
+              <a:schemeClr val="accent1"/>
+            </a:fillRef>
+            <a:effectRef idx="0">
+              <a:schemeClr val="accent1"/>
+            </a:effectRef>
+            <a:fontRef idx="minor">
+              <a:schemeClr val="lt1"/>
+            </a:fontRef>
+          </p:style>
+          <p:txBody>
+            <a:bodyPr rtlCol="0" anchor="ctr"/>
+            <a:lstStyle/>
+            <a:p>
+              <a:pPr algn="ctr"/>
+              <a:r>
+                <a:rPr lang="pt-BR" sz="2400" dirty="0" smtClean="0">
+                  <a:solidFill>
+                    <a:schemeClr val="tx1"/>
+                  </a:solidFill>
+                  <a:latin typeface="Forte" pitchFamily="66" charset="0"/>
+                </a:rPr>
+                <a:t>Link </a:t>
+              </a:r>
+              <a:r>
+                <a:rPr lang="pt-BR" sz="2400" dirty="0">
+                  <a:solidFill>
+                    <a:schemeClr val="tx1"/>
+                  </a:solidFill>
+                  <a:latin typeface="Forte" pitchFamily="66" charset="0"/>
+                </a:rPr>
+                <a:t>para o </a:t>
+              </a:r>
+              <a:r>
+                <a:rPr lang="pt-BR" sz="2400" dirty="0" smtClean="0">
+                  <a:solidFill>
+                    <a:schemeClr val="tx1"/>
+                  </a:solidFill>
+                  <a:latin typeface="Forte" pitchFamily="66" charset="0"/>
+                </a:rPr>
+                <a:t>evento</a:t>
+              </a:r>
+            </a:p>
+            <a:p>
+              <a:pPr algn="ctr"/>
+              <a:r>
+                <a:rPr lang="pt-BR" sz="2400" b="1" dirty="0" err="1" smtClean="0">
+                  <a:hlinkClick r:id="rId4"/>
+                </a:rPr>
+                <a:t>meet</a:t>
+              </a:r>
+              <a:r>
+                <a:rPr lang="pt-BR" sz="2400" b="1" dirty="0" smtClean="0">
+                  <a:hlinkClick r:id="rId4"/>
+                </a:rPr>
+                <a:t>.google.com/</a:t>
+              </a:r>
+              <a:r>
+                <a:rPr lang="pt-BR" sz="2400" b="1" dirty="0" err="1" smtClean="0">
+                  <a:hlinkClick r:id="rId4"/>
+                </a:rPr>
+                <a:t>xjh-fimh-zxd</a:t>
+              </a:r>
+              <a:endParaRPr lang="pt-BR" sz="2400" b="1" dirty="0" smtClean="0">
+                <a:solidFill>
+                  <a:srgbClr val="002060"/>
+                </a:solidFill>
+              </a:endParaRPr>
+            </a:p>
+          </p:txBody>
+        </p:sp>
+        <p:sp>
+          <p:nvSpPr>
+            <p:cNvPr id="12" name="Retângulo 11"/>
+            <p:cNvSpPr/>
+            <p:nvPr/>
+          </p:nvSpPr>
+          <p:spPr>
+            <a:xfrm>
+              <a:off x="3357462" y="997968"/>
+              <a:ext cx="5400600" cy="3312368"/>
+            </a:xfrm>
+            <a:prstGeom prst="rect">
+              <a:avLst/>
+            </a:prstGeom>
+            <a:solidFill>
+              <a:schemeClr val="bg1"/>
+            </a:solidFill>
+            <a:ln>
+              <a:noFill/>
+            </a:ln>
+          </p:spPr>
+          <p:style>
+            <a:lnRef idx="2">
+              <a:schemeClr val="accent1">
+                <a:shade val="50000"/>
+              </a:schemeClr>
+            </a:lnRef>
+            <a:fillRef idx="1">
+              <a:schemeClr val="accent1"/>
+            </a:fillRef>
+            <a:effectRef idx="0">
+              <a:schemeClr val="accent1"/>
+            </a:effectRef>
+            <a:fontRef idx="minor">
+              <a:schemeClr val="lt1"/>
+            </a:fontRef>
+          </p:style>
+          <p:txBody>
+            <a:bodyPr rtlCol="0" anchor="ctr"/>
+            <a:lstStyle/>
+            <a:p>
+              <a:endParaRPr lang="pt-BR" sz="1600" b="1" dirty="0" smtClean="0">
+                <a:solidFill>
+                  <a:schemeClr val="tx1"/>
+                </a:solidFill>
+                <a:latin typeface="Ink Free" pitchFamily="66" charset="0"/>
+              </a:endParaRPr>
+            </a:p>
+            <a:p>
+              <a:r>
+                <a:rPr lang="pt-BR" sz="1600" b="1" dirty="0" smtClean="0">
+                  <a:solidFill>
+                    <a:schemeClr val="tx1"/>
+                  </a:solidFill>
+                  <a:latin typeface="Ink Free" pitchFamily="66" charset="0"/>
+                </a:rPr>
+                <a:t>A </a:t>
+              </a:r>
+              <a:r>
+                <a:rPr lang="pt-BR" sz="1600" b="1" dirty="0" smtClean="0">
+                  <a:solidFill>
+                    <a:schemeClr val="tx1"/>
+                  </a:solidFill>
+                  <a:latin typeface="Ink Free" pitchFamily="66" charset="0"/>
+                </a:rPr>
+                <a:t>pandemia de </a:t>
+              </a:r>
+              <a:r>
+                <a:rPr lang="pt-BR" sz="1600" b="1" dirty="0" err="1" smtClean="0">
+                  <a:solidFill>
+                    <a:schemeClr val="tx1"/>
+                  </a:solidFill>
+                  <a:latin typeface="Ink Free" pitchFamily="66" charset="0"/>
+                </a:rPr>
+                <a:t>Covid</a:t>
+              </a:r>
+              <a:r>
+                <a:rPr lang="pt-BR" sz="1600" b="1" dirty="0" smtClean="0">
+                  <a:solidFill>
+                    <a:schemeClr val="tx1"/>
+                  </a:solidFill>
+                  <a:latin typeface="Ink Free" pitchFamily="66" charset="0"/>
+                </a:rPr>
+                <a:t>-19 forçou inúmeros reflexões e transformações surgirem na nossa sociedade, que hoje se vê com maior responsabilidade com o próximo, a pensar em formas de reinventar a economia num processo mais participativo e no compartilhamento de saberes. Na Educação, professores debatem exaustivamente sobre novas abordagens metodológicas que possibilitem maior engajamento de alunos e professores na relação ensino-aprendizagem. </a:t>
+              </a:r>
+              <a:r>
+                <a:rPr lang="pt-BR" sz="1600" b="1" dirty="0" smtClean="0">
+                  <a:solidFill>
+                    <a:schemeClr val="tx1"/>
+                  </a:solidFill>
+                  <a:latin typeface="Ink Free" pitchFamily="66" charset="0"/>
+                </a:rPr>
+                <a:t>A ideia dessa apresentação é proporcionar um ambiente de discussões sobre a metodologia de projetos, debater sobre ideias já utilizadas para desenvolvê-los remotamente e mostrar algumas atividades que desenvolvo como professor e pesquisador durante este momento</a:t>
+              </a:r>
+              <a:r>
+                <a:rPr lang="pt-BR" sz="1600" b="1" dirty="0" smtClean="0">
+                  <a:solidFill>
+                    <a:schemeClr val="tx1"/>
+                  </a:solidFill>
+                  <a:latin typeface="Ink Free" pitchFamily="66" charset="0"/>
+                </a:rPr>
+                <a:t>.</a:t>
+              </a:r>
+            </a:p>
+            <a:p>
+              <a:endParaRPr lang="pt-BR" sz="1600" b="1" dirty="0" smtClean="0">
+                <a:solidFill>
+                  <a:schemeClr val="tx1"/>
+                </a:solidFill>
+                <a:latin typeface="Ink Free" pitchFamily="66" charset="0"/>
+              </a:endParaRPr>
+            </a:p>
+          </p:txBody>
+        </p:sp>
+      </p:grpSp>
+    </p:spTree>
+  </p:cSld>
+  <p:clrMapOvr>
+    <a:masterClrMapping/>
+  </p:clrMapOvr>
+  <p:timing>
+    <p:tnLst>
+      <p:par>
+        <p:cTn id="1" dur="indefinite" restart="never" nodeType="tmRoot"/>
+      </p:par>
+    </p:tnLst>
+  </p:timing>
+</p:sld>
+</file>
+
 <file path=ppt/slides/slide2.xml><?xml version="1.0" encoding="utf-8"?>
 <p:sld xmlns:a="http://schemas.openxmlformats.org/drawingml/2006/main" xmlns:r="http://schemas.openxmlformats.org/officeDocument/2006/relationships" xmlns:p="http://schemas.openxmlformats.org/presentationml/2006/main">
   <p:cSld>
@@ -7658,16 +8247,7 @@
                   </a:solidFill>
                   <a:latin typeface="Ink Free" pitchFamily="66" charset="0"/>
                 </a:rPr>
-                <a:t>22/06   </a:t>
-              </a:r>
-              <a:r>
-                <a:rPr lang="pt-BR" sz="3200" b="1" dirty="0" smtClean="0">
-                  <a:solidFill>
-                    <a:schemeClr val="tx1"/>
-                  </a:solidFill>
-                  <a:latin typeface="Ink Free" pitchFamily="66" charset="0"/>
-                </a:rPr>
-                <a:t>14 horas</a:t>
+                <a:t>22/06   14 horas</a:t>
               </a:r>
               <a:endParaRPr lang="pt-BR" sz="3200" b="1" dirty="0">
                 <a:solidFill>
@@ -7707,19 +8287,7 @@
                 <a:rPr lang="pt-BR" sz="2400" b="1" dirty="0" smtClean="0">
                   <a:latin typeface="Ink Free" pitchFamily="66" charset="0"/>
                 </a:rPr>
-                <a:t>Atividades </a:t>
-              </a:r>
-              <a:r>
-                <a:rPr lang="pt-BR" sz="2400" b="1" dirty="0" smtClean="0">
-                  <a:latin typeface="Ink Free" pitchFamily="66" charset="0"/>
-                </a:rPr>
-                <a:t>e Ferramentas para o Ensino </a:t>
-              </a:r>
-              <a:r>
-                <a:rPr lang="pt-BR" sz="2400" b="1" dirty="0" smtClean="0">
-                  <a:latin typeface="Ink Free" pitchFamily="66" charset="0"/>
-                </a:rPr>
-                <a:t>Online</a:t>
+                <a:t>Atividades e Ferramentas para o Ensino Online</a:t>
               </a:r>
             </a:p>
             <a:p>
@@ -7765,13 +8333,7 @@
                 <a:rPr lang="pt-BR" sz="2000" b="1" dirty="0" smtClean="0">
                   <a:latin typeface="Ink Free" pitchFamily="66" charset="0"/>
                 </a:rPr>
-                <a:t>. Letícia </a:t>
-              </a:r>
-              <a:r>
-                <a:rPr lang="pt-BR" sz="2000" b="1" dirty="0" smtClean="0">
-                  <a:latin typeface="Ink Free" pitchFamily="66" charset="0"/>
-                </a:rPr>
-                <a:t>Raposo</a:t>
+                <a:t>. Letícia Raposo</a:t>
               </a:r>
               <a:endParaRPr lang="pt-BR" b="1" dirty="0">
                 <a:latin typeface="Ink Free" pitchFamily="66" charset="0"/>
@@ -7828,41 +8390,8 @@
                   </a:solidFill>
                   <a:latin typeface="Ink Free" pitchFamily="66" charset="0"/>
                 </a:rPr>
-                <a:t>mediação:  Prof. </a:t>
-              </a:r>
-              <a:r>
-                <a:rPr lang="pt-BR" sz="2000" b="1" dirty="0" smtClean="0">
-                  <a:solidFill>
-                    <a:schemeClr val="tx1"/>
-                  </a:solidFill>
-                  <a:latin typeface="Ink Free" pitchFamily="66" charset="0"/>
-                </a:rPr>
-                <a:t> </a:t>
-              </a:r>
-              <a:r>
-                <a:rPr lang="pt-BR" sz="2000" b="1" dirty="0" smtClean="0">
-                  <a:solidFill>
-                    <a:schemeClr val="tx1"/>
-                  </a:solidFill>
-                  <a:latin typeface="Ink Free" pitchFamily="66" charset="0"/>
-                </a:rPr>
-                <a:t>Bruno </a:t>
-              </a:r>
-              <a:r>
-                <a:rPr lang="pt-BR" sz="2000" b="1" dirty="0" smtClean="0">
-                  <a:solidFill>
-                    <a:schemeClr val="tx1"/>
-                  </a:solidFill>
-                  <a:latin typeface="Ink Free" pitchFamily="66" charset="0"/>
-                </a:rPr>
-                <a:t>Simões</a:t>
-              </a:r>
-              <a:endParaRPr lang="pt-BR" sz="2000" b="1" dirty="0" smtClean="0">
-                <a:solidFill>
-                  <a:schemeClr val="tx1"/>
-                </a:solidFill>
-                <a:latin typeface="Ink Free" pitchFamily="66" charset="0"/>
-              </a:endParaRPr>
+                <a:t>mediação:  Prof.  Bruno Simões</a:t>
+              </a:r>
             </a:p>
           </p:txBody>
         </p:sp>

--- a/libs/uds/flyer.pptx
+++ b/libs/uds/flyer.pptx
@@ -3895,16 +3895,7 @@
                   </a:solidFill>
                   <a:latin typeface="Ink Free" pitchFamily="66" charset="0"/>
                 </a:rPr>
-                <a:t>29/06   </a:t>
-              </a:r>
-              <a:r>
-                <a:rPr lang="pt-BR" sz="3200" b="1" dirty="0" smtClean="0">
-                  <a:solidFill>
-                    <a:schemeClr val="tx1"/>
-                  </a:solidFill>
-                  <a:latin typeface="Ink Free" pitchFamily="66" charset="0"/>
-                </a:rPr>
-                <a:t>14 horas</a:t>
+                <a:t>29/06   14 horas</a:t>
               </a:r>
               <a:endParaRPr lang="pt-BR" sz="3200" b="1" dirty="0">
                 <a:solidFill>
@@ -3944,8 +3935,17 @@
                 <a:rPr lang="pt-BR" sz="2400" b="1" dirty="0" smtClean="0">
                   <a:latin typeface="Ink Free" pitchFamily="66" charset="0"/>
                 </a:rPr>
-                <a:t>Projetos no ensino superior e pesquisas: ações e reflexões de um professor esperançoso</a:t>
-              </a:r>
+                <a:t>Projetos no ensino superior e pesquisas: ações e reflexões de um professor </a:t>
+              </a:r>
+              <a:r>
+                <a:rPr lang="pt-BR" sz="2400" b="1" dirty="0" smtClean="0">
+                  <a:latin typeface="Ink Free" pitchFamily="66" charset="0"/>
+                </a:rPr>
+                <a:t>esperançoso</a:t>
+              </a:r>
+              <a:endParaRPr lang="pt-BR" sz="2400" b="1" dirty="0" smtClean="0">
+                <a:latin typeface="Ink Free" pitchFamily="66" charset="0"/>
+              </a:endParaRPr>
             </a:p>
             <a:p>
               <a:endParaRPr lang="pt-BR" sz="2400" b="1" dirty="0" smtClean="0">
@@ -4058,12 +4058,6 @@
                 </a:rPr>
                 <a:t>.  Beatriz Cunha</a:t>
               </a:r>
-              <a:endParaRPr lang="pt-BR" b="1" dirty="0" smtClean="0">
-                <a:solidFill>
-                  <a:schemeClr val="tx1"/>
-                </a:solidFill>
-                <a:latin typeface="Ink Free" pitchFamily="66" charset="0"/>
-              </a:endParaRPr>
             </a:p>
           </p:txBody>
         </p:sp>
@@ -4206,7 +4200,7 @@
             <a:bodyPr rtlCol="0" anchor="ctr"/>
             <a:lstStyle/>
             <a:p>
-              <a:endParaRPr lang="pt-BR" sz="1600" b="1" dirty="0" smtClean="0">
+              <a:endParaRPr lang="pt-BR" sz="500" b="1" dirty="0" smtClean="0">
                 <a:solidFill>
                   <a:schemeClr val="tx1"/>
                 </a:solidFill>
@@ -4248,34 +4242,8 @@
                   </a:solidFill>
                   <a:latin typeface="Ink Free" pitchFamily="66" charset="0"/>
                 </a:rPr>
-                <a:t>-19 forçou inúmeros reflexões e transformações surgirem na nossa sociedade, que hoje se vê com maior responsabilidade com o próximo, a pensar em formas de reinventar a economia num processo mais participativo e no compartilhamento de saberes. Na Educação, professores debatem exaustivamente sobre novas abordagens metodológicas que possibilitem maior engajamento de alunos e professores na relação ensino-aprendizagem. </a:t>
-              </a:r>
-              <a:r>
-                <a:rPr lang="pt-BR" sz="1600" b="1" dirty="0" smtClean="0">
-                  <a:solidFill>
-                    <a:schemeClr val="tx1"/>
-                  </a:solidFill>
-                  <a:latin typeface="Ink Free" pitchFamily="66" charset="0"/>
-                </a:rPr>
-                <a:t>A ideia dessa apresentação é proporcionar um ambiente de discussões sobre a metodologia de projetos, debater sobre ideias já utilizadas para desenvolvê-los remotamente e mostrar algumas atividades que desenvolvo como professor e pesquisador durante este momento</a:t>
-              </a:r>
-              <a:r>
-                <a:rPr lang="pt-BR" sz="1600" b="1" dirty="0" smtClean="0">
-                  <a:solidFill>
-                    <a:schemeClr val="tx1"/>
-                  </a:solidFill>
-                  <a:latin typeface="Ink Free" pitchFamily="66" charset="0"/>
-                </a:rPr>
-                <a:t>.</a:t>
-              </a:r>
-            </a:p>
-            <a:p>
-              <a:endParaRPr lang="pt-BR" sz="1600" b="1" dirty="0" smtClean="0">
-                <a:solidFill>
-                  <a:schemeClr val="tx1"/>
-                </a:solidFill>
-                <a:latin typeface="Ink Free" pitchFamily="66" charset="0"/>
-              </a:endParaRPr>
+                <a:t>-19 forçou que inúmeras reflexões e transformações surgissem na nossa sociedade, que hoje se vê com maior responsabilidade com o próximo, a pensar em formas de reinventar a economia num processo mais participativo e no compartilhamento de saberes. Na Educação, professores debatem exaustivamente sobre novas abordagens metodológicas que possibilitem maior engajamento de alunos e professores na relação ensino-aprendizagem. A ideia dessa apresentação é proporcionar um ambiente de discussões sobre a metodologia de projetos, debater sobre ideias já utilizadas para desenvolvê-los remotamente e mostrar algumas atividades que desenvolvo como professor e pesquisador durante este momento.</a:t>
+              </a:r>
             </a:p>
           </p:txBody>
         </p:sp>

--- a/libs/uds/flyer.pptx
+++ b/libs/uds/flyer.pptx
@@ -5,7 +5,7 @@
     <p:sldMasterId id="2147483648" r:id="rId1"/>
   </p:sldMasterIdLst>
   <p:notesMasterIdLst>
-    <p:notesMasterId r:id="rId12"/>
+    <p:notesMasterId r:id="rId14"/>
   </p:notesMasterIdLst>
   <p:sldIdLst>
     <p:sldId id="256" r:id="rId2"/>
@@ -18,6 +18,8 @@
     <p:sldId id="263" r:id="rId9"/>
     <p:sldId id="264" r:id="rId10"/>
     <p:sldId id="266" r:id="rId11"/>
+    <p:sldId id="267" r:id="rId12"/>
+    <p:sldId id="268" r:id="rId13"/>
   </p:sldIdLst>
   <p:sldSz cx="9144000" cy="6858000" type="screen4x3"/>
   <p:notesSz cx="6858000" cy="9144000"/>
@@ -202,7 +204,7 @@
             <a:fld id="{03CA6A64-D8DA-4790-AC21-8D1D39F048E7}" type="datetimeFigureOut">
               <a:rPr lang="pt-BR" smtClean="0"/>
               <a:pPr/>
-              <a:t>26/06/2020</a:t>
+              <a:t>29/06/2020</a:t>
             </a:fld>
             <a:endParaRPr lang="pt-BR"/>
           </a:p>
@@ -896,7 +898,7 @@
             <a:fld id="{32EE085F-AAA4-4482-A02A-EDCE077316B0}" type="datetimeFigureOut">
               <a:rPr lang="pt-BR" smtClean="0"/>
               <a:pPr/>
-              <a:t>26/06/2020</a:t>
+              <a:t>29/06/2020</a:t>
             </a:fld>
             <a:endParaRPr lang="pt-BR"/>
           </a:p>
@@ -1063,7 +1065,7 @@
             <a:fld id="{32EE085F-AAA4-4482-A02A-EDCE077316B0}" type="datetimeFigureOut">
               <a:rPr lang="pt-BR" smtClean="0"/>
               <a:pPr/>
-              <a:t>26/06/2020</a:t>
+              <a:t>29/06/2020</a:t>
             </a:fld>
             <a:endParaRPr lang="pt-BR"/>
           </a:p>
@@ -1240,7 +1242,7 @@
             <a:fld id="{32EE085F-AAA4-4482-A02A-EDCE077316B0}" type="datetimeFigureOut">
               <a:rPr lang="pt-BR" smtClean="0"/>
               <a:pPr/>
-              <a:t>26/06/2020</a:t>
+              <a:t>29/06/2020</a:t>
             </a:fld>
             <a:endParaRPr lang="pt-BR"/>
           </a:p>
@@ -1407,7 +1409,7 @@
             <a:fld id="{32EE085F-AAA4-4482-A02A-EDCE077316B0}" type="datetimeFigureOut">
               <a:rPr lang="pt-BR" smtClean="0"/>
               <a:pPr/>
-              <a:t>26/06/2020</a:t>
+              <a:t>29/06/2020</a:t>
             </a:fld>
             <a:endParaRPr lang="pt-BR"/>
           </a:p>
@@ -1650,7 +1652,7 @@
             <a:fld id="{32EE085F-AAA4-4482-A02A-EDCE077316B0}" type="datetimeFigureOut">
               <a:rPr lang="pt-BR" smtClean="0"/>
               <a:pPr/>
-              <a:t>26/06/2020</a:t>
+              <a:t>29/06/2020</a:t>
             </a:fld>
             <a:endParaRPr lang="pt-BR"/>
           </a:p>
@@ -1935,7 +1937,7 @@
             <a:fld id="{32EE085F-AAA4-4482-A02A-EDCE077316B0}" type="datetimeFigureOut">
               <a:rPr lang="pt-BR" smtClean="0"/>
               <a:pPr/>
-              <a:t>26/06/2020</a:t>
+              <a:t>29/06/2020</a:t>
             </a:fld>
             <a:endParaRPr lang="pt-BR"/>
           </a:p>
@@ -2354,7 +2356,7 @@
             <a:fld id="{32EE085F-AAA4-4482-A02A-EDCE077316B0}" type="datetimeFigureOut">
               <a:rPr lang="pt-BR" smtClean="0"/>
               <a:pPr/>
-              <a:t>26/06/2020</a:t>
+              <a:t>29/06/2020</a:t>
             </a:fld>
             <a:endParaRPr lang="pt-BR"/>
           </a:p>
@@ -2469,7 +2471,7 @@
             <a:fld id="{32EE085F-AAA4-4482-A02A-EDCE077316B0}" type="datetimeFigureOut">
               <a:rPr lang="pt-BR" smtClean="0"/>
               <a:pPr/>
-              <a:t>26/06/2020</a:t>
+              <a:t>29/06/2020</a:t>
             </a:fld>
             <a:endParaRPr lang="pt-BR"/>
           </a:p>
@@ -2561,7 +2563,7 @@
             <a:fld id="{32EE085F-AAA4-4482-A02A-EDCE077316B0}" type="datetimeFigureOut">
               <a:rPr lang="pt-BR" smtClean="0"/>
               <a:pPr/>
-              <a:t>26/06/2020</a:t>
+              <a:t>29/06/2020</a:t>
             </a:fld>
             <a:endParaRPr lang="pt-BR"/>
           </a:p>
@@ -2835,7 +2837,7 @@
             <a:fld id="{32EE085F-AAA4-4482-A02A-EDCE077316B0}" type="datetimeFigureOut">
               <a:rPr lang="pt-BR" smtClean="0"/>
               <a:pPr/>
-              <a:t>26/06/2020</a:t>
+              <a:t>29/06/2020</a:t>
             </a:fld>
             <a:endParaRPr lang="pt-BR"/>
           </a:p>
@@ -3085,7 +3087,7 @@
             <a:fld id="{32EE085F-AAA4-4482-A02A-EDCE077316B0}" type="datetimeFigureOut">
               <a:rPr lang="pt-BR" smtClean="0"/>
               <a:pPr/>
-              <a:t>26/06/2020</a:t>
+              <a:t>29/06/2020</a:t>
             </a:fld>
             <a:endParaRPr lang="pt-BR"/>
           </a:p>
@@ -3295,7 +3297,7 @@
             <a:fld id="{32EE085F-AAA4-4482-A02A-EDCE077316B0}" type="datetimeFigureOut">
               <a:rPr lang="pt-BR" smtClean="0"/>
               <a:pPr/>
-              <a:t>26/06/2020</a:t>
+              <a:t>29/06/2020</a:t>
             </a:fld>
             <a:endParaRPr lang="pt-BR"/>
           </a:p>
@@ -3935,17 +3937,8 @@
                 <a:rPr lang="pt-BR" sz="2400" b="1" dirty="0" smtClean="0">
                   <a:latin typeface="Ink Free" pitchFamily="66" charset="0"/>
                 </a:rPr>
-                <a:t>Projetos no ensino superior e pesquisas: ações e reflexões de um professor </a:t>
-              </a:r>
-              <a:r>
-                <a:rPr lang="pt-BR" sz="2400" b="1" dirty="0" smtClean="0">
-                  <a:latin typeface="Ink Free" pitchFamily="66" charset="0"/>
-                </a:rPr>
-                <a:t>esperançoso</a:t>
-              </a:r>
-              <a:endParaRPr lang="pt-BR" sz="2400" b="1" dirty="0" smtClean="0">
-                <a:latin typeface="Ink Free" pitchFamily="66" charset="0"/>
-              </a:endParaRPr>
+                <a:t>Projetos no ensino superior e pesquisas: ações e reflexões de um professor esperançoso</a:t>
+              </a:r>
             </a:p>
             <a:p>
               <a:endParaRPr lang="pt-BR" sz="2400" b="1" dirty="0" smtClean="0">
@@ -4215,7 +4208,16 @@
                   </a:solidFill>
                   <a:latin typeface="Ink Free" pitchFamily="66" charset="0"/>
                 </a:rPr>
-                <a:t>A </a:t>
+                <a:t>A pandemia de </a:t>
+              </a:r>
+              <a:r>
+                <a:rPr lang="pt-BR" sz="1600" b="1" dirty="0" err="1" smtClean="0">
+                  <a:solidFill>
+                    <a:schemeClr val="tx1"/>
+                  </a:solidFill>
+                  <a:latin typeface="Ink Free" pitchFamily="66" charset="0"/>
+                </a:rPr>
+                <a:t>Covid</a:t>
               </a:r>
               <a:r>
                 <a:rPr lang="pt-BR" sz="1600" b="1" dirty="0" smtClean="0">
@@ -4224,30 +4226,1072 @@
                   </a:solidFill>
                   <a:latin typeface="Ink Free" pitchFamily="66" charset="0"/>
                 </a:rPr>
-                <a:t>pandemia de </a:t>
-              </a:r>
-              <a:r>
-                <a:rPr lang="pt-BR" sz="1600" b="1" dirty="0" err="1" smtClean="0">
+                <a:t>-19 forçou que inúmeras reflexões e transformações surgissem na nossa sociedade, que hoje se vê com maior responsabilidade com o próximo, a pensar em formas de reinventar a economia num processo mais participativo e no compartilhamento de saberes. Na Educação, professores debatem exaustivamente sobre novas abordagens metodológicas que possibilitem maior engajamento de alunos e professores na relação ensino-aprendizagem. A ideia dessa apresentação é proporcionar um ambiente de discussões sobre a metodologia de projetos, debater sobre ideias já utilizadas para desenvolvê-los remotamente e mostrar algumas atividades que desenvolvo como professor e pesquisador durante este momento.</a:t>
+              </a:r>
+            </a:p>
+          </p:txBody>
+        </p:sp>
+      </p:grpSp>
+    </p:spTree>
+  </p:cSld>
+  <p:clrMapOvr>
+    <a:masterClrMapping/>
+  </p:clrMapOvr>
+  <p:timing>
+    <p:tnLst>
+      <p:par>
+        <p:cTn id="1" dur="indefinite" restart="never" nodeType="tmRoot"/>
+      </p:par>
+    </p:tnLst>
+  </p:timing>
+</p:sld>
+</file>
+
+<file path=ppt/slides/slide11.xml><?xml version="1.0" encoding="utf-8"?>
+<p:sld xmlns:a="http://schemas.openxmlformats.org/drawingml/2006/main" xmlns:r="http://schemas.openxmlformats.org/officeDocument/2006/relationships" xmlns:p="http://schemas.openxmlformats.org/presentationml/2006/main">
+  <p:cSld>
+    <p:spTree>
+      <p:nvGrpSpPr>
+        <p:cNvPr id="1" name=""/>
+        <p:cNvGrpSpPr/>
+        <p:nvPr/>
+      </p:nvGrpSpPr>
+      <p:grpSpPr>
+        <a:xfrm>
+          <a:off x="0" y="0"/>
+          <a:ext cx="0" cy="0"/>
+          <a:chOff x="0" y="0"/>
+          <a:chExt cx="0" cy="0"/>
+        </a:xfrm>
+      </p:grpSpPr>
+      <p:grpSp>
+        <p:nvGrpSpPr>
+          <p:cNvPr id="9" name="Grupo 12"/>
+          <p:cNvGrpSpPr/>
+          <p:nvPr/>
+        </p:nvGrpSpPr>
+        <p:grpSpPr>
+          <a:xfrm>
+            <a:off x="0" y="27384"/>
+            <a:ext cx="9612560" cy="6858000"/>
+            <a:chOff x="-612576" y="-315416"/>
+            <a:chExt cx="9612560" cy="6858000"/>
+          </a:xfrm>
+        </p:grpSpPr>
+        <p:pic>
+          <p:nvPicPr>
+            <p:cNvPr id="15" name="Picture 4" descr="https://pbs.twimg.com/media/DfqjHpNU0AIuufg.jpg"/>
+            <p:cNvPicPr>
+              <a:picLocks noChangeAspect="1" noChangeArrowheads="1"/>
+            </p:cNvPicPr>
+            <p:nvPr/>
+          </p:nvPicPr>
+          <p:blipFill>
+            <a:blip r:embed="rId2" cstate="print">
+              <a:duotone>
+                <a:schemeClr val="accent6">
+                  <a:shade val="45000"/>
+                  <a:satMod val="135000"/>
+                </a:schemeClr>
+                <a:prstClr val="white"/>
+              </a:duotone>
+            </a:blip>
+            <a:srcRect b="9841"/>
+            <a:stretch>
+              <a:fillRect/>
+            </a:stretch>
+          </p:blipFill>
+          <p:spPr bwMode="auto">
+            <a:xfrm>
+              <a:off x="-612576" y="-315416"/>
+              <a:ext cx="9612560" cy="6858000"/>
+            </a:xfrm>
+            <a:prstGeom prst="rect">
+              <a:avLst/>
+            </a:prstGeom>
+            <a:noFill/>
+          </p:spPr>
+        </p:pic>
+        <p:pic>
+          <p:nvPicPr>
+            <p:cNvPr id="2" name="Imagem 1" descr="corpus-banner.png"/>
+            <p:cNvPicPr>
+              <a:picLocks noChangeAspect="1"/>
+            </p:cNvPicPr>
+            <p:nvPr/>
+          </p:nvPicPr>
+          <p:blipFill>
+            <a:blip r:embed="rId3" cstate="print"/>
+            <a:stretch>
+              <a:fillRect/>
+            </a:stretch>
+          </p:blipFill>
+          <p:spPr>
+            <a:xfrm>
+              <a:off x="-396552" y="1213992"/>
+              <a:ext cx="3672408" cy="4253755"/>
+            </a:xfrm>
+            <a:prstGeom prst="rect">
+              <a:avLst/>
+            </a:prstGeom>
+          </p:spPr>
+        </p:pic>
+        <p:sp>
+          <p:nvSpPr>
+            <p:cNvPr id="3" name="Retângulo 2"/>
+            <p:cNvSpPr/>
+            <p:nvPr/>
+          </p:nvSpPr>
+          <p:spPr>
+            <a:xfrm>
+              <a:off x="3347864" y="547336"/>
+              <a:ext cx="5410198" cy="1152128"/>
+            </a:xfrm>
+            <a:prstGeom prst="rect">
+              <a:avLst/>
+            </a:prstGeom>
+            <a:solidFill>
+              <a:schemeClr val="bg1"/>
+            </a:solidFill>
+            <a:ln>
+              <a:noFill/>
+            </a:ln>
+          </p:spPr>
+          <p:style>
+            <a:lnRef idx="2">
+              <a:schemeClr val="accent1">
+                <a:shade val="50000"/>
+              </a:schemeClr>
+            </a:lnRef>
+            <a:fillRef idx="1">
+              <a:schemeClr val="accent1"/>
+            </a:fillRef>
+            <a:effectRef idx="0">
+              <a:schemeClr val="accent1"/>
+            </a:effectRef>
+            <a:fontRef idx="minor">
+              <a:schemeClr val="lt1"/>
+            </a:fontRef>
+          </p:style>
+          <p:txBody>
+            <a:bodyPr rtlCol="0" anchor="ctr"/>
+            <a:lstStyle/>
+            <a:p>
+              <a:pPr algn="ctr"/>
+              <a:endParaRPr lang="pt-BR" b="1" dirty="0">
+                <a:solidFill>
+                  <a:schemeClr val="tx1"/>
+                </a:solidFill>
+              </a:endParaRPr>
+            </a:p>
+          </p:txBody>
+        </p:sp>
+        <p:sp>
+          <p:nvSpPr>
+            <p:cNvPr id="4" name="Retângulo 3"/>
+            <p:cNvSpPr/>
+            <p:nvPr/>
+          </p:nvSpPr>
+          <p:spPr>
+            <a:xfrm>
+              <a:off x="3339576" y="3847158"/>
+              <a:ext cx="5398166" cy="679202"/>
+            </a:xfrm>
+            <a:prstGeom prst="rect">
+              <a:avLst/>
+            </a:prstGeom>
+            <a:solidFill>
+              <a:schemeClr val="bg1"/>
+            </a:solidFill>
+            <a:ln>
+              <a:noFill/>
+            </a:ln>
+          </p:spPr>
+          <p:style>
+            <a:lnRef idx="2">
+              <a:schemeClr val="accent1">
+                <a:shade val="50000"/>
+              </a:schemeClr>
+            </a:lnRef>
+            <a:fillRef idx="1">
+              <a:schemeClr val="accent1"/>
+            </a:fillRef>
+            <a:effectRef idx="0">
+              <a:schemeClr val="accent1"/>
+            </a:effectRef>
+            <a:fontRef idx="minor">
+              <a:schemeClr val="lt1"/>
+            </a:fontRef>
+          </p:style>
+          <p:txBody>
+            <a:bodyPr rtlCol="0" anchor="ctr"/>
+            <a:lstStyle/>
+            <a:p>
+              <a:pPr algn="ctr"/>
+              <a:r>
+                <a:rPr lang="pt-BR" sz="3200" b="1" dirty="0" smtClean="0">
                   <a:solidFill>
                     <a:schemeClr val="tx1"/>
                   </a:solidFill>
                   <a:latin typeface="Ink Free" pitchFamily="66" charset="0"/>
                 </a:rPr>
-                <a:t>Covid</a:t>
-              </a:r>
-              <a:r>
-                <a:rPr lang="pt-BR" sz="1600" b="1" dirty="0" smtClean="0">
+                <a:t>06/07   </a:t>
+              </a:r>
+              <a:r>
+                <a:rPr lang="pt-BR" sz="3200" b="1" dirty="0" smtClean="0">
                   <a:solidFill>
                     <a:schemeClr val="tx1"/>
                   </a:solidFill>
                   <a:latin typeface="Ink Free" pitchFamily="66" charset="0"/>
                 </a:rPr>
-                <a:t>-19 forçou que inúmeras reflexões e transformações surgissem na nossa sociedade, que hoje se vê com maior responsabilidade com o próximo, a pensar em formas de reinventar a economia num processo mais participativo e no compartilhamento de saberes. Na Educação, professores debatem exaustivamente sobre novas abordagens metodológicas que possibilitem maior engajamento de alunos e professores na relação ensino-aprendizagem. A ideia dessa apresentação é proporcionar um ambiente de discussões sobre a metodologia de projetos, debater sobre ideias já utilizadas para desenvolvê-los remotamente e mostrar algumas atividades que desenvolvo como professor e pesquisador durante este momento.</a:t>
-              </a:r>
+                <a:t>14 horas</a:t>
+              </a:r>
+              <a:endParaRPr lang="pt-BR" sz="3200" b="1" dirty="0">
+                <a:solidFill>
+                  <a:schemeClr val="tx1"/>
+                </a:solidFill>
+                <a:latin typeface="Ink Free" pitchFamily="66" charset="0"/>
+              </a:endParaRPr>
+            </a:p>
+          </p:txBody>
+        </p:sp>
+        <p:sp>
+          <p:nvSpPr>
+            <p:cNvPr id="5" name="CaixaDeTexto 4"/>
+            <p:cNvSpPr txBox="1"/>
+            <p:nvPr/>
+          </p:nvSpPr>
+          <p:spPr>
+            <a:xfrm>
+              <a:off x="3429470" y="517719"/>
+              <a:ext cx="5076056" cy="1200329"/>
+            </a:xfrm>
+            <a:prstGeom prst="rect">
+              <a:avLst/>
+            </a:prstGeom>
+            <a:noFill/>
+            <a:ln>
+              <a:noFill/>
+            </a:ln>
+          </p:spPr>
+          <p:txBody>
+            <a:bodyPr wrap="square" rtlCol="0">
+              <a:spAutoFit/>
+            </a:bodyPr>
+            <a:lstStyle/>
+            <a:p>
+              <a:r>
+                <a:rPr lang="pt-BR" sz="2400" b="1" dirty="0" smtClean="0">
+                  <a:latin typeface="Ink Free" pitchFamily="66" charset="0"/>
+                </a:rPr>
+                <a:t>Google </a:t>
+              </a:r>
+              <a:r>
+                <a:rPr lang="pt-BR" sz="2400" b="1" dirty="0" err="1" smtClean="0">
+                  <a:latin typeface="Ink Free" pitchFamily="66" charset="0"/>
+                </a:rPr>
+                <a:t>Meet</a:t>
+              </a:r>
+              <a:r>
+                <a:rPr lang="pt-BR" sz="2400" b="1" dirty="0" smtClean="0">
+                  <a:latin typeface="Ink Free" pitchFamily="66" charset="0"/>
+                </a:rPr>
+                <a:t>, Probabilidade e R (não necessariamente nesta ordem): um pouco da minha quarentena</a:t>
+              </a:r>
+              <a:endParaRPr lang="pt-BR" sz="2400" b="1" dirty="0" smtClean="0">
+                <a:latin typeface="Ink Free" pitchFamily="66" charset="0"/>
+              </a:endParaRPr>
+            </a:p>
+          </p:txBody>
+        </p:sp>
+        <p:sp>
+          <p:nvSpPr>
+            <p:cNvPr id="7" name="Retângulo 6"/>
+            <p:cNvSpPr/>
+            <p:nvPr/>
+          </p:nvSpPr>
+          <p:spPr>
+            <a:xfrm>
+              <a:off x="3343366" y="4854104"/>
+              <a:ext cx="5404536" cy="464344"/>
+            </a:xfrm>
+            <a:prstGeom prst="rect">
+              <a:avLst/>
+            </a:prstGeom>
+            <a:solidFill>
+              <a:schemeClr val="bg1"/>
+            </a:solidFill>
+            <a:ln>
+              <a:noFill/>
+            </a:ln>
+          </p:spPr>
+          <p:style>
+            <a:lnRef idx="2">
+              <a:schemeClr val="accent1">
+                <a:shade val="50000"/>
+              </a:schemeClr>
+            </a:lnRef>
+            <a:fillRef idx="1">
+              <a:schemeClr val="accent1"/>
+            </a:fillRef>
+            <a:effectRef idx="0">
+              <a:schemeClr val="accent1"/>
+            </a:effectRef>
+            <a:fontRef idx="minor">
+              <a:schemeClr val="lt1"/>
+            </a:fontRef>
+          </p:style>
+          <p:txBody>
+            <a:bodyPr rtlCol="0" anchor="ctr"/>
+            <a:lstStyle/>
+            <a:p>
+              <a:pPr algn="ctr"/>
+              <a:r>
+                <a:rPr lang="pt-BR" b="1" dirty="0" smtClean="0">
+                  <a:solidFill>
+                    <a:schemeClr val="tx1"/>
+                  </a:solidFill>
+                  <a:latin typeface="Ink Free" pitchFamily="66" charset="0"/>
+                </a:rPr>
+                <a:t>mediação:  </a:t>
+              </a:r>
+              <a:r>
+                <a:rPr lang="pt-BR" b="1" dirty="0" smtClean="0">
+                  <a:solidFill>
+                    <a:schemeClr val="tx1"/>
+                  </a:solidFill>
+                  <a:latin typeface="Ink Free" pitchFamily="66" charset="0"/>
+                </a:rPr>
+                <a:t>Prof. Alexandre Silva</a:t>
+              </a:r>
+              <a:endParaRPr lang="pt-BR" b="1" dirty="0" smtClean="0">
+                <a:solidFill>
+                  <a:schemeClr val="tx1"/>
+                </a:solidFill>
+                <a:latin typeface="Ink Free" pitchFamily="66" charset="0"/>
+              </a:endParaRPr>
+            </a:p>
+          </p:txBody>
+        </p:sp>
+        <p:sp>
+          <p:nvSpPr>
+            <p:cNvPr id="8" name="Retângulo 7"/>
+            <p:cNvSpPr/>
+            <p:nvPr/>
+          </p:nvSpPr>
+          <p:spPr>
+            <a:xfrm>
+              <a:off x="3352335" y="5576807"/>
+              <a:ext cx="5405727" cy="821761"/>
+            </a:xfrm>
+            <a:prstGeom prst="rect">
+              <a:avLst/>
+            </a:prstGeom>
+            <a:solidFill>
+              <a:schemeClr val="bg1"/>
+            </a:solidFill>
+            <a:ln>
+              <a:noFill/>
+            </a:ln>
+          </p:spPr>
+          <p:style>
+            <a:lnRef idx="2">
+              <a:schemeClr val="accent1">
+                <a:shade val="50000"/>
+              </a:schemeClr>
+            </a:lnRef>
+            <a:fillRef idx="1">
+              <a:schemeClr val="accent1"/>
+            </a:fillRef>
+            <a:effectRef idx="0">
+              <a:schemeClr val="accent1"/>
+            </a:effectRef>
+            <a:fontRef idx="minor">
+              <a:schemeClr val="lt1"/>
+            </a:fontRef>
+          </p:style>
+          <p:txBody>
+            <a:bodyPr rtlCol="0" anchor="ctr"/>
+            <a:lstStyle/>
+            <a:p>
+              <a:pPr algn="ctr"/>
+              <a:r>
+                <a:rPr lang="pt-BR" sz="2400" dirty="0" smtClean="0">
+                  <a:solidFill>
+                    <a:schemeClr val="tx1"/>
+                  </a:solidFill>
+                  <a:latin typeface="Forte" pitchFamily="66" charset="0"/>
+                </a:rPr>
+                <a:t>Link </a:t>
+              </a:r>
+              <a:r>
+                <a:rPr lang="pt-BR" sz="2400" dirty="0">
+                  <a:solidFill>
+                    <a:schemeClr val="tx1"/>
+                  </a:solidFill>
+                  <a:latin typeface="Forte" pitchFamily="66" charset="0"/>
+                </a:rPr>
+                <a:t>para o </a:t>
+              </a:r>
+              <a:r>
+                <a:rPr lang="pt-BR" sz="2400" dirty="0" smtClean="0">
+                  <a:solidFill>
+                    <a:schemeClr val="tx1"/>
+                  </a:solidFill>
+                  <a:latin typeface="Forte" pitchFamily="66" charset="0"/>
+                </a:rPr>
+                <a:t>evento</a:t>
+              </a:r>
+            </a:p>
+            <a:p>
+              <a:pPr algn="ctr"/>
+              <a:r>
+                <a:rPr lang="pt-BR" sz="2400" b="1" dirty="0" err="1" smtClean="0">
+                  <a:hlinkClick r:id="rId4"/>
+                </a:rPr>
+                <a:t>meet</a:t>
+              </a:r>
+              <a:r>
+                <a:rPr lang="pt-BR" sz="2400" b="1" dirty="0" smtClean="0">
+                  <a:hlinkClick r:id="rId4"/>
+                </a:rPr>
+                <a:t>.google.com/</a:t>
+              </a:r>
+              <a:r>
+                <a:rPr lang="pt-BR" sz="2400" b="1" dirty="0" err="1" smtClean="0">
+                  <a:hlinkClick r:id="rId4"/>
+                </a:rPr>
+                <a:t>uns-ycoi-bzk</a:t>
+              </a:r>
+              <a:endParaRPr lang="pt-BR" sz="2400" b="1" dirty="0" smtClean="0">
+                <a:solidFill>
+                  <a:srgbClr val="002060"/>
+                </a:solidFill>
+              </a:endParaRPr>
             </a:p>
           </p:txBody>
         </p:sp>
       </p:grpSp>
+      <p:sp>
+        <p:nvSpPr>
+          <p:cNvPr id="13" name="Retângulo 12"/>
+          <p:cNvSpPr/>
+          <p:nvPr/>
+        </p:nvSpPr>
+        <p:spPr>
+          <a:xfrm>
+            <a:off x="3949328" y="2892648"/>
+            <a:ext cx="5404536" cy="1040408"/>
+          </a:xfrm>
+          <a:prstGeom prst="rect">
+            <a:avLst/>
+          </a:prstGeom>
+          <a:solidFill>
+            <a:schemeClr val="bg1"/>
+          </a:solidFill>
+          <a:ln>
+            <a:noFill/>
+          </a:ln>
+        </p:spPr>
+        <p:style>
+          <a:lnRef idx="2">
+            <a:schemeClr val="accent1">
+              <a:shade val="50000"/>
+            </a:schemeClr>
+          </a:lnRef>
+          <a:fillRef idx="1">
+            <a:schemeClr val="accent1"/>
+          </a:fillRef>
+          <a:effectRef idx="0">
+            <a:schemeClr val="accent1"/>
+          </a:effectRef>
+          <a:fontRef idx="minor">
+            <a:schemeClr val="lt1"/>
+          </a:fontRef>
+        </p:style>
+        <p:txBody>
+          <a:bodyPr rtlCol="0" anchor="ctr"/>
+          <a:lstStyle/>
+          <a:p>
+            <a:pPr algn="ctr"/>
+            <a:endParaRPr lang="pt-BR" sz="2400" b="1" dirty="0" smtClean="0">
+              <a:solidFill>
+                <a:schemeClr val="tx1"/>
+              </a:solidFill>
+              <a:latin typeface="Ink Free" pitchFamily="66" charset="0"/>
+            </a:endParaRPr>
+          </a:p>
+          <a:p>
+            <a:pPr algn="ctr"/>
+            <a:r>
+              <a:rPr lang="pt-BR" sz="2400" b="1" dirty="0" smtClean="0">
+                <a:solidFill>
+                  <a:schemeClr val="tx1"/>
+                </a:solidFill>
+                <a:latin typeface="Ink Free" pitchFamily="66" charset="0"/>
+              </a:rPr>
+              <a:t>Prof.  Felipe </a:t>
+            </a:r>
+            <a:r>
+              <a:rPr lang="pt-BR" sz="2400" b="1" dirty="0" smtClean="0">
+                <a:solidFill>
+                  <a:schemeClr val="tx1"/>
+                </a:solidFill>
+                <a:latin typeface="Ink Free" pitchFamily="66" charset="0"/>
+              </a:rPr>
+              <a:t>Ribeiro </a:t>
+            </a:r>
+            <a:r>
+              <a:rPr lang="pt-BR" sz="2400" b="1" dirty="0" smtClean="0">
+                <a:solidFill>
+                  <a:schemeClr val="tx1"/>
+                </a:solidFill>
+                <a:latin typeface="Ink Free" pitchFamily="66" charset="0"/>
+              </a:rPr>
+              <a:t>Melo</a:t>
+            </a:r>
+          </a:p>
+          <a:p>
+            <a:pPr algn="ctr"/>
+            <a:endParaRPr lang="pt-BR" sz="2400" b="1" dirty="0" smtClean="0">
+              <a:solidFill>
+                <a:schemeClr val="tx1"/>
+              </a:solidFill>
+              <a:latin typeface="Ink Free" pitchFamily="66" charset="0"/>
+            </a:endParaRPr>
+          </a:p>
+        </p:txBody>
+      </p:sp>
+    </p:spTree>
+  </p:cSld>
+  <p:clrMapOvr>
+    <a:masterClrMapping/>
+  </p:clrMapOvr>
+  <p:timing>
+    <p:tnLst>
+      <p:par>
+        <p:cTn id="1" dur="indefinite" restart="never" nodeType="tmRoot"/>
+      </p:par>
+    </p:tnLst>
+  </p:timing>
+</p:sld>
+</file>
+
+<file path=ppt/slides/slide12.xml><?xml version="1.0" encoding="utf-8"?>
+<p:sld xmlns:a="http://schemas.openxmlformats.org/drawingml/2006/main" xmlns:r="http://schemas.openxmlformats.org/officeDocument/2006/relationships" xmlns:p="http://schemas.openxmlformats.org/presentationml/2006/main">
+  <p:cSld>
+    <p:spTree>
+      <p:nvGrpSpPr>
+        <p:cNvPr id="1" name=""/>
+        <p:cNvGrpSpPr/>
+        <p:nvPr/>
+      </p:nvGrpSpPr>
+      <p:grpSpPr>
+        <a:xfrm>
+          <a:off x="0" y="0"/>
+          <a:ext cx="0" cy="0"/>
+          <a:chOff x="0" y="0"/>
+          <a:chExt cx="0" cy="0"/>
+        </a:xfrm>
+      </p:grpSpPr>
+      <p:grpSp>
+        <p:nvGrpSpPr>
+          <p:cNvPr id="6" name="Grupo 12"/>
+          <p:cNvGrpSpPr/>
+          <p:nvPr/>
+        </p:nvGrpSpPr>
+        <p:grpSpPr>
+          <a:xfrm>
+            <a:off x="0" y="27384"/>
+            <a:ext cx="9612560" cy="6858000"/>
+            <a:chOff x="-612576" y="-315416"/>
+            <a:chExt cx="9612560" cy="6858000"/>
+          </a:xfrm>
+        </p:grpSpPr>
+        <p:pic>
+          <p:nvPicPr>
+            <p:cNvPr id="15" name="Picture 4" descr="https://pbs.twimg.com/media/DfqjHpNU0AIuufg.jpg"/>
+            <p:cNvPicPr>
+              <a:picLocks noChangeAspect="1" noChangeArrowheads="1"/>
+            </p:cNvPicPr>
+            <p:nvPr/>
+          </p:nvPicPr>
+          <p:blipFill>
+            <a:blip r:embed="rId2" cstate="print">
+              <a:duotone>
+                <a:prstClr val="black"/>
+                <a:schemeClr val="accent6">
+                  <a:tint val="45000"/>
+                  <a:satMod val="400000"/>
+                </a:schemeClr>
+              </a:duotone>
+            </a:blip>
+            <a:srcRect b="9841"/>
+            <a:stretch>
+              <a:fillRect/>
+            </a:stretch>
+          </p:blipFill>
+          <p:spPr bwMode="auto">
+            <a:xfrm>
+              <a:off x="-612576" y="-315416"/>
+              <a:ext cx="9612560" cy="6858000"/>
+            </a:xfrm>
+            <a:prstGeom prst="rect">
+              <a:avLst/>
+            </a:prstGeom>
+            <a:noFill/>
+          </p:spPr>
+        </p:pic>
+        <p:pic>
+          <p:nvPicPr>
+            <p:cNvPr id="2" name="Imagem 1" descr="corpus-banner.png"/>
+            <p:cNvPicPr>
+              <a:picLocks noChangeAspect="1"/>
+            </p:cNvPicPr>
+            <p:nvPr/>
+          </p:nvPicPr>
+          <p:blipFill>
+            <a:blip r:embed="rId3" cstate="print"/>
+            <a:stretch>
+              <a:fillRect/>
+            </a:stretch>
+          </p:blipFill>
+          <p:spPr>
+            <a:xfrm>
+              <a:off x="-396552" y="1213992"/>
+              <a:ext cx="3672408" cy="4253755"/>
+            </a:xfrm>
+            <a:prstGeom prst="rect">
+              <a:avLst/>
+            </a:prstGeom>
+          </p:spPr>
+        </p:pic>
+        <p:sp>
+          <p:nvSpPr>
+            <p:cNvPr id="3" name="Retângulo 2"/>
+            <p:cNvSpPr/>
+            <p:nvPr/>
+          </p:nvSpPr>
+          <p:spPr>
+            <a:xfrm>
+              <a:off x="3347864" y="547336"/>
+              <a:ext cx="5410198" cy="1152128"/>
+            </a:xfrm>
+            <a:prstGeom prst="rect">
+              <a:avLst/>
+            </a:prstGeom>
+            <a:solidFill>
+              <a:schemeClr val="bg1"/>
+            </a:solidFill>
+            <a:ln>
+              <a:noFill/>
+            </a:ln>
+          </p:spPr>
+          <p:style>
+            <a:lnRef idx="2">
+              <a:schemeClr val="accent1">
+                <a:shade val="50000"/>
+              </a:schemeClr>
+            </a:lnRef>
+            <a:fillRef idx="1">
+              <a:schemeClr val="accent1"/>
+            </a:fillRef>
+            <a:effectRef idx="0">
+              <a:schemeClr val="accent1"/>
+            </a:effectRef>
+            <a:fontRef idx="minor">
+              <a:schemeClr val="lt1"/>
+            </a:fontRef>
+          </p:style>
+          <p:txBody>
+            <a:bodyPr rtlCol="0" anchor="ctr"/>
+            <a:lstStyle/>
+            <a:p>
+              <a:pPr algn="ctr"/>
+              <a:endParaRPr lang="pt-BR" b="1" dirty="0">
+                <a:solidFill>
+                  <a:schemeClr val="tx1"/>
+                </a:solidFill>
+              </a:endParaRPr>
+            </a:p>
+          </p:txBody>
+        </p:sp>
+        <p:sp>
+          <p:nvSpPr>
+            <p:cNvPr id="4" name="Retângulo 3"/>
+            <p:cNvSpPr/>
+            <p:nvPr/>
+          </p:nvSpPr>
+          <p:spPr>
+            <a:xfrm>
+              <a:off x="3339576" y="3847158"/>
+              <a:ext cx="5398166" cy="679202"/>
+            </a:xfrm>
+            <a:prstGeom prst="rect">
+              <a:avLst/>
+            </a:prstGeom>
+            <a:solidFill>
+              <a:schemeClr val="bg1"/>
+            </a:solidFill>
+            <a:ln>
+              <a:noFill/>
+            </a:ln>
+          </p:spPr>
+          <p:style>
+            <a:lnRef idx="2">
+              <a:schemeClr val="accent1">
+                <a:shade val="50000"/>
+              </a:schemeClr>
+            </a:lnRef>
+            <a:fillRef idx="1">
+              <a:schemeClr val="accent1"/>
+            </a:fillRef>
+            <a:effectRef idx="0">
+              <a:schemeClr val="accent1"/>
+            </a:effectRef>
+            <a:fontRef idx="minor">
+              <a:schemeClr val="lt1"/>
+            </a:fontRef>
+          </p:style>
+          <p:txBody>
+            <a:bodyPr rtlCol="0" anchor="ctr"/>
+            <a:lstStyle/>
+            <a:p>
+              <a:pPr algn="ctr"/>
+              <a:r>
+                <a:rPr lang="pt-BR" sz="3200" b="1" dirty="0" smtClean="0">
+                  <a:solidFill>
+                    <a:schemeClr val="tx1"/>
+                  </a:solidFill>
+                  <a:latin typeface="Ink Free" pitchFamily="66" charset="0"/>
+                </a:rPr>
+                <a:t>06/07   </a:t>
+              </a:r>
+              <a:r>
+                <a:rPr lang="pt-BR" sz="3200" b="1" dirty="0" smtClean="0">
+                  <a:solidFill>
+                    <a:schemeClr val="tx1"/>
+                  </a:solidFill>
+                  <a:latin typeface="Ink Free" pitchFamily="66" charset="0"/>
+                </a:rPr>
+                <a:t>14 horas</a:t>
+              </a:r>
+              <a:endParaRPr lang="pt-BR" sz="3200" b="1" dirty="0">
+                <a:solidFill>
+                  <a:schemeClr val="tx1"/>
+                </a:solidFill>
+                <a:latin typeface="Ink Free" pitchFamily="66" charset="0"/>
+              </a:endParaRPr>
+            </a:p>
+          </p:txBody>
+        </p:sp>
+        <p:sp>
+          <p:nvSpPr>
+            <p:cNvPr id="5" name="CaixaDeTexto 4"/>
+            <p:cNvSpPr txBox="1"/>
+            <p:nvPr/>
+          </p:nvSpPr>
+          <p:spPr>
+            <a:xfrm>
+              <a:off x="3429470" y="517719"/>
+              <a:ext cx="5076056" cy="1200329"/>
+            </a:xfrm>
+            <a:prstGeom prst="rect">
+              <a:avLst/>
+            </a:prstGeom>
+            <a:noFill/>
+            <a:ln>
+              <a:noFill/>
+            </a:ln>
+          </p:spPr>
+          <p:txBody>
+            <a:bodyPr wrap="square" rtlCol="0">
+              <a:spAutoFit/>
+            </a:bodyPr>
+            <a:lstStyle/>
+            <a:p>
+              <a:r>
+                <a:rPr lang="pt-BR" sz="2400" b="1" dirty="0" smtClean="0">
+                  <a:latin typeface="Ink Free" pitchFamily="66" charset="0"/>
+                </a:rPr>
+                <a:t>Google </a:t>
+              </a:r>
+              <a:r>
+                <a:rPr lang="pt-BR" sz="2400" b="1" dirty="0" err="1" smtClean="0">
+                  <a:latin typeface="Ink Free" pitchFamily="66" charset="0"/>
+                </a:rPr>
+                <a:t>Meet</a:t>
+              </a:r>
+              <a:r>
+                <a:rPr lang="pt-BR" sz="2400" b="1" dirty="0" smtClean="0">
+                  <a:latin typeface="Ink Free" pitchFamily="66" charset="0"/>
+                </a:rPr>
+                <a:t>, Probabilidade e R (não necessariamente nesta ordem): um pouco da minha quarentena</a:t>
+              </a:r>
+              <a:endParaRPr lang="pt-BR" sz="2400" b="1" dirty="0" smtClean="0">
+                <a:latin typeface="Ink Free" pitchFamily="66" charset="0"/>
+              </a:endParaRPr>
+            </a:p>
+          </p:txBody>
+        </p:sp>
+        <p:sp>
+          <p:nvSpPr>
+            <p:cNvPr id="7" name="Retângulo 6"/>
+            <p:cNvSpPr/>
+            <p:nvPr/>
+          </p:nvSpPr>
+          <p:spPr>
+            <a:xfrm>
+              <a:off x="3343366" y="4854104"/>
+              <a:ext cx="5404536" cy="464344"/>
+            </a:xfrm>
+            <a:prstGeom prst="rect">
+              <a:avLst/>
+            </a:prstGeom>
+            <a:solidFill>
+              <a:schemeClr val="bg1"/>
+            </a:solidFill>
+            <a:ln>
+              <a:noFill/>
+            </a:ln>
+          </p:spPr>
+          <p:style>
+            <a:lnRef idx="2">
+              <a:schemeClr val="accent1">
+                <a:shade val="50000"/>
+              </a:schemeClr>
+            </a:lnRef>
+            <a:fillRef idx="1">
+              <a:schemeClr val="accent1"/>
+            </a:fillRef>
+            <a:effectRef idx="0">
+              <a:schemeClr val="accent1"/>
+            </a:effectRef>
+            <a:fontRef idx="minor">
+              <a:schemeClr val="lt1"/>
+            </a:fontRef>
+          </p:style>
+          <p:txBody>
+            <a:bodyPr rtlCol="0" anchor="ctr"/>
+            <a:lstStyle/>
+            <a:p>
+              <a:pPr algn="ctr"/>
+              <a:r>
+                <a:rPr lang="pt-BR" b="1" dirty="0" smtClean="0">
+                  <a:solidFill>
+                    <a:schemeClr val="tx1"/>
+                  </a:solidFill>
+                  <a:latin typeface="Ink Free" pitchFamily="66" charset="0"/>
+                </a:rPr>
+                <a:t>mediação:  </a:t>
+              </a:r>
+              <a:r>
+                <a:rPr lang="pt-BR" b="1" dirty="0" smtClean="0">
+                  <a:solidFill>
+                    <a:schemeClr val="tx1"/>
+                  </a:solidFill>
+                  <a:latin typeface="Ink Free" pitchFamily="66" charset="0"/>
+                </a:rPr>
+                <a:t>Prof. Alexandre Silva</a:t>
+              </a:r>
+              <a:endParaRPr lang="pt-BR" b="1" dirty="0" smtClean="0">
+                <a:solidFill>
+                  <a:schemeClr val="tx1"/>
+                </a:solidFill>
+                <a:latin typeface="Ink Free" pitchFamily="66" charset="0"/>
+              </a:endParaRPr>
+            </a:p>
+          </p:txBody>
+        </p:sp>
+        <p:sp>
+          <p:nvSpPr>
+            <p:cNvPr id="8" name="Retângulo 7"/>
+            <p:cNvSpPr/>
+            <p:nvPr/>
+          </p:nvSpPr>
+          <p:spPr>
+            <a:xfrm>
+              <a:off x="3352335" y="5576807"/>
+              <a:ext cx="5405727" cy="821761"/>
+            </a:xfrm>
+            <a:prstGeom prst="rect">
+              <a:avLst/>
+            </a:prstGeom>
+            <a:solidFill>
+              <a:schemeClr val="bg1"/>
+            </a:solidFill>
+            <a:ln>
+              <a:noFill/>
+            </a:ln>
+          </p:spPr>
+          <p:style>
+            <a:lnRef idx="2">
+              <a:schemeClr val="accent1">
+                <a:shade val="50000"/>
+              </a:schemeClr>
+            </a:lnRef>
+            <a:fillRef idx="1">
+              <a:schemeClr val="accent1"/>
+            </a:fillRef>
+            <a:effectRef idx="0">
+              <a:schemeClr val="accent1"/>
+            </a:effectRef>
+            <a:fontRef idx="minor">
+              <a:schemeClr val="lt1"/>
+            </a:fontRef>
+          </p:style>
+          <p:txBody>
+            <a:bodyPr rtlCol="0" anchor="ctr"/>
+            <a:lstStyle/>
+            <a:p>
+              <a:pPr algn="ctr"/>
+              <a:r>
+                <a:rPr lang="pt-BR" sz="2400" dirty="0" smtClean="0">
+                  <a:solidFill>
+                    <a:schemeClr val="tx1"/>
+                  </a:solidFill>
+                  <a:latin typeface="Forte" pitchFamily="66" charset="0"/>
+                </a:rPr>
+                <a:t>Link </a:t>
+              </a:r>
+              <a:r>
+                <a:rPr lang="pt-BR" sz="2400" dirty="0">
+                  <a:solidFill>
+                    <a:schemeClr val="tx1"/>
+                  </a:solidFill>
+                  <a:latin typeface="Forte" pitchFamily="66" charset="0"/>
+                </a:rPr>
+                <a:t>para o </a:t>
+              </a:r>
+              <a:r>
+                <a:rPr lang="pt-BR" sz="2400" dirty="0" smtClean="0">
+                  <a:solidFill>
+                    <a:schemeClr val="tx1"/>
+                  </a:solidFill>
+                  <a:latin typeface="Forte" pitchFamily="66" charset="0"/>
+                </a:rPr>
+                <a:t>evento</a:t>
+              </a:r>
+            </a:p>
+            <a:p>
+              <a:pPr algn="ctr"/>
+              <a:r>
+                <a:rPr lang="pt-BR" sz="2400" b="1" dirty="0" err="1" smtClean="0">
+                  <a:hlinkClick r:id="rId4"/>
+                </a:rPr>
+                <a:t>meet</a:t>
+              </a:r>
+              <a:r>
+                <a:rPr lang="pt-BR" sz="2400" b="1" dirty="0" smtClean="0">
+                  <a:hlinkClick r:id="rId4"/>
+                </a:rPr>
+                <a:t>.google.com/</a:t>
+              </a:r>
+              <a:r>
+                <a:rPr lang="pt-BR" sz="2400" b="1" dirty="0" err="1" smtClean="0">
+                  <a:hlinkClick r:id="rId4"/>
+                </a:rPr>
+                <a:t>uns-ycoi-bzk</a:t>
+              </a:r>
+              <a:endParaRPr lang="pt-BR" sz="2400" b="1" dirty="0" smtClean="0">
+                <a:solidFill>
+                  <a:srgbClr val="002060"/>
+                </a:solidFill>
+              </a:endParaRPr>
+            </a:p>
+          </p:txBody>
+        </p:sp>
+      </p:grpSp>
+      <p:sp>
+        <p:nvSpPr>
+          <p:cNvPr id="13" name="Retângulo 12"/>
+          <p:cNvSpPr/>
+          <p:nvPr/>
+        </p:nvSpPr>
+        <p:spPr>
+          <a:xfrm>
+            <a:off x="3949328" y="2892648"/>
+            <a:ext cx="5404536" cy="1040408"/>
+          </a:xfrm>
+          <a:prstGeom prst="rect">
+            <a:avLst/>
+          </a:prstGeom>
+          <a:solidFill>
+            <a:schemeClr val="bg1"/>
+          </a:solidFill>
+          <a:ln>
+            <a:noFill/>
+          </a:ln>
+        </p:spPr>
+        <p:style>
+          <a:lnRef idx="2">
+            <a:schemeClr val="accent1">
+              <a:shade val="50000"/>
+            </a:schemeClr>
+          </a:lnRef>
+          <a:fillRef idx="1">
+            <a:schemeClr val="accent1"/>
+          </a:fillRef>
+          <a:effectRef idx="0">
+            <a:schemeClr val="accent1"/>
+          </a:effectRef>
+          <a:fontRef idx="minor">
+            <a:schemeClr val="lt1"/>
+          </a:fontRef>
+        </p:style>
+        <p:txBody>
+          <a:bodyPr rtlCol="0" anchor="ctr"/>
+          <a:lstStyle/>
+          <a:p>
+            <a:pPr algn="ctr"/>
+            <a:endParaRPr lang="pt-BR" sz="2400" b="1" dirty="0" smtClean="0">
+              <a:solidFill>
+                <a:schemeClr val="tx1"/>
+              </a:solidFill>
+              <a:latin typeface="Ink Free" pitchFamily="66" charset="0"/>
+            </a:endParaRPr>
+          </a:p>
+          <a:p>
+            <a:pPr algn="ctr"/>
+            <a:r>
+              <a:rPr lang="pt-BR" sz="2400" b="1" dirty="0" smtClean="0">
+                <a:solidFill>
+                  <a:schemeClr val="tx1"/>
+                </a:solidFill>
+                <a:latin typeface="Ink Free" pitchFamily="66" charset="0"/>
+              </a:rPr>
+              <a:t>Prof.  Felipe </a:t>
+            </a:r>
+            <a:r>
+              <a:rPr lang="pt-BR" sz="2400" b="1" dirty="0" smtClean="0">
+                <a:solidFill>
+                  <a:schemeClr val="tx1"/>
+                </a:solidFill>
+                <a:latin typeface="Ink Free" pitchFamily="66" charset="0"/>
+              </a:rPr>
+              <a:t>Ribeiro </a:t>
+            </a:r>
+            <a:r>
+              <a:rPr lang="pt-BR" sz="2400" b="1" dirty="0" smtClean="0">
+                <a:solidFill>
+                  <a:schemeClr val="tx1"/>
+                </a:solidFill>
+                <a:latin typeface="Ink Free" pitchFamily="66" charset="0"/>
+              </a:rPr>
+              <a:t>Melo</a:t>
+            </a:r>
+          </a:p>
+          <a:p>
+            <a:pPr algn="ctr"/>
+            <a:endParaRPr lang="pt-BR" sz="2400" b="1" dirty="0" smtClean="0">
+              <a:solidFill>
+                <a:schemeClr val="tx1"/>
+              </a:solidFill>
+              <a:latin typeface="Ink Free" pitchFamily="66" charset="0"/>
+            </a:endParaRPr>
+          </a:p>
+        </p:txBody>
+      </p:sp>
     </p:spTree>
   </p:cSld>
   <p:clrMapOvr>

--- a/libs/uds/flyer.pptx
+++ b/libs/uds/flyer.pptx
@@ -204,7 +204,7 @@
             <a:fld id="{03CA6A64-D8DA-4790-AC21-8D1D39F048E7}" type="datetimeFigureOut">
               <a:rPr lang="pt-BR" smtClean="0"/>
               <a:pPr/>
-              <a:t>29/06/2020</a:t>
+              <a:t>02/07/2020</a:t>
             </a:fld>
             <a:endParaRPr lang="pt-BR"/>
           </a:p>
@@ -898,7 +898,7 @@
             <a:fld id="{32EE085F-AAA4-4482-A02A-EDCE077316B0}" type="datetimeFigureOut">
               <a:rPr lang="pt-BR" smtClean="0"/>
               <a:pPr/>
-              <a:t>29/06/2020</a:t>
+              <a:t>02/07/2020</a:t>
             </a:fld>
             <a:endParaRPr lang="pt-BR"/>
           </a:p>
@@ -1065,7 +1065,7 @@
             <a:fld id="{32EE085F-AAA4-4482-A02A-EDCE077316B0}" type="datetimeFigureOut">
               <a:rPr lang="pt-BR" smtClean="0"/>
               <a:pPr/>
-              <a:t>29/06/2020</a:t>
+              <a:t>02/07/2020</a:t>
             </a:fld>
             <a:endParaRPr lang="pt-BR"/>
           </a:p>
@@ -1242,7 +1242,7 @@
             <a:fld id="{32EE085F-AAA4-4482-A02A-EDCE077316B0}" type="datetimeFigureOut">
               <a:rPr lang="pt-BR" smtClean="0"/>
               <a:pPr/>
-              <a:t>29/06/2020</a:t>
+              <a:t>02/07/2020</a:t>
             </a:fld>
             <a:endParaRPr lang="pt-BR"/>
           </a:p>
@@ -1409,7 +1409,7 @@
             <a:fld id="{32EE085F-AAA4-4482-A02A-EDCE077316B0}" type="datetimeFigureOut">
               <a:rPr lang="pt-BR" smtClean="0"/>
               <a:pPr/>
-              <a:t>29/06/2020</a:t>
+              <a:t>02/07/2020</a:t>
             </a:fld>
             <a:endParaRPr lang="pt-BR"/>
           </a:p>
@@ -1652,7 +1652,7 @@
             <a:fld id="{32EE085F-AAA4-4482-A02A-EDCE077316B0}" type="datetimeFigureOut">
               <a:rPr lang="pt-BR" smtClean="0"/>
               <a:pPr/>
-              <a:t>29/06/2020</a:t>
+              <a:t>02/07/2020</a:t>
             </a:fld>
             <a:endParaRPr lang="pt-BR"/>
           </a:p>
@@ -1937,7 +1937,7 @@
             <a:fld id="{32EE085F-AAA4-4482-A02A-EDCE077316B0}" type="datetimeFigureOut">
               <a:rPr lang="pt-BR" smtClean="0"/>
               <a:pPr/>
-              <a:t>29/06/2020</a:t>
+              <a:t>02/07/2020</a:t>
             </a:fld>
             <a:endParaRPr lang="pt-BR"/>
           </a:p>
@@ -2356,7 +2356,7 @@
             <a:fld id="{32EE085F-AAA4-4482-A02A-EDCE077316B0}" type="datetimeFigureOut">
               <a:rPr lang="pt-BR" smtClean="0"/>
               <a:pPr/>
-              <a:t>29/06/2020</a:t>
+              <a:t>02/07/2020</a:t>
             </a:fld>
             <a:endParaRPr lang="pt-BR"/>
           </a:p>
@@ -2471,7 +2471,7 @@
             <a:fld id="{32EE085F-AAA4-4482-A02A-EDCE077316B0}" type="datetimeFigureOut">
               <a:rPr lang="pt-BR" smtClean="0"/>
               <a:pPr/>
-              <a:t>29/06/2020</a:t>
+              <a:t>02/07/2020</a:t>
             </a:fld>
             <a:endParaRPr lang="pt-BR"/>
           </a:p>
@@ -2563,7 +2563,7 @@
             <a:fld id="{32EE085F-AAA4-4482-A02A-EDCE077316B0}" type="datetimeFigureOut">
               <a:rPr lang="pt-BR" smtClean="0"/>
               <a:pPr/>
-              <a:t>29/06/2020</a:t>
+              <a:t>02/07/2020</a:t>
             </a:fld>
             <a:endParaRPr lang="pt-BR"/>
           </a:p>
@@ -2837,7 +2837,7 @@
             <a:fld id="{32EE085F-AAA4-4482-A02A-EDCE077316B0}" type="datetimeFigureOut">
               <a:rPr lang="pt-BR" smtClean="0"/>
               <a:pPr/>
-              <a:t>29/06/2020</a:t>
+              <a:t>02/07/2020</a:t>
             </a:fld>
             <a:endParaRPr lang="pt-BR"/>
           </a:p>
@@ -3087,7 +3087,7 @@
             <a:fld id="{32EE085F-AAA4-4482-A02A-EDCE077316B0}" type="datetimeFigureOut">
               <a:rPr lang="pt-BR" smtClean="0"/>
               <a:pPr/>
-              <a:t>29/06/2020</a:t>
+              <a:t>02/07/2020</a:t>
             </a:fld>
             <a:endParaRPr lang="pt-BR"/>
           </a:p>
@@ -3297,7 +3297,7 @@
             <a:fld id="{32EE085F-AAA4-4482-A02A-EDCE077316B0}" type="datetimeFigureOut">
               <a:rPr lang="pt-BR" smtClean="0"/>
               <a:pPr/>
-              <a:t>29/06/2020</a:t>
+              <a:t>02/07/2020</a:t>
             </a:fld>
             <a:endParaRPr lang="pt-BR"/>
           </a:p>
@@ -4435,16 +4435,7 @@
                   </a:solidFill>
                   <a:latin typeface="Ink Free" pitchFamily="66" charset="0"/>
                 </a:rPr>
-                <a:t>06/07   </a:t>
-              </a:r>
-              <a:r>
-                <a:rPr lang="pt-BR" sz="3200" b="1" dirty="0" smtClean="0">
-                  <a:solidFill>
-                    <a:schemeClr val="tx1"/>
-                  </a:solidFill>
-                  <a:latin typeface="Ink Free" pitchFamily="66" charset="0"/>
-                </a:rPr>
-                <a:t>14 horas</a:t>
+                <a:t>06/07   14 horas</a:t>
               </a:r>
               <a:endParaRPr lang="pt-BR" sz="3200" b="1" dirty="0">
                 <a:solidFill>
@@ -4498,9 +4489,6 @@
                 </a:rPr>
                 <a:t>, Probabilidade e R (não necessariamente nesta ordem): um pouco da minha quarentena</a:t>
               </a:r>
-              <a:endParaRPr lang="pt-BR" sz="2400" b="1" dirty="0" smtClean="0">
-                <a:latin typeface="Ink Free" pitchFamily="66" charset="0"/>
-              </a:endParaRPr>
             </a:p>
           </p:txBody>
         </p:sp>
@@ -4553,23 +4541,8 @@
                   </a:solidFill>
                   <a:latin typeface="Ink Free" pitchFamily="66" charset="0"/>
                 </a:rPr>
-                <a:t>mediação:  </a:t>
-              </a:r>
-              <a:r>
-                <a:rPr lang="pt-BR" b="1" dirty="0" smtClean="0">
-                  <a:solidFill>
-                    <a:schemeClr val="tx1"/>
-                  </a:solidFill>
-                  <a:latin typeface="Ink Free" pitchFamily="66" charset="0"/>
-                </a:rPr>
-                <a:t>Prof. Alexandre Silva</a:t>
-              </a:r>
-              <a:endParaRPr lang="pt-BR" b="1" dirty="0" smtClean="0">
-                <a:solidFill>
-                  <a:schemeClr val="tx1"/>
-                </a:solidFill>
-                <a:latin typeface="Ink Free" pitchFamily="66" charset="0"/>
-              </a:endParaRPr>
+                <a:t>mediação:  Prof. Alexandre Silva</a:t>
+              </a:r>
             </a:p>
           </p:txBody>
         </p:sp>
@@ -4730,25 +4703,7 @@
                 </a:solidFill>
                 <a:latin typeface="Ink Free" pitchFamily="66" charset="0"/>
               </a:rPr>
-              <a:t>Prof.  Felipe </a:t>
-            </a:r>
-            <a:r>
-              <a:rPr lang="pt-BR" sz="2400" b="1" dirty="0" smtClean="0">
-                <a:solidFill>
-                  <a:schemeClr val="tx1"/>
-                </a:solidFill>
-                <a:latin typeface="Ink Free" pitchFamily="66" charset="0"/>
-              </a:rPr>
-              <a:t>Ribeiro </a:t>
-            </a:r>
-            <a:r>
-              <a:rPr lang="pt-BR" sz="2400" b="1" dirty="0" smtClean="0">
-                <a:solidFill>
-                  <a:schemeClr val="tx1"/>
-                </a:solidFill>
-                <a:latin typeface="Ink Free" pitchFamily="66" charset="0"/>
-              </a:rPr>
-              <a:t>Melo</a:t>
+              <a:t>Prof.  Felipe Ribeiro Melo</a:t>
             </a:r>
           </a:p>
           <a:p>
@@ -4796,7 +4751,7 @@
       </p:grpSpPr>
       <p:grpSp>
         <p:nvGrpSpPr>
-          <p:cNvPr id="6" name="Grupo 12"/>
+          <p:cNvPr id="14" name="Grupo 13"/>
           <p:cNvGrpSpPr/>
           <p:nvPr/>
         </p:nvGrpSpPr>
@@ -4804,44 +4759,588 @@
           <a:xfrm>
             <a:off x="0" y="27384"/>
             <a:ext cx="9612560" cy="6858000"/>
-            <a:chOff x="-612576" y="-315416"/>
+            <a:chOff x="0" y="27384"/>
             <a:chExt cx="9612560" cy="6858000"/>
           </a:xfrm>
         </p:grpSpPr>
-        <p:pic>
-          <p:nvPicPr>
-            <p:cNvPr id="15" name="Picture 4" descr="https://pbs.twimg.com/media/DfqjHpNU0AIuufg.jpg"/>
-            <p:cNvPicPr>
-              <a:picLocks noChangeAspect="1" noChangeArrowheads="1"/>
-            </p:cNvPicPr>
+        <p:grpSp>
+          <p:nvGrpSpPr>
+            <p:cNvPr id="12" name="Grupo 11"/>
+            <p:cNvGrpSpPr/>
             <p:nvPr/>
-          </p:nvPicPr>
-          <p:blipFill>
-            <a:blip r:embed="rId2" cstate="print">
-              <a:duotone>
-                <a:prstClr val="black"/>
-                <a:schemeClr val="accent6">
-                  <a:tint val="45000"/>
-                  <a:satMod val="400000"/>
+          </p:nvGrpSpPr>
+          <p:grpSpPr>
+            <a:xfrm>
+              <a:off x="0" y="27384"/>
+              <a:ext cx="9612560" cy="6858000"/>
+              <a:chOff x="0" y="27384"/>
+              <a:chExt cx="9612560" cy="6858000"/>
+            </a:xfrm>
+          </p:grpSpPr>
+          <p:pic>
+            <p:nvPicPr>
+              <p:cNvPr id="15" name="Picture 4" descr="https://pbs.twimg.com/media/DfqjHpNU0AIuufg.jpg"/>
+              <p:cNvPicPr>
+                <a:picLocks noChangeAspect="1" noChangeArrowheads="1"/>
+              </p:cNvPicPr>
+              <p:nvPr/>
+            </p:nvPicPr>
+            <p:blipFill>
+              <a:blip r:embed="rId2" cstate="print">
+                <a:duotone>
+                  <a:prstClr val="black"/>
+                  <a:schemeClr val="accent6">
+                    <a:tint val="45000"/>
+                    <a:satMod val="400000"/>
+                  </a:schemeClr>
+                </a:duotone>
+              </a:blip>
+              <a:srcRect b="9841"/>
+              <a:stretch>
+                <a:fillRect/>
+              </a:stretch>
+            </p:blipFill>
+            <p:spPr bwMode="auto">
+              <a:xfrm>
+                <a:off x="0" y="27384"/>
+                <a:ext cx="9612560" cy="6858000"/>
+              </a:xfrm>
+              <a:prstGeom prst="rect">
+                <a:avLst/>
+              </a:prstGeom>
+              <a:noFill/>
+            </p:spPr>
+          </p:pic>
+          <p:sp>
+            <p:nvSpPr>
+              <p:cNvPr id="3" name="Retângulo 2"/>
+              <p:cNvSpPr/>
+              <p:nvPr/>
+            </p:nvSpPr>
+            <p:spPr>
+              <a:xfrm>
+                <a:off x="3935039" y="260648"/>
+                <a:ext cx="5410198" cy="1152128"/>
+              </a:xfrm>
+              <a:prstGeom prst="rect">
+                <a:avLst/>
+              </a:prstGeom>
+              <a:solidFill>
+                <a:schemeClr val="bg1"/>
+              </a:solidFill>
+              <a:ln>
+                <a:noFill/>
+              </a:ln>
+            </p:spPr>
+            <p:style>
+              <a:lnRef idx="2">
+                <a:schemeClr val="accent1">
+                  <a:shade val="50000"/>
                 </a:schemeClr>
-              </a:duotone>
-            </a:blip>
-            <a:srcRect b="9841"/>
-            <a:stretch>
-              <a:fillRect/>
-            </a:stretch>
-          </p:blipFill>
-          <p:spPr bwMode="auto">
-            <a:xfrm>
-              <a:off x="-612576" y="-315416"/>
-              <a:ext cx="9612560" cy="6858000"/>
-            </a:xfrm>
-            <a:prstGeom prst="rect">
-              <a:avLst/>
-            </a:prstGeom>
-            <a:noFill/>
-          </p:spPr>
-        </p:pic>
+              </a:lnRef>
+              <a:fillRef idx="1">
+                <a:schemeClr val="accent1"/>
+              </a:fillRef>
+              <a:effectRef idx="0">
+                <a:schemeClr val="accent1"/>
+              </a:effectRef>
+              <a:fontRef idx="minor">
+                <a:schemeClr val="lt1"/>
+              </a:fontRef>
+            </p:style>
+            <p:txBody>
+              <a:bodyPr rtlCol="0" anchor="ctr"/>
+              <a:lstStyle/>
+              <a:p>
+                <a:pPr algn="ctr"/>
+                <a:endParaRPr lang="pt-BR" b="1" dirty="0">
+                  <a:solidFill>
+                    <a:schemeClr val="tx1"/>
+                  </a:solidFill>
+                </a:endParaRPr>
+              </a:p>
+            </p:txBody>
+          </p:sp>
+          <p:sp>
+            <p:nvSpPr>
+              <p:cNvPr id="4" name="Retângulo 3"/>
+              <p:cNvSpPr/>
+              <p:nvPr/>
+            </p:nvSpPr>
+            <p:spPr>
+              <a:xfrm>
+                <a:off x="3952152" y="4622006"/>
+                <a:ext cx="5398166" cy="679202"/>
+              </a:xfrm>
+              <a:prstGeom prst="rect">
+                <a:avLst/>
+              </a:prstGeom>
+              <a:solidFill>
+                <a:schemeClr val="bg1"/>
+              </a:solidFill>
+              <a:ln>
+                <a:noFill/>
+              </a:ln>
+            </p:spPr>
+            <p:style>
+              <a:lnRef idx="2">
+                <a:schemeClr val="accent1">
+                  <a:shade val="50000"/>
+                </a:schemeClr>
+              </a:lnRef>
+              <a:fillRef idx="1">
+                <a:schemeClr val="accent1"/>
+              </a:fillRef>
+              <a:effectRef idx="0">
+                <a:schemeClr val="accent1"/>
+              </a:effectRef>
+              <a:fontRef idx="minor">
+                <a:schemeClr val="lt1"/>
+              </a:fontRef>
+            </p:style>
+            <p:txBody>
+              <a:bodyPr rtlCol="0" anchor="ctr"/>
+              <a:lstStyle/>
+              <a:p>
+                <a:pPr algn="ctr"/>
+                <a:r>
+                  <a:rPr lang="pt-BR" sz="3200" b="1" dirty="0" smtClean="0">
+                    <a:solidFill>
+                      <a:schemeClr val="tx1"/>
+                    </a:solidFill>
+                    <a:latin typeface="Ink Free" pitchFamily="66" charset="0"/>
+                  </a:rPr>
+                  <a:t>06/07   14 horas</a:t>
+                </a:r>
+                <a:endParaRPr lang="pt-BR" sz="3200" b="1" dirty="0">
+                  <a:solidFill>
+                    <a:schemeClr val="tx1"/>
+                  </a:solidFill>
+                  <a:latin typeface="Ink Free" pitchFamily="66" charset="0"/>
+                </a:endParaRPr>
+              </a:p>
+            </p:txBody>
+          </p:sp>
+          <p:sp>
+            <p:nvSpPr>
+              <p:cNvPr id="5" name="CaixaDeTexto 4"/>
+              <p:cNvSpPr txBox="1"/>
+              <p:nvPr/>
+            </p:nvSpPr>
+            <p:spPr>
+              <a:xfrm>
+                <a:off x="4042046" y="260648"/>
+                <a:ext cx="5076056" cy="1200329"/>
+              </a:xfrm>
+              <a:prstGeom prst="rect">
+                <a:avLst/>
+              </a:prstGeom>
+              <a:noFill/>
+              <a:ln>
+                <a:noFill/>
+              </a:ln>
+            </p:spPr>
+            <p:txBody>
+              <a:bodyPr wrap="square" rtlCol="0">
+                <a:spAutoFit/>
+              </a:bodyPr>
+              <a:lstStyle/>
+              <a:p>
+                <a:r>
+                  <a:rPr lang="pt-BR" sz="2400" b="1" dirty="0" smtClean="0">
+                    <a:latin typeface="Ink Free" pitchFamily="66" charset="0"/>
+                  </a:rPr>
+                  <a:t>Google </a:t>
+                </a:r>
+                <a:r>
+                  <a:rPr lang="pt-BR" sz="2400" b="1" dirty="0" err="1" smtClean="0">
+                    <a:latin typeface="Ink Free" pitchFamily="66" charset="0"/>
+                  </a:rPr>
+                  <a:t>Meet</a:t>
+                </a:r>
+                <a:r>
+                  <a:rPr lang="pt-BR" sz="2400" b="1" dirty="0" smtClean="0">
+                    <a:latin typeface="Ink Free" pitchFamily="66" charset="0"/>
+                  </a:rPr>
+                  <a:t>, Probabilidade e R (não necessariamente nesta ordem): um pouco da minha quarentena</a:t>
+                </a:r>
+              </a:p>
+            </p:txBody>
+          </p:sp>
+          <p:sp>
+            <p:nvSpPr>
+              <p:cNvPr id="7" name="Retângulo 6"/>
+              <p:cNvSpPr/>
+              <p:nvPr/>
+            </p:nvSpPr>
+            <p:spPr>
+              <a:xfrm>
+                <a:off x="3955942" y="5412928"/>
+                <a:ext cx="5404536" cy="464344"/>
+              </a:xfrm>
+              <a:prstGeom prst="rect">
+                <a:avLst/>
+              </a:prstGeom>
+              <a:solidFill>
+                <a:schemeClr val="bg1"/>
+              </a:solidFill>
+              <a:ln>
+                <a:noFill/>
+              </a:ln>
+            </p:spPr>
+            <p:style>
+              <a:lnRef idx="2">
+                <a:schemeClr val="accent1">
+                  <a:shade val="50000"/>
+                </a:schemeClr>
+              </a:lnRef>
+              <a:fillRef idx="1">
+                <a:schemeClr val="accent1"/>
+              </a:fillRef>
+              <a:effectRef idx="0">
+                <a:schemeClr val="accent1"/>
+              </a:effectRef>
+              <a:fontRef idx="minor">
+                <a:schemeClr val="lt1"/>
+              </a:fontRef>
+            </p:style>
+            <p:txBody>
+              <a:bodyPr rtlCol="0" anchor="ctr"/>
+              <a:lstStyle/>
+              <a:p>
+                <a:pPr algn="ctr"/>
+                <a:r>
+                  <a:rPr lang="pt-BR" b="1" dirty="0" smtClean="0">
+                    <a:solidFill>
+                      <a:schemeClr val="tx1"/>
+                    </a:solidFill>
+                    <a:latin typeface="Ink Free" pitchFamily="66" charset="0"/>
+                  </a:rPr>
+                  <a:t>mediação:  Prof. Alexandre Silva</a:t>
+                </a:r>
+              </a:p>
+            </p:txBody>
+          </p:sp>
+          <p:sp>
+            <p:nvSpPr>
+              <p:cNvPr id="8" name="Retângulo 7"/>
+              <p:cNvSpPr/>
+              <p:nvPr/>
+            </p:nvSpPr>
+            <p:spPr>
+              <a:xfrm>
+                <a:off x="3964911" y="5991615"/>
+                <a:ext cx="5405727" cy="821761"/>
+              </a:xfrm>
+              <a:prstGeom prst="rect">
+                <a:avLst/>
+              </a:prstGeom>
+              <a:solidFill>
+                <a:schemeClr val="bg1"/>
+              </a:solidFill>
+              <a:ln>
+                <a:noFill/>
+              </a:ln>
+            </p:spPr>
+            <p:style>
+              <a:lnRef idx="2">
+                <a:schemeClr val="accent1">
+                  <a:shade val="50000"/>
+                </a:schemeClr>
+              </a:lnRef>
+              <a:fillRef idx="1">
+                <a:schemeClr val="accent1"/>
+              </a:fillRef>
+              <a:effectRef idx="0">
+                <a:schemeClr val="accent1"/>
+              </a:effectRef>
+              <a:fontRef idx="minor">
+                <a:schemeClr val="lt1"/>
+              </a:fontRef>
+            </p:style>
+            <p:txBody>
+              <a:bodyPr rtlCol="0" anchor="ctr"/>
+              <a:lstStyle/>
+              <a:p>
+                <a:pPr algn="ctr"/>
+                <a:r>
+                  <a:rPr lang="pt-BR" sz="2400" dirty="0" smtClean="0">
+                    <a:solidFill>
+                      <a:schemeClr val="tx1"/>
+                    </a:solidFill>
+                    <a:latin typeface="Forte" pitchFamily="66" charset="0"/>
+                  </a:rPr>
+                  <a:t>Link </a:t>
+                </a:r>
+                <a:r>
+                  <a:rPr lang="pt-BR" sz="2400" dirty="0">
+                    <a:solidFill>
+                      <a:schemeClr val="tx1"/>
+                    </a:solidFill>
+                    <a:latin typeface="Forte" pitchFamily="66" charset="0"/>
+                  </a:rPr>
+                  <a:t>para o </a:t>
+                </a:r>
+                <a:r>
+                  <a:rPr lang="pt-BR" sz="2400" dirty="0" smtClean="0">
+                    <a:solidFill>
+                      <a:schemeClr val="tx1"/>
+                    </a:solidFill>
+                    <a:latin typeface="Forte" pitchFamily="66" charset="0"/>
+                  </a:rPr>
+                  <a:t>evento</a:t>
+                </a:r>
+              </a:p>
+              <a:p>
+                <a:pPr algn="ctr"/>
+                <a:r>
+                  <a:rPr lang="pt-BR" sz="2400" b="1" dirty="0" err="1" smtClean="0">
+                    <a:hlinkClick r:id="rId3"/>
+                  </a:rPr>
+                  <a:t>meet</a:t>
+                </a:r>
+                <a:r>
+                  <a:rPr lang="pt-BR" sz="2400" b="1" dirty="0" smtClean="0">
+                    <a:hlinkClick r:id="rId3"/>
+                  </a:rPr>
+                  <a:t>.google.com/</a:t>
+                </a:r>
+                <a:r>
+                  <a:rPr lang="pt-BR" sz="2400" b="1" dirty="0" err="1" smtClean="0">
+                    <a:hlinkClick r:id="rId3"/>
+                  </a:rPr>
+                  <a:t>uns-ycoi-bzk</a:t>
+                </a:r>
+                <a:endParaRPr lang="pt-BR" sz="2400" b="1" dirty="0" smtClean="0">
+                  <a:solidFill>
+                    <a:srgbClr val="002060"/>
+                  </a:solidFill>
+                </a:endParaRPr>
+              </a:p>
+            </p:txBody>
+          </p:sp>
+          <p:sp>
+            <p:nvSpPr>
+              <p:cNvPr id="13" name="Retângulo 12"/>
+              <p:cNvSpPr/>
+              <p:nvPr/>
+            </p:nvSpPr>
+            <p:spPr>
+              <a:xfrm>
+                <a:off x="3949328" y="3861048"/>
+                <a:ext cx="5404536" cy="680368"/>
+              </a:xfrm>
+              <a:prstGeom prst="rect">
+                <a:avLst/>
+              </a:prstGeom>
+              <a:solidFill>
+                <a:schemeClr val="bg1"/>
+              </a:solidFill>
+              <a:ln>
+                <a:noFill/>
+              </a:ln>
+            </p:spPr>
+            <p:style>
+              <a:lnRef idx="2">
+                <a:schemeClr val="accent1">
+                  <a:shade val="50000"/>
+                </a:schemeClr>
+              </a:lnRef>
+              <a:fillRef idx="1">
+                <a:schemeClr val="accent1"/>
+              </a:fillRef>
+              <a:effectRef idx="0">
+                <a:schemeClr val="accent1"/>
+              </a:effectRef>
+              <a:fontRef idx="minor">
+                <a:schemeClr val="lt1"/>
+              </a:fontRef>
+            </p:style>
+            <p:txBody>
+              <a:bodyPr rtlCol="0" anchor="ctr"/>
+              <a:lstStyle/>
+              <a:p>
+                <a:pPr algn="ctr"/>
+                <a:endParaRPr lang="pt-BR" sz="2400" b="1" dirty="0" smtClean="0">
+                  <a:solidFill>
+                    <a:schemeClr val="tx1"/>
+                  </a:solidFill>
+                  <a:latin typeface="Ink Free" pitchFamily="66" charset="0"/>
+                </a:endParaRPr>
+              </a:p>
+              <a:p>
+                <a:pPr algn="ctr"/>
+                <a:r>
+                  <a:rPr lang="pt-BR" sz="2800" b="1" dirty="0" smtClean="0">
+                    <a:solidFill>
+                      <a:schemeClr val="tx1"/>
+                    </a:solidFill>
+                    <a:latin typeface="Ink Free" pitchFamily="66" charset="0"/>
+                  </a:rPr>
+                  <a:t>Prof.  Felipe Ribeiro Melo</a:t>
+                </a:r>
+              </a:p>
+              <a:p>
+                <a:pPr algn="ctr"/>
+                <a:endParaRPr lang="pt-BR" sz="2400" b="1" dirty="0" smtClean="0">
+                  <a:solidFill>
+                    <a:schemeClr val="tx1"/>
+                  </a:solidFill>
+                  <a:latin typeface="Ink Free" pitchFamily="66" charset="0"/>
+                </a:endParaRPr>
+              </a:p>
+            </p:txBody>
+          </p:sp>
+          <p:sp>
+            <p:nvSpPr>
+              <p:cNvPr id="11" name="Retângulo 10"/>
+              <p:cNvSpPr/>
+              <p:nvPr/>
+            </p:nvSpPr>
+            <p:spPr>
+              <a:xfrm>
+                <a:off x="3939168" y="1484784"/>
+                <a:ext cx="5404536" cy="2304256"/>
+              </a:xfrm>
+              <a:prstGeom prst="rect">
+                <a:avLst/>
+              </a:prstGeom>
+              <a:solidFill>
+                <a:schemeClr val="bg1"/>
+              </a:solidFill>
+              <a:ln>
+                <a:noFill/>
+              </a:ln>
+            </p:spPr>
+            <p:style>
+              <a:lnRef idx="2">
+                <a:schemeClr val="accent1">
+                  <a:shade val="50000"/>
+                </a:schemeClr>
+              </a:lnRef>
+              <a:fillRef idx="1">
+                <a:schemeClr val="accent1"/>
+              </a:fillRef>
+              <a:effectRef idx="0">
+                <a:schemeClr val="accent1"/>
+              </a:effectRef>
+              <a:fontRef idx="minor">
+                <a:schemeClr val="lt1"/>
+              </a:fontRef>
+            </p:style>
+            <p:txBody>
+              <a:bodyPr rtlCol="0" anchor="ctr"/>
+              <a:lstStyle/>
+              <a:p>
+                <a:pPr algn="ctr"/>
+                <a:endParaRPr lang="pt-BR" sz="2400" b="1" dirty="0" smtClean="0">
+                  <a:solidFill>
+                    <a:schemeClr val="tx1"/>
+                  </a:solidFill>
+                  <a:latin typeface="Ink Free" pitchFamily="66" charset="0"/>
+                </a:endParaRPr>
+              </a:p>
+              <a:p>
+                <a:r>
+                  <a:rPr lang="pt-BR" sz="1400" b="1" dirty="0" smtClean="0">
+                    <a:solidFill>
+                      <a:schemeClr val="tx1"/>
+                    </a:solidFill>
+                    <a:latin typeface="Ink Free" pitchFamily="66" charset="0"/>
+                  </a:rPr>
+                  <a:t>Após </a:t>
+                </a:r>
+                <a:r>
+                  <a:rPr lang="pt-BR" sz="1400" b="1" dirty="0" smtClean="0">
+                    <a:solidFill>
+                      <a:schemeClr val="tx1"/>
+                    </a:solidFill>
+                    <a:latin typeface="Ink Free" pitchFamily="66" charset="0"/>
+                  </a:rPr>
+                  <a:t>suspensão do calendário acadêmico 2020, grande parte dos docentes voltou-se exclusivamente às suas tarefas "fora de sala de aula", incluindo atividades de pesquisa, extensão, gestão e, até mesmo, de ensino, dentro das limitações impostas pelo distanciamento social. </a:t>
+                </a:r>
+                <a:r>
+                  <a:rPr lang="pt-BR" sz="1400" b="1" dirty="0" smtClean="0">
+                    <a:solidFill>
+                      <a:schemeClr val="tx1"/>
+                    </a:solidFill>
+                    <a:latin typeface="Ink Free" pitchFamily="66" charset="0"/>
+                  </a:rPr>
+                  <a:t>Neste encontro, compartilharei algumas das atividades acadêmicas que venho desenvolvendo durante a quarentena, como orientação de </a:t>
+                </a:r>
+                <a:r>
+                  <a:rPr lang="pt-BR" sz="1400" b="1" dirty="0" err="1" smtClean="0">
+                    <a:solidFill>
+                      <a:schemeClr val="tx1"/>
+                    </a:solidFill>
+                    <a:latin typeface="Ink Free" pitchFamily="66" charset="0"/>
+                  </a:rPr>
+                  <a:t>TCC's</a:t>
+                </a:r>
+                <a:r>
+                  <a:rPr lang="pt-BR" sz="1400" b="1" dirty="0" smtClean="0">
+                    <a:solidFill>
+                      <a:schemeClr val="tx1"/>
+                    </a:solidFill>
+                    <a:latin typeface="Ink Free" pitchFamily="66" charset="0"/>
+                  </a:rPr>
+                  <a:t>, elaboração de questionário para projeto de pesquisa, experiência com a ferramenta Google </a:t>
+                </a:r>
+                <a:r>
+                  <a:rPr lang="pt-BR" sz="1400" b="1" dirty="0" err="1" smtClean="0">
+                    <a:solidFill>
+                      <a:schemeClr val="tx1"/>
+                    </a:solidFill>
+                    <a:latin typeface="Ink Free" pitchFamily="66" charset="0"/>
+                  </a:rPr>
+                  <a:t>Meet</a:t>
+                </a:r>
+                <a:r>
+                  <a:rPr lang="pt-BR" sz="1400" b="1" dirty="0" smtClean="0">
+                    <a:solidFill>
+                      <a:schemeClr val="tx1"/>
+                    </a:solidFill>
+                    <a:latin typeface="Ink Free" pitchFamily="66" charset="0"/>
+                  </a:rPr>
+                  <a:t> e ilustrações que podem ser úteis em aulas de Probabilidade. </a:t>
+                </a:r>
+                <a:r>
+                  <a:rPr lang="pt-BR" sz="1400" b="1" dirty="0" smtClean="0">
+                    <a:solidFill>
+                      <a:schemeClr val="tx1"/>
+                    </a:solidFill>
+                    <a:latin typeface="Ink Free" pitchFamily="66" charset="0"/>
+                  </a:rPr>
+                  <a:t>E tudo isto com participação do software </a:t>
+                </a:r>
+                <a:r>
+                  <a:rPr lang="pt-BR" sz="1400" b="1" dirty="0" smtClean="0">
+                    <a:solidFill>
+                      <a:schemeClr val="tx1"/>
+                    </a:solidFill>
+                    <a:latin typeface="Ink Free" pitchFamily="66" charset="0"/>
+                  </a:rPr>
+                  <a:t>R.</a:t>
+                </a:r>
+                <a:endParaRPr lang="pt-BR" sz="1400" b="1" dirty="0" smtClean="0">
+                  <a:solidFill>
+                    <a:schemeClr val="tx1"/>
+                  </a:solidFill>
+                  <a:latin typeface="Ink Free" pitchFamily="66" charset="0"/>
+                </a:endParaRPr>
+              </a:p>
+              <a:p>
+                <a:pPr algn="ctr"/>
+                <a:endParaRPr lang="pt-BR" sz="1400" b="1" dirty="0" smtClean="0">
+                  <a:solidFill>
+                    <a:schemeClr val="tx1"/>
+                  </a:solidFill>
+                  <a:latin typeface="Ink Free" pitchFamily="66" charset="0"/>
+                </a:endParaRPr>
+              </a:p>
+            </p:txBody>
+          </p:sp>
+        </p:grpSp>
         <p:pic>
           <p:nvPicPr>
             <p:cNvPr id="2" name="Imagem 1" descr="corpus-banner.png"/>
@@ -4851,14 +5350,14 @@
             <p:nvPr/>
           </p:nvPicPr>
           <p:blipFill>
-            <a:blip r:embed="rId3" cstate="print"/>
+            <a:blip r:embed="rId4" cstate="print"/>
             <a:stretch>
               <a:fillRect/>
             </a:stretch>
           </p:blipFill>
           <p:spPr>
             <a:xfrm>
-              <a:off x="-396552" y="1213992"/>
+              <a:off x="216024" y="1556792"/>
               <a:ext cx="3672408" cy="4253755"/>
             </a:xfrm>
             <a:prstGeom prst="rect">
@@ -4866,432 +5365,7 @@
             </a:prstGeom>
           </p:spPr>
         </p:pic>
-        <p:sp>
-          <p:nvSpPr>
-            <p:cNvPr id="3" name="Retângulo 2"/>
-            <p:cNvSpPr/>
-            <p:nvPr/>
-          </p:nvSpPr>
-          <p:spPr>
-            <a:xfrm>
-              <a:off x="3347864" y="547336"/>
-              <a:ext cx="5410198" cy="1152128"/>
-            </a:xfrm>
-            <a:prstGeom prst="rect">
-              <a:avLst/>
-            </a:prstGeom>
-            <a:solidFill>
-              <a:schemeClr val="bg1"/>
-            </a:solidFill>
-            <a:ln>
-              <a:noFill/>
-            </a:ln>
-          </p:spPr>
-          <p:style>
-            <a:lnRef idx="2">
-              <a:schemeClr val="accent1">
-                <a:shade val="50000"/>
-              </a:schemeClr>
-            </a:lnRef>
-            <a:fillRef idx="1">
-              <a:schemeClr val="accent1"/>
-            </a:fillRef>
-            <a:effectRef idx="0">
-              <a:schemeClr val="accent1"/>
-            </a:effectRef>
-            <a:fontRef idx="minor">
-              <a:schemeClr val="lt1"/>
-            </a:fontRef>
-          </p:style>
-          <p:txBody>
-            <a:bodyPr rtlCol="0" anchor="ctr"/>
-            <a:lstStyle/>
-            <a:p>
-              <a:pPr algn="ctr"/>
-              <a:endParaRPr lang="pt-BR" b="1" dirty="0">
-                <a:solidFill>
-                  <a:schemeClr val="tx1"/>
-                </a:solidFill>
-              </a:endParaRPr>
-            </a:p>
-          </p:txBody>
-        </p:sp>
-        <p:sp>
-          <p:nvSpPr>
-            <p:cNvPr id="4" name="Retângulo 3"/>
-            <p:cNvSpPr/>
-            <p:nvPr/>
-          </p:nvSpPr>
-          <p:spPr>
-            <a:xfrm>
-              <a:off x="3339576" y="3847158"/>
-              <a:ext cx="5398166" cy="679202"/>
-            </a:xfrm>
-            <a:prstGeom prst="rect">
-              <a:avLst/>
-            </a:prstGeom>
-            <a:solidFill>
-              <a:schemeClr val="bg1"/>
-            </a:solidFill>
-            <a:ln>
-              <a:noFill/>
-            </a:ln>
-          </p:spPr>
-          <p:style>
-            <a:lnRef idx="2">
-              <a:schemeClr val="accent1">
-                <a:shade val="50000"/>
-              </a:schemeClr>
-            </a:lnRef>
-            <a:fillRef idx="1">
-              <a:schemeClr val="accent1"/>
-            </a:fillRef>
-            <a:effectRef idx="0">
-              <a:schemeClr val="accent1"/>
-            </a:effectRef>
-            <a:fontRef idx="minor">
-              <a:schemeClr val="lt1"/>
-            </a:fontRef>
-          </p:style>
-          <p:txBody>
-            <a:bodyPr rtlCol="0" anchor="ctr"/>
-            <a:lstStyle/>
-            <a:p>
-              <a:pPr algn="ctr"/>
-              <a:r>
-                <a:rPr lang="pt-BR" sz="3200" b="1" dirty="0" smtClean="0">
-                  <a:solidFill>
-                    <a:schemeClr val="tx1"/>
-                  </a:solidFill>
-                  <a:latin typeface="Ink Free" pitchFamily="66" charset="0"/>
-                </a:rPr>
-                <a:t>06/07   </a:t>
-              </a:r>
-              <a:r>
-                <a:rPr lang="pt-BR" sz="3200" b="1" dirty="0" smtClean="0">
-                  <a:solidFill>
-                    <a:schemeClr val="tx1"/>
-                  </a:solidFill>
-                  <a:latin typeface="Ink Free" pitchFamily="66" charset="0"/>
-                </a:rPr>
-                <a:t>14 horas</a:t>
-              </a:r>
-              <a:endParaRPr lang="pt-BR" sz="3200" b="1" dirty="0">
-                <a:solidFill>
-                  <a:schemeClr val="tx1"/>
-                </a:solidFill>
-                <a:latin typeface="Ink Free" pitchFamily="66" charset="0"/>
-              </a:endParaRPr>
-            </a:p>
-          </p:txBody>
-        </p:sp>
-        <p:sp>
-          <p:nvSpPr>
-            <p:cNvPr id="5" name="CaixaDeTexto 4"/>
-            <p:cNvSpPr txBox="1"/>
-            <p:nvPr/>
-          </p:nvSpPr>
-          <p:spPr>
-            <a:xfrm>
-              <a:off x="3429470" y="517719"/>
-              <a:ext cx="5076056" cy="1200329"/>
-            </a:xfrm>
-            <a:prstGeom prst="rect">
-              <a:avLst/>
-            </a:prstGeom>
-            <a:noFill/>
-            <a:ln>
-              <a:noFill/>
-            </a:ln>
-          </p:spPr>
-          <p:txBody>
-            <a:bodyPr wrap="square" rtlCol="0">
-              <a:spAutoFit/>
-            </a:bodyPr>
-            <a:lstStyle/>
-            <a:p>
-              <a:r>
-                <a:rPr lang="pt-BR" sz="2400" b="1" dirty="0" smtClean="0">
-                  <a:latin typeface="Ink Free" pitchFamily="66" charset="0"/>
-                </a:rPr>
-                <a:t>Google </a:t>
-              </a:r>
-              <a:r>
-                <a:rPr lang="pt-BR" sz="2400" b="1" dirty="0" err="1" smtClean="0">
-                  <a:latin typeface="Ink Free" pitchFamily="66" charset="0"/>
-                </a:rPr>
-                <a:t>Meet</a:t>
-              </a:r>
-              <a:r>
-                <a:rPr lang="pt-BR" sz="2400" b="1" dirty="0" smtClean="0">
-                  <a:latin typeface="Ink Free" pitchFamily="66" charset="0"/>
-                </a:rPr>
-                <a:t>, Probabilidade e R (não necessariamente nesta ordem): um pouco da minha quarentena</a:t>
-              </a:r>
-              <a:endParaRPr lang="pt-BR" sz="2400" b="1" dirty="0" smtClean="0">
-                <a:latin typeface="Ink Free" pitchFamily="66" charset="0"/>
-              </a:endParaRPr>
-            </a:p>
-          </p:txBody>
-        </p:sp>
-        <p:sp>
-          <p:nvSpPr>
-            <p:cNvPr id="7" name="Retângulo 6"/>
-            <p:cNvSpPr/>
-            <p:nvPr/>
-          </p:nvSpPr>
-          <p:spPr>
-            <a:xfrm>
-              <a:off x="3343366" y="4854104"/>
-              <a:ext cx="5404536" cy="464344"/>
-            </a:xfrm>
-            <a:prstGeom prst="rect">
-              <a:avLst/>
-            </a:prstGeom>
-            <a:solidFill>
-              <a:schemeClr val="bg1"/>
-            </a:solidFill>
-            <a:ln>
-              <a:noFill/>
-            </a:ln>
-          </p:spPr>
-          <p:style>
-            <a:lnRef idx="2">
-              <a:schemeClr val="accent1">
-                <a:shade val="50000"/>
-              </a:schemeClr>
-            </a:lnRef>
-            <a:fillRef idx="1">
-              <a:schemeClr val="accent1"/>
-            </a:fillRef>
-            <a:effectRef idx="0">
-              <a:schemeClr val="accent1"/>
-            </a:effectRef>
-            <a:fontRef idx="minor">
-              <a:schemeClr val="lt1"/>
-            </a:fontRef>
-          </p:style>
-          <p:txBody>
-            <a:bodyPr rtlCol="0" anchor="ctr"/>
-            <a:lstStyle/>
-            <a:p>
-              <a:pPr algn="ctr"/>
-              <a:r>
-                <a:rPr lang="pt-BR" b="1" dirty="0" smtClean="0">
-                  <a:solidFill>
-                    <a:schemeClr val="tx1"/>
-                  </a:solidFill>
-                  <a:latin typeface="Ink Free" pitchFamily="66" charset="0"/>
-                </a:rPr>
-                <a:t>mediação:  </a:t>
-              </a:r>
-              <a:r>
-                <a:rPr lang="pt-BR" b="1" dirty="0" smtClean="0">
-                  <a:solidFill>
-                    <a:schemeClr val="tx1"/>
-                  </a:solidFill>
-                  <a:latin typeface="Ink Free" pitchFamily="66" charset="0"/>
-                </a:rPr>
-                <a:t>Prof. Alexandre Silva</a:t>
-              </a:r>
-              <a:endParaRPr lang="pt-BR" b="1" dirty="0" smtClean="0">
-                <a:solidFill>
-                  <a:schemeClr val="tx1"/>
-                </a:solidFill>
-                <a:latin typeface="Ink Free" pitchFamily="66" charset="0"/>
-              </a:endParaRPr>
-            </a:p>
-          </p:txBody>
-        </p:sp>
-        <p:sp>
-          <p:nvSpPr>
-            <p:cNvPr id="8" name="Retângulo 7"/>
-            <p:cNvSpPr/>
-            <p:nvPr/>
-          </p:nvSpPr>
-          <p:spPr>
-            <a:xfrm>
-              <a:off x="3352335" y="5576807"/>
-              <a:ext cx="5405727" cy="821761"/>
-            </a:xfrm>
-            <a:prstGeom prst="rect">
-              <a:avLst/>
-            </a:prstGeom>
-            <a:solidFill>
-              <a:schemeClr val="bg1"/>
-            </a:solidFill>
-            <a:ln>
-              <a:noFill/>
-            </a:ln>
-          </p:spPr>
-          <p:style>
-            <a:lnRef idx="2">
-              <a:schemeClr val="accent1">
-                <a:shade val="50000"/>
-              </a:schemeClr>
-            </a:lnRef>
-            <a:fillRef idx="1">
-              <a:schemeClr val="accent1"/>
-            </a:fillRef>
-            <a:effectRef idx="0">
-              <a:schemeClr val="accent1"/>
-            </a:effectRef>
-            <a:fontRef idx="minor">
-              <a:schemeClr val="lt1"/>
-            </a:fontRef>
-          </p:style>
-          <p:txBody>
-            <a:bodyPr rtlCol="0" anchor="ctr"/>
-            <a:lstStyle/>
-            <a:p>
-              <a:pPr algn="ctr"/>
-              <a:r>
-                <a:rPr lang="pt-BR" sz="2400" dirty="0" smtClean="0">
-                  <a:solidFill>
-                    <a:schemeClr val="tx1"/>
-                  </a:solidFill>
-                  <a:latin typeface="Forte" pitchFamily="66" charset="0"/>
-                </a:rPr>
-                <a:t>Link </a:t>
-              </a:r>
-              <a:r>
-                <a:rPr lang="pt-BR" sz="2400" dirty="0">
-                  <a:solidFill>
-                    <a:schemeClr val="tx1"/>
-                  </a:solidFill>
-                  <a:latin typeface="Forte" pitchFamily="66" charset="0"/>
-                </a:rPr>
-                <a:t>para o </a:t>
-              </a:r>
-              <a:r>
-                <a:rPr lang="pt-BR" sz="2400" dirty="0" smtClean="0">
-                  <a:solidFill>
-                    <a:schemeClr val="tx1"/>
-                  </a:solidFill>
-                  <a:latin typeface="Forte" pitchFamily="66" charset="0"/>
-                </a:rPr>
-                <a:t>evento</a:t>
-              </a:r>
-            </a:p>
-            <a:p>
-              <a:pPr algn="ctr"/>
-              <a:r>
-                <a:rPr lang="pt-BR" sz="2400" b="1" dirty="0" err="1" smtClean="0">
-                  <a:hlinkClick r:id="rId4"/>
-                </a:rPr>
-                <a:t>meet</a:t>
-              </a:r>
-              <a:r>
-                <a:rPr lang="pt-BR" sz="2400" b="1" dirty="0" smtClean="0">
-                  <a:hlinkClick r:id="rId4"/>
-                </a:rPr>
-                <a:t>.google.com/</a:t>
-              </a:r>
-              <a:r>
-                <a:rPr lang="pt-BR" sz="2400" b="1" dirty="0" err="1" smtClean="0">
-                  <a:hlinkClick r:id="rId4"/>
-                </a:rPr>
-                <a:t>uns-ycoi-bzk</a:t>
-              </a:r>
-              <a:endParaRPr lang="pt-BR" sz="2400" b="1" dirty="0" smtClean="0">
-                <a:solidFill>
-                  <a:srgbClr val="002060"/>
-                </a:solidFill>
-              </a:endParaRPr>
-            </a:p>
-          </p:txBody>
-        </p:sp>
       </p:grpSp>
-      <p:sp>
-        <p:nvSpPr>
-          <p:cNvPr id="13" name="Retângulo 12"/>
-          <p:cNvSpPr/>
-          <p:nvPr/>
-        </p:nvSpPr>
-        <p:spPr>
-          <a:xfrm>
-            <a:off x="3949328" y="2892648"/>
-            <a:ext cx="5404536" cy="1040408"/>
-          </a:xfrm>
-          <a:prstGeom prst="rect">
-            <a:avLst/>
-          </a:prstGeom>
-          <a:solidFill>
-            <a:schemeClr val="bg1"/>
-          </a:solidFill>
-          <a:ln>
-            <a:noFill/>
-          </a:ln>
-        </p:spPr>
-        <p:style>
-          <a:lnRef idx="2">
-            <a:schemeClr val="accent1">
-              <a:shade val="50000"/>
-            </a:schemeClr>
-          </a:lnRef>
-          <a:fillRef idx="1">
-            <a:schemeClr val="accent1"/>
-          </a:fillRef>
-          <a:effectRef idx="0">
-            <a:schemeClr val="accent1"/>
-          </a:effectRef>
-          <a:fontRef idx="minor">
-            <a:schemeClr val="lt1"/>
-          </a:fontRef>
-        </p:style>
-        <p:txBody>
-          <a:bodyPr rtlCol="0" anchor="ctr"/>
-          <a:lstStyle/>
-          <a:p>
-            <a:pPr algn="ctr"/>
-            <a:endParaRPr lang="pt-BR" sz="2400" b="1" dirty="0" smtClean="0">
-              <a:solidFill>
-                <a:schemeClr val="tx1"/>
-              </a:solidFill>
-              <a:latin typeface="Ink Free" pitchFamily="66" charset="0"/>
-            </a:endParaRPr>
-          </a:p>
-          <a:p>
-            <a:pPr algn="ctr"/>
-            <a:r>
-              <a:rPr lang="pt-BR" sz="2400" b="1" dirty="0" smtClean="0">
-                <a:solidFill>
-                  <a:schemeClr val="tx1"/>
-                </a:solidFill>
-                <a:latin typeface="Ink Free" pitchFamily="66" charset="0"/>
-              </a:rPr>
-              <a:t>Prof.  Felipe </a:t>
-            </a:r>
-            <a:r>
-              <a:rPr lang="pt-BR" sz="2400" b="1" dirty="0" smtClean="0">
-                <a:solidFill>
-                  <a:schemeClr val="tx1"/>
-                </a:solidFill>
-                <a:latin typeface="Ink Free" pitchFamily="66" charset="0"/>
-              </a:rPr>
-              <a:t>Ribeiro </a:t>
-            </a:r>
-            <a:r>
-              <a:rPr lang="pt-BR" sz="2400" b="1" dirty="0" smtClean="0">
-                <a:solidFill>
-                  <a:schemeClr val="tx1"/>
-                </a:solidFill>
-                <a:latin typeface="Ink Free" pitchFamily="66" charset="0"/>
-              </a:rPr>
-              <a:t>Melo</a:t>
-            </a:r>
-          </a:p>
-          <a:p>
-            <a:pPr algn="ctr"/>
-            <a:endParaRPr lang="pt-BR" sz="2400" b="1" dirty="0" smtClean="0">
-              <a:solidFill>
-                <a:schemeClr val="tx1"/>
-              </a:solidFill>
-              <a:latin typeface="Ink Free" pitchFamily="66" charset="0"/>
-            </a:endParaRPr>
-          </a:p>
-        </p:txBody>
-      </p:sp>
     </p:spTree>
   </p:cSld>
   <p:clrMapOvr>

--- a/libs/uds/flyer.pptx
+++ b/libs/uds/flyer.pptx
@@ -5177,8 +5177,23 @@
                     </a:solidFill>
                     <a:latin typeface="Ink Free" pitchFamily="66" charset="0"/>
                   </a:rPr>
-                  <a:t>Prof.  Felipe Ribeiro Melo</a:t>
+                  <a:t>Prof.  Felipe </a:t>
                 </a:r>
+                <a:r>
+                  <a:rPr lang="pt-BR" sz="2800" b="1" dirty="0" smtClean="0">
+                    <a:solidFill>
+                      <a:schemeClr val="tx1"/>
+                    </a:solidFill>
+                    <a:latin typeface="Ink Free" pitchFamily="66" charset="0"/>
+                  </a:rPr>
+                  <a:t>Ribeiro</a:t>
+                </a:r>
+                <a:endParaRPr lang="pt-BR" sz="2800" b="1" dirty="0" smtClean="0">
+                  <a:solidFill>
+                    <a:schemeClr val="tx1"/>
+                  </a:solidFill>
+                  <a:latin typeface="Ink Free" pitchFamily="66" charset="0"/>
+                </a:endParaRPr>
               </a:p>
               <a:p>
                 <a:pPr algn="ctr"/>
@@ -5248,25 +5263,7 @@
                     </a:solidFill>
                     <a:latin typeface="Ink Free" pitchFamily="66" charset="0"/>
                   </a:rPr>
-                  <a:t>Após </a:t>
-                </a:r>
-                <a:r>
-                  <a:rPr lang="pt-BR" sz="1400" b="1" dirty="0" smtClean="0">
-                    <a:solidFill>
-                      <a:schemeClr val="tx1"/>
-                    </a:solidFill>
-                    <a:latin typeface="Ink Free" pitchFamily="66" charset="0"/>
-                  </a:rPr>
-                  <a:t>suspensão do calendário acadêmico 2020, grande parte dos docentes voltou-se exclusivamente às suas tarefas "fora de sala de aula", incluindo atividades de pesquisa, extensão, gestão e, até mesmo, de ensino, dentro das limitações impostas pelo distanciamento social. </a:t>
-                </a:r>
-                <a:r>
-                  <a:rPr lang="pt-BR" sz="1400" b="1" dirty="0" smtClean="0">
-                    <a:solidFill>
-                      <a:schemeClr val="tx1"/>
-                    </a:solidFill>
-                    <a:latin typeface="Ink Free" pitchFamily="66" charset="0"/>
-                  </a:rPr>
-                  <a:t>Neste encontro, compartilharei algumas das atividades acadêmicas que venho desenvolvendo durante a quarentena, como orientação de </a:t>
+                  <a:t>Após suspensão do calendário acadêmico 2020, grande parte dos docentes voltou-se exclusivamente às suas tarefas "fora de sala de aula", incluindo atividades de pesquisa, extensão, gestão e, até mesmo, de ensino, dentro das limitações impostas pelo distanciamento social. Neste encontro, compartilharei algumas das atividades acadêmicas que venho desenvolvendo durante a quarentena, como orientação de </a:t>
                 </a:r>
                 <a:r>
                   <a:rPr lang="pt-BR" sz="1400" b="1" dirty="0" err="1" smtClean="0">
@@ -5302,32 +5299,8 @@
                     </a:solidFill>
                     <a:latin typeface="Ink Free" pitchFamily="66" charset="0"/>
                   </a:rPr>
-                  <a:t> e ilustrações que podem ser úteis em aulas de Probabilidade. </a:t>
+                  <a:t> e ilustrações que podem ser úteis em aulas de Probabilidade. E tudo isto com participação do software R.</a:t>
                 </a:r>
-                <a:r>
-                  <a:rPr lang="pt-BR" sz="1400" b="1" dirty="0" smtClean="0">
-                    <a:solidFill>
-                      <a:schemeClr val="tx1"/>
-                    </a:solidFill>
-                    <a:latin typeface="Ink Free" pitchFamily="66" charset="0"/>
-                  </a:rPr>
-                  <a:t>E tudo isto com participação do software </a:t>
-                </a:r>
-                <a:r>
-                  <a:rPr lang="pt-BR" sz="1400" b="1" dirty="0" smtClean="0">
-                    <a:solidFill>
-                      <a:schemeClr val="tx1"/>
-                    </a:solidFill>
-                    <a:latin typeface="Ink Free" pitchFamily="66" charset="0"/>
-                  </a:rPr>
-                  <a:t>R.</a:t>
-                </a:r>
-                <a:endParaRPr lang="pt-BR" sz="1400" b="1" dirty="0" smtClean="0">
-                  <a:solidFill>
-                    <a:schemeClr val="tx1"/>
-                  </a:solidFill>
-                  <a:latin typeface="Ink Free" pitchFamily="66" charset="0"/>
-                </a:endParaRPr>
               </a:p>
               <a:p>
                 <a:pPr algn="ctr"/>

--- a/libs/uds/flyer.pptx
+++ b/libs/uds/flyer.pptx
@@ -5,7 +5,7 @@
     <p:sldMasterId id="2147483648" r:id="rId1"/>
   </p:sldMasterIdLst>
   <p:notesMasterIdLst>
-    <p:notesMasterId r:id="rId14"/>
+    <p:notesMasterId r:id="rId15"/>
   </p:notesMasterIdLst>
   <p:sldIdLst>
     <p:sldId id="256" r:id="rId2"/>
@@ -20,6 +20,7 @@
     <p:sldId id="266" r:id="rId11"/>
     <p:sldId id="267" r:id="rId12"/>
     <p:sldId id="268" r:id="rId13"/>
+    <p:sldId id="269" r:id="rId14"/>
   </p:sldIdLst>
   <p:sldSz cx="9144000" cy="6858000" type="screen4x3"/>
   <p:notesSz cx="6858000" cy="9144000"/>
@@ -204,7 +205,7 @@
             <a:fld id="{03CA6A64-D8DA-4790-AC21-8D1D39F048E7}" type="datetimeFigureOut">
               <a:rPr lang="pt-BR" smtClean="0"/>
               <a:pPr/>
-              <a:t>02/07/2020</a:t>
+              <a:t>10/07/2020</a:t>
             </a:fld>
             <a:endParaRPr lang="pt-BR"/>
           </a:p>
@@ -898,7 +899,7 @@
             <a:fld id="{32EE085F-AAA4-4482-A02A-EDCE077316B0}" type="datetimeFigureOut">
               <a:rPr lang="pt-BR" smtClean="0"/>
               <a:pPr/>
-              <a:t>02/07/2020</a:t>
+              <a:t>10/07/2020</a:t>
             </a:fld>
             <a:endParaRPr lang="pt-BR"/>
           </a:p>
@@ -1065,7 +1066,7 @@
             <a:fld id="{32EE085F-AAA4-4482-A02A-EDCE077316B0}" type="datetimeFigureOut">
               <a:rPr lang="pt-BR" smtClean="0"/>
               <a:pPr/>
-              <a:t>02/07/2020</a:t>
+              <a:t>10/07/2020</a:t>
             </a:fld>
             <a:endParaRPr lang="pt-BR"/>
           </a:p>
@@ -1242,7 +1243,7 @@
             <a:fld id="{32EE085F-AAA4-4482-A02A-EDCE077316B0}" type="datetimeFigureOut">
               <a:rPr lang="pt-BR" smtClean="0"/>
               <a:pPr/>
-              <a:t>02/07/2020</a:t>
+              <a:t>10/07/2020</a:t>
             </a:fld>
             <a:endParaRPr lang="pt-BR"/>
           </a:p>
@@ -1409,7 +1410,7 @@
             <a:fld id="{32EE085F-AAA4-4482-A02A-EDCE077316B0}" type="datetimeFigureOut">
               <a:rPr lang="pt-BR" smtClean="0"/>
               <a:pPr/>
-              <a:t>02/07/2020</a:t>
+              <a:t>10/07/2020</a:t>
             </a:fld>
             <a:endParaRPr lang="pt-BR"/>
           </a:p>
@@ -1652,7 +1653,7 @@
             <a:fld id="{32EE085F-AAA4-4482-A02A-EDCE077316B0}" type="datetimeFigureOut">
               <a:rPr lang="pt-BR" smtClean="0"/>
               <a:pPr/>
-              <a:t>02/07/2020</a:t>
+              <a:t>10/07/2020</a:t>
             </a:fld>
             <a:endParaRPr lang="pt-BR"/>
           </a:p>
@@ -1937,7 +1938,7 @@
             <a:fld id="{32EE085F-AAA4-4482-A02A-EDCE077316B0}" type="datetimeFigureOut">
               <a:rPr lang="pt-BR" smtClean="0"/>
               <a:pPr/>
-              <a:t>02/07/2020</a:t>
+              <a:t>10/07/2020</a:t>
             </a:fld>
             <a:endParaRPr lang="pt-BR"/>
           </a:p>
@@ -2356,7 +2357,7 @@
             <a:fld id="{32EE085F-AAA4-4482-A02A-EDCE077316B0}" type="datetimeFigureOut">
               <a:rPr lang="pt-BR" smtClean="0"/>
               <a:pPr/>
-              <a:t>02/07/2020</a:t>
+              <a:t>10/07/2020</a:t>
             </a:fld>
             <a:endParaRPr lang="pt-BR"/>
           </a:p>
@@ -2471,7 +2472,7 @@
             <a:fld id="{32EE085F-AAA4-4482-A02A-EDCE077316B0}" type="datetimeFigureOut">
               <a:rPr lang="pt-BR" smtClean="0"/>
               <a:pPr/>
-              <a:t>02/07/2020</a:t>
+              <a:t>10/07/2020</a:t>
             </a:fld>
             <a:endParaRPr lang="pt-BR"/>
           </a:p>
@@ -2563,7 +2564,7 @@
             <a:fld id="{32EE085F-AAA4-4482-A02A-EDCE077316B0}" type="datetimeFigureOut">
               <a:rPr lang="pt-BR" smtClean="0"/>
               <a:pPr/>
-              <a:t>02/07/2020</a:t>
+              <a:t>10/07/2020</a:t>
             </a:fld>
             <a:endParaRPr lang="pt-BR"/>
           </a:p>
@@ -2837,7 +2838,7 @@
             <a:fld id="{32EE085F-AAA4-4482-A02A-EDCE077316B0}" type="datetimeFigureOut">
               <a:rPr lang="pt-BR" smtClean="0"/>
               <a:pPr/>
-              <a:t>02/07/2020</a:t>
+              <a:t>10/07/2020</a:t>
             </a:fld>
             <a:endParaRPr lang="pt-BR"/>
           </a:p>
@@ -3087,7 +3088,7 @@
             <a:fld id="{32EE085F-AAA4-4482-A02A-EDCE077316B0}" type="datetimeFigureOut">
               <a:rPr lang="pt-BR" smtClean="0"/>
               <a:pPr/>
-              <a:t>02/07/2020</a:t>
+              <a:t>10/07/2020</a:t>
             </a:fld>
             <a:endParaRPr lang="pt-BR"/>
           </a:p>
@@ -3297,7 +3298,7 @@
             <a:fld id="{32EE085F-AAA4-4482-A02A-EDCE077316B0}" type="datetimeFigureOut">
               <a:rPr lang="pt-BR" smtClean="0"/>
               <a:pPr/>
-              <a:t>02/07/2020</a:t>
+              <a:t>10/07/2020</a:t>
             </a:fld>
             <a:endParaRPr lang="pt-BR"/>
           </a:p>
@@ -5177,23 +5178,8 @@
                     </a:solidFill>
                     <a:latin typeface="Ink Free" pitchFamily="66" charset="0"/>
                   </a:rPr>
-                  <a:t>Prof.  Felipe </a:t>
+                  <a:t>Prof.  Felipe Ribeiro</a:t>
                 </a:r>
-                <a:r>
-                  <a:rPr lang="pt-BR" sz="2800" b="1" dirty="0" smtClean="0">
-                    <a:solidFill>
-                      <a:schemeClr val="tx1"/>
-                    </a:solidFill>
-                    <a:latin typeface="Ink Free" pitchFamily="66" charset="0"/>
-                  </a:rPr>
-                  <a:t>Ribeiro</a:t>
-                </a:r>
-                <a:endParaRPr lang="pt-BR" sz="2800" b="1" dirty="0" smtClean="0">
-                  <a:solidFill>
-                    <a:schemeClr val="tx1"/>
-                  </a:solidFill>
-                  <a:latin typeface="Ink Free" pitchFamily="66" charset="0"/>
-                </a:endParaRPr>
               </a:p>
               <a:p>
                 <a:pPr algn="ctr"/>
@@ -5301,6 +5287,579 @@
                   </a:rPr>
                   <a:t> e ilustrações que podem ser úteis em aulas de Probabilidade. E tudo isto com participação do software R.</a:t>
                 </a:r>
+              </a:p>
+              <a:p>
+                <a:pPr algn="ctr"/>
+                <a:endParaRPr lang="pt-BR" sz="1400" b="1" dirty="0" smtClean="0">
+                  <a:solidFill>
+                    <a:schemeClr val="tx1"/>
+                  </a:solidFill>
+                  <a:latin typeface="Ink Free" pitchFamily="66" charset="0"/>
+                </a:endParaRPr>
+              </a:p>
+            </p:txBody>
+          </p:sp>
+        </p:grpSp>
+        <p:pic>
+          <p:nvPicPr>
+            <p:cNvPr id="2" name="Imagem 1" descr="corpus-banner.png"/>
+            <p:cNvPicPr>
+              <a:picLocks noChangeAspect="1"/>
+            </p:cNvPicPr>
+            <p:nvPr/>
+          </p:nvPicPr>
+          <p:blipFill>
+            <a:blip r:embed="rId4" cstate="print"/>
+            <a:stretch>
+              <a:fillRect/>
+            </a:stretch>
+          </p:blipFill>
+          <p:spPr>
+            <a:xfrm>
+              <a:off x="216024" y="1556792"/>
+              <a:ext cx="3672408" cy="4253755"/>
+            </a:xfrm>
+            <a:prstGeom prst="rect">
+              <a:avLst/>
+            </a:prstGeom>
+          </p:spPr>
+        </p:pic>
+      </p:grpSp>
+    </p:spTree>
+  </p:cSld>
+  <p:clrMapOvr>
+    <a:masterClrMapping/>
+  </p:clrMapOvr>
+  <p:timing>
+    <p:tnLst>
+      <p:par>
+        <p:cTn id="1" dur="indefinite" restart="never" nodeType="tmRoot"/>
+      </p:par>
+    </p:tnLst>
+  </p:timing>
+</p:sld>
+</file>
+
+<file path=ppt/slides/slide13.xml><?xml version="1.0" encoding="utf-8"?>
+<p:sld xmlns:a="http://schemas.openxmlformats.org/drawingml/2006/main" xmlns:r="http://schemas.openxmlformats.org/officeDocument/2006/relationships" xmlns:p="http://schemas.openxmlformats.org/presentationml/2006/main">
+  <p:cSld>
+    <p:spTree>
+      <p:nvGrpSpPr>
+        <p:cNvPr id="1" name=""/>
+        <p:cNvGrpSpPr/>
+        <p:nvPr/>
+      </p:nvGrpSpPr>
+      <p:grpSpPr>
+        <a:xfrm>
+          <a:off x="0" y="0"/>
+          <a:ext cx="0" cy="0"/>
+          <a:chOff x="0" y="0"/>
+          <a:chExt cx="0" cy="0"/>
+        </a:xfrm>
+      </p:grpSpPr>
+      <p:grpSp>
+        <p:nvGrpSpPr>
+          <p:cNvPr id="6" name="Grupo 13"/>
+          <p:cNvGrpSpPr/>
+          <p:nvPr/>
+        </p:nvGrpSpPr>
+        <p:grpSpPr>
+          <a:xfrm>
+            <a:off x="0" y="27384"/>
+            <a:ext cx="9612560" cy="6858000"/>
+            <a:chOff x="0" y="27384"/>
+            <a:chExt cx="9612560" cy="6858000"/>
+          </a:xfrm>
+        </p:grpSpPr>
+        <p:grpSp>
+          <p:nvGrpSpPr>
+            <p:cNvPr id="9" name="Grupo 11"/>
+            <p:cNvGrpSpPr/>
+            <p:nvPr/>
+          </p:nvGrpSpPr>
+          <p:grpSpPr>
+            <a:xfrm>
+              <a:off x="0" y="27384"/>
+              <a:ext cx="9612560" cy="6858000"/>
+              <a:chOff x="0" y="27384"/>
+              <a:chExt cx="9612560" cy="6858000"/>
+            </a:xfrm>
+          </p:grpSpPr>
+          <p:pic>
+            <p:nvPicPr>
+              <p:cNvPr id="15" name="Picture 4" descr="https://pbs.twimg.com/media/DfqjHpNU0AIuufg.jpg"/>
+              <p:cNvPicPr>
+                <a:picLocks noChangeAspect="1" noChangeArrowheads="1"/>
+              </p:cNvPicPr>
+              <p:nvPr/>
+            </p:nvPicPr>
+            <p:blipFill>
+              <a:blip r:embed="rId2" cstate="print">
+                <a:duotone>
+                  <a:prstClr val="black"/>
+                  <a:srgbClr val="00B050">
+                    <a:tint val="45000"/>
+                    <a:satMod val="400000"/>
+                  </a:srgbClr>
+                </a:duotone>
+              </a:blip>
+              <a:srcRect b="9841"/>
+              <a:stretch>
+                <a:fillRect/>
+              </a:stretch>
+            </p:blipFill>
+            <p:spPr bwMode="auto">
+              <a:xfrm>
+                <a:off x="0" y="27384"/>
+                <a:ext cx="9612560" cy="6858000"/>
+              </a:xfrm>
+              <a:prstGeom prst="rect">
+                <a:avLst/>
+              </a:prstGeom>
+              <a:noFill/>
+            </p:spPr>
+          </p:pic>
+          <p:sp>
+            <p:nvSpPr>
+              <p:cNvPr id="3" name="Retângulo 2"/>
+              <p:cNvSpPr/>
+              <p:nvPr/>
+            </p:nvSpPr>
+            <p:spPr>
+              <a:xfrm>
+                <a:off x="3935039" y="260648"/>
+                <a:ext cx="5410198" cy="1152128"/>
+              </a:xfrm>
+              <a:prstGeom prst="rect">
+                <a:avLst/>
+              </a:prstGeom>
+              <a:solidFill>
+                <a:schemeClr val="bg1"/>
+              </a:solidFill>
+              <a:ln>
+                <a:noFill/>
+              </a:ln>
+            </p:spPr>
+            <p:style>
+              <a:lnRef idx="2">
+                <a:schemeClr val="accent1">
+                  <a:shade val="50000"/>
+                </a:schemeClr>
+              </a:lnRef>
+              <a:fillRef idx="1">
+                <a:schemeClr val="accent1"/>
+              </a:fillRef>
+              <a:effectRef idx="0">
+                <a:schemeClr val="accent1"/>
+              </a:effectRef>
+              <a:fontRef idx="minor">
+                <a:schemeClr val="lt1"/>
+              </a:fontRef>
+            </p:style>
+            <p:txBody>
+              <a:bodyPr rtlCol="0" anchor="ctr"/>
+              <a:lstStyle/>
+              <a:p>
+                <a:pPr algn="ctr"/>
+                <a:endParaRPr lang="pt-BR" b="1" dirty="0">
+                  <a:solidFill>
+                    <a:schemeClr val="tx1"/>
+                  </a:solidFill>
+                </a:endParaRPr>
+              </a:p>
+            </p:txBody>
+          </p:sp>
+          <p:sp>
+            <p:nvSpPr>
+              <p:cNvPr id="4" name="Retângulo 3"/>
+              <p:cNvSpPr/>
+              <p:nvPr/>
+            </p:nvSpPr>
+            <p:spPr>
+              <a:xfrm>
+                <a:off x="3952152" y="5198070"/>
+                <a:ext cx="5398166" cy="679202"/>
+              </a:xfrm>
+              <a:prstGeom prst="rect">
+                <a:avLst/>
+              </a:prstGeom>
+              <a:solidFill>
+                <a:schemeClr val="bg1"/>
+              </a:solidFill>
+              <a:ln>
+                <a:noFill/>
+              </a:ln>
+            </p:spPr>
+            <p:style>
+              <a:lnRef idx="2">
+                <a:schemeClr val="accent1">
+                  <a:shade val="50000"/>
+                </a:schemeClr>
+              </a:lnRef>
+              <a:fillRef idx="1">
+                <a:schemeClr val="accent1"/>
+              </a:fillRef>
+              <a:effectRef idx="0">
+                <a:schemeClr val="accent1"/>
+              </a:effectRef>
+              <a:fontRef idx="minor">
+                <a:schemeClr val="lt1"/>
+              </a:fontRef>
+            </p:style>
+            <p:txBody>
+              <a:bodyPr rtlCol="0" anchor="ctr"/>
+              <a:lstStyle/>
+              <a:p>
+                <a:pPr algn="ctr"/>
+                <a:r>
+                  <a:rPr lang="pt-BR" sz="3200" b="1" dirty="0" smtClean="0">
+                    <a:solidFill>
+                      <a:schemeClr val="tx1"/>
+                    </a:solidFill>
+                    <a:latin typeface="Ink Free" pitchFamily="66" charset="0"/>
+                  </a:rPr>
+                  <a:t>13/07   </a:t>
+                </a:r>
+                <a:r>
+                  <a:rPr lang="pt-BR" sz="3200" b="1" dirty="0" smtClean="0">
+                    <a:solidFill>
+                      <a:schemeClr val="tx1"/>
+                    </a:solidFill>
+                    <a:latin typeface="Ink Free" pitchFamily="66" charset="0"/>
+                  </a:rPr>
+                  <a:t>14 horas</a:t>
+                </a:r>
+                <a:endParaRPr lang="pt-BR" sz="3200" b="1" dirty="0">
+                  <a:solidFill>
+                    <a:schemeClr val="tx1"/>
+                  </a:solidFill>
+                  <a:latin typeface="Ink Free" pitchFamily="66" charset="0"/>
+                </a:endParaRPr>
+              </a:p>
+            </p:txBody>
+          </p:sp>
+          <p:sp>
+            <p:nvSpPr>
+              <p:cNvPr id="5" name="CaixaDeTexto 4"/>
+              <p:cNvSpPr txBox="1"/>
+              <p:nvPr/>
+            </p:nvSpPr>
+            <p:spPr>
+              <a:xfrm>
+                <a:off x="4042046" y="260648"/>
+                <a:ext cx="5076056" cy="1200329"/>
+              </a:xfrm>
+              <a:prstGeom prst="rect">
+                <a:avLst/>
+              </a:prstGeom>
+              <a:noFill/>
+              <a:ln>
+                <a:noFill/>
+              </a:ln>
+            </p:spPr>
+            <p:txBody>
+              <a:bodyPr wrap="square" rtlCol="0">
+                <a:spAutoFit/>
+              </a:bodyPr>
+              <a:lstStyle/>
+              <a:p>
+                <a:r>
+                  <a:rPr lang="pt-BR" sz="2400" b="1" dirty="0" smtClean="0">
+                    <a:latin typeface="Ink Free" pitchFamily="66" charset="0"/>
+                  </a:rPr>
+                  <a:t>“</a:t>
+                </a:r>
+                <a:r>
+                  <a:rPr lang="pt-BR" sz="2400" b="1" dirty="0" smtClean="0">
+                    <a:latin typeface="Ink Free" pitchFamily="66" charset="0"/>
+                  </a:rPr>
+                  <a:t>Então você não está trabalhando?” – O que um professor universitário tem feito durante a quarentena?</a:t>
+                </a:r>
+                <a:endParaRPr lang="pt-BR" sz="2400" b="1" dirty="0" smtClean="0">
+                  <a:latin typeface="Ink Free" pitchFamily="66" charset="0"/>
+                </a:endParaRPr>
+              </a:p>
+            </p:txBody>
+          </p:sp>
+          <p:sp>
+            <p:nvSpPr>
+              <p:cNvPr id="8" name="Retângulo 7"/>
+              <p:cNvSpPr/>
+              <p:nvPr/>
+            </p:nvSpPr>
+            <p:spPr>
+              <a:xfrm>
+                <a:off x="3964911" y="5991615"/>
+                <a:ext cx="5405727" cy="821761"/>
+              </a:xfrm>
+              <a:prstGeom prst="rect">
+                <a:avLst/>
+              </a:prstGeom>
+              <a:solidFill>
+                <a:schemeClr val="bg1"/>
+              </a:solidFill>
+              <a:ln>
+                <a:noFill/>
+              </a:ln>
+            </p:spPr>
+            <p:style>
+              <a:lnRef idx="2">
+                <a:schemeClr val="accent1">
+                  <a:shade val="50000"/>
+                </a:schemeClr>
+              </a:lnRef>
+              <a:fillRef idx="1">
+                <a:schemeClr val="accent1"/>
+              </a:fillRef>
+              <a:effectRef idx="0">
+                <a:schemeClr val="accent1"/>
+              </a:effectRef>
+              <a:fontRef idx="minor">
+                <a:schemeClr val="lt1"/>
+              </a:fontRef>
+            </p:style>
+            <p:txBody>
+              <a:bodyPr rtlCol="0" anchor="ctr"/>
+              <a:lstStyle/>
+              <a:p>
+                <a:pPr algn="ctr"/>
+                <a:r>
+                  <a:rPr lang="pt-BR" sz="2400" dirty="0" smtClean="0">
+                    <a:solidFill>
+                      <a:schemeClr val="tx1"/>
+                    </a:solidFill>
+                    <a:latin typeface="Forte" pitchFamily="66" charset="0"/>
+                  </a:rPr>
+                  <a:t>Link </a:t>
+                </a:r>
+                <a:r>
+                  <a:rPr lang="pt-BR" sz="2400" dirty="0">
+                    <a:solidFill>
+                      <a:schemeClr val="tx1"/>
+                    </a:solidFill>
+                    <a:latin typeface="Forte" pitchFamily="66" charset="0"/>
+                  </a:rPr>
+                  <a:t>para o </a:t>
+                </a:r>
+                <a:r>
+                  <a:rPr lang="pt-BR" sz="2400" dirty="0" smtClean="0">
+                    <a:solidFill>
+                      <a:schemeClr val="tx1"/>
+                    </a:solidFill>
+                    <a:latin typeface="Forte" pitchFamily="66" charset="0"/>
+                  </a:rPr>
+                  <a:t>evento</a:t>
+                </a:r>
+              </a:p>
+              <a:p>
+                <a:pPr algn="ctr"/>
+                <a:r>
+                  <a:rPr lang="pt-BR" sz="2400" b="1" dirty="0" err="1" smtClean="0">
+                    <a:hlinkClick r:id="rId3"/>
+                  </a:rPr>
+                  <a:t>meet</a:t>
+                </a:r>
+                <a:r>
+                  <a:rPr lang="pt-BR" sz="2400" b="1" dirty="0" smtClean="0">
+                    <a:hlinkClick r:id="rId3"/>
+                  </a:rPr>
+                  <a:t>.google.com/</a:t>
+                </a:r>
+                <a:r>
+                  <a:rPr lang="pt-BR" sz="2400" b="1" dirty="0" err="1" smtClean="0">
+                    <a:hlinkClick r:id="rId3"/>
+                  </a:rPr>
+                  <a:t>adf-ftxf-idn</a:t>
+                </a:r>
+                <a:endParaRPr lang="pt-BR" sz="2400" b="1" dirty="0" smtClean="0">
+                  <a:solidFill>
+                    <a:srgbClr val="002060"/>
+                  </a:solidFill>
+                </a:endParaRPr>
+              </a:p>
+            </p:txBody>
+          </p:sp>
+          <p:sp>
+            <p:nvSpPr>
+              <p:cNvPr id="13" name="Retângulo 12"/>
+              <p:cNvSpPr/>
+              <p:nvPr/>
+            </p:nvSpPr>
+            <p:spPr>
+              <a:xfrm>
+                <a:off x="3949328" y="4404816"/>
+                <a:ext cx="5404536" cy="680368"/>
+              </a:xfrm>
+              <a:prstGeom prst="rect">
+                <a:avLst/>
+              </a:prstGeom>
+              <a:solidFill>
+                <a:schemeClr val="bg1"/>
+              </a:solidFill>
+              <a:ln>
+                <a:noFill/>
+              </a:ln>
+            </p:spPr>
+            <p:style>
+              <a:lnRef idx="2">
+                <a:schemeClr val="accent1">
+                  <a:shade val="50000"/>
+                </a:schemeClr>
+              </a:lnRef>
+              <a:fillRef idx="1">
+                <a:schemeClr val="accent1"/>
+              </a:fillRef>
+              <a:effectRef idx="0">
+                <a:schemeClr val="accent1"/>
+              </a:effectRef>
+              <a:fontRef idx="minor">
+                <a:schemeClr val="lt1"/>
+              </a:fontRef>
+            </p:style>
+            <p:txBody>
+              <a:bodyPr rtlCol="0" anchor="ctr"/>
+              <a:lstStyle/>
+              <a:p>
+                <a:pPr algn="ctr"/>
+                <a:endParaRPr lang="pt-BR" sz="2400" b="1" dirty="0" smtClean="0">
+                  <a:solidFill>
+                    <a:schemeClr val="tx1"/>
+                  </a:solidFill>
+                  <a:latin typeface="Ink Free" pitchFamily="66" charset="0"/>
+                </a:endParaRPr>
+              </a:p>
+              <a:p>
+                <a:pPr algn="ctr"/>
+                <a:r>
+                  <a:rPr lang="pt-BR" sz="2800" b="1" dirty="0" smtClean="0">
+                    <a:solidFill>
+                      <a:schemeClr val="tx1"/>
+                    </a:solidFill>
+                    <a:latin typeface="Ink Free" pitchFamily="66" charset="0"/>
+                  </a:rPr>
+                  <a:t>Prof. </a:t>
+                </a:r>
+                <a:r>
+                  <a:rPr lang="pt-BR" sz="2800" b="1" dirty="0" smtClean="0">
+                    <a:solidFill>
+                      <a:schemeClr val="tx1"/>
+                    </a:solidFill>
+                    <a:latin typeface="Ink Free" pitchFamily="66" charset="0"/>
+                  </a:rPr>
+                  <a:t>Davi </a:t>
+                </a:r>
+                <a:r>
+                  <a:rPr lang="pt-BR" sz="2800" b="1" dirty="0" smtClean="0">
+                    <a:solidFill>
+                      <a:schemeClr val="tx1"/>
+                    </a:solidFill>
+                    <a:latin typeface="Ink Free" pitchFamily="66" charset="0"/>
+                  </a:rPr>
+                  <a:t> Alves</a:t>
+                </a:r>
+                <a:endParaRPr lang="pt-BR" sz="2800" b="1" dirty="0" smtClean="0">
+                  <a:solidFill>
+                    <a:schemeClr val="tx1"/>
+                  </a:solidFill>
+                  <a:latin typeface="Ink Free" pitchFamily="66" charset="0"/>
+                </a:endParaRPr>
+              </a:p>
+              <a:p>
+                <a:pPr algn="ctr"/>
+                <a:endParaRPr lang="pt-BR" sz="2800" b="1" dirty="0" smtClean="0">
+                  <a:solidFill>
+                    <a:schemeClr val="tx1"/>
+                  </a:solidFill>
+                  <a:latin typeface="Ink Free" pitchFamily="66" charset="0"/>
+                </a:endParaRPr>
+              </a:p>
+            </p:txBody>
+          </p:sp>
+          <p:sp>
+            <p:nvSpPr>
+              <p:cNvPr id="11" name="Retângulo 10"/>
+              <p:cNvSpPr/>
+              <p:nvPr/>
+            </p:nvSpPr>
+            <p:spPr>
+              <a:xfrm>
+                <a:off x="3939168" y="1484784"/>
+                <a:ext cx="5404536" cy="2808312"/>
+              </a:xfrm>
+              <a:prstGeom prst="rect">
+                <a:avLst/>
+              </a:prstGeom>
+              <a:solidFill>
+                <a:schemeClr val="bg1"/>
+              </a:solidFill>
+              <a:ln>
+                <a:noFill/>
+              </a:ln>
+            </p:spPr>
+            <p:style>
+              <a:lnRef idx="2">
+                <a:schemeClr val="accent1">
+                  <a:shade val="50000"/>
+                </a:schemeClr>
+              </a:lnRef>
+              <a:fillRef idx="1">
+                <a:schemeClr val="accent1"/>
+              </a:fillRef>
+              <a:effectRef idx="0">
+                <a:schemeClr val="accent1"/>
+              </a:effectRef>
+              <a:fontRef idx="minor">
+                <a:schemeClr val="lt1"/>
+              </a:fontRef>
+            </p:style>
+            <p:txBody>
+              <a:bodyPr rtlCol="0" anchor="ctr"/>
+              <a:lstStyle/>
+              <a:p>
+                <a:pPr algn="ctr"/>
+                <a:endParaRPr lang="pt-BR" sz="2400" b="1" dirty="0" smtClean="0">
+                  <a:solidFill>
+                    <a:schemeClr val="tx1"/>
+                  </a:solidFill>
+                  <a:latin typeface="Ink Free" pitchFamily="66" charset="0"/>
+                </a:endParaRPr>
+              </a:p>
+              <a:p>
+                <a:r>
+                  <a:rPr lang="pt-BR" sz="1400" b="1" dirty="0" smtClean="0">
+                    <a:solidFill>
+                      <a:schemeClr val="tx1"/>
+                    </a:solidFill>
+                    <a:latin typeface="Ink Free" pitchFamily="66" charset="0"/>
+                  </a:rPr>
+                  <a:t>“</a:t>
+                </a:r>
+                <a:r>
+                  <a:rPr lang="pt-BR" sz="1400" b="1" dirty="0" smtClean="0">
+                    <a:solidFill>
+                      <a:schemeClr val="tx1"/>
+                    </a:solidFill>
+                    <a:latin typeface="Ink Free" pitchFamily="66" charset="0"/>
+                  </a:rPr>
+                  <a:t>Então você não está trabalhando?” – Esta é uma pergunta que muitos professores afastados das atividades em sala de aula podem ter escutado durante a pandemia da COVID-19. </a:t>
+                </a:r>
+                <a:r>
+                  <a:rPr lang="pt-BR" sz="1400" b="1" dirty="0" smtClean="0">
+                    <a:solidFill>
+                      <a:schemeClr val="tx1"/>
+                    </a:solidFill>
+                    <a:latin typeface="Ink Free" pitchFamily="66" charset="0"/>
+                  </a:rPr>
+                  <a:t>As medidas de distanciamento físico e a necessidade de atuação remota de maneira repentina sem o devido preparo, planejamento e estrutura, muitas vezes tem aumentado a jornada de trabalho e incluído uma exigência interna constante de mais produtividade. Com a suspensão do calendário acadêmico 2020 na UNIRIO tenho dedicado muito tempo às atividades de pesquisa e extensão, além de preparar alguns instrumentos para o retorno on-line das atividades de ensino. Neste encontro vou compartilhar o melhor do que venho desenvolvendo durante a pandemia e apresentar os potenciais produtos.</a:t>
+                </a:r>
+              </a:p>
+              <a:p>
+                <a:endParaRPr lang="pt-BR" sz="1400" b="1" dirty="0" smtClean="0">
+                  <a:solidFill>
+                    <a:schemeClr val="tx1"/>
+                  </a:solidFill>
+                  <a:latin typeface="Ink Free" pitchFamily="66" charset="0"/>
+                </a:endParaRPr>
               </a:p>
               <a:p>
                 <a:pPr algn="ctr"/>

--- a/libs/uds/flyer.pptx
+++ b/libs/uds/flyer.pptx
@@ -5,7 +5,7 @@
     <p:sldMasterId id="2147483648" r:id="rId1"/>
   </p:sldMasterIdLst>
   <p:notesMasterIdLst>
-    <p:notesMasterId r:id="rId15"/>
+    <p:notesMasterId r:id="rId16"/>
   </p:notesMasterIdLst>
   <p:sldIdLst>
     <p:sldId id="256" r:id="rId2"/>
@@ -21,6 +21,7 @@
     <p:sldId id="267" r:id="rId12"/>
     <p:sldId id="268" r:id="rId13"/>
     <p:sldId id="269" r:id="rId14"/>
+    <p:sldId id="270" r:id="rId15"/>
   </p:sldIdLst>
   <p:sldSz cx="9144000" cy="6858000" type="screen4x3"/>
   <p:notesSz cx="6858000" cy="9144000"/>
@@ -205,7 +206,7 @@
             <a:fld id="{03CA6A64-D8DA-4790-AC21-8D1D39F048E7}" type="datetimeFigureOut">
               <a:rPr lang="pt-BR" smtClean="0"/>
               <a:pPr/>
-              <a:t>10/07/2020</a:t>
+              <a:t>15/07/2020</a:t>
             </a:fld>
             <a:endParaRPr lang="pt-BR"/>
           </a:p>
@@ -899,7 +900,7 @@
             <a:fld id="{32EE085F-AAA4-4482-A02A-EDCE077316B0}" type="datetimeFigureOut">
               <a:rPr lang="pt-BR" smtClean="0"/>
               <a:pPr/>
-              <a:t>10/07/2020</a:t>
+              <a:t>15/07/2020</a:t>
             </a:fld>
             <a:endParaRPr lang="pt-BR"/>
           </a:p>
@@ -1066,7 +1067,7 @@
             <a:fld id="{32EE085F-AAA4-4482-A02A-EDCE077316B0}" type="datetimeFigureOut">
               <a:rPr lang="pt-BR" smtClean="0"/>
               <a:pPr/>
-              <a:t>10/07/2020</a:t>
+              <a:t>15/07/2020</a:t>
             </a:fld>
             <a:endParaRPr lang="pt-BR"/>
           </a:p>
@@ -1243,7 +1244,7 @@
             <a:fld id="{32EE085F-AAA4-4482-A02A-EDCE077316B0}" type="datetimeFigureOut">
               <a:rPr lang="pt-BR" smtClean="0"/>
               <a:pPr/>
-              <a:t>10/07/2020</a:t>
+              <a:t>15/07/2020</a:t>
             </a:fld>
             <a:endParaRPr lang="pt-BR"/>
           </a:p>
@@ -1410,7 +1411,7 @@
             <a:fld id="{32EE085F-AAA4-4482-A02A-EDCE077316B0}" type="datetimeFigureOut">
               <a:rPr lang="pt-BR" smtClean="0"/>
               <a:pPr/>
-              <a:t>10/07/2020</a:t>
+              <a:t>15/07/2020</a:t>
             </a:fld>
             <a:endParaRPr lang="pt-BR"/>
           </a:p>
@@ -1653,7 +1654,7 @@
             <a:fld id="{32EE085F-AAA4-4482-A02A-EDCE077316B0}" type="datetimeFigureOut">
               <a:rPr lang="pt-BR" smtClean="0"/>
               <a:pPr/>
-              <a:t>10/07/2020</a:t>
+              <a:t>15/07/2020</a:t>
             </a:fld>
             <a:endParaRPr lang="pt-BR"/>
           </a:p>
@@ -1938,7 +1939,7 @@
             <a:fld id="{32EE085F-AAA4-4482-A02A-EDCE077316B0}" type="datetimeFigureOut">
               <a:rPr lang="pt-BR" smtClean="0"/>
               <a:pPr/>
-              <a:t>10/07/2020</a:t>
+              <a:t>15/07/2020</a:t>
             </a:fld>
             <a:endParaRPr lang="pt-BR"/>
           </a:p>
@@ -2357,7 +2358,7 @@
             <a:fld id="{32EE085F-AAA4-4482-A02A-EDCE077316B0}" type="datetimeFigureOut">
               <a:rPr lang="pt-BR" smtClean="0"/>
               <a:pPr/>
-              <a:t>10/07/2020</a:t>
+              <a:t>15/07/2020</a:t>
             </a:fld>
             <a:endParaRPr lang="pt-BR"/>
           </a:p>
@@ -2472,7 +2473,7 @@
             <a:fld id="{32EE085F-AAA4-4482-A02A-EDCE077316B0}" type="datetimeFigureOut">
               <a:rPr lang="pt-BR" smtClean="0"/>
               <a:pPr/>
-              <a:t>10/07/2020</a:t>
+              <a:t>15/07/2020</a:t>
             </a:fld>
             <a:endParaRPr lang="pt-BR"/>
           </a:p>
@@ -2564,7 +2565,7 @@
             <a:fld id="{32EE085F-AAA4-4482-A02A-EDCE077316B0}" type="datetimeFigureOut">
               <a:rPr lang="pt-BR" smtClean="0"/>
               <a:pPr/>
-              <a:t>10/07/2020</a:t>
+              <a:t>15/07/2020</a:t>
             </a:fld>
             <a:endParaRPr lang="pt-BR"/>
           </a:p>
@@ -2838,7 +2839,7 @@
             <a:fld id="{32EE085F-AAA4-4482-A02A-EDCE077316B0}" type="datetimeFigureOut">
               <a:rPr lang="pt-BR" smtClean="0"/>
               <a:pPr/>
-              <a:t>10/07/2020</a:t>
+              <a:t>15/07/2020</a:t>
             </a:fld>
             <a:endParaRPr lang="pt-BR"/>
           </a:p>
@@ -3088,7 +3089,7 @@
             <a:fld id="{32EE085F-AAA4-4482-A02A-EDCE077316B0}" type="datetimeFigureOut">
               <a:rPr lang="pt-BR" smtClean="0"/>
               <a:pPr/>
-              <a:t>10/07/2020</a:t>
+              <a:t>15/07/2020</a:t>
             </a:fld>
             <a:endParaRPr lang="pt-BR"/>
           </a:p>
@@ -3298,7 +3299,7 @@
             <a:fld id="{32EE085F-AAA4-4482-A02A-EDCE077316B0}" type="datetimeFigureOut">
               <a:rPr lang="pt-BR" smtClean="0"/>
               <a:pPr/>
-              <a:t>10/07/2020</a:t>
+              <a:t>15/07/2020</a:t>
             </a:fld>
             <a:endParaRPr lang="pt-BR"/>
           </a:p>
@@ -5518,16 +5519,7 @@
                     </a:solidFill>
                     <a:latin typeface="Ink Free" pitchFamily="66" charset="0"/>
                   </a:rPr>
-                  <a:t>13/07   </a:t>
-                </a:r>
-                <a:r>
-                  <a:rPr lang="pt-BR" sz="3200" b="1" dirty="0" smtClean="0">
-                    <a:solidFill>
-                      <a:schemeClr val="tx1"/>
-                    </a:solidFill>
-                    <a:latin typeface="Ink Free" pitchFamily="66" charset="0"/>
-                  </a:rPr>
-                  <a:t>14 horas</a:t>
+                  <a:t>13/07   14 horas</a:t>
                 </a:r>
                 <a:endParaRPr lang="pt-BR" sz="3200" b="1" dirty="0">
                   <a:solidFill>
@@ -5567,17 +5559,8 @@
                   <a:rPr lang="pt-BR" sz="2400" b="1" dirty="0" smtClean="0">
                     <a:latin typeface="Ink Free" pitchFamily="66" charset="0"/>
                   </a:rPr>
-                  <a:t>“</a:t>
+                  <a:t>“Então você não está trabalhando?” – O que um professor universitário tem feito durante a quarentena?</a:t>
                 </a:r>
-                <a:r>
-                  <a:rPr lang="pt-BR" sz="2400" b="1" dirty="0" smtClean="0">
-                    <a:latin typeface="Ink Free" pitchFamily="66" charset="0"/>
-                  </a:rPr>
-                  <a:t>Então você não está trabalhando?” – O que um professor universitário tem feito durante a quarentena?</a:t>
-                </a:r>
-                <a:endParaRPr lang="pt-BR" sz="2400" b="1" dirty="0" smtClean="0">
-                  <a:latin typeface="Ink Free" pitchFamily="66" charset="0"/>
-                </a:endParaRPr>
               </a:p>
             </p:txBody>
           </p:sp>
@@ -5737,32 +5720,8 @@
                     </a:solidFill>
                     <a:latin typeface="Ink Free" pitchFamily="66" charset="0"/>
                   </a:rPr>
-                  <a:t>Prof. </a:t>
+                  <a:t>Prof. Davi  Alves</a:t>
                 </a:r>
-                <a:r>
-                  <a:rPr lang="pt-BR" sz="2800" b="1" dirty="0" smtClean="0">
-                    <a:solidFill>
-                      <a:schemeClr val="tx1"/>
-                    </a:solidFill>
-                    <a:latin typeface="Ink Free" pitchFamily="66" charset="0"/>
-                  </a:rPr>
-                  <a:t>Davi </a:t>
-                </a:r>
-                <a:r>
-                  <a:rPr lang="pt-BR" sz="2800" b="1" dirty="0" smtClean="0">
-                    <a:solidFill>
-                      <a:schemeClr val="tx1"/>
-                    </a:solidFill>
-                    <a:latin typeface="Ink Free" pitchFamily="66" charset="0"/>
-                  </a:rPr>
-                  <a:t> Alves</a:t>
-                </a:r>
-                <a:endParaRPr lang="pt-BR" sz="2800" b="1" dirty="0" smtClean="0">
-                  <a:solidFill>
-                    <a:schemeClr val="tx1"/>
-                  </a:solidFill>
-                  <a:latin typeface="Ink Free" pitchFamily="66" charset="0"/>
-                </a:endParaRPr>
               </a:p>
               <a:p>
                 <a:pPr algn="ctr"/>
@@ -5832,25 +5791,7 @@
                     </a:solidFill>
                     <a:latin typeface="Ink Free" pitchFamily="66" charset="0"/>
                   </a:rPr>
-                  <a:t>“</a:t>
-                </a:r>
-                <a:r>
-                  <a:rPr lang="pt-BR" sz="1400" b="1" dirty="0" smtClean="0">
-                    <a:solidFill>
-                      <a:schemeClr val="tx1"/>
-                    </a:solidFill>
-                    <a:latin typeface="Ink Free" pitchFamily="66" charset="0"/>
-                  </a:rPr>
-                  <a:t>Então você não está trabalhando?” – Esta é uma pergunta que muitos professores afastados das atividades em sala de aula podem ter escutado durante a pandemia da COVID-19. </a:t>
-                </a:r>
-                <a:r>
-                  <a:rPr lang="pt-BR" sz="1400" b="1" dirty="0" smtClean="0">
-                    <a:solidFill>
-                      <a:schemeClr val="tx1"/>
-                    </a:solidFill>
-                    <a:latin typeface="Ink Free" pitchFamily="66" charset="0"/>
-                  </a:rPr>
-                  <a:t>As medidas de distanciamento físico e a necessidade de atuação remota de maneira repentina sem o devido preparo, planejamento e estrutura, muitas vezes tem aumentado a jornada de trabalho e incluído uma exigência interna constante de mais produtividade. Com a suspensão do calendário acadêmico 2020 na UNIRIO tenho dedicado muito tempo às atividades de pesquisa e extensão, além de preparar alguns instrumentos para o retorno on-line das atividades de ensino. Neste encontro vou compartilhar o melhor do que venho desenvolvendo durante a pandemia e apresentar os potenciais produtos.</a:t>
+                  <a:t>“Então você não está trabalhando?” – Esta é uma pergunta que muitos professores afastados das atividades em sala de aula podem ter escutado durante a pandemia da COVID-19. As medidas de distanciamento físico e a necessidade de atuação remota de maneira repentina sem o devido preparo, planejamento e estrutura, muitas vezes tem aumentado a jornada de trabalho e incluído uma exigência interna constante de mais produtividade. Com a suspensão do calendário acadêmico 2020 na UNIRIO tenho dedicado muito tempo às atividades de pesquisa e extensão, além de preparar alguns instrumentos para o retorno on-line das atividades de ensino. Neste encontro vou compartilhar o melhor do que venho desenvolvendo durante a pandemia e apresentar os potenciais produtos.</a:t>
                 </a:r>
               </a:p>
               <a:p>
@@ -5864,6 +5805,562 @@
               <a:p>
                 <a:pPr algn="ctr"/>
                 <a:endParaRPr lang="pt-BR" sz="1400" b="1" dirty="0" smtClean="0">
+                  <a:solidFill>
+                    <a:schemeClr val="tx1"/>
+                  </a:solidFill>
+                  <a:latin typeface="Ink Free" pitchFamily="66" charset="0"/>
+                </a:endParaRPr>
+              </a:p>
+            </p:txBody>
+          </p:sp>
+        </p:grpSp>
+        <p:pic>
+          <p:nvPicPr>
+            <p:cNvPr id="2" name="Imagem 1" descr="corpus-banner.png"/>
+            <p:cNvPicPr>
+              <a:picLocks noChangeAspect="1"/>
+            </p:cNvPicPr>
+            <p:nvPr/>
+          </p:nvPicPr>
+          <p:blipFill>
+            <a:blip r:embed="rId4" cstate="print"/>
+            <a:stretch>
+              <a:fillRect/>
+            </a:stretch>
+          </p:blipFill>
+          <p:spPr>
+            <a:xfrm>
+              <a:off x="216024" y="1556792"/>
+              <a:ext cx="3672408" cy="4253755"/>
+            </a:xfrm>
+            <a:prstGeom prst="rect">
+              <a:avLst/>
+            </a:prstGeom>
+          </p:spPr>
+        </p:pic>
+      </p:grpSp>
+    </p:spTree>
+  </p:cSld>
+  <p:clrMapOvr>
+    <a:masterClrMapping/>
+  </p:clrMapOvr>
+  <p:timing>
+    <p:tnLst>
+      <p:par>
+        <p:cTn id="1" dur="indefinite" restart="never" nodeType="tmRoot"/>
+      </p:par>
+    </p:tnLst>
+  </p:timing>
+</p:sld>
+</file>
+
+<file path=ppt/slides/slide14.xml><?xml version="1.0" encoding="utf-8"?>
+<p:sld xmlns:a="http://schemas.openxmlformats.org/drawingml/2006/main" xmlns:r="http://schemas.openxmlformats.org/officeDocument/2006/relationships" xmlns:p="http://schemas.openxmlformats.org/presentationml/2006/main">
+  <p:cSld>
+    <p:spTree>
+      <p:nvGrpSpPr>
+        <p:cNvPr id="1" name=""/>
+        <p:cNvGrpSpPr/>
+        <p:nvPr/>
+      </p:nvGrpSpPr>
+      <p:grpSpPr>
+        <a:xfrm>
+          <a:off x="0" y="0"/>
+          <a:ext cx="0" cy="0"/>
+          <a:chOff x="0" y="0"/>
+          <a:chExt cx="0" cy="0"/>
+        </a:xfrm>
+      </p:grpSpPr>
+      <p:grpSp>
+        <p:nvGrpSpPr>
+          <p:cNvPr id="6" name="Grupo 13"/>
+          <p:cNvGrpSpPr/>
+          <p:nvPr/>
+        </p:nvGrpSpPr>
+        <p:grpSpPr>
+          <a:xfrm>
+            <a:off x="0" y="27384"/>
+            <a:ext cx="9612560" cy="6858000"/>
+            <a:chOff x="0" y="27384"/>
+            <a:chExt cx="9612560" cy="6858000"/>
+          </a:xfrm>
+        </p:grpSpPr>
+        <p:grpSp>
+          <p:nvGrpSpPr>
+            <p:cNvPr id="7" name="Grupo 11"/>
+            <p:cNvGrpSpPr/>
+            <p:nvPr/>
+          </p:nvGrpSpPr>
+          <p:grpSpPr>
+            <a:xfrm>
+              <a:off x="0" y="27384"/>
+              <a:ext cx="9612560" cy="6858000"/>
+              <a:chOff x="0" y="27384"/>
+              <a:chExt cx="9612560" cy="6858000"/>
+            </a:xfrm>
+          </p:grpSpPr>
+          <p:pic>
+            <p:nvPicPr>
+              <p:cNvPr id="15" name="Picture 4" descr="https://pbs.twimg.com/media/DfqjHpNU0AIuufg.jpg"/>
+              <p:cNvPicPr>
+                <a:picLocks noChangeAspect="1" noChangeArrowheads="1"/>
+              </p:cNvPicPr>
+              <p:nvPr/>
+            </p:nvPicPr>
+            <p:blipFill>
+              <a:blip r:embed="rId2" cstate="print">
+                <a:duotone>
+                  <a:prstClr val="black"/>
+                  <a:schemeClr val="accent2">
+                    <a:lumMod val="40000"/>
+                    <a:lumOff val="60000"/>
+                    <a:tint val="45000"/>
+                    <a:satMod val="400000"/>
+                  </a:schemeClr>
+                </a:duotone>
+              </a:blip>
+              <a:srcRect b="9841"/>
+              <a:stretch>
+                <a:fillRect/>
+              </a:stretch>
+            </p:blipFill>
+            <p:spPr bwMode="auto">
+              <a:xfrm>
+                <a:off x="0" y="27384"/>
+                <a:ext cx="9612560" cy="6858000"/>
+              </a:xfrm>
+              <a:prstGeom prst="rect">
+                <a:avLst/>
+              </a:prstGeom>
+              <a:noFill/>
+            </p:spPr>
+          </p:pic>
+          <p:sp>
+            <p:nvSpPr>
+              <p:cNvPr id="3" name="Retângulo 2"/>
+              <p:cNvSpPr/>
+              <p:nvPr/>
+            </p:nvSpPr>
+            <p:spPr>
+              <a:xfrm>
+                <a:off x="3935039" y="260648"/>
+                <a:ext cx="5410198" cy="1152128"/>
+              </a:xfrm>
+              <a:prstGeom prst="rect">
+                <a:avLst/>
+              </a:prstGeom>
+              <a:solidFill>
+                <a:schemeClr val="bg1"/>
+              </a:solidFill>
+              <a:ln>
+                <a:noFill/>
+              </a:ln>
+            </p:spPr>
+            <p:style>
+              <a:lnRef idx="2">
+                <a:schemeClr val="accent1">
+                  <a:shade val="50000"/>
+                </a:schemeClr>
+              </a:lnRef>
+              <a:fillRef idx="1">
+                <a:schemeClr val="accent1"/>
+              </a:fillRef>
+              <a:effectRef idx="0">
+                <a:schemeClr val="accent1"/>
+              </a:effectRef>
+              <a:fontRef idx="minor">
+                <a:schemeClr val="lt1"/>
+              </a:fontRef>
+            </p:style>
+            <p:txBody>
+              <a:bodyPr rtlCol="0" anchor="ctr"/>
+              <a:lstStyle/>
+              <a:p>
+                <a:pPr algn="ctr"/>
+                <a:endParaRPr lang="pt-BR" b="1" dirty="0">
+                  <a:solidFill>
+                    <a:schemeClr val="tx1"/>
+                  </a:solidFill>
+                </a:endParaRPr>
+              </a:p>
+            </p:txBody>
+          </p:sp>
+          <p:sp>
+            <p:nvSpPr>
+              <p:cNvPr id="4" name="Retângulo 3"/>
+              <p:cNvSpPr/>
+              <p:nvPr/>
+            </p:nvSpPr>
+            <p:spPr>
+              <a:xfrm>
+                <a:off x="3952152" y="5198070"/>
+                <a:ext cx="5398166" cy="679202"/>
+              </a:xfrm>
+              <a:prstGeom prst="rect">
+                <a:avLst/>
+              </a:prstGeom>
+              <a:solidFill>
+                <a:schemeClr val="bg1"/>
+              </a:solidFill>
+              <a:ln>
+                <a:noFill/>
+              </a:ln>
+            </p:spPr>
+            <p:style>
+              <a:lnRef idx="2">
+                <a:schemeClr val="accent1">
+                  <a:shade val="50000"/>
+                </a:schemeClr>
+              </a:lnRef>
+              <a:fillRef idx="1">
+                <a:schemeClr val="accent1"/>
+              </a:fillRef>
+              <a:effectRef idx="0">
+                <a:schemeClr val="accent1"/>
+              </a:effectRef>
+              <a:fontRef idx="minor">
+                <a:schemeClr val="lt1"/>
+              </a:fontRef>
+            </p:style>
+            <p:txBody>
+              <a:bodyPr rtlCol="0" anchor="ctr"/>
+              <a:lstStyle/>
+              <a:p>
+                <a:pPr algn="ctr"/>
+                <a:r>
+                  <a:rPr lang="pt-BR" sz="3200" b="1" dirty="0" smtClean="0">
+                    <a:solidFill>
+                      <a:schemeClr val="tx1"/>
+                    </a:solidFill>
+                    <a:latin typeface="Ink Free" pitchFamily="66" charset="0"/>
+                  </a:rPr>
+                  <a:t>20/07   </a:t>
+                </a:r>
+                <a:r>
+                  <a:rPr lang="pt-BR" sz="3200" b="1" dirty="0" smtClean="0">
+                    <a:solidFill>
+                      <a:schemeClr val="tx1"/>
+                    </a:solidFill>
+                    <a:latin typeface="Ink Free" pitchFamily="66" charset="0"/>
+                  </a:rPr>
+                  <a:t>14 horas</a:t>
+                </a:r>
+                <a:endParaRPr lang="pt-BR" sz="3200" b="1" dirty="0">
+                  <a:solidFill>
+                    <a:schemeClr val="tx1"/>
+                  </a:solidFill>
+                  <a:latin typeface="Ink Free" pitchFamily="66" charset="0"/>
+                </a:endParaRPr>
+              </a:p>
+            </p:txBody>
+          </p:sp>
+          <p:sp>
+            <p:nvSpPr>
+              <p:cNvPr id="5" name="CaixaDeTexto 4"/>
+              <p:cNvSpPr txBox="1"/>
+              <p:nvPr/>
+            </p:nvSpPr>
+            <p:spPr>
+              <a:xfrm>
+                <a:off x="4042046" y="437763"/>
+                <a:ext cx="5076056" cy="830997"/>
+              </a:xfrm>
+              <a:prstGeom prst="rect">
+                <a:avLst/>
+              </a:prstGeom>
+              <a:noFill/>
+              <a:ln>
+                <a:noFill/>
+              </a:ln>
+            </p:spPr>
+            <p:txBody>
+              <a:bodyPr wrap="square" rtlCol="0">
+                <a:spAutoFit/>
+              </a:bodyPr>
+              <a:lstStyle/>
+              <a:p>
+                <a:r>
+                  <a:rPr lang="pt-BR" sz="2400" b="1" dirty="0" smtClean="0">
+                    <a:latin typeface="Ink Free" pitchFamily="66" charset="0"/>
+                  </a:rPr>
+                  <a:t>Meu </a:t>
+                </a:r>
+                <a:r>
+                  <a:rPr lang="pt-BR" sz="2400" b="1" dirty="0" smtClean="0">
+                    <a:latin typeface="Ink Free" pitchFamily="66" charset="0"/>
+                  </a:rPr>
+                  <a:t>universo paralelo: Relatos de uma professora em isolamento social</a:t>
+                </a:r>
+                <a:endParaRPr lang="pt-BR" sz="2400" b="1" dirty="0" smtClean="0">
+                  <a:latin typeface="Ink Free" pitchFamily="66" charset="0"/>
+                </a:endParaRPr>
+              </a:p>
+            </p:txBody>
+          </p:sp>
+          <p:sp>
+            <p:nvSpPr>
+              <p:cNvPr id="8" name="Retângulo 7"/>
+              <p:cNvSpPr/>
+              <p:nvPr/>
+            </p:nvSpPr>
+            <p:spPr>
+              <a:xfrm>
+                <a:off x="3964911" y="5991615"/>
+                <a:ext cx="5405727" cy="821761"/>
+              </a:xfrm>
+              <a:prstGeom prst="rect">
+                <a:avLst/>
+              </a:prstGeom>
+              <a:solidFill>
+                <a:schemeClr val="bg1"/>
+              </a:solidFill>
+              <a:ln>
+                <a:noFill/>
+              </a:ln>
+            </p:spPr>
+            <p:style>
+              <a:lnRef idx="2">
+                <a:schemeClr val="accent1">
+                  <a:shade val="50000"/>
+                </a:schemeClr>
+              </a:lnRef>
+              <a:fillRef idx="1">
+                <a:schemeClr val="accent1"/>
+              </a:fillRef>
+              <a:effectRef idx="0">
+                <a:schemeClr val="accent1"/>
+              </a:effectRef>
+              <a:fontRef idx="minor">
+                <a:schemeClr val="lt1"/>
+              </a:fontRef>
+            </p:style>
+            <p:txBody>
+              <a:bodyPr rtlCol="0" anchor="ctr"/>
+              <a:lstStyle/>
+              <a:p>
+                <a:pPr algn="ctr"/>
+                <a:r>
+                  <a:rPr lang="pt-BR" sz="2400" dirty="0" smtClean="0">
+                    <a:solidFill>
+                      <a:schemeClr val="tx1"/>
+                    </a:solidFill>
+                    <a:latin typeface="Forte" pitchFamily="66" charset="0"/>
+                  </a:rPr>
+                  <a:t>Link </a:t>
+                </a:r>
+                <a:r>
+                  <a:rPr lang="pt-BR" sz="2400" dirty="0">
+                    <a:solidFill>
+                      <a:schemeClr val="tx1"/>
+                    </a:solidFill>
+                    <a:latin typeface="Forte" pitchFamily="66" charset="0"/>
+                  </a:rPr>
+                  <a:t>para o </a:t>
+                </a:r>
+                <a:r>
+                  <a:rPr lang="pt-BR" sz="2400" dirty="0" smtClean="0">
+                    <a:solidFill>
+                      <a:schemeClr val="tx1"/>
+                    </a:solidFill>
+                    <a:latin typeface="Forte" pitchFamily="66" charset="0"/>
+                  </a:rPr>
+                  <a:t>evento</a:t>
+                </a:r>
+              </a:p>
+              <a:p>
+                <a:pPr algn="ctr"/>
+                <a:r>
+                  <a:rPr lang="pt-BR" sz="2400" b="1" dirty="0" err="1" smtClean="0">
+                    <a:hlinkClick r:id="rId3"/>
+                  </a:rPr>
+                  <a:t>meet</a:t>
+                </a:r>
+                <a:r>
+                  <a:rPr lang="pt-BR" sz="2400" b="1" dirty="0" smtClean="0">
+                    <a:hlinkClick r:id="rId3"/>
+                  </a:rPr>
+                  <a:t>.google.com/</a:t>
+                </a:r>
+                <a:r>
+                  <a:rPr lang="pt-BR" sz="2400" b="1" dirty="0" err="1" smtClean="0">
+                    <a:hlinkClick r:id="rId3"/>
+                  </a:rPr>
+                  <a:t>phz-tmge-tqs</a:t>
+                </a:r>
+                <a:endParaRPr lang="pt-BR" sz="2400" b="1" dirty="0" smtClean="0">
+                  <a:solidFill>
+                    <a:srgbClr val="002060"/>
+                  </a:solidFill>
+                </a:endParaRPr>
+              </a:p>
+            </p:txBody>
+          </p:sp>
+          <p:sp>
+            <p:nvSpPr>
+              <p:cNvPr id="13" name="Retângulo 12"/>
+              <p:cNvSpPr/>
+              <p:nvPr/>
+            </p:nvSpPr>
+            <p:spPr>
+              <a:xfrm>
+                <a:off x="3949328" y="4404816"/>
+                <a:ext cx="5404536" cy="680368"/>
+              </a:xfrm>
+              <a:prstGeom prst="rect">
+                <a:avLst/>
+              </a:prstGeom>
+              <a:solidFill>
+                <a:schemeClr val="bg1"/>
+              </a:solidFill>
+              <a:ln>
+                <a:noFill/>
+              </a:ln>
+            </p:spPr>
+            <p:style>
+              <a:lnRef idx="2">
+                <a:schemeClr val="accent1">
+                  <a:shade val="50000"/>
+                </a:schemeClr>
+              </a:lnRef>
+              <a:fillRef idx="1">
+                <a:schemeClr val="accent1"/>
+              </a:fillRef>
+              <a:effectRef idx="0">
+                <a:schemeClr val="accent1"/>
+              </a:effectRef>
+              <a:fontRef idx="minor">
+                <a:schemeClr val="lt1"/>
+              </a:fontRef>
+            </p:style>
+            <p:txBody>
+              <a:bodyPr rtlCol="0" anchor="ctr"/>
+              <a:lstStyle/>
+              <a:p>
+                <a:pPr algn="ctr"/>
+                <a:endParaRPr lang="pt-BR" sz="2400" b="1" dirty="0" smtClean="0">
+                  <a:solidFill>
+                    <a:schemeClr val="tx1"/>
+                  </a:solidFill>
+                  <a:latin typeface="Ink Free" pitchFamily="66" charset="0"/>
+                </a:endParaRPr>
+              </a:p>
+              <a:p>
+                <a:pPr algn="ctr"/>
+                <a:r>
+                  <a:rPr lang="pt-BR" sz="2800" b="1" dirty="0" err="1" smtClean="0">
+                    <a:solidFill>
+                      <a:schemeClr val="tx1"/>
+                    </a:solidFill>
+                    <a:latin typeface="Ink Free" pitchFamily="66" charset="0"/>
+                  </a:rPr>
+                  <a:t>Profa</a:t>
+                </a:r>
+                <a:r>
+                  <a:rPr lang="pt-BR" sz="2800" b="1" dirty="0" smtClean="0">
+                    <a:solidFill>
+                      <a:schemeClr val="tx1"/>
+                    </a:solidFill>
+                    <a:latin typeface="Ink Free" pitchFamily="66" charset="0"/>
+                  </a:rPr>
+                  <a:t>. Beatriz Cunha</a:t>
+                </a:r>
+                <a:endParaRPr lang="pt-BR" sz="2800" b="1" dirty="0" smtClean="0">
+                  <a:solidFill>
+                    <a:schemeClr val="tx1"/>
+                  </a:solidFill>
+                  <a:latin typeface="Ink Free" pitchFamily="66" charset="0"/>
+                </a:endParaRPr>
+              </a:p>
+              <a:p>
+                <a:pPr algn="ctr"/>
+                <a:endParaRPr lang="pt-BR" sz="2800" b="1" dirty="0" smtClean="0">
+                  <a:solidFill>
+                    <a:schemeClr val="tx1"/>
+                  </a:solidFill>
+                  <a:latin typeface="Ink Free" pitchFamily="66" charset="0"/>
+                </a:endParaRPr>
+              </a:p>
+            </p:txBody>
+          </p:sp>
+          <p:sp>
+            <p:nvSpPr>
+              <p:cNvPr id="11" name="Retângulo 10"/>
+              <p:cNvSpPr/>
+              <p:nvPr/>
+            </p:nvSpPr>
+            <p:spPr>
+              <a:xfrm>
+                <a:off x="3939168" y="1484784"/>
+                <a:ext cx="5404536" cy="2808312"/>
+              </a:xfrm>
+              <a:prstGeom prst="rect">
+                <a:avLst/>
+              </a:prstGeom>
+              <a:solidFill>
+                <a:schemeClr val="bg1"/>
+              </a:solidFill>
+              <a:ln>
+                <a:noFill/>
+              </a:ln>
+            </p:spPr>
+            <p:style>
+              <a:lnRef idx="2">
+                <a:schemeClr val="accent1">
+                  <a:shade val="50000"/>
+                </a:schemeClr>
+              </a:lnRef>
+              <a:fillRef idx="1">
+                <a:schemeClr val="accent1"/>
+              </a:fillRef>
+              <a:effectRef idx="0">
+                <a:schemeClr val="accent1"/>
+              </a:effectRef>
+              <a:fontRef idx="minor">
+                <a:schemeClr val="lt1"/>
+              </a:fontRef>
+            </p:style>
+            <p:txBody>
+              <a:bodyPr rtlCol="0" anchor="ctr"/>
+              <a:lstStyle/>
+              <a:p>
+                <a:pPr algn="just"/>
+                <a:r>
+                  <a:rPr lang="pt-BR" sz="1700" b="1" dirty="0" smtClean="0">
+                    <a:solidFill>
+                      <a:schemeClr val="tx1"/>
+                    </a:solidFill>
+                    <a:latin typeface="Ink Free" pitchFamily="66" charset="0"/>
+                  </a:rPr>
+                  <a:t>A pandemia da </a:t>
+                </a:r>
+                <a:r>
+                  <a:rPr lang="pt-BR" sz="1700" b="1" dirty="0" err="1" smtClean="0">
+                    <a:solidFill>
+                      <a:schemeClr val="tx1"/>
+                    </a:solidFill>
+                    <a:latin typeface="Ink Free" pitchFamily="66" charset="0"/>
+                  </a:rPr>
+                  <a:t>Covid</a:t>
+                </a:r>
+                <a:r>
+                  <a:rPr lang="pt-BR" sz="1700" b="1" dirty="0" smtClean="0">
+                    <a:solidFill>
+                      <a:schemeClr val="tx1"/>
+                    </a:solidFill>
+                    <a:latin typeface="Ink Free" pitchFamily="66" charset="0"/>
+                  </a:rPr>
+                  <a:t>-19 alterou a rotina de todos. Pessoas foram obrigadas repentinamente a mudar hábitos e rotinas. Mas a orientação de ficar em casa afetou as pessoas de forma diferente: alguns conseguiram manter suas produções, outros nem tanto. Nessa palestra eu pretendo mostrar como eu usei os dados da pandemia para levar conhecimento de estatística para as pessoas das minhas redes sociais e alunos, além de mostrar os projetos que estou desenvolvendo durante o distanciamento social.</a:t>
+                </a:r>
+                <a:endParaRPr lang="pt-BR" sz="1700" b="1" dirty="0" smtClean="0">
+                  <a:solidFill>
+                    <a:schemeClr val="tx1"/>
+                  </a:solidFill>
+                  <a:latin typeface="Ink Free" pitchFamily="66" charset="0"/>
+                </a:endParaRPr>
+              </a:p>
+              <a:p>
+                <a:pPr algn="just"/>
+                <a:endParaRPr lang="pt-BR" sz="1700" b="1" dirty="0" smtClean="0">
                   <a:solidFill>
                     <a:schemeClr val="tx1"/>
                   </a:solidFill>

--- a/libs/uds/flyer.pptx
+++ b/libs/uds/flyer.pptx
@@ -5,7 +5,7 @@
     <p:sldMasterId id="2147483648" r:id="rId1"/>
   </p:sldMasterIdLst>
   <p:notesMasterIdLst>
-    <p:notesMasterId r:id="rId16"/>
+    <p:notesMasterId r:id="rId17"/>
   </p:notesMasterIdLst>
   <p:sldIdLst>
     <p:sldId id="256" r:id="rId2"/>
@@ -22,6 +22,7 @@
     <p:sldId id="268" r:id="rId13"/>
     <p:sldId id="269" r:id="rId14"/>
     <p:sldId id="270" r:id="rId15"/>
+    <p:sldId id="271" r:id="rId16"/>
   </p:sldIdLst>
   <p:sldSz cx="9144000" cy="6858000" type="screen4x3"/>
   <p:notesSz cx="6858000" cy="9144000"/>
@@ -206,7 +207,7 @@
             <a:fld id="{03CA6A64-D8DA-4790-AC21-8D1D39F048E7}" type="datetimeFigureOut">
               <a:rPr lang="pt-BR" smtClean="0"/>
               <a:pPr/>
-              <a:t>15/07/2020</a:t>
+              <a:t>18/07/2020</a:t>
             </a:fld>
             <a:endParaRPr lang="pt-BR"/>
           </a:p>
@@ -718,6 +719,170 @@
 </p:notes>
 </file>
 
+<file path=ppt/notesSlides/notesSlide4.xml><?xml version="1.0" encoding="utf-8"?>
+<p:notes xmlns:a="http://schemas.openxmlformats.org/drawingml/2006/main" xmlns:r="http://schemas.openxmlformats.org/officeDocument/2006/relationships" xmlns:p="http://schemas.openxmlformats.org/presentationml/2006/main">
+  <p:cSld>
+    <p:spTree>
+      <p:nvGrpSpPr>
+        <p:cNvPr id="1" name=""/>
+        <p:cNvGrpSpPr/>
+        <p:nvPr/>
+      </p:nvGrpSpPr>
+      <p:grpSpPr>
+        <a:xfrm>
+          <a:off x="0" y="0"/>
+          <a:ext cx="0" cy="0"/>
+          <a:chOff x="0" y="0"/>
+          <a:chExt cx="0" cy="0"/>
+        </a:xfrm>
+      </p:grpSpPr>
+      <p:sp>
+        <p:nvSpPr>
+          <p:cNvPr id="2" name="Espaço Reservado para Imagem de Slide 1"/>
+          <p:cNvSpPr>
+            <a:spLocks noGrp="1" noRot="1" noChangeAspect="1"/>
+          </p:cNvSpPr>
+          <p:nvPr>
+            <p:ph type="sldImg"/>
+          </p:nvPr>
+        </p:nvSpPr>
+        <p:spPr/>
+      </p:sp>
+      <p:sp>
+        <p:nvSpPr>
+          <p:cNvPr id="3" name="Espaço Reservado para Anotações 2"/>
+          <p:cNvSpPr>
+            <a:spLocks noGrp="1"/>
+          </p:cNvSpPr>
+          <p:nvPr>
+            <p:ph type="body" idx="1"/>
+          </p:nvPr>
+        </p:nvSpPr>
+        <p:spPr/>
+        <p:txBody>
+          <a:bodyPr>
+            <a:normAutofit/>
+          </a:bodyPr>
+          <a:lstStyle/>
+          <a:p>
+            <a:endParaRPr lang="pt-BR" dirty="0"/>
+          </a:p>
+        </p:txBody>
+      </p:sp>
+      <p:sp>
+        <p:nvSpPr>
+          <p:cNvPr id="4" name="Espaço Reservado para Número de Slide 3"/>
+          <p:cNvSpPr>
+            <a:spLocks noGrp="1"/>
+          </p:cNvSpPr>
+          <p:nvPr>
+            <p:ph type="sldNum" sz="quarter" idx="10"/>
+          </p:nvPr>
+        </p:nvSpPr>
+        <p:spPr/>
+        <p:txBody>
+          <a:bodyPr/>
+          <a:lstStyle/>
+          <a:p>
+            <a:fld id="{BD1B4987-2CC4-4667-87C8-8C2E08797078}" type="slidenum">
+              <a:rPr lang="pt-BR" smtClean="0"/>
+              <a:pPr/>
+              <a:t>14</a:t>
+            </a:fld>
+            <a:endParaRPr lang="pt-BR"/>
+          </a:p>
+        </p:txBody>
+      </p:sp>
+    </p:spTree>
+  </p:cSld>
+  <p:clrMapOvr>
+    <a:masterClrMapping/>
+  </p:clrMapOvr>
+</p:notes>
+</file>
+
+<file path=ppt/notesSlides/notesSlide5.xml><?xml version="1.0" encoding="utf-8"?>
+<p:notes xmlns:a="http://schemas.openxmlformats.org/drawingml/2006/main" xmlns:r="http://schemas.openxmlformats.org/officeDocument/2006/relationships" xmlns:p="http://schemas.openxmlformats.org/presentationml/2006/main">
+  <p:cSld>
+    <p:spTree>
+      <p:nvGrpSpPr>
+        <p:cNvPr id="1" name=""/>
+        <p:cNvGrpSpPr/>
+        <p:nvPr/>
+      </p:nvGrpSpPr>
+      <p:grpSpPr>
+        <a:xfrm>
+          <a:off x="0" y="0"/>
+          <a:ext cx="0" cy="0"/>
+          <a:chOff x="0" y="0"/>
+          <a:chExt cx="0" cy="0"/>
+        </a:xfrm>
+      </p:grpSpPr>
+      <p:sp>
+        <p:nvSpPr>
+          <p:cNvPr id="2" name="Espaço Reservado para Imagem de Slide 1"/>
+          <p:cNvSpPr>
+            <a:spLocks noGrp="1" noRot="1" noChangeAspect="1"/>
+          </p:cNvSpPr>
+          <p:nvPr>
+            <p:ph type="sldImg"/>
+          </p:nvPr>
+        </p:nvSpPr>
+        <p:spPr/>
+      </p:sp>
+      <p:sp>
+        <p:nvSpPr>
+          <p:cNvPr id="3" name="Espaço Reservado para Anotações 2"/>
+          <p:cNvSpPr>
+            <a:spLocks noGrp="1"/>
+          </p:cNvSpPr>
+          <p:nvPr>
+            <p:ph type="body" idx="1"/>
+          </p:nvPr>
+        </p:nvSpPr>
+        <p:spPr/>
+        <p:txBody>
+          <a:bodyPr>
+            <a:normAutofit/>
+          </a:bodyPr>
+          <a:lstStyle/>
+          <a:p>
+            <a:endParaRPr lang="pt-BR" dirty="0"/>
+          </a:p>
+        </p:txBody>
+      </p:sp>
+      <p:sp>
+        <p:nvSpPr>
+          <p:cNvPr id="4" name="Espaço Reservado para Número de Slide 3"/>
+          <p:cNvSpPr>
+            <a:spLocks noGrp="1"/>
+          </p:cNvSpPr>
+          <p:nvPr>
+            <p:ph type="sldNum" sz="quarter" idx="10"/>
+          </p:nvPr>
+        </p:nvSpPr>
+        <p:spPr/>
+        <p:txBody>
+          <a:bodyPr/>
+          <a:lstStyle/>
+          <a:p>
+            <a:fld id="{BD1B4987-2CC4-4667-87C8-8C2E08797078}" type="slidenum">
+              <a:rPr lang="pt-BR" smtClean="0"/>
+              <a:pPr/>
+              <a:t>15</a:t>
+            </a:fld>
+            <a:endParaRPr lang="pt-BR"/>
+          </a:p>
+        </p:txBody>
+      </p:sp>
+    </p:spTree>
+  </p:cSld>
+  <p:clrMapOvr>
+    <a:masterClrMapping/>
+  </p:clrMapOvr>
+</p:notes>
+</file>
+
 <file path=ppt/slideLayouts/slideLayout1.xml><?xml version="1.0" encoding="utf-8"?>
 <p:sldLayout xmlns:a="http://schemas.openxmlformats.org/drawingml/2006/main" xmlns:r="http://schemas.openxmlformats.org/officeDocument/2006/relationships" xmlns:p="http://schemas.openxmlformats.org/presentationml/2006/main" type="title" preserve="1">
   <p:cSld name="Slide de título">
@@ -900,7 +1065,7 @@
             <a:fld id="{32EE085F-AAA4-4482-A02A-EDCE077316B0}" type="datetimeFigureOut">
               <a:rPr lang="pt-BR" smtClean="0"/>
               <a:pPr/>
-              <a:t>15/07/2020</a:t>
+              <a:t>18/07/2020</a:t>
             </a:fld>
             <a:endParaRPr lang="pt-BR"/>
           </a:p>
@@ -1067,7 +1232,7 @@
             <a:fld id="{32EE085F-AAA4-4482-A02A-EDCE077316B0}" type="datetimeFigureOut">
               <a:rPr lang="pt-BR" smtClean="0"/>
               <a:pPr/>
-              <a:t>15/07/2020</a:t>
+              <a:t>18/07/2020</a:t>
             </a:fld>
             <a:endParaRPr lang="pt-BR"/>
           </a:p>
@@ -1244,7 +1409,7 @@
             <a:fld id="{32EE085F-AAA4-4482-A02A-EDCE077316B0}" type="datetimeFigureOut">
               <a:rPr lang="pt-BR" smtClean="0"/>
               <a:pPr/>
-              <a:t>15/07/2020</a:t>
+              <a:t>18/07/2020</a:t>
             </a:fld>
             <a:endParaRPr lang="pt-BR"/>
           </a:p>
@@ -1411,7 +1576,7 @@
             <a:fld id="{32EE085F-AAA4-4482-A02A-EDCE077316B0}" type="datetimeFigureOut">
               <a:rPr lang="pt-BR" smtClean="0"/>
               <a:pPr/>
-              <a:t>15/07/2020</a:t>
+              <a:t>18/07/2020</a:t>
             </a:fld>
             <a:endParaRPr lang="pt-BR"/>
           </a:p>
@@ -1654,7 +1819,7 @@
             <a:fld id="{32EE085F-AAA4-4482-A02A-EDCE077316B0}" type="datetimeFigureOut">
               <a:rPr lang="pt-BR" smtClean="0"/>
               <a:pPr/>
-              <a:t>15/07/2020</a:t>
+              <a:t>18/07/2020</a:t>
             </a:fld>
             <a:endParaRPr lang="pt-BR"/>
           </a:p>
@@ -1939,7 +2104,7 @@
             <a:fld id="{32EE085F-AAA4-4482-A02A-EDCE077316B0}" type="datetimeFigureOut">
               <a:rPr lang="pt-BR" smtClean="0"/>
               <a:pPr/>
-              <a:t>15/07/2020</a:t>
+              <a:t>18/07/2020</a:t>
             </a:fld>
             <a:endParaRPr lang="pt-BR"/>
           </a:p>
@@ -2358,7 +2523,7 @@
             <a:fld id="{32EE085F-AAA4-4482-A02A-EDCE077316B0}" type="datetimeFigureOut">
               <a:rPr lang="pt-BR" smtClean="0"/>
               <a:pPr/>
-              <a:t>15/07/2020</a:t>
+              <a:t>18/07/2020</a:t>
             </a:fld>
             <a:endParaRPr lang="pt-BR"/>
           </a:p>
@@ -2473,7 +2638,7 @@
             <a:fld id="{32EE085F-AAA4-4482-A02A-EDCE077316B0}" type="datetimeFigureOut">
               <a:rPr lang="pt-BR" smtClean="0"/>
               <a:pPr/>
-              <a:t>15/07/2020</a:t>
+              <a:t>18/07/2020</a:t>
             </a:fld>
             <a:endParaRPr lang="pt-BR"/>
           </a:p>
@@ -2565,7 +2730,7 @@
             <a:fld id="{32EE085F-AAA4-4482-A02A-EDCE077316B0}" type="datetimeFigureOut">
               <a:rPr lang="pt-BR" smtClean="0"/>
               <a:pPr/>
-              <a:t>15/07/2020</a:t>
+              <a:t>18/07/2020</a:t>
             </a:fld>
             <a:endParaRPr lang="pt-BR"/>
           </a:p>
@@ -2839,7 +3004,7 @@
             <a:fld id="{32EE085F-AAA4-4482-A02A-EDCE077316B0}" type="datetimeFigureOut">
               <a:rPr lang="pt-BR" smtClean="0"/>
               <a:pPr/>
-              <a:t>15/07/2020</a:t>
+              <a:t>18/07/2020</a:t>
             </a:fld>
             <a:endParaRPr lang="pt-BR"/>
           </a:p>
@@ -3089,7 +3254,7 @@
             <a:fld id="{32EE085F-AAA4-4482-A02A-EDCE077316B0}" type="datetimeFigureOut">
               <a:rPr lang="pt-BR" smtClean="0"/>
               <a:pPr/>
-              <a:t>15/07/2020</a:t>
+              <a:t>18/07/2020</a:t>
             </a:fld>
             <a:endParaRPr lang="pt-BR"/>
           </a:p>
@@ -3299,7 +3464,7 @@
             <a:fld id="{32EE085F-AAA4-4482-A02A-EDCE077316B0}" type="datetimeFigureOut">
               <a:rPr lang="pt-BR" smtClean="0"/>
               <a:pPr/>
-              <a:t>15/07/2020</a:t>
+              <a:t>18/07/2020</a:t>
             </a:fld>
             <a:endParaRPr lang="pt-BR"/>
           </a:p>
@@ -5908,7 +6073,7 @@
               <p:nvPr/>
             </p:nvPicPr>
             <p:blipFill>
-              <a:blip r:embed="rId2" cstate="print">
+              <a:blip r:embed="rId3" cstate="print">
                 <a:duotone>
                   <a:prstClr val="black"/>
                   <a:schemeClr val="accent2">
@@ -6034,16 +6199,7 @@
                     </a:solidFill>
                     <a:latin typeface="Ink Free" pitchFamily="66" charset="0"/>
                   </a:rPr>
-                  <a:t>20/07   </a:t>
-                </a:r>
-                <a:r>
-                  <a:rPr lang="pt-BR" sz="3200" b="1" dirty="0" smtClean="0">
-                    <a:solidFill>
-                      <a:schemeClr val="tx1"/>
-                    </a:solidFill>
-                    <a:latin typeface="Ink Free" pitchFamily="66" charset="0"/>
-                  </a:rPr>
-                  <a:t>14 horas</a:t>
+                  <a:t>20/07   14 horas</a:t>
                 </a:r>
                 <a:endParaRPr lang="pt-BR" sz="3200" b="1" dirty="0">
                   <a:solidFill>
@@ -6083,17 +6239,8 @@
                   <a:rPr lang="pt-BR" sz="2400" b="1" dirty="0" smtClean="0">
                     <a:latin typeface="Ink Free" pitchFamily="66" charset="0"/>
                   </a:rPr>
-                  <a:t>Meu </a:t>
+                  <a:t>Meu universo paralelo: Relatos de uma professora em isolamento social</a:t>
                 </a:r>
-                <a:r>
-                  <a:rPr lang="pt-BR" sz="2400" b="1" dirty="0" smtClean="0">
-                    <a:latin typeface="Ink Free" pitchFamily="66" charset="0"/>
-                  </a:rPr>
-                  <a:t>universo paralelo: Relatos de uma professora em isolamento social</a:t>
-                </a:r>
-                <a:endParaRPr lang="pt-BR" sz="2400" b="1" dirty="0" smtClean="0">
-                  <a:latin typeface="Ink Free" pitchFamily="66" charset="0"/>
-                </a:endParaRPr>
               </a:p>
             </p:txBody>
           </p:sp>
@@ -6171,19 +6318,19 @@
                 <a:pPr algn="ctr"/>
                 <a:r>
                   <a:rPr lang="pt-BR" sz="2400" b="1" dirty="0" err="1" smtClean="0">
-                    <a:hlinkClick r:id="rId3"/>
+                    <a:hlinkClick r:id="rId4"/>
                   </a:rPr>
                   <a:t>meet</a:t>
                 </a:r>
                 <a:r>
                   <a:rPr lang="pt-BR" sz="2400" b="1" dirty="0" smtClean="0">
-                    <a:hlinkClick r:id="rId3"/>
+                    <a:hlinkClick r:id="rId4"/>
                   </a:rPr>
                   <a:t>.google.com/</a:t>
                 </a:r>
                 <a:r>
                   <a:rPr lang="pt-BR" sz="2400" b="1" dirty="0" err="1" smtClean="0">
-                    <a:hlinkClick r:id="rId3"/>
+                    <a:hlinkClick r:id="rId4"/>
                   </a:rPr>
                   <a:t>phz-tmge-tqs</a:t>
                 </a:r>
@@ -6264,12 +6411,6 @@
                   </a:rPr>
                   <a:t>. Beatriz Cunha</a:t>
                 </a:r>
-                <a:endParaRPr lang="pt-BR" sz="2800" b="1" dirty="0" smtClean="0">
-                  <a:solidFill>
-                    <a:schemeClr val="tx1"/>
-                  </a:solidFill>
-                  <a:latin typeface="Ink Free" pitchFamily="66" charset="0"/>
-                </a:endParaRPr>
               </a:p>
               <a:p>
                 <a:pPr algn="ctr"/>
@@ -6351,12 +6492,6 @@
                   </a:rPr>
                   <a:t>-19 alterou a rotina de todos. Pessoas foram obrigadas repentinamente a mudar hábitos e rotinas. Mas a orientação de ficar em casa afetou as pessoas de forma diferente: alguns conseguiram manter suas produções, outros nem tanto. Nessa palestra eu pretendo mostrar como eu usei os dados da pandemia para levar conhecimento de estatística para as pessoas das minhas redes sociais e alunos, além de mostrar os projetos que estou desenvolvendo durante o distanciamento social.</a:t>
                 </a:r>
-                <a:endParaRPr lang="pt-BR" sz="1700" b="1" dirty="0" smtClean="0">
-                  <a:solidFill>
-                    <a:schemeClr val="tx1"/>
-                  </a:solidFill>
-                  <a:latin typeface="Ink Free" pitchFamily="66" charset="0"/>
-                </a:endParaRPr>
               </a:p>
               <a:p>
                 <a:pPr algn="just"/>
@@ -6370,6 +6505,113 @@
             </p:txBody>
           </p:sp>
         </p:grpSp>
+        <p:pic>
+          <p:nvPicPr>
+            <p:cNvPr id="2" name="Imagem 1" descr="corpus-banner.png"/>
+            <p:cNvPicPr>
+              <a:picLocks noChangeAspect="1"/>
+            </p:cNvPicPr>
+            <p:nvPr/>
+          </p:nvPicPr>
+          <p:blipFill>
+            <a:blip r:embed="rId5" cstate="print"/>
+            <a:stretch>
+              <a:fillRect/>
+            </a:stretch>
+          </p:blipFill>
+          <p:spPr>
+            <a:xfrm>
+              <a:off x="216024" y="1556792"/>
+              <a:ext cx="3672408" cy="4253755"/>
+            </a:xfrm>
+            <a:prstGeom prst="rect">
+              <a:avLst/>
+            </a:prstGeom>
+          </p:spPr>
+        </p:pic>
+      </p:grpSp>
+    </p:spTree>
+  </p:cSld>
+  <p:clrMapOvr>
+    <a:masterClrMapping/>
+  </p:clrMapOvr>
+  <p:timing>
+    <p:tnLst>
+      <p:par>
+        <p:cTn id="1" dur="indefinite" restart="never" nodeType="tmRoot"/>
+      </p:par>
+    </p:tnLst>
+  </p:timing>
+</p:sld>
+</file>
+
+<file path=ppt/slides/slide15.xml><?xml version="1.0" encoding="utf-8"?>
+<p:sld xmlns:a="http://schemas.openxmlformats.org/drawingml/2006/main" xmlns:r="http://schemas.openxmlformats.org/officeDocument/2006/relationships" xmlns:p="http://schemas.openxmlformats.org/presentationml/2006/main">
+  <p:cSld>
+    <p:spTree>
+      <p:nvGrpSpPr>
+        <p:cNvPr id="1" name=""/>
+        <p:cNvGrpSpPr/>
+        <p:nvPr/>
+      </p:nvGrpSpPr>
+      <p:grpSpPr>
+        <a:xfrm>
+          <a:off x="0" y="0"/>
+          <a:ext cx="0" cy="0"/>
+          <a:chOff x="0" y="0"/>
+          <a:chExt cx="0" cy="0"/>
+        </a:xfrm>
+      </p:grpSpPr>
+      <p:grpSp>
+        <p:nvGrpSpPr>
+          <p:cNvPr id="12" name="Grupo 11"/>
+          <p:cNvGrpSpPr/>
+          <p:nvPr/>
+        </p:nvGrpSpPr>
+        <p:grpSpPr>
+          <a:xfrm>
+            <a:off x="0" y="27384"/>
+            <a:ext cx="9612560" cy="6858000"/>
+            <a:chOff x="0" y="27384"/>
+            <a:chExt cx="9612560" cy="6858000"/>
+          </a:xfrm>
+        </p:grpSpPr>
+        <p:pic>
+          <p:nvPicPr>
+            <p:cNvPr id="15" name="Picture 4" descr="https://pbs.twimg.com/media/DfqjHpNU0AIuufg.jpg"/>
+            <p:cNvPicPr>
+              <a:picLocks noChangeAspect="1" noChangeArrowheads="1"/>
+            </p:cNvPicPr>
+            <p:nvPr/>
+          </p:nvPicPr>
+          <p:blipFill>
+            <a:blip r:embed="rId3" cstate="print">
+              <a:duotone>
+                <a:prstClr val="black"/>
+                <a:schemeClr val="accent2">
+                  <a:lumMod val="40000"/>
+                  <a:lumOff val="60000"/>
+                  <a:tint val="45000"/>
+                  <a:satMod val="400000"/>
+                </a:schemeClr>
+              </a:duotone>
+            </a:blip>
+            <a:srcRect b="9841"/>
+            <a:stretch>
+              <a:fillRect/>
+            </a:stretch>
+          </p:blipFill>
+          <p:spPr bwMode="auto">
+            <a:xfrm>
+              <a:off x="0" y="27384"/>
+              <a:ext cx="9612560" cy="6858000"/>
+            </a:xfrm>
+            <a:prstGeom prst="rect">
+              <a:avLst/>
+            </a:prstGeom>
+            <a:noFill/>
+          </p:spPr>
+        </p:pic>
         <p:pic>
           <p:nvPicPr>
             <p:cNvPr id="2" name="Imagem 1" descr="corpus-banner.png"/>

--- a/libs/uds/flyer.pptx
+++ b/libs/uds/flyer.pptx
@@ -5,7 +5,7 @@
     <p:sldMasterId id="2147483648" r:id="rId1"/>
   </p:sldMasterIdLst>
   <p:notesMasterIdLst>
-    <p:notesMasterId r:id="rId17"/>
+    <p:notesMasterId r:id="rId18"/>
   </p:notesMasterIdLst>
   <p:sldIdLst>
     <p:sldId id="256" r:id="rId2"/>
@@ -23,6 +23,7 @@
     <p:sldId id="269" r:id="rId14"/>
     <p:sldId id="270" r:id="rId15"/>
     <p:sldId id="271" r:id="rId16"/>
+    <p:sldId id="272" r:id="rId17"/>
   </p:sldIdLst>
   <p:sldSz cx="9144000" cy="6858000" type="screen4x3"/>
   <p:notesSz cx="6858000" cy="9144000"/>
@@ -207,7 +208,7 @@
             <a:fld id="{03CA6A64-D8DA-4790-AC21-8D1D39F048E7}" type="datetimeFigureOut">
               <a:rPr lang="pt-BR" smtClean="0"/>
               <a:pPr/>
-              <a:t>18/07/2020</a:t>
+              <a:t>20/07/2020</a:t>
             </a:fld>
             <a:endParaRPr lang="pt-BR"/>
           </a:p>
@@ -883,6 +884,88 @@
 </p:notes>
 </file>
 
+<file path=ppt/notesSlides/notesSlide6.xml><?xml version="1.0" encoding="utf-8"?>
+<p:notes xmlns:a="http://schemas.openxmlformats.org/drawingml/2006/main" xmlns:r="http://schemas.openxmlformats.org/officeDocument/2006/relationships" xmlns:p="http://schemas.openxmlformats.org/presentationml/2006/main">
+  <p:cSld>
+    <p:spTree>
+      <p:nvGrpSpPr>
+        <p:cNvPr id="1" name=""/>
+        <p:cNvGrpSpPr/>
+        <p:nvPr/>
+      </p:nvGrpSpPr>
+      <p:grpSpPr>
+        <a:xfrm>
+          <a:off x="0" y="0"/>
+          <a:ext cx="0" cy="0"/>
+          <a:chOff x="0" y="0"/>
+          <a:chExt cx="0" cy="0"/>
+        </a:xfrm>
+      </p:grpSpPr>
+      <p:sp>
+        <p:nvSpPr>
+          <p:cNvPr id="2" name="Espaço Reservado para Imagem de Slide 1"/>
+          <p:cNvSpPr>
+            <a:spLocks noGrp="1" noRot="1" noChangeAspect="1"/>
+          </p:cNvSpPr>
+          <p:nvPr>
+            <p:ph type="sldImg"/>
+          </p:nvPr>
+        </p:nvSpPr>
+        <p:spPr/>
+      </p:sp>
+      <p:sp>
+        <p:nvSpPr>
+          <p:cNvPr id="3" name="Espaço Reservado para Anotações 2"/>
+          <p:cNvSpPr>
+            <a:spLocks noGrp="1"/>
+          </p:cNvSpPr>
+          <p:nvPr>
+            <p:ph type="body" idx="1"/>
+          </p:nvPr>
+        </p:nvSpPr>
+        <p:spPr/>
+        <p:txBody>
+          <a:bodyPr>
+            <a:normAutofit/>
+          </a:bodyPr>
+          <a:lstStyle/>
+          <a:p>
+            <a:endParaRPr lang="pt-BR" dirty="0"/>
+          </a:p>
+        </p:txBody>
+      </p:sp>
+      <p:sp>
+        <p:nvSpPr>
+          <p:cNvPr id="4" name="Espaço Reservado para Número de Slide 3"/>
+          <p:cNvSpPr>
+            <a:spLocks noGrp="1"/>
+          </p:cNvSpPr>
+          <p:nvPr>
+            <p:ph type="sldNum" sz="quarter" idx="10"/>
+          </p:nvPr>
+        </p:nvSpPr>
+        <p:spPr/>
+        <p:txBody>
+          <a:bodyPr/>
+          <a:lstStyle/>
+          <a:p>
+            <a:fld id="{BD1B4987-2CC4-4667-87C8-8C2E08797078}" type="slidenum">
+              <a:rPr lang="pt-BR" smtClean="0"/>
+              <a:pPr/>
+              <a:t>16</a:t>
+            </a:fld>
+            <a:endParaRPr lang="pt-BR"/>
+          </a:p>
+        </p:txBody>
+      </p:sp>
+    </p:spTree>
+  </p:cSld>
+  <p:clrMapOvr>
+    <a:masterClrMapping/>
+  </p:clrMapOvr>
+</p:notes>
+</file>
+
 <file path=ppt/slideLayouts/slideLayout1.xml><?xml version="1.0" encoding="utf-8"?>
 <p:sldLayout xmlns:a="http://schemas.openxmlformats.org/drawingml/2006/main" xmlns:r="http://schemas.openxmlformats.org/officeDocument/2006/relationships" xmlns:p="http://schemas.openxmlformats.org/presentationml/2006/main" type="title" preserve="1">
   <p:cSld name="Slide de título">
@@ -1065,7 +1148,7 @@
             <a:fld id="{32EE085F-AAA4-4482-A02A-EDCE077316B0}" type="datetimeFigureOut">
               <a:rPr lang="pt-BR" smtClean="0"/>
               <a:pPr/>
-              <a:t>18/07/2020</a:t>
+              <a:t>20/07/2020</a:t>
             </a:fld>
             <a:endParaRPr lang="pt-BR"/>
           </a:p>
@@ -1232,7 +1315,7 @@
             <a:fld id="{32EE085F-AAA4-4482-A02A-EDCE077316B0}" type="datetimeFigureOut">
               <a:rPr lang="pt-BR" smtClean="0"/>
               <a:pPr/>
-              <a:t>18/07/2020</a:t>
+              <a:t>20/07/2020</a:t>
             </a:fld>
             <a:endParaRPr lang="pt-BR"/>
           </a:p>
@@ -1409,7 +1492,7 @@
             <a:fld id="{32EE085F-AAA4-4482-A02A-EDCE077316B0}" type="datetimeFigureOut">
               <a:rPr lang="pt-BR" smtClean="0"/>
               <a:pPr/>
-              <a:t>18/07/2020</a:t>
+              <a:t>20/07/2020</a:t>
             </a:fld>
             <a:endParaRPr lang="pt-BR"/>
           </a:p>
@@ -1576,7 +1659,7 @@
             <a:fld id="{32EE085F-AAA4-4482-A02A-EDCE077316B0}" type="datetimeFigureOut">
               <a:rPr lang="pt-BR" smtClean="0"/>
               <a:pPr/>
-              <a:t>18/07/2020</a:t>
+              <a:t>20/07/2020</a:t>
             </a:fld>
             <a:endParaRPr lang="pt-BR"/>
           </a:p>
@@ -1819,7 +1902,7 @@
             <a:fld id="{32EE085F-AAA4-4482-A02A-EDCE077316B0}" type="datetimeFigureOut">
               <a:rPr lang="pt-BR" smtClean="0"/>
               <a:pPr/>
-              <a:t>18/07/2020</a:t>
+              <a:t>20/07/2020</a:t>
             </a:fld>
             <a:endParaRPr lang="pt-BR"/>
           </a:p>
@@ -2104,7 +2187,7 @@
             <a:fld id="{32EE085F-AAA4-4482-A02A-EDCE077316B0}" type="datetimeFigureOut">
               <a:rPr lang="pt-BR" smtClean="0"/>
               <a:pPr/>
-              <a:t>18/07/2020</a:t>
+              <a:t>20/07/2020</a:t>
             </a:fld>
             <a:endParaRPr lang="pt-BR"/>
           </a:p>
@@ -2523,7 +2606,7 @@
             <a:fld id="{32EE085F-AAA4-4482-A02A-EDCE077316B0}" type="datetimeFigureOut">
               <a:rPr lang="pt-BR" smtClean="0"/>
               <a:pPr/>
-              <a:t>18/07/2020</a:t>
+              <a:t>20/07/2020</a:t>
             </a:fld>
             <a:endParaRPr lang="pt-BR"/>
           </a:p>
@@ -2638,7 +2721,7 @@
             <a:fld id="{32EE085F-AAA4-4482-A02A-EDCE077316B0}" type="datetimeFigureOut">
               <a:rPr lang="pt-BR" smtClean="0"/>
               <a:pPr/>
-              <a:t>18/07/2020</a:t>
+              <a:t>20/07/2020</a:t>
             </a:fld>
             <a:endParaRPr lang="pt-BR"/>
           </a:p>
@@ -2730,7 +2813,7 @@
             <a:fld id="{32EE085F-AAA4-4482-A02A-EDCE077316B0}" type="datetimeFigureOut">
               <a:rPr lang="pt-BR" smtClean="0"/>
               <a:pPr/>
-              <a:t>18/07/2020</a:t>
+              <a:t>20/07/2020</a:t>
             </a:fld>
             <a:endParaRPr lang="pt-BR"/>
           </a:p>
@@ -3004,7 +3087,7 @@
             <a:fld id="{32EE085F-AAA4-4482-A02A-EDCE077316B0}" type="datetimeFigureOut">
               <a:rPr lang="pt-BR" smtClean="0"/>
               <a:pPr/>
-              <a:t>18/07/2020</a:t>
+              <a:t>20/07/2020</a:t>
             </a:fld>
             <a:endParaRPr lang="pt-BR"/>
           </a:p>
@@ -3254,7 +3337,7 @@
             <a:fld id="{32EE085F-AAA4-4482-A02A-EDCE077316B0}" type="datetimeFigureOut">
               <a:rPr lang="pt-BR" smtClean="0"/>
               <a:pPr/>
-              <a:t>18/07/2020</a:t>
+              <a:t>20/07/2020</a:t>
             </a:fld>
             <a:endParaRPr lang="pt-BR"/>
           </a:p>
@@ -3464,7 +3547,7 @@
             <a:fld id="{32EE085F-AAA4-4482-A02A-EDCE077316B0}" type="datetimeFigureOut">
               <a:rPr lang="pt-BR" smtClean="0"/>
               <a:pPr/>
-              <a:t>18/07/2020</a:t>
+              <a:t>20/07/2020</a:t>
             </a:fld>
             <a:endParaRPr lang="pt-BR"/>
           </a:p>
@@ -6622,6 +6705,650 @@
           </p:nvPicPr>
           <p:blipFill>
             <a:blip r:embed="rId4" cstate="print"/>
+            <a:stretch>
+              <a:fillRect/>
+            </a:stretch>
+          </p:blipFill>
+          <p:spPr>
+            <a:xfrm>
+              <a:off x="216024" y="1556792"/>
+              <a:ext cx="3672408" cy="4253755"/>
+            </a:xfrm>
+            <a:prstGeom prst="rect">
+              <a:avLst/>
+            </a:prstGeom>
+          </p:spPr>
+        </p:pic>
+      </p:grpSp>
+    </p:spTree>
+  </p:cSld>
+  <p:clrMapOvr>
+    <a:masterClrMapping/>
+  </p:clrMapOvr>
+  <p:timing>
+    <p:tnLst>
+      <p:par>
+        <p:cTn id="1" dur="indefinite" restart="never" nodeType="tmRoot"/>
+      </p:par>
+    </p:tnLst>
+  </p:timing>
+</p:sld>
+</file>
+
+<file path=ppt/slides/slide16.xml><?xml version="1.0" encoding="utf-8"?>
+<p:sld xmlns:a="http://schemas.openxmlformats.org/drawingml/2006/main" xmlns:r="http://schemas.openxmlformats.org/officeDocument/2006/relationships" xmlns:p="http://schemas.openxmlformats.org/presentationml/2006/main">
+  <p:cSld>
+    <p:spTree>
+      <p:nvGrpSpPr>
+        <p:cNvPr id="1" name=""/>
+        <p:cNvGrpSpPr/>
+        <p:nvPr/>
+      </p:nvGrpSpPr>
+      <p:grpSpPr>
+        <a:xfrm>
+          <a:off x="0" y="0"/>
+          <a:ext cx="0" cy="0"/>
+          <a:chOff x="0" y="0"/>
+          <a:chExt cx="0" cy="0"/>
+        </a:xfrm>
+      </p:grpSpPr>
+      <p:grpSp>
+        <p:nvGrpSpPr>
+          <p:cNvPr id="6" name="Grupo 13"/>
+          <p:cNvGrpSpPr/>
+          <p:nvPr/>
+        </p:nvGrpSpPr>
+        <p:grpSpPr>
+          <a:xfrm>
+            <a:off x="0" y="27384"/>
+            <a:ext cx="9612560" cy="6858000"/>
+            <a:chOff x="0" y="27384"/>
+            <a:chExt cx="9612560" cy="6858000"/>
+          </a:xfrm>
+        </p:grpSpPr>
+        <p:grpSp>
+          <p:nvGrpSpPr>
+            <p:cNvPr id="7" name="Grupo 11"/>
+            <p:cNvGrpSpPr/>
+            <p:nvPr/>
+          </p:nvGrpSpPr>
+          <p:grpSpPr>
+            <a:xfrm>
+              <a:off x="0" y="27384"/>
+              <a:ext cx="9612560" cy="6858000"/>
+              <a:chOff x="0" y="27384"/>
+              <a:chExt cx="9612560" cy="6858000"/>
+            </a:xfrm>
+          </p:grpSpPr>
+          <p:pic>
+            <p:nvPicPr>
+              <p:cNvPr id="15" name="Picture 4" descr="https://pbs.twimg.com/media/DfqjHpNU0AIuufg.jpg"/>
+              <p:cNvPicPr>
+                <a:picLocks noChangeAspect="1" noChangeArrowheads="1"/>
+              </p:cNvPicPr>
+              <p:nvPr/>
+            </p:nvPicPr>
+            <p:blipFill>
+              <a:blip r:embed="rId3" cstate="print">
+                <a:grayscl/>
+              </a:blip>
+              <a:srcRect b="9841"/>
+              <a:stretch>
+                <a:fillRect/>
+              </a:stretch>
+            </p:blipFill>
+            <p:spPr bwMode="auto">
+              <a:xfrm>
+                <a:off x="0" y="27384"/>
+                <a:ext cx="9612560" cy="6858000"/>
+              </a:xfrm>
+              <a:prstGeom prst="rect">
+                <a:avLst/>
+              </a:prstGeom>
+              <a:noFill/>
+            </p:spPr>
+          </p:pic>
+          <p:sp>
+            <p:nvSpPr>
+              <p:cNvPr id="3" name="Retângulo 2"/>
+              <p:cNvSpPr/>
+              <p:nvPr/>
+            </p:nvSpPr>
+            <p:spPr>
+              <a:xfrm>
+                <a:off x="3935039" y="260648"/>
+                <a:ext cx="5410198" cy="1152128"/>
+              </a:xfrm>
+              <a:prstGeom prst="rect">
+                <a:avLst/>
+              </a:prstGeom>
+              <a:solidFill>
+                <a:schemeClr val="bg1"/>
+              </a:solidFill>
+              <a:ln>
+                <a:noFill/>
+              </a:ln>
+            </p:spPr>
+            <p:style>
+              <a:lnRef idx="2">
+                <a:schemeClr val="accent1">
+                  <a:shade val="50000"/>
+                </a:schemeClr>
+              </a:lnRef>
+              <a:fillRef idx="1">
+                <a:schemeClr val="accent1"/>
+              </a:fillRef>
+              <a:effectRef idx="0">
+                <a:schemeClr val="accent1"/>
+              </a:effectRef>
+              <a:fontRef idx="minor">
+                <a:schemeClr val="lt1"/>
+              </a:fontRef>
+            </p:style>
+            <p:txBody>
+              <a:bodyPr rtlCol="0" anchor="ctr"/>
+              <a:lstStyle/>
+              <a:p>
+                <a:pPr algn="ctr"/>
+                <a:endParaRPr lang="pt-BR" b="1" dirty="0">
+                  <a:solidFill>
+                    <a:schemeClr val="tx1"/>
+                  </a:solidFill>
+                </a:endParaRPr>
+              </a:p>
+            </p:txBody>
+          </p:sp>
+          <p:sp>
+            <p:nvSpPr>
+              <p:cNvPr id="4" name="Retângulo 3"/>
+              <p:cNvSpPr/>
+              <p:nvPr/>
+            </p:nvSpPr>
+            <p:spPr>
+              <a:xfrm>
+                <a:off x="3952152" y="5198070"/>
+                <a:ext cx="5398166" cy="679202"/>
+              </a:xfrm>
+              <a:prstGeom prst="rect">
+                <a:avLst/>
+              </a:prstGeom>
+              <a:solidFill>
+                <a:schemeClr val="bg1"/>
+              </a:solidFill>
+              <a:ln>
+                <a:noFill/>
+              </a:ln>
+            </p:spPr>
+            <p:style>
+              <a:lnRef idx="2">
+                <a:schemeClr val="accent1">
+                  <a:shade val="50000"/>
+                </a:schemeClr>
+              </a:lnRef>
+              <a:fillRef idx="1">
+                <a:schemeClr val="accent1"/>
+              </a:fillRef>
+              <a:effectRef idx="0">
+                <a:schemeClr val="accent1"/>
+              </a:effectRef>
+              <a:fontRef idx="minor">
+                <a:schemeClr val="lt1"/>
+              </a:fontRef>
+            </p:style>
+            <p:txBody>
+              <a:bodyPr rtlCol="0" anchor="ctr"/>
+              <a:lstStyle/>
+              <a:p>
+                <a:pPr algn="ctr"/>
+                <a:r>
+                  <a:rPr lang="pt-BR" sz="3200" b="1" dirty="0" smtClean="0">
+                    <a:solidFill>
+                      <a:schemeClr val="tx1"/>
+                    </a:solidFill>
+                    <a:latin typeface="Ink Free" pitchFamily="66" charset="0"/>
+                  </a:rPr>
+                  <a:t>27/07   </a:t>
+                </a:r>
+                <a:r>
+                  <a:rPr lang="pt-BR" sz="3200" b="1" dirty="0" smtClean="0">
+                    <a:solidFill>
+                      <a:schemeClr val="tx1"/>
+                    </a:solidFill>
+                    <a:latin typeface="Ink Free" pitchFamily="66" charset="0"/>
+                  </a:rPr>
+                  <a:t>14 horas</a:t>
+                </a:r>
+                <a:endParaRPr lang="pt-BR" sz="3200" b="1" dirty="0">
+                  <a:solidFill>
+                    <a:schemeClr val="tx1"/>
+                  </a:solidFill>
+                  <a:latin typeface="Ink Free" pitchFamily="66" charset="0"/>
+                </a:endParaRPr>
+              </a:p>
+            </p:txBody>
+          </p:sp>
+          <p:sp>
+            <p:nvSpPr>
+              <p:cNvPr id="5" name="CaixaDeTexto 4"/>
+              <p:cNvSpPr txBox="1"/>
+              <p:nvPr/>
+            </p:nvSpPr>
+            <p:spPr>
+              <a:xfrm>
+                <a:off x="4042046" y="621849"/>
+                <a:ext cx="5076056" cy="430887"/>
+              </a:xfrm>
+              <a:prstGeom prst="rect">
+                <a:avLst/>
+              </a:prstGeom>
+              <a:noFill/>
+              <a:ln>
+                <a:noFill/>
+              </a:ln>
+            </p:spPr>
+            <p:txBody>
+              <a:bodyPr wrap="square" rtlCol="0">
+                <a:spAutoFit/>
+              </a:bodyPr>
+              <a:lstStyle/>
+              <a:p>
+                <a:r>
+                  <a:rPr lang="en-US" sz="2200" b="1" dirty="0" err="1" smtClean="0">
+                    <a:latin typeface="Ink Free" pitchFamily="66" charset="0"/>
+                  </a:rPr>
+                  <a:t>Rython</a:t>
+                </a:r>
+                <a:r>
+                  <a:rPr lang="en-US" sz="2200" b="1" dirty="0" smtClean="0">
+                    <a:latin typeface="Ink Free" pitchFamily="66" charset="0"/>
+                  </a:rPr>
+                  <a:t> </a:t>
+                </a:r>
+                <a:r>
+                  <a:rPr lang="en-US" sz="2200" b="1" dirty="0" smtClean="0">
+                    <a:latin typeface="Ink Free" pitchFamily="66" charset="0"/>
+                  </a:rPr>
+                  <a:t>(R + Python): Tidy Little Things</a:t>
+                </a:r>
+              </a:p>
+            </p:txBody>
+          </p:sp>
+          <p:sp>
+            <p:nvSpPr>
+              <p:cNvPr id="8" name="Retângulo 7"/>
+              <p:cNvSpPr/>
+              <p:nvPr/>
+            </p:nvSpPr>
+            <p:spPr>
+              <a:xfrm>
+                <a:off x="3964911" y="5991615"/>
+                <a:ext cx="5405727" cy="821761"/>
+              </a:xfrm>
+              <a:prstGeom prst="rect">
+                <a:avLst/>
+              </a:prstGeom>
+              <a:solidFill>
+                <a:schemeClr val="bg1"/>
+              </a:solidFill>
+              <a:ln>
+                <a:noFill/>
+              </a:ln>
+            </p:spPr>
+            <p:style>
+              <a:lnRef idx="2">
+                <a:schemeClr val="accent1">
+                  <a:shade val="50000"/>
+                </a:schemeClr>
+              </a:lnRef>
+              <a:fillRef idx="1">
+                <a:schemeClr val="accent1"/>
+              </a:fillRef>
+              <a:effectRef idx="0">
+                <a:schemeClr val="accent1"/>
+              </a:effectRef>
+              <a:fontRef idx="minor">
+                <a:schemeClr val="lt1"/>
+              </a:fontRef>
+            </p:style>
+            <p:txBody>
+              <a:bodyPr rtlCol="0" anchor="ctr"/>
+              <a:lstStyle/>
+              <a:p>
+                <a:pPr algn="ctr"/>
+                <a:r>
+                  <a:rPr lang="pt-BR" sz="2400" dirty="0" smtClean="0">
+                    <a:solidFill>
+                      <a:schemeClr val="tx1"/>
+                    </a:solidFill>
+                    <a:latin typeface="Forte" pitchFamily="66" charset="0"/>
+                  </a:rPr>
+                  <a:t>Link </a:t>
+                </a:r>
+                <a:r>
+                  <a:rPr lang="pt-BR" sz="2400" dirty="0">
+                    <a:solidFill>
+                      <a:schemeClr val="tx1"/>
+                    </a:solidFill>
+                    <a:latin typeface="Forte" pitchFamily="66" charset="0"/>
+                  </a:rPr>
+                  <a:t>para o </a:t>
+                </a:r>
+                <a:r>
+                  <a:rPr lang="pt-BR" sz="2400" dirty="0" smtClean="0">
+                    <a:solidFill>
+                      <a:schemeClr val="tx1"/>
+                    </a:solidFill>
+                    <a:latin typeface="Forte" pitchFamily="66" charset="0"/>
+                  </a:rPr>
+                  <a:t>evento</a:t>
+                </a:r>
+              </a:p>
+              <a:p>
+                <a:pPr algn="ctr"/>
+                <a:r>
+                  <a:rPr lang="pt-BR" sz="2400" b="1" dirty="0" err="1" smtClean="0">
+                    <a:hlinkClick r:id="rId4"/>
+                  </a:rPr>
+                  <a:t>meet</a:t>
+                </a:r>
+                <a:r>
+                  <a:rPr lang="pt-BR" sz="2400" b="1" dirty="0" smtClean="0">
+                    <a:hlinkClick r:id="rId4"/>
+                  </a:rPr>
+                  <a:t>.google.com/</a:t>
+                </a:r>
+                <a:r>
+                  <a:rPr lang="pt-BR" sz="2400" b="1" dirty="0" err="1" smtClean="0">
+                    <a:hlinkClick r:id="rId4"/>
+                  </a:rPr>
+                  <a:t>aeu-aahe-kws</a:t>
+                </a:r>
+                <a:endParaRPr lang="pt-BR" sz="2400" b="1" dirty="0" smtClean="0">
+                  <a:solidFill>
+                    <a:srgbClr val="002060"/>
+                  </a:solidFill>
+                </a:endParaRPr>
+              </a:p>
+            </p:txBody>
+          </p:sp>
+          <p:sp>
+            <p:nvSpPr>
+              <p:cNvPr id="13" name="Retângulo 12"/>
+              <p:cNvSpPr/>
+              <p:nvPr/>
+            </p:nvSpPr>
+            <p:spPr>
+              <a:xfrm>
+                <a:off x="3949328" y="4404816"/>
+                <a:ext cx="5404536" cy="680368"/>
+              </a:xfrm>
+              <a:prstGeom prst="rect">
+                <a:avLst/>
+              </a:prstGeom>
+              <a:solidFill>
+                <a:schemeClr val="bg1"/>
+              </a:solidFill>
+              <a:ln>
+                <a:noFill/>
+              </a:ln>
+            </p:spPr>
+            <p:style>
+              <a:lnRef idx="2">
+                <a:schemeClr val="accent1">
+                  <a:shade val="50000"/>
+                </a:schemeClr>
+              </a:lnRef>
+              <a:fillRef idx="1">
+                <a:schemeClr val="accent1"/>
+              </a:fillRef>
+              <a:effectRef idx="0">
+                <a:schemeClr val="accent1"/>
+              </a:effectRef>
+              <a:fontRef idx="minor">
+                <a:schemeClr val="lt1"/>
+              </a:fontRef>
+            </p:style>
+            <p:txBody>
+              <a:bodyPr rtlCol="0" anchor="ctr"/>
+              <a:lstStyle/>
+              <a:p>
+                <a:pPr algn="ctr"/>
+                <a:endParaRPr lang="pt-BR" sz="2400" b="1" dirty="0" smtClean="0">
+                  <a:solidFill>
+                    <a:schemeClr val="tx1"/>
+                  </a:solidFill>
+                  <a:latin typeface="Ink Free" pitchFamily="66" charset="0"/>
+                </a:endParaRPr>
+              </a:p>
+              <a:p>
+                <a:pPr algn="ctr"/>
+                <a:r>
+                  <a:rPr lang="pt-BR" sz="2800" b="1" dirty="0" err="1" smtClean="0">
+                    <a:solidFill>
+                      <a:schemeClr val="tx1"/>
+                    </a:solidFill>
+                    <a:latin typeface="Ink Free" pitchFamily="66" charset="0"/>
+                  </a:rPr>
+                  <a:t>Profa</a:t>
+                </a:r>
+                <a:r>
+                  <a:rPr lang="pt-BR" sz="2800" b="1" dirty="0" smtClean="0">
+                    <a:solidFill>
+                      <a:schemeClr val="tx1"/>
+                    </a:solidFill>
+                    <a:latin typeface="Ink Free" pitchFamily="66" charset="0"/>
+                  </a:rPr>
+                  <a:t>. Beatriz Cunha</a:t>
+                </a:r>
+              </a:p>
+              <a:p>
+                <a:pPr algn="ctr"/>
+                <a:endParaRPr lang="pt-BR" sz="2800" b="1" dirty="0" smtClean="0">
+                  <a:solidFill>
+                    <a:schemeClr val="tx1"/>
+                  </a:solidFill>
+                  <a:latin typeface="Ink Free" pitchFamily="66" charset="0"/>
+                </a:endParaRPr>
+              </a:p>
+            </p:txBody>
+          </p:sp>
+          <p:sp>
+            <p:nvSpPr>
+              <p:cNvPr id="11" name="Retângulo 10"/>
+              <p:cNvSpPr/>
+              <p:nvPr/>
+            </p:nvSpPr>
+            <p:spPr>
+              <a:xfrm>
+                <a:off x="3939168" y="1484784"/>
+                <a:ext cx="5404536" cy="3528392"/>
+              </a:xfrm>
+              <a:prstGeom prst="rect">
+                <a:avLst/>
+              </a:prstGeom>
+              <a:solidFill>
+                <a:schemeClr val="bg1"/>
+              </a:solidFill>
+              <a:ln>
+                <a:noFill/>
+              </a:ln>
+            </p:spPr>
+            <p:style>
+              <a:lnRef idx="2">
+                <a:schemeClr val="accent1">
+                  <a:shade val="50000"/>
+                </a:schemeClr>
+              </a:lnRef>
+              <a:fillRef idx="1">
+                <a:schemeClr val="accent1"/>
+              </a:fillRef>
+              <a:effectRef idx="0">
+                <a:schemeClr val="accent1"/>
+              </a:effectRef>
+              <a:fontRef idx="minor">
+                <a:schemeClr val="lt1"/>
+              </a:fontRef>
+            </p:style>
+            <p:txBody>
+              <a:bodyPr rtlCol="0" anchor="ctr"/>
+              <a:lstStyle/>
+              <a:p>
+                <a:r>
+                  <a:rPr lang="pt-BR" sz="1700" b="1" dirty="0" smtClean="0">
+                    <a:solidFill>
+                      <a:schemeClr val="tx1"/>
+                    </a:solidFill>
+                    <a:latin typeface="Ink Free" pitchFamily="66" charset="0"/>
+                  </a:rPr>
+                  <a:t>Chegou </a:t>
+                </a:r>
+                <a:r>
+                  <a:rPr lang="pt-BR" sz="1700" b="1" dirty="0" smtClean="0">
+                    <a:solidFill>
+                      <a:schemeClr val="tx1"/>
+                    </a:solidFill>
+                    <a:latin typeface="Ink Free" pitchFamily="66" charset="0"/>
+                  </a:rPr>
+                  <a:t>aquele momento assustador. </a:t>
+                </a:r>
+                <a:r>
+                  <a:rPr lang="pt-BR" sz="1700" b="1" dirty="0" smtClean="0">
+                    <a:solidFill>
+                      <a:schemeClr val="tx1"/>
+                    </a:solidFill>
+                    <a:latin typeface="Ink Free" pitchFamily="66" charset="0"/>
+                  </a:rPr>
+                  <a:t>Falar alguma coisa interessante por 40 minutos para os meus colegas da Universidade sem nunca ter dado uma aula virtual na vida. E ainda me deparo com outro novo desafio: Em uma plataforma virtual, como mapear a dúvida de um aluno sobre histograma ou p-valor? </a:t>
+                </a:r>
+                <a:r>
+                  <a:rPr lang="pt-BR" sz="1700" b="1" dirty="0" smtClean="0">
+                    <a:solidFill>
+                      <a:schemeClr val="tx1"/>
+                    </a:solidFill>
+                    <a:latin typeface="Ink Free" pitchFamily="66" charset="0"/>
+                  </a:rPr>
+                  <a:t>Assim, sem prévias respostas, me lanço ao risco</a:t>
+                </a:r>
+                <a:r>
+                  <a:rPr lang="pt-BR" sz="1700" b="1" dirty="0" smtClean="0">
+                    <a:solidFill>
+                      <a:schemeClr val="tx1"/>
+                    </a:solidFill>
+                    <a:latin typeface="Ink Free" pitchFamily="66" charset="0"/>
+                  </a:rPr>
+                  <a:t>.</a:t>
+                </a:r>
+              </a:p>
+              <a:p>
+                <a:endParaRPr lang="pt-BR" sz="800" b="1" dirty="0" smtClean="0">
+                  <a:solidFill>
+                    <a:schemeClr val="tx1"/>
+                  </a:solidFill>
+                  <a:latin typeface="Ink Free" pitchFamily="66" charset="0"/>
+                </a:endParaRPr>
+              </a:p>
+              <a:p>
+                <a:r>
+                  <a:rPr lang="pt-BR" sz="1700" b="1" dirty="0" smtClean="0">
+                    <a:solidFill>
+                      <a:schemeClr val="tx1"/>
+                    </a:solidFill>
+                    <a:latin typeface="Ink Free" pitchFamily="66" charset="0"/>
+                  </a:rPr>
+                  <a:t>Independente </a:t>
+                </a:r>
+                <a:r>
+                  <a:rPr lang="pt-BR" sz="1700" b="1" dirty="0" smtClean="0">
+                    <a:solidFill>
+                      <a:schemeClr val="tx1"/>
+                    </a:solidFill>
+                    <a:latin typeface="Ink Free" pitchFamily="66" charset="0"/>
+                  </a:rPr>
+                  <a:t>disso, com a suspensão do calendário de aulas da UNIRIO, busco dedicar o meu tempo às atividades de pesquisa, extensão e preparação de aulas digitais. </a:t>
+                </a:r>
+                <a:r>
+                  <a:rPr lang="pt-BR" sz="1700" b="1" dirty="0" smtClean="0">
+                    <a:solidFill>
+                      <a:schemeClr val="tx1"/>
+                    </a:solidFill>
+                    <a:latin typeface="Ink Free" pitchFamily="66" charset="0"/>
+                  </a:rPr>
+                  <a:t>Todas essas iniciativas foram desenvolvidas com o </a:t>
+                </a:r>
+                <a:r>
+                  <a:rPr lang="pt-BR" sz="1700" b="1" dirty="0" err="1" smtClean="0">
+                    <a:solidFill>
+                      <a:schemeClr val="tx1"/>
+                    </a:solidFill>
+                    <a:latin typeface="Ink Free" pitchFamily="66" charset="0"/>
+                  </a:rPr>
+                  <a:t>Rython</a:t>
+                </a:r>
+                <a:r>
+                  <a:rPr lang="pt-BR" sz="1700" b="1" dirty="0" smtClean="0">
+                    <a:solidFill>
+                      <a:schemeClr val="tx1"/>
+                    </a:solidFill>
+                    <a:latin typeface="Ink Free" pitchFamily="66" charset="0"/>
+                  </a:rPr>
+                  <a:t> (R + </a:t>
+                </a:r>
+                <a:r>
+                  <a:rPr lang="pt-BR" sz="1700" b="1" dirty="0" err="1" smtClean="0">
+                    <a:solidFill>
+                      <a:schemeClr val="tx1"/>
+                    </a:solidFill>
+                    <a:latin typeface="Ink Free" pitchFamily="66" charset="0"/>
+                  </a:rPr>
+                  <a:t>Python</a:t>
+                </a:r>
+                <a:r>
+                  <a:rPr lang="pt-BR" sz="1700" b="1" dirty="0" smtClean="0">
+                    <a:solidFill>
+                      <a:schemeClr val="tx1"/>
+                    </a:solidFill>
+                    <a:latin typeface="Ink Free" pitchFamily="66" charset="0"/>
+                  </a:rPr>
+                  <a:t>). </a:t>
+                </a:r>
+                <a:r>
+                  <a:rPr lang="pt-BR" sz="1700" b="1" dirty="0" smtClean="0">
+                    <a:solidFill>
+                      <a:schemeClr val="tx1"/>
+                    </a:solidFill>
+                    <a:latin typeface="Ink Free" pitchFamily="66" charset="0"/>
+                  </a:rPr>
+                  <a:t>Essa é uma grande oportunidade para mostrar um pouco desse trabalho</a:t>
+                </a:r>
+                <a:r>
+                  <a:rPr lang="pt-BR" sz="1700" b="1" dirty="0" smtClean="0">
+                    <a:solidFill>
+                      <a:schemeClr val="tx1"/>
+                    </a:solidFill>
+                    <a:latin typeface="Ink Free" pitchFamily="66" charset="0"/>
+                  </a:rPr>
+                  <a:t>.</a:t>
+                </a:r>
+                <a:endParaRPr lang="pt-BR" sz="1700" b="1" dirty="0" smtClean="0">
+                  <a:solidFill>
+                    <a:schemeClr val="tx1"/>
+                  </a:solidFill>
+                  <a:latin typeface="Ink Free" pitchFamily="66" charset="0"/>
+                </a:endParaRPr>
+              </a:p>
+            </p:txBody>
+          </p:sp>
+        </p:grpSp>
+        <p:pic>
+          <p:nvPicPr>
+            <p:cNvPr id="2" name="Imagem 1" descr="corpus-banner.png"/>
+            <p:cNvPicPr>
+              <a:picLocks noChangeAspect="1"/>
+            </p:cNvPicPr>
+            <p:nvPr/>
+          </p:nvPicPr>
+          <p:blipFill>
+            <a:blip r:embed="rId5" cstate="print"/>
             <a:stretch>
               <a:fillRect/>
             </a:stretch>

--- a/libs/uds/flyer.pptx
+++ b/libs/uds/flyer.pptx
@@ -5,7 +5,7 @@
     <p:sldMasterId id="2147483648" r:id="rId1"/>
   </p:sldMasterIdLst>
   <p:notesMasterIdLst>
-    <p:notesMasterId r:id="rId18"/>
+    <p:notesMasterId r:id="rId19"/>
   </p:notesMasterIdLst>
   <p:sldIdLst>
     <p:sldId id="256" r:id="rId2"/>
@@ -24,6 +24,7 @@
     <p:sldId id="270" r:id="rId15"/>
     <p:sldId id="271" r:id="rId16"/>
     <p:sldId id="272" r:id="rId17"/>
+    <p:sldId id="273" r:id="rId18"/>
   </p:sldIdLst>
   <p:sldSz cx="9144000" cy="6858000" type="screen4x3"/>
   <p:notesSz cx="6858000" cy="9144000"/>
@@ -208,7 +209,7 @@
             <a:fld id="{03CA6A64-D8DA-4790-AC21-8D1D39F048E7}" type="datetimeFigureOut">
               <a:rPr lang="pt-BR" smtClean="0"/>
               <a:pPr/>
-              <a:t>20/07/2020</a:t>
+              <a:t>29/07/2020</a:t>
             </a:fld>
             <a:endParaRPr lang="pt-BR"/>
           </a:p>
@@ -966,6 +967,88 @@
 </p:notes>
 </file>
 
+<file path=ppt/notesSlides/notesSlide7.xml><?xml version="1.0" encoding="utf-8"?>
+<p:notes xmlns:a="http://schemas.openxmlformats.org/drawingml/2006/main" xmlns:r="http://schemas.openxmlformats.org/officeDocument/2006/relationships" xmlns:p="http://schemas.openxmlformats.org/presentationml/2006/main">
+  <p:cSld>
+    <p:spTree>
+      <p:nvGrpSpPr>
+        <p:cNvPr id="1" name=""/>
+        <p:cNvGrpSpPr/>
+        <p:nvPr/>
+      </p:nvGrpSpPr>
+      <p:grpSpPr>
+        <a:xfrm>
+          <a:off x="0" y="0"/>
+          <a:ext cx="0" cy="0"/>
+          <a:chOff x="0" y="0"/>
+          <a:chExt cx="0" cy="0"/>
+        </a:xfrm>
+      </p:grpSpPr>
+      <p:sp>
+        <p:nvSpPr>
+          <p:cNvPr id="2" name="Espaço Reservado para Imagem de Slide 1"/>
+          <p:cNvSpPr>
+            <a:spLocks noGrp="1" noRot="1" noChangeAspect="1"/>
+          </p:cNvSpPr>
+          <p:nvPr>
+            <p:ph type="sldImg"/>
+          </p:nvPr>
+        </p:nvSpPr>
+        <p:spPr/>
+      </p:sp>
+      <p:sp>
+        <p:nvSpPr>
+          <p:cNvPr id="3" name="Espaço Reservado para Anotações 2"/>
+          <p:cNvSpPr>
+            <a:spLocks noGrp="1"/>
+          </p:cNvSpPr>
+          <p:nvPr>
+            <p:ph type="body" idx="1"/>
+          </p:nvPr>
+        </p:nvSpPr>
+        <p:spPr/>
+        <p:txBody>
+          <a:bodyPr>
+            <a:normAutofit/>
+          </a:bodyPr>
+          <a:lstStyle/>
+          <a:p>
+            <a:endParaRPr lang="pt-BR" dirty="0"/>
+          </a:p>
+        </p:txBody>
+      </p:sp>
+      <p:sp>
+        <p:nvSpPr>
+          <p:cNvPr id="4" name="Espaço Reservado para Número de Slide 3"/>
+          <p:cNvSpPr>
+            <a:spLocks noGrp="1"/>
+          </p:cNvSpPr>
+          <p:nvPr>
+            <p:ph type="sldNum" sz="quarter" idx="10"/>
+          </p:nvPr>
+        </p:nvSpPr>
+        <p:spPr/>
+        <p:txBody>
+          <a:bodyPr/>
+          <a:lstStyle/>
+          <a:p>
+            <a:fld id="{BD1B4987-2CC4-4667-87C8-8C2E08797078}" type="slidenum">
+              <a:rPr lang="pt-BR" smtClean="0"/>
+              <a:pPr/>
+              <a:t>17</a:t>
+            </a:fld>
+            <a:endParaRPr lang="pt-BR"/>
+          </a:p>
+        </p:txBody>
+      </p:sp>
+    </p:spTree>
+  </p:cSld>
+  <p:clrMapOvr>
+    <a:masterClrMapping/>
+  </p:clrMapOvr>
+</p:notes>
+</file>
+
 <file path=ppt/slideLayouts/slideLayout1.xml><?xml version="1.0" encoding="utf-8"?>
 <p:sldLayout xmlns:a="http://schemas.openxmlformats.org/drawingml/2006/main" xmlns:r="http://schemas.openxmlformats.org/officeDocument/2006/relationships" xmlns:p="http://schemas.openxmlformats.org/presentationml/2006/main" type="title" preserve="1">
   <p:cSld name="Slide de título">
@@ -1148,7 +1231,7 @@
             <a:fld id="{32EE085F-AAA4-4482-A02A-EDCE077316B0}" type="datetimeFigureOut">
               <a:rPr lang="pt-BR" smtClean="0"/>
               <a:pPr/>
-              <a:t>20/07/2020</a:t>
+              <a:t>29/07/2020</a:t>
             </a:fld>
             <a:endParaRPr lang="pt-BR"/>
           </a:p>
@@ -1315,7 +1398,7 @@
             <a:fld id="{32EE085F-AAA4-4482-A02A-EDCE077316B0}" type="datetimeFigureOut">
               <a:rPr lang="pt-BR" smtClean="0"/>
               <a:pPr/>
-              <a:t>20/07/2020</a:t>
+              <a:t>29/07/2020</a:t>
             </a:fld>
             <a:endParaRPr lang="pt-BR"/>
           </a:p>
@@ -1492,7 +1575,7 @@
             <a:fld id="{32EE085F-AAA4-4482-A02A-EDCE077316B0}" type="datetimeFigureOut">
               <a:rPr lang="pt-BR" smtClean="0"/>
               <a:pPr/>
-              <a:t>20/07/2020</a:t>
+              <a:t>29/07/2020</a:t>
             </a:fld>
             <a:endParaRPr lang="pt-BR"/>
           </a:p>
@@ -1659,7 +1742,7 @@
             <a:fld id="{32EE085F-AAA4-4482-A02A-EDCE077316B0}" type="datetimeFigureOut">
               <a:rPr lang="pt-BR" smtClean="0"/>
               <a:pPr/>
-              <a:t>20/07/2020</a:t>
+              <a:t>29/07/2020</a:t>
             </a:fld>
             <a:endParaRPr lang="pt-BR"/>
           </a:p>
@@ -1902,7 +1985,7 @@
             <a:fld id="{32EE085F-AAA4-4482-A02A-EDCE077316B0}" type="datetimeFigureOut">
               <a:rPr lang="pt-BR" smtClean="0"/>
               <a:pPr/>
-              <a:t>20/07/2020</a:t>
+              <a:t>29/07/2020</a:t>
             </a:fld>
             <a:endParaRPr lang="pt-BR"/>
           </a:p>
@@ -2187,7 +2270,7 @@
             <a:fld id="{32EE085F-AAA4-4482-A02A-EDCE077316B0}" type="datetimeFigureOut">
               <a:rPr lang="pt-BR" smtClean="0"/>
               <a:pPr/>
-              <a:t>20/07/2020</a:t>
+              <a:t>29/07/2020</a:t>
             </a:fld>
             <a:endParaRPr lang="pt-BR"/>
           </a:p>
@@ -2606,7 +2689,7 @@
             <a:fld id="{32EE085F-AAA4-4482-A02A-EDCE077316B0}" type="datetimeFigureOut">
               <a:rPr lang="pt-BR" smtClean="0"/>
               <a:pPr/>
-              <a:t>20/07/2020</a:t>
+              <a:t>29/07/2020</a:t>
             </a:fld>
             <a:endParaRPr lang="pt-BR"/>
           </a:p>
@@ -2721,7 +2804,7 @@
             <a:fld id="{32EE085F-AAA4-4482-A02A-EDCE077316B0}" type="datetimeFigureOut">
               <a:rPr lang="pt-BR" smtClean="0"/>
               <a:pPr/>
-              <a:t>20/07/2020</a:t>
+              <a:t>29/07/2020</a:t>
             </a:fld>
             <a:endParaRPr lang="pt-BR"/>
           </a:p>
@@ -2813,7 +2896,7 @@
             <a:fld id="{32EE085F-AAA4-4482-A02A-EDCE077316B0}" type="datetimeFigureOut">
               <a:rPr lang="pt-BR" smtClean="0"/>
               <a:pPr/>
-              <a:t>20/07/2020</a:t>
+              <a:t>29/07/2020</a:t>
             </a:fld>
             <a:endParaRPr lang="pt-BR"/>
           </a:p>
@@ -3087,7 +3170,7 @@
             <a:fld id="{32EE085F-AAA4-4482-A02A-EDCE077316B0}" type="datetimeFigureOut">
               <a:rPr lang="pt-BR" smtClean="0"/>
               <a:pPr/>
-              <a:t>20/07/2020</a:t>
+              <a:t>29/07/2020</a:t>
             </a:fld>
             <a:endParaRPr lang="pt-BR"/>
           </a:p>
@@ -3337,7 +3420,7 @@
             <a:fld id="{32EE085F-AAA4-4482-A02A-EDCE077316B0}" type="datetimeFigureOut">
               <a:rPr lang="pt-BR" smtClean="0"/>
               <a:pPr/>
-              <a:t>20/07/2020</a:t>
+              <a:t>29/07/2020</a:t>
             </a:fld>
             <a:endParaRPr lang="pt-BR"/>
           </a:p>
@@ -3547,7 +3630,7 @@
             <a:fld id="{32EE085F-AAA4-4482-A02A-EDCE077316B0}" type="datetimeFigureOut">
               <a:rPr lang="pt-BR" smtClean="0"/>
               <a:pPr/>
-              <a:t>20/07/2020</a:t>
+              <a:t>29/07/2020</a:t>
             </a:fld>
             <a:endParaRPr lang="pt-BR"/>
           </a:p>
@@ -6907,16 +6990,7 @@
                     </a:solidFill>
                     <a:latin typeface="Ink Free" pitchFamily="66" charset="0"/>
                   </a:rPr>
-                  <a:t>27/07   </a:t>
-                </a:r>
-                <a:r>
-                  <a:rPr lang="pt-BR" sz="3200" b="1" dirty="0" smtClean="0">
-                    <a:solidFill>
-                      <a:schemeClr val="tx1"/>
-                    </a:solidFill>
-                    <a:latin typeface="Ink Free" pitchFamily="66" charset="0"/>
-                  </a:rPr>
-                  <a:t>14 horas</a:t>
+                  <a:t>27/07   14 horas</a:t>
                 </a:r>
                 <a:endParaRPr lang="pt-BR" sz="3200" b="1" dirty="0">
                   <a:solidFill>
@@ -6962,13 +7036,7 @@
                   <a:rPr lang="en-US" sz="2200" b="1" dirty="0" smtClean="0">
                     <a:latin typeface="Ink Free" pitchFamily="66" charset="0"/>
                   </a:rPr>
-                  <a:t> </a:t>
-                </a:r>
-                <a:r>
-                  <a:rPr lang="en-US" sz="2200" b="1" dirty="0" smtClean="0">
-                    <a:latin typeface="Ink Free" pitchFamily="66" charset="0"/>
-                  </a:rPr>
-                  <a:t>(R + Python): Tidy Little Things</a:t>
+                  <a:t> (R + Python): Tidy Little Things</a:t>
                 </a:r>
               </a:p>
             </p:txBody>
@@ -7200,43 +7268,7 @@
                     </a:solidFill>
                     <a:latin typeface="Ink Free" pitchFamily="66" charset="0"/>
                   </a:rPr>
-                  <a:t>Chegou </a:t>
-                </a:r>
-                <a:r>
-                  <a:rPr lang="pt-BR" sz="1700" b="1" dirty="0" smtClean="0">
-                    <a:solidFill>
-                      <a:schemeClr val="tx1"/>
-                    </a:solidFill>
-                    <a:latin typeface="Ink Free" pitchFamily="66" charset="0"/>
-                  </a:rPr>
-                  <a:t>aquele momento assustador. </a:t>
-                </a:r>
-                <a:r>
-                  <a:rPr lang="pt-BR" sz="1700" b="1" dirty="0" smtClean="0">
-                    <a:solidFill>
-                      <a:schemeClr val="tx1"/>
-                    </a:solidFill>
-                    <a:latin typeface="Ink Free" pitchFamily="66" charset="0"/>
-                  </a:rPr>
-                  <a:t>Falar alguma coisa interessante por 40 minutos para os meus colegas da Universidade sem nunca ter dado uma aula virtual na vida. E ainda me deparo com outro novo desafio: Em uma plataforma virtual, como mapear a dúvida de um aluno sobre histograma ou p-valor? </a:t>
-                </a:r>
-                <a:r>
-                  <a:rPr lang="pt-BR" sz="1700" b="1" dirty="0" smtClean="0">
-                    <a:solidFill>
-                      <a:schemeClr val="tx1"/>
-                    </a:solidFill>
-                    <a:latin typeface="Ink Free" pitchFamily="66" charset="0"/>
-                  </a:rPr>
-                  <a:t>Assim, sem prévias respostas, me lanço ao risco</a:t>
-                </a:r>
-                <a:r>
-                  <a:rPr lang="pt-BR" sz="1700" b="1" dirty="0" smtClean="0">
-                    <a:solidFill>
-                      <a:schemeClr val="tx1"/>
-                    </a:solidFill>
-                    <a:latin typeface="Ink Free" pitchFamily="66" charset="0"/>
-                  </a:rPr>
-                  <a:t>.</a:t>
+                  <a:t>Chegou aquele momento assustador. Falar alguma coisa interessante por 40 minutos para os meus colegas da Universidade sem nunca ter dado uma aula virtual na vida. E ainda me deparo com outro novo desafio: Em uma plataforma virtual, como mapear a dúvida de um aluno sobre histograma ou p-valor? Assim, sem prévias respostas, me lanço ao risco.</a:t>
                 </a:r>
               </a:p>
               <a:p>
@@ -7255,25 +7287,7 @@
                     </a:solidFill>
                     <a:latin typeface="Ink Free" pitchFamily="66" charset="0"/>
                   </a:rPr>
-                  <a:t>Independente </a:t>
-                </a:r>
-                <a:r>
-                  <a:rPr lang="pt-BR" sz="1700" b="1" dirty="0" smtClean="0">
-                    <a:solidFill>
-                      <a:schemeClr val="tx1"/>
-                    </a:solidFill>
-                    <a:latin typeface="Ink Free" pitchFamily="66" charset="0"/>
-                  </a:rPr>
-                  <a:t>disso, com a suspensão do calendário de aulas da UNIRIO, busco dedicar o meu tempo às atividades de pesquisa, extensão e preparação de aulas digitais. </a:t>
-                </a:r>
-                <a:r>
-                  <a:rPr lang="pt-BR" sz="1700" b="1" dirty="0" smtClean="0">
-                    <a:solidFill>
-                      <a:schemeClr val="tx1"/>
-                    </a:solidFill>
-                    <a:latin typeface="Ink Free" pitchFamily="66" charset="0"/>
-                  </a:rPr>
-                  <a:t>Todas essas iniciativas foram desenvolvidas com o </a:t>
+                  <a:t>Independente disso, com a suspensão do calendário de aulas da UNIRIO, busco dedicar o meu tempo às atividades de pesquisa, extensão e preparação de aulas digitais. Todas essas iniciativas foram desenvolvidas com o </a:t>
                 </a:r>
                 <a:r>
                   <a:rPr lang="pt-BR" sz="1700" b="1" dirty="0" err="1" smtClean="0">
@@ -7309,32 +7323,8 @@
                     </a:solidFill>
                     <a:latin typeface="Ink Free" pitchFamily="66" charset="0"/>
                   </a:rPr>
-                  <a:t>). </a:t>
+                  <a:t>). Essa é uma grande oportunidade para mostrar um pouco desse trabalho.</a:t>
                 </a:r>
-                <a:r>
-                  <a:rPr lang="pt-BR" sz="1700" b="1" dirty="0" smtClean="0">
-                    <a:solidFill>
-                      <a:schemeClr val="tx1"/>
-                    </a:solidFill>
-                    <a:latin typeface="Ink Free" pitchFamily="66" charset="0"/>
-                  </a:rPr>
-                  <a:t>Essa é uma grande oportunidade para mostrar um pouco desse trabalho</a:t>
-                </a:r>
-                <a:r>
-                  <a:rPr lang="pt-BR" sz="1700" b="1" dirty="0" smtClean="0">
-                    <a:solidFill>
-                      <a:schemeClr val="tx1"/>
-                    </a:solidFill>
-                    <a:latin typeface="Ink Free" pitchFamily="66" charset="0"/>
-                  </a:rPr>
-                  <a:t>.</a:t>
-                </a:r>
-                <a:endParaRPr lang="pt-BR" sz="1700" b="1" dirty="0" smtClean="0">
-                  <a:solidFill>
-                    <a:schemeClr val="tx1"/>
-                  </a:solidFill>
-                  <a:latin typeface="Ink Free" pitchFamily="66" charset="0"/>
-                </a:endParaRPr>
               </a:p>
             </p:txBody>
           </p:sp>
@@ -7363,6 +7353,661 @@
             </a:prstGeom>
           </p:spPr>
         </p:pic>
+      </p:grpSp>
+    </p:spTree>
+  </p:cSld>
+  <p:clrMapOvr>
+    <a:masterClrMapping/>
+  </p:clrMapOvr>
+  <p:timing>
+    <p:tnLst>
+      <p:par>
+        <p:cTn id="1" dur="indefinite" restart="never" nodeType="tmRoot"/>
+      </p:par>
+    </p:tnLst>
+  </p:timing>
+</p:sld>
+</file>
+
+<file path=ppt/slides/slide17.xml><?xml version="1.0" encoding="utf-8"?>
+<p:sld xmlns:a="http://schemas.openxmlformats.org/drawingml/2006/main" xmlns:r="http://schemas.openxmlformats.org/officeDocument/2006/relationships" xmlns:p="http://schemas.openxmlformats.org/presentationml/2006/main">
+  <p:cSld>
+    <p:spTree>
+      <p:nvGrpSpPr>
+        <p:cNvPr id="1" name=""/>
+        <p:cNvGrpSpPr/>
+        <p:nvPr/>
+      </p:nvGrpSpPr>
+      <p:grpSpPr>
+        <a:xfrm>
+          <a:off x="0" y="0"/>
+          <a:ext cx="0" cy="0"/>
+          <a:chOff x="0" y="0"/>
+          <a:chExt cx="0" cy="0"/>
+        </a:xfrm>
+      </p:grpSpPr>
+      <p:grpSp>
+        <p:nvGrpSpPr>
+          <p:cNvPr id="14" name="Grupo 13"/>
+          <p:cNvGrpSpPr/>
+          <p:nvPr/>
+        </p:nvGrpSpPr>
+        <p:grpSpPr>
+          <a:xfrm>
+            <a:off x="0" y="27384"/>
+            <a:ext cx="9612560" cy="6858000"/>
+            <a:chOff x="0" y="27384"/>
+            <a:chExt cx="9612560" cy="6858000"/>
+          </a:xfrm>
+        </p:grpSpPr>
+        <p:grpSp>
+          <p:nvGrpSpPr>
+            <p:cNvPr id="6" name="Grupo 13"/>
+            <p:cNvGrpSpPr/>
+            <p:nvPr/>
+          </p:nvGrpSpPr>
+          <p:grpSpPr>
+            <a:xfrm>
+              <a:off x="0" y="27384"/>
+              <a:ext cx="9612560" cy="6858000"/>
+              <a:chOff x="0" y="27384"/>
+              <a:chExt cx="9612560" cy="6858000"/>
+            </a:xfrm>
+          </p:grpSpPr>
+          <p:grpSp>
+            <p:nvGrpSpPr>
+              <p:cNvPr id="7" name="Grupo 11"/>
+              <p:cNvGrpSpPr/>
+              <p:nvPr/>
+            </p:nvGrpSpPr>
+            <p:grpSpPr>
+              <a:xfrm>
+                <a:off x="0" y="27384"/>
+                <a:ext cx="9612560" cy="6858000"/>
+                <a:chOff x="0" y="27384"/>
+                <a:chExt cx="9612560" cy="6858000"/>
+              </a:xfrm>
+            </p:grpSpPr>
+            <p:pic>
+              <p:nvPicPr>
+                <p:cNvPr id="15" name="Picture 4" descr="https://pbs.twimg.com/media/DfqjHpNU0AIuufg.jpg"/>
+                <p:cNvPicPr>
+                  <a:picLocks noChangeAspect="1" noChangeArrowheads="1"/>
+                </p:cNvPicPr>
+                <p:nvPr/>
+              </p:nvPicPr>
+              <p:blipFill>
+                <a:blip r:embed="rId3" cstate="print">
+                  <a:duotone>
+                    <a:prstClr val="black"/>
+                    <a:schemeClr val="accent5">
+                      <a:tint val="45000"/>
+                      <a:satMod val="400000"/>
+                    </a:schemeClr>
+                  </a:duotone>
+                </a:blip>
+                <a:srcRect b="9841"/>
+                <a:stretch>
+                  <a:fillRect/>
+                </a:stretch>
+              </p:blipFill>
+              <p:spPr bwMode="auto">
+                <a:xfrm>
+                  <a:off x="0" y="27384"/>
+                  <a:ext cx="9612560" cy="6858000"/>
+                </a:xfrm>
+                <a:prstGeom prst="rect">
+                  <a:avLst/>
+                </a:prstGeom>
+                <a:noFill/>
+              </p:spPr>
+            </p:pic>
+            <p:sp>
+              <p:nvSpPr>
+                <p:cNvPr id="3" name="Retângulo 2"/>
+                <p:cNvSpPr/>
+                <p:nvPr/>
+              </p:nvSpPr>
+              <p:spPr>
+                <a:xfrm>
+                  <a:off x="3935039" y="260648"/>
+                  <a:ext cx="5410198" cy="1152128"/>
+                </a:xfrm>
+                <a:prstGeom prst="rect">
+                  <a:avLst/>
+                </a:prstGeom>
+                <a:solidFill>
+                  <a:schemeClr val="bg1"/>
+                </a:solidFill>
+                <a:ln>
+                  <a:noFill/>
+                </a:ln>
+              </p:spPr>
+              <p:style>
+                <a:lnRef idx="2">
+                  <a:schemeClr val="accent1">
+                    <a:shade val="50000"/>
+                  </a:schemeClr>
+                </a:lnRef>
+                <a:fillRef idx="1">
+                  <a:schemeClr val="accent1"/>
+                </a:fillRef>
+                <a:effectRef idx="0">
+                  <a:schemeClr val="accent1"/>
+                </a:effectRef>
+                <a:fontRef idx="minor">
+                  <a:schemeClr val="lt1"/>
+                </a:fontRef>
+              </p:style>
+              <p:txBody>
+                <a:bodyPr rtlCol="0" anchor="ctr"/>
+                <a:lstStyle/>
+                <a:p>
+                  <a:pPr algn="ctr"/>
+                  <a:endParaRPr lang="pt-BR" b="1" dirty="0">
+                    <a:solidFill>
+                      <a:schemeClr val="tx1"/>
+                    </a:solidFill>
+                  </a:endParaRPr>
+                </a:p>
+              </p:txBody>
+            </p:sp>
+            <p:sp>
+              <p:nvSpPr>
+                <p:cNvPr id="4" name="Retângulo 3"/>
+                <p:cNvSpPr/>
+                <p:nvPr/>
+              </p:nvSpPr>
+              <p:spPr>
+                <a:xfrm>
+                  <a:off x="3952152" y="5198070"/>
+                  <a:ext cx="5398166" cy="679202"/>
+                </a:xfrm>
+                <a:prstGeom prst="rect">
+                  <a:avLst/>
+                </a:prstGeom>
+                <a:solidFill>
+                  <a:schemeClr val="bg1"/>
+                </a:solidFill>
+                <a:ln>
+                  <a:noFill/>
+                </a:ln>
+              </p:spPr>
+              <p:style>
+                <a:lnRef idx="2">
+                  <a:schemeClr val="accent1">
+                    <a:shade val="50000"/>
+                  </a:schemeClr>
+                </a:lnRef>
+                <a:fillRef idx="1">
+                  <a:schemeClr val="accent1"/>
+                </a:fillRef>
+                <a:effectRef idx="0">
+                  <a:schemeClr val="accent1"/>
+                </a:effectRef>
+                <a:fontRef idx="minor">
+                  <a:schemeClr val="lt1"/>
+                </a:fontRef>
+              </p:style>
+              <p:txBody>
+                <a:bodyPr rtlCol="0" anchor="ctr"/>
+                <a:lstStyle/>
+                <a:p>
+                  <a:pPr algn="ctr"/>
+                  <a:r>
+                    <a:rPr lang="pt-BR" sz="3200" b="1" dirty="0" smtClean="0">
+                      <a:solidFill>
+                        <a:schemeClr val="tx1"/>
+                      </a:solidFill>
+                      <a:latin typeface="Ink Free" pitchFamily="66" charset="0"/>
+                    </a:rPr>
+                    <a:t>03/08   </a:t>
+                  </a:r>
+                  <a:r>
+                    <a:rPr lang="pt-BR" sz="3200" b="1" dirty="0" smtClean="0">
+                      <a:solidFill>
+                        <a:schemeClr val="tx1"/>
+                      </a:solidFill>
+                      <a:latin typeface="Ink Free" pitchFamily="66" charset="0"/>
+                    </a:rPr>
+                    <a:t>14 horas</a:t>
+                  </a:r>
+                  <a:endParaRPr lang="pt-BR" sz="3200" b="1" dirty="0">
+                    <a:solidFill>
+                      <a:schemeClr val="tx1"/>
+                    </a:solidFill>
+                    <a:latin typeface="Ink Free" pitchFamily="66" charset="0"/>
+                  </a:endParaRPr>
+                </a:p>
+              </p:txBody>
+            </p:sp>
+            <p:sp>
+              <p:nvSpPr>
+                <p:cNvPr id="5" name="CaixaDeTexto 4"/>
+                <p:cNvSpPr txBox="1"/>
+                <p:nvPr/>
+              </p:nvSpPr>
+              <p:spPr>
+                <a:xfrm>
+                  <a:off x="4042046" y="332656"/>
+                  <a:ext cx="5076056" cy="954107"/>
+                </a:xfrm>
+                <a:prstGeom prst="rect">
+                  <a:avLst/>
+                </a:prstGeom>
+                <a:noFill/>
+                <a:ln>
+                  <a:noFill/>
+                </a:ln>
+              </p:spPr>
+              <p:txBody>
+                <a:bodyPr wrap="square" rtlCol="0">
+                  <a:spAutoFit/>
+                </a:bodyPr>
+                <a:lstStyle/>
+                <a:p>
+                  <a:r>
+                    <a:rPr lang="pt-BR" sz="2800" b="1" dirty="0" smtClean="0">
+                      <a:latin typeface="Ink Free" pitchFamily="66" charset="0"/>
+                    </a:rPr>
+                    <a:t>O </a:t>
+                  </a:r>
+                  <a:r>
+                    <a:rPr lang="pt-BR" sz="2800" b="1" dirty="0" smtClean="0">
+                      <a:latin typeface="Ink Free" pitchFamily="66" charset="0"/>
+                    </a:rPr>
+                    <a:t>que fazer? </a:t>
+                  </a:r>
+                  <a:r>
+                    <a:rPr lang="pt-BR" sz="2800" b="1" dirty="0" smtClean="0">
+                      <a:latin typeface="Ink Free" pitchFamily="66" charset="0"/>
+                    </a:rPr>
+                    <a:t> Reflexões </a:t>
+                  </a:r>
+                  <a:r>
+                    <a:rPr lang="pt-BR" sz="2800" b="1" dirty="0" smtClean="0">
+                      <a:latin typeface="Ink Free" pitchFamily="66" charset="0"/>
+                    </a:rPr>
+                    <a:t>sobre o retorno remoto.</a:t>
+                  </a:r>
+                  <a:endParaRPr lang="en-US" sz="2800" b="1" dirty="0" smtClean="0">
+                    <a:latin typeface="Ink Free" pitchFamily="66" charset="0"/>
+                  </a:endParaRPr>
+                </a:p>
+              </p:txBody>
+            </p:sp>
+            <p:sp>
+              <p:nvSpPr>
+                <p:cNvPr id="8" name="Retângulo 7"/>
+                <p:cNvSpPr/>
+                <p:nvPr/>
+              </p:nvSpPr>
+              <p:spPr>
+                <a:xfrm>
+                  <a:off x="3964911" y="5991615"/>
+                  <a:ext cx="5405727" cy="821761"/>
+                </a:xfrm>
+                <a:prstGeom prst="rect">
+                  <a:avLst/>
+                </a:prstGeom>
+                <a:solidFill>
+                  <a:schemeClr val="bg1"/>
+                </a:solidFill>
+                <a:ln>
+                  <a:noFill/>
+                </a:ln>
+              </p:spPr>
+              <p:style>
+                <a:lnRef idx="2">
+                  <a:schemeClr val="accent1">
+                    <a:shade val="50000"/>
+                  </a:schemeClr>
+                </a:lnRef>
+                <a:fillRef idx="1">
+                  <a:schemeClr val="accent1"/>
+                </a:fillRef>
+                <a:effectRef idx="0">
+                  <a:schemeClr val="accent1"/>
+                </a:effectRef>
+                <a:fontRef idx="minor">
+                  <a:schemeClr val="lt1"/>
+                </a:fontRef>
+              </p:style>
+              <p:txBody>
+                <a:bodyPr rtlCol="0" anchor="ctr"/>
+                <a:lstStyle/>
+                <a:p>
+                  <a:pPr algn="ctr"/>
+                  <a:r>
+                    <a:rPr lang="pt-BR" sz="2400" dirty="0" smtClean="0">
+                      <a:solidFill>
+                        <a:schemeClr val="tx1"/>
+                      </a:solidFill>
+                      <a:latin typeface="Forte" pitchFamily="66" charset="0"/>
+                    </a:rPr>
+                    <a:t>Link </a:t>
+                  </a:r>
+                  <a:r>
+                    <a:rPr lang="pt-BR" sz="2400" dirty="0">
+                      <a:solidFill>
+                        <a:schemeClr val="tx1"/>
+                      </a:solidFill>
+                      <a:latin typeface="Forte" pitchFamily="66" charset="0"/>
+                    </a:rPr>
+                    <a:t>para o </a:t>
+                  </a:r>
+                  <a:r>
+                    <a:rPr lang="pt-BR" sz="2400" dirty="0" smtClean="0">
+                      <a:solidFill>
+                        <a:schemeClr val="tx1"/>
+                      </a:solidFill>
+                      <a:latin typeface="Forte" pitchFamily="66" charset="0"/>
+                    </a:rPr>
+                    <a:t>evento</a:t>
+                  </a:r>
+                </a:p>
+                <a:p>
+                  <a:pPr algn="ctr"/>
+                  <a:r>
+                    <a:rPr lang="pt-BR" sz="2400" b="1" dirty="0" err="1" smtClean="0">
+                      <a:hlinkClick r:id="rId4"/>
+                    </a:rPr>
+                    <a:t>meet</a:t>
+                  </a:r>
+                  <a:r>
+                    <a:rPr lang="pt-BR" sz="2400" b="1" dirty="0" smtClean="0">
+                      <a:hlinkClick r:id="rId4"/>
+                    </a:rPr>
+                    <a:t>.google.com/</a:t>
+                  </a:r>
+                  <a:r>
+                    <a:rPr lang="pt-BR" sz="2400" b="1" dirty="0" err="1" smtClean="0">
+                      <a:hlinkClick r:id="rId4"/>
+                    </a:rPr>
+                    <a:t>vyu-rgcc-qmh</a:t>
+                  </a:r>
+                  <a:endParaRPr lang="pt-BR" sz="2400" b="1" dirty="0" smtClean="0">
+                    <a:solidFill>
+                      <a:srgbClr val="002060"/>
+                    </a:solidFill>
+                  </a:endParaRPr>
+                </a:p>
+              </p:txBody>
+            </p:sp>
+            <p:sp>
+              <p:nvSpPr>
+                <p:cNvPr id="13" name="Retângulo 12"/>
+                <p:cNvSpPr/>
+                <p:nvPr/>
+              </p:nvSpPr>
+              <p:spPr>
+                <a:xfrm>
+                  <a:off x="3949328" y="4404816"/>
+                  <a:ext cx="5404536" cy="680368"/>
+                </a:xfrm>
+                <a:prstGeom prst="rect">
+                  <a:avLst/>
+                </a:prstGeom>
+                <a:solidFill>
+                  <a:schemeClr val="bg1"/>
+                </a:solidFill>
+                <a:ln>
+                  <a:noFill/>
+                </a:ln>
+              </p:spPr>
+              <p:style>
+                <a:lnRef idx="2">
+                  <a:schemeClr val="accent1">
+                    <a:shade val="50000"/>
+                  </a:schemeClr>
+                </a:lnRef>
+                <a:fillRef idx="1">
+                  <a:schemeClr val="accent1"/>
+                </a:fillRef>
+                <a:effectRef idx="0">
+                  <a:schemeClr val="accent1"/>
+                </a:effectRef>
+                <a:fontRef idx="minor">
+                  <a:schemeClr val="lt1"/>
+                </a:fontRef>
+              </p:style>
+              <p:txBody>
+                <a:bodyPr rtlCol="0" anchor="ctr"/>
+                <a:lstStyle/>
+                <a:p>
+                  <a:pPr algn="ctr"/>
+                  <a:endParaRPr lang="pt-BR" sz="2400" b="1" dirty="0" smtClean="0">
+                    <a:solidFill>
+                      <a:schemeClr val="tx1"/>
+                    </a:solidFill>
+                    <a:latin typeface="Ink Free" pitchFamily="66" charset="0"/>
+                  </a:endParaRPr>
+                </a:p>
+                <a:p>
+                  <a:pPr algn="ctr"/>
+                  <a:r>
+                    <a:rPr lang="pt-BR" sz="2800" b="1" dirty="0" err="1" smtClean="0">
+                      <a:solidFill>
+                        <a:schemeClr val="tx1"/>
+                      </a:solidFill>
+                      <a:latin typeface="Ink Free" pitchFamily="66" charset="0"/>
+                    </a:rPr>
+                    <a:t>Profa</a:t>
+                  </a:r>
+                  <a:r>
+                    <a:rPr lang="pt-BR" sz="2800" b="1" dirty="0" smtClean="0">
+                      <a:solidFill>
+                        <a:schemeClr val="tx1"/>
+                      </a:solidFill>
+                      <a:latin typeface="Ink Free" pitchFamily="66" charset="0"/>
+                    </a:rPr>
+                    <a:t>. Beatriz Cunha</a:t>
+                  </a:r>
+                </a:p>
+                <a:p>
+                  <a:pPr algn="ctr"/>
+                  <a:endParaRPr lang="pt-BR" sz="2800" b="1" dirty="0" smtClean="0">
+                    <a:solidFill>
+                      <a:schemeClr val="tx1"/>
+                    </a:solidFill>
+                    <a:latin typeface="Ink Free" pitchFamily="66" charset="0"/>
+                  </a:endParaRPr>
+                </a:p>
+              </p:txBody>
+            </p:sp>
+            <p:sp>
+              <p:nvSpPr>
+                <p:cNvPr id="11" name="Retângulo 10"/>
+                <p:cNvSpPr/>
+                <p:nvPr/>
+              </p:nvSpPr>
+              <p:spPr>
+                <a:xfrm>
+                  <a:off x="3939168" y="1628800"/>
+                  <a:ext cx="5404536" cy="2520280"/>
+                </a:xfrm>
+                <a:prstGeom prst="rect">
+                  <a:avLst/>
+                </a:prstGeom>
+                <a:solidFill>
+                  <a:schemeClr val="bg1"/>
+                </a:solidFill>
+                <a:ln>
+                  <a:noFill/>
+                </a:ln>
+              </p:spPr>
+              <p:style>
+                <a:lnRef idx="2">
+                  <a:schemeClr val="accent1">
+                    <a:shade val="50000"/>
+                  </a:schemeClr>
+                </a:lnRef>
+                <a:fillRef idx="1">
+                  <a:schemeClr val="accent1"/>
+                </a:fillRef>
+                <a:effectRef idx="0">
+                  <a:schemeClr val="accent1"/>
+                </a:effectRef>
+                <a:fontRef idx="minor">
+                  <a:schemeClr val="lt1"/>
+                </a:fontRef>
+              </p:style>
+              <p:txBody>
+                <a:bodyPr rtlCol="0" anchor="ctr"/>
+                <a:lstStyle/>
+                <a:p>
+                  <a:r>
+                    <a:rPr lang="pt-BR" sz="2000" b="1" dirty="0" smtClean="0">
+                      <a:solidFill>
+                        <a:schemeClr val="tx1"/>
+                      </a:solidFill>
+                      <a:latin typeface="Ink Free" pitchFamily="66" charset="0"/>
+                    </a:rPr>
+                    <a:t>De </a:t>
+                  </a:r>
+                  <a:r>
+                    <a:rPr lang="pt-BR" sz="2000" b="1" dirty="0" smtClean="0">
+                      <a:solidFill>
+                        <a:schemeClr val="tx1"/>
+                      </a:solidFill>
+                      <a:latin typeface="Ink Free" pitchFamily="66" charset="0"/>
+                    </a:rPr>
+                    <a:t>forma intimista vou apresentar algumas reflexões sobre a pandemia e sobre a retomada das aulas remotamente. </a:t>
+                  </a:r>
+                  <a:r>
+                    <a:rPr lang="pt-BR" sz="2000" b="1" dirty="0" smtClean="0">
+                      <a:solidFill>
+                        <a:schemeClr val="tx1"/>
+                      </a:solidFill>
+                      <a:latin typeface="Ink Free" pitchFamily="66" charset="0"/>
+                    </a:rPr>
+                    <a:t>Pretendo apresentar o que aprendi assistindo as palestras do </a:t>
+                  </a:r>
+                  <a:r>
+                    <a:rPr lang="pt-BR" sz="2000" b="1" dirty="0" err="1" smtClean="0">
+                      <a:solidFill>
+                        <a:schemeClr val="tx1"/>
+                      </a:solidFill>
+                      <a:latin typeface="Ink Free" pitchFamily="66" charset="0"/>
+                    </a:rPr>
+                    <a:t>DMQ-Talks</a:t>
+                  </a:r>
+                  <a:r>
+                    <a:rPr lang="pt-BR" sz="2000" b="1" dirty="0" smtClean="0">
+                      <a:solidFill>
+                        <a:schemeClr val="tx1"/>
+                      </a:solidFill>
+                      <a:latin typeface="Ink Free" pitchFamily="66" charset="0"/>
+                    </a:rPr>
+                    <a:t> e, por fim, vou propor um debate sobre o retorno com meus colegas de departamento.</a:t>
+                  </a:r>
+                </a:p>
+              </p:txBody>
+            </p:sp>
+          </p:grpSp>
+          <p:pic>
+            <p:nvPicPr>
+              <p:cNvPr id="2" name="Imagem 1" descr="corpus-banner.png"/>
+              <p:cNvPicPr>
+                <a:picLocks noChangeAspect="1"/>
+              </p:cNvPicPr>
+              <p:nvPr/>
+            </p:nvPicPr>
+            <p:blipFill>
+              <a:blip r:embed="rId5" cstate="print"/>
+              <a:stretch>
+                <a:fillRect/>
+              </a:stretch>
+            </p:blipFill>
+            <p:spPr>
+              <a:xfrm>
+                <a:off x="216024" y="1556792"/>
+                <a:ext cx="3672408" cy="4253755"/>
+              </a:xfrm>
+              <a:prstGeom prst="rect">
+                <a:avLst/>
+              </a:prstGeom>
+            </p:spPr>
+          </p:pic>
+        </p:grpSp>
+        <p:sp>
+          <p:nvSpPr>
+            <p:cNvPr id="12" name="Retângulo 11"/>
+            <p:cNvSpPr/>
+            <p:nvPr/>
+          </p:nvSpPr>
+          <p:spPr>
+            <a:xfrm>
+              <a:off x="3923928" y="4332808"/>
+              <a:ext cx="5404536" cy="680368"/>
+            </a:xfrm>
+            <a:prstGeom prst="rect">
+              <a:avLst/>
+            </a:prstGeom>
+            <a:solidFill>
+              <a:schemeClr val="bg1"/>
+            </a:solidFill>
+            <a:ln>
+              <a:noFill/>
+            </a:ln>
+          </p:spPr>
+          <p:style>
+            <a:lnRef idx="2">
+              <a:schemeClr val="accent1">
+                <a:shade val="50000"/>
+              </a:schemeClr>
+            </a:lnRef>
+            <a:fillRef idx="1">
+              <a:schemeClr val="accent1"/>
+            </a:fillRef>
+            <a:effectRef idx="0">
+              <a:schemeClr val="accent1"/>
+            </a:effectRef>
+            <a:fontRef idx="minor">
+              <a:schemeClr val="lt1"/>
+            </a:fontRef>
+          </p:style>
+          <p:txBody>
+            <a:bodyPr rtlCol="0" anchor="ctr"/>
+            <a:lstStyle/>
+            <a:p>
+              <a:pPr algn="ctr"/>
+              <a:endParaRPr lang="pt-BR" sz="2400" b="1" dirty="0" smtClean="0">
+                <a:solidFill>
+                  <a:schemeClr val="tx1"/>
+                </a:solidFill>
+                <a:latin typeface="Ink Free" pitchFamily="66" charset="0"/>
+              </a:endParaRPr>
+            </a:p>
+            <a:p>
+              <a:pPr algn="ctr"/>
+              <a:r>
+                <a:rPr lang="pt-BR" sz="2800" b="1" dirty="0" smtClean="0">
+                  <a:solidFill>
+                    <a:schemeClr val="tx1"/>
+                  </a:solidFill>
+                  <a:latin typeface="Ink Free" pitchFamily="66" charset="0"/>
+                </a:rPr>
+                <a:t>Prof. Vinicius Israel</a:t>
+              </a:r>
+              <a:endParaRPr lang="pt-BR" sz="2800" b="1" dirty="0" smtClean="0">
+                <a:solidFill>
+                  <a:schemeClr val="tx1"/>
+                </a:solidFill>
+                <a:latin typeface="Ink Free" pitchFamily="66" charset="0"/>
+              </a:endParaRPr>
+            </a:p>
+            <a:p>
+              <a:pPr algn="ctr"/>
+              <a:endParaRPr lang="pt-BR" sz="2800" b="1" dirty="0" smtClean="0">
+                <a:solidFill>
+                  <a:schemeClr val="tx1"/>
+                </a:solidFill>
+                <a:latin typeface="Ink Free" pitchFamily="66" charset="0"/>
+              </a:endParaRPr>
+            </a:p>
+          </p:txBody>
+        </p:sp>
       </p:grpSp>
     </p:spTree>
   </p:cSld>

--- a/libs/uds/flyer.pptx
+++ b/libs/uds/flyer.pptx
@@ -5,7 +5,7 @@
     <p:sldMasterId id="2147483648" r:id="rId1"/>
   </p:sldMasterIdLst>
   <p:notesMasterIdLst>
-    <p:notesMasterId r:id="rId19"/>
+    <p:notesMasterId r:id="rId23"/>
   </p:notesMasterIdLst>
   <p:sldIdLst>
     <p:sldId id="256" r:id="rId2"/>
@@ -18,13 +18,17 @@
     <p:sldId id="263" r:id="rId9"/>
     <p:sldId id="264" r:id="rId10"/>
     <p:sldId id="266" r:id="rId11"/>
-    <p:sldId id="267" r:id="rId12"/>
-    <p:sldId id="268" r:id="rId13"/>
-    <p:sldId id="269" r:id="rId14"/>
-    <p:sldId id="270" r:id="rId15"/>
-    <p:sldId id="271" r:id="rId16"/>
-    <p:sldId id="272" r:id="rId17"/>
-    <p:sldId id="273" r:id="rId18"/>
+    <p:sldId id="268" r:id="rId12"/>
+    <p:sldId id="269" r:id="rId13"/>
+    <p:sldId id="270" r:id="rId14"/>
+    <p:sldId id="271" r:id="rId15"/>
+    <p:sldId id="272" r:id="rId16"/>
+    <p:sldId id="273" r:id="rId17"/>
+    <p:sldId id="274" r:id="rId18"/>
+    <p:sldId id="275" r:id="rId19"/>
+    <p:sldId id="267" r:id="rId20"/>
+    <p:sldId id="276" r:id="rId21"/>
+    <p:sldId id="277" r:id="rId22"/>
   </p:sldIdLst>
   <p:sldSz cx="9144000" cy="6858000" type="screen4x3"/>
   <p:notesSz cx="6858000" cy="9144000"/>
@@ -209,7 +213,7 @@
             <a:fld id="{03CA6A64-D8DA-4790-AC21-8D1D39F048E7}" type="datetimeFigureOut">
               <a:rPr lang="pt-BR" smtClean="0"/>
               <a:pPr/>
-              <a:t>29/07/2020</a:t>
+              <a:t>05/11/2020</a:t>
             </a:fld>
             <a:endParaRPr lang="pt-BR"/>
           </a:p>
@@ -789,7 +793,7 @@
             <a:fld id="{BD1B4987-2CC4-4667-87C8-8C2E08797078}" type="slidenum">
               <a:rPr lang="pt-BR" smtClean="0"/>
               <a:pPr/>
-              <a:t>14</a:t>
+              <a:t>13</a:t>
             </a:fld>
             <a:endParaRPr lang="pt-BR"/>
           </a:p>
@@ -871,7 +875,7 @@
             <a:fld id="{BD1B4987-2CC4-4667-87C8-8C2E08797078}" type="slidenum">
               <a:rPr lang="pt-BR" smtClean="0"/>
               <a:pPr/>
-              <a:t>15</a:t>
+              <a:t>14</a:t>
             </a:fld>
             <a:endParaRPr lang="pt-BR"/>
           </a:p>
@@ -953,7 +957,7 @@
             <a:fld id="{BD1B4987-2CC4-4667-87C8-8C2E08797078}" type="slidenum">
               <a:rPr lang="pt-BR" smtClean="0"/>
               <a:pPr/>
-              <a:t>16</a:t>
+              <a:t>15</a:t>
             </a:fld>
             <a:endParaRPr lang="pt-BR"/>
           </a:p>
@@ -1035,7 +1039,7 @@
             <a:fld id="{BD1B4987-2CC4-4667-87C8-8C2E08797078}" type="slidenum">
               <a:rPr lang="pt-BR" smtClean="0"/>
               <a:pPr/>
-              <a:t>17</a:t>
+              <a:t>16</a:t>
             </a:fld>
             <a:endParaRPr lang="pt-BR"/>
           </a:p>
@@ -1231,7 +1235,7 @@
             <a:fld id="{32EE085F-AAA4-4482-A02A-EDCE077316B0}" type="datetimeFigureOut">
               <a:rPr lang="pt-BR" smtClean="0"/>
               <a:pPr/>
-              <a:t>29/07/2020</a:t>
+              <a:t>05/11/2020</a:t>
             </a:fld>
             <a:endParaRPr lang="pt-BR"/>
           </a:p>
@@ -1398,7 +1402,7 @@
             <a:fld id="{32EE085F-AAA4-4482-A02A-EDCE077316B0}" type="datetimeFigureOut">
               <a:rPr lang="pt-BR" smtClean="0"/>
               <a:pPr/>
-              <a:t>29/07/2020</a:t>
+              <a:t>05/11/2020</a:t>
             </a:fld>
             <a:endParaRPr lang="pt-BR"/>
           </a:p>
@@ -1575,7 +1579,7 @@
             <a:fld id="{32EE085F-AAA4-4482-A02A-EDCE077316B0}" type="datetimeFigureOut">
               <a:rPr lang="pt-BR" smtClean="0"/>
               <a:pPr/>
-              <a:t>29/07/2020</a:t>
+              <a:t>05/11/2020</a:t>
             </a:fld>
             <a:endParaRPr lang="pt-BR"/>
           </a:p>
@@ -1742,7 +1746,7 @@
             <a:fld id="{32EE085F-AAA4-4482-A02A-EDCE077316B0}" type="datetimeFigureOut">
               <a:rPr lang="pt-BR" smtClean="0"/>
               <a:pPr/>
-              <a:t>29/07/2020</a:t>
+              <a:t>05/11/2020</a:t>
             </a:fld>
             <a:endParaRPr lang="pt-BR"/>
           </a:p>
@@ -1985,7 +1989,7 @@
             <a:fld id="{32EE085F-AAA4-4482-A02A-EDCE077316B0}" type="datetimeFigureOut">
               <a:rPr lang="pt-BR" smtClean="0"/>
               <a:pPr/>
-              <a:t>29/07/2020</a:t>
+              <a:t>05/11/2020</a:t>
             </a:fld>
             <a:endParaRPr lang="pt-BR"/>
           </a:p>
@@ -2270,7 +2274,7 @@
             <a:fld id="{32EE085F-AAA4-4482-A02A-EDCE077316B0}" type="datetimeFigureOut">
               <a:rPr lang="pt-BR" smtClean="0"/>
               <a:pPr/>
-              <a:t>29/07/2020</a:t>
+              <a:t>05/11/2020</a:t>
             </a:fld>
             <a:endParaRPr lang="pt-BR"/>
           </a:p>
@@ -2689,7 +2693,7 @@
             <a:fld id="{32EE085F-AAA4-4482-A02A-EDCE077316B0}" type="datetimeFigureOut">
               <a:rPr lang="pt-BR" smtClean="0"/>
               <a:pPr/>
-              <a:t>29/07/2020</a:t>
+              <a:t>05/11/2020</a:t>
             </a:fld>
             <a:endParaRPr lang="pt-BR"/>
           </a:p>
@@ -2804,7 +2808,7 @@
             <a:fld id="{32EE085F-AAA4-4482-A02A-EDCE077316B0}" type="datetimeFigureOut">
               <a:rPr lang="pt-BR" smtClean="0"/>
               <a:pPr/>
-              <a:t>29/07/2020</a:t>
+              <a:t>05/11/2020</a:t>
             </a:fld>
             <a:endParaRPr lang="pt-BR"/>
           </a:p>
@@ -2896,7 +2900,7 @@
             <a:fld id="{32EE085F-AAA4-4482-A02A-EDCE077316B0}" type="datetimeFigureOut">
               <a:rPr lang="pt-BR" smtClean="0"/>
               <a:pPr/>
-              <a:t>29/07/2020</a:t>
+              <a:t>05/11/2020</a:t>
             </a:fld>
             <a:endParaRPr lang="pt-BR"/>
           </a:p>
@@ -3170,7 +3174,7 @@
             <a:fld id="{32EE085F-AAA4-4482-A02A-EDCE077316B0}" type="datetimeFigureOut">
               <a:rPr lang="pt-BR" smtClean="0"/>
               <a:pPr/>
-              <a:t>29/07/2020</a:t>
+              <a:t>05/11/2020</a:t>
             </a:fld>
             <a:endParaRPr lang="pt-BR"/>
           </a:p>
@@ -3420,7 +3424,7 @@
             <a:fld id="{32EE085F-AAA4-4482-A02A-EDCE077316B0}" type="datetimeFigureOut">
               <a:rPr lang="pt-BR" smtClean="0"/>
               <a:pPr/>
-              <a:t>29/07/2020</a:t>
+              <a:t>05/11/2020</a:t>
             </a:fld>
             <a:endParaRPr lang="pt-BR"/>
           </a:p>
@@ -3630,7 +3634,7 @@
             <a:fld id="{32EE085F-AAA4-4482-A02A-EDCE077316B0}" type="datetimeFigureOut">
               <a:rPr lang="pt-BR" smtClean="0"/>
               <a:pPr/>
-              <a:t>29/07/2020</a:t>
+              <a:t>05/11/2020</a:t>
             </a:fld>
             <a:endParaRPr lang="pt-BR"/>
           </a:p>
@@ -4599,491 +4603,6 @@
       </p:grpSpPr>
       <p:grpSp>
         <p:nvGrpSpPr>
-          <p:cNvPr id="9" name="Grupo 12"/>
-          <p:cNvGrpSpPr/>
-          <p:nvPr/>
-        </p:nvGrpSpPr>
-        <p:grpSpPr>
-          <a:xfrm>
-            <a:off x="0" y="27384"/>
-            <a:ext cx="9612560" cy="6858000"/>
-            <a:chOff x="-612576" y="-315416"/>
-            <a:chExt cx="9612560" cy="6858000"/>
-          </a:xfrm>
-        </p:grpSpPr>
-        <p:pic>
-          <p:nvPicPr>
-            <p:cNvPr id="15" name="Picture 4" descr="https://pbs.twimg.com/media/DfqjHpNU0AIuufg.jpg"/>
-            <p:cNvPicPr>
-              <a:picLocks noChangeAspect="1" noChangeArrowheads="1"/>
-            </p:cNvPicPr>
-            <p:nvPr/>
-          </p:nvPicPr>
-          <p:blipFill>
-            <a:blip r:embed="rId2" cstate="print">
-              <a:duotone>
-                <a:schemeClr val="accent6">
-                  <a:shade val="45000"/>
-                  <a:satMod val="135000"/>
-                </a:schemeClr>
-                <a:prstClr val="white"/>
-              </a:duotone>
-            </a:blip>
-            <a:srcRect b="9841"/>
-            <a:stretch>
-              <a:fillRect/>
-            </a:stretch>
-          </p:blipFill>
-          <p:spPr bwMode="auto">
-            <a:xfrm>
-              <a:off x="-612576" y="-315416"/>
-              <a:ext cx="9612560" cy="6858000"/>
-            </a:xfrm>
-            <a:prstGeom prst="rect">
-              <a:avLst/>
-            </a:prstGeom>
-            <a:noFill/>
-          </p:spPr>
-        </p:pic>
-        <p:pic>
-          <p:nvPicPr>
-            <p:cNvPr id="2" name="Imagem 1" descr="corpus-banner.png"/>
-            <p:cNvPicPr>
-              <a:picLocks noChangeAspect="1"/>
-            </p:cNvPicPr>
-            <p:nvPr/>
-          </p:nvPicPr>
-          <p:blipFill>
-            <a:blip r:embed="rId3" cstate="print"/>
-            <a:stretch>
-              <a:fillRect/>
-            </a:stretch>
-          </p:blipFill>
-          <p:spPr>
-            <a:xfrm>
-              <a:off x="-396552" y="1213992"/>
-              <a:ext cx="3672408" cy="4253755"/>
-            </a:xfrm>
-            <a:prstGeom prst="rect">
-              <a:avLst/>
-            </a:prstGeom>
-          </p:spPr>
-        </p:pic>
-        <p:sp>
-          <p:nvSpPr>
-            <p:cNvPr id="3" name="Retângulo 2"/>
-            <p:cNvSpPr/>
-            <p:nvPr/>
-          </p:nvSpPr>
-          <p:spPr>
-            <a:xfrm>
-              <a:off x="3347864" y="547336"/>
-              <a:ext cx="5410198" cy="1152128"/>
-            </a:xfrm>
-            <a:prstGeom prst="rect">
-              <a:avLst/>
-            </a:prstGeom>
-            <a:solidFill>
-              <a:schemeClr val="bg1"/>
-            </a:solidFill>
-            <a:ln>
-              <a:noFill/>
-            </a:ln>
-          </p:spPr>
-          <p:style>
-            <a:lnRef idx="2">
-              <a:schemeClr val="accent1">
-                <a:shade val="50000"/>
-              </a:schemeClr>
-            </a:lnRef>
-            <a:fillRef idx="1">
-              <a:schemeClr val="accent1"/>
-            </a:fillRef>
-            <a:effectRef idx="0">
-              <a:schemeClr val="accent1"/>
-            </a:effectRef>
-            <a:fontRef idx="minor">
-              <a:schemeClr val="lt1"/>
-            </a:fontRef>
-          </p:style>
-          <p:txBody>
-            <a:bodyPr rtlCol="0" anchor="ctr"/>
-            <a:lstStyle/>
-            <a:p>
-              <a:pPr algn="ctr"/>
-              <a:endParaRPr lang="pt-BR" b="1" dirty="0">
-                <a:solidFill>
-                  <a:schemeClr val="tx1"/>
-                </a:solidFill>
-              </a:endParaRPr>
-            </a:p>
-          </p:txBody>
-        </p:sp>
-        <p:sp>
-          <p:nvSpPr>
-            <p:cNvPr id="4" name="Retângulo 3"/>
-            <p:cNvSpPr/>
-            <p:nvPr/>
-          </p:nvSpPr>
-          <p:spPr>
-            <a:xfrm>
-              <a:off x="3339576" y="3847158"/>
-              <a:ext cx="5398166" cy="679202"/>
-            </a:xfrm>
-            <a:prstGeom prst="rect">
-              <a:avLst/>
-            </a:prstGeom>
-            <a:solidFill>
-              <a:schemeClr val="bg1"/>
-            </a:solidFill>
-            <a:ln>
-              <a:noFill/>
-            </a:ln>
-          </p:spPr>
-          <p:style>
-            <a:lnRef idx="2">
-              <a:schemeClr val="accent1">
-                <a:shade val="50000"/>
-              </a:schemeClr>
-            </a:lnRef>
-            <a:fillRef idx="1">
-              <a:schemeClr val="accent1"/>
-            </a:fillRef>
-            <a:effectRef idx="0">
-              <a:schemeClr val="accent1"/>
-            </a:effectRef>
-            <a:fontRef idx="minor">
-              <a:schemeClr val="lt1"/>
-            </a:fontRef>
-          </p:style>
-          <p:txBody>
-            <a:bodyPr rtlCol="0" anchor="ctr"/>
-            <a:lstStyle/>
-            <a:p>
-              <a:pPr algn="ctr"/>
-              <a:r>
-                <a:rPr lang="pt-BR" sz="3200" b="1" dirty="0" smtClean="0">
-                  <a:solidFill>
-                    <a:schemeClr val="tx1"/>
-                  </a:solidFill>
-                  <a:latin typeface="Ink Free" pitchFamily="66" charset="0"/>
-                </a:rPr>
-                <a:t>06/07   14 horas</a:t>
-              </a:r>
-              <a:endParaRPr lang="pt-BR" sz="3200" b="1" dirty="0">
-                <a:solidFill>
-                  <a:schemeClr val="tx1"/>
-                </a:solidFill>
-                <a:latin typeface="Ink Free" pitchFamily="66" charset="0"/>
-              </a:endParaRPr>
-            </a:p>
-          </p:txBody>
-        </p:sp>
-        <p:sp>
-          <p:nvSpPr>
-            <p:cNvPr id="5" name="CaixaDeTexto 4"/>
-            <p:cNvSpPr txBox="1"/>
-            <p:nvPr/>
-          </p:nvSpPr>
-          <p:spPr>
-            <a:xfrm>
-              <a:off x="3429470" y="517719"/>
-              <a:ext cx="5076056" cy="1200329"/>
-            </a:xfrm>
-            <a:prstGeom prst="rect">
-              <a:avLst/>
-            </a:prstGeom>
-            <a:noFill/>
-            <a:ln>
-              <a:noFill/>
-            </a:ln>
-          </p:spPr>
-          <p:txBody>
-            <a:bodyPr wrap="square" rtlCol="0">
-              <a:spAutoFit/>
-            </a:bodyPr>
-            <a:lstStyle/>
-            <a:p>
-              <a:r>
-                <a:rPr lang="pt-BR" sz="2400" b="1" dirty="0" smtClean="0">
-                  <a:latin typeface="Ink Free" pitchFamily="66" charset="0"/>
-                </a:rPr>
-                <a:t>Google </a:t>
-              </a:r>
-              <a:r>
-                <a:rPr lang="pt-BR" sz="2400" b="1" dirty="0" err="1" smtClean="0">
-                  <a:latin typeface="Ink Free" pitchFamily="66" charset="0"/>
-                </a:rPr>
-                <a:t>Meet</a:t>
-              </a:r>
-              <a:r>
-                <a:rPr lang="pt-BR" sz="2400" b="1" dirty="0" smtClean="0">
-                  <a:latin typeface="Ink Free" pitchFamily="66" charset="0"/>
-                </a:rPr>
-                <a:t>, Probabilidade e R (não necessariamente nesta ordem): um pouco da minha quarentena</a:t>
-              </a:r>
-            </a:p>
-          </p:txBody>
-        </p:sp>
-        <p:sp>
-          <p:nvSpPr>
-            <p:cNvPr id="7" name="Retângulo 6"/>
-            <p:cNvSpPr/>
-            <p:nvPr/>
-          </p:nvSpPr>
-          <p:spPr>
-            <a:xfrm>
-              <a:off x="3343366" y="4854104"/>
-              <a:ext cx="5404536" cy="464344"/>
-            </a:xfrm>
-            <a:prstGeom prst="rect">
-              <a:avLst/>
-            </a:prstGeom>
-            <a:solidFill>
-              <a:schemeClr val="bg1"/>
-            </a:solidFill>
-            <a:ln>
-              <a:noFill/>
-            </a:ln>
-          </p:spPr>
-          <p:style>
-            <a:lnRef idx="2">
-              <a:schemeClr val="accent1">
-                <a:shade val="50000"/>
-              </a:schemeClr>
-            </a:lnRef>
-            <a:fillRef idx="1">
-              <a:schemeClr val="accent1"/>
-            </a:fillRef>
-            <a:effectRef idx="0">
-              <a:schemeClr val="accent1"/>
-            </a:effectRef>
-            <a:fontRef idx="minor">
-              <a:schemeClr val="lt1"/>
-            </a:fontRef>
-          </p:style>
-          <p:txBody>
-            <a:bodyPr rtlCol="0" anchor="ctr"/>
-            <a:lstStyle/>
-            <a:p>
-              <a:pPr algn="ctr"/>
-              <a:r>
-                <a:rPr lang="pt-BR" b="1" dirty="0" smtClean="0">
-                  <a:solidFill>
-                    <a:schemeClr val="tx1"/>
-                  </a:solidFill>
-                  <a:latin typeface="Ink Free" pitchFamily="66" charset="0"/>
-                </a:rPr>
-                <a:t>mediação:  Prof. Alexandre Silva</a:t>
-              </a:r>
-            </a:p>
-          </p:txBody>
-        </p:sp>
-        <p:sp>
-          <p:nvSpPr>
-            <p:cNvPr id="8" name="Retângulo 7"/>
-            <p:cNvSpPr/>
-            <p:nvPr/>
-          </p:nvSpPr>
-          <p:spPr>
-            <a:xfrm>
-              <a:off x="3352335" y="5576807"/>
-              <a:ext cx="5405727" cy="821761"/>
-            </a:xfrm>
-            <a:prstGeom prst="rect">
-              <a:avLst/>
-            </a:prstGeom>
-            <a:solidFill>
-              <a:schemeClr val="bg1"/>
-            </a:solidFill>
-            <a:ln>
-              <a:noFill/>
-            </a:ln>
-          </p:spPr>
-          <p:style>
-            <a:lnRef idx="2">
-              <a:schemeClr val="accent1">
-                <a:shade val="50000"/>
-              </a:schemeClr>
-            </a:lnRef>
-            <a:fillRef idx="1">
-              <a:schemeClr val="accent1"/>
-            </a:fillRef>
-            <a:effectRef idx="0">
-              <a:schemeClr val="accent1"/>
-            </a:effectRef>
-            <a:fontRef idx="minor">
-              <a:schemeClr val="lt1"/>
-            </a:fontRef>
-          </p:style>
-          <p:txBody>
-            <a:bodyPr rtlCol="0" anchor="ctr"/>
-            <a:lstStyle/>
-            <a:p>
-              <a:pPr algn="ctr"/>
-              <a:r>
-                <a:rPr lang="pt-BR" sz="2400" dirty="0" smtClean="0">
-                  <a:solidFill>
-                    <a:schemeClr val="tx1"/>
-                  </a:solidFill>
-                  <a:latin typeface="Forte" pitchFamily="66" charset="0"/>
-                </a:rPr>
-                <a:t>Link </a:t>
-              </a:r>
-              <a:r>
-                <a:rPr lang="pt-BR" sz="2400" dirty="0">
-                  <a:solidFill>
-                    <a:schemeClr val="tx1"/>
-                  </a:solidFill>
-                  <a:latin typeface="Forte" pitchFamily="66" charset="0"/>
-                </a:rPr>
-                <a:t>para o </a:t>
-              </a:r>
-              <a:r>
-                <a:rPr lang="pt-BR" sz="2400" dirty="0" smtClean="0">
-                  <a:solidFill>
-                    <a:schemeClr val="tx1"/>
-                  </a:solidFill>
-                  <a:latin typeface="Forte" pitchFamily="66" charset="0"/>
-                </a:rPr>
-                <a:t>evento</a:t>
-              </a:r>
-            </a:p>
-            <a:p>
-              <a:pPr algn="ctr"/>
-              <a:r>
-                <a:rPr lang="pt-BR" sz="2400" b="1" dirty="0" err="1" smtClean="0">
-                  <a:hlinkClick r:id="rId4"/>
-                </a:rPr>
-                <a:t>meet</a:t>
-              </a:r>
-              <a:r>
-                <a:rPr lang="pt-BR" sz="2400" b="1" dirty="0" smtClean="0">
-                  <a:hlinkClick r:id="rId4"/>
-                </a:rPr>
-                <a:t>.google.com/</a:t>
-              </a:r>
-              <a:r>
-                <a:rPr lang="pt-BR" sz="2400" b="1" dirty="0" err="1" smtClean="0">
-                  <a:hlinkClick r:id="rId4"/>
-                </a:rPr>
-                <a:t>uns-ycoi-bzk</a:t>
-              </a:r>
-              <a:endParaRPr lang="pt-BR" sz="2400" b="1" dirty="0" smtClean="0">
-                <a:solidFill>
-                  <a:srgbClr val="002060"/>
-                </a:solidFill>
-              </a:endParaRPr>
-            </a:p>
-          </p:txBody>
-        </p:sp>
-      </p:grpSp>
-      <p:sp>
-        <p:nvSpPr>
-          <p:cNvPr id="13" name="Retângulo 12"/>
-          <p:cNvSpPr/>
-          <p:nvPr/>
-        </p:nvSpPr>
-        <p:spPr>
-          <a:xfrm>
-            <a:off x="3949328" y="2892648"/>
-            <a:ext cx="5404536" cy="1040408"/>
-          </a:xfrm>
-          <a:prstGeom prst="rect">
-            <a:avLst/>
-          </a:prstGeom>
-          <a:solidFill>
-            <a:schemeClr val="bg1"/>
-          </a:solidFill>
-          <a:ln>
-            <a:noFill/>
-          </a:ln>
-        </p:spPr>
-        <p:style>
-          <a:lnRef idx="2">
-            <a:schemeClr val="accent1">
-              <a:shade val="50000"/>
-            </a:schemeClr>
-          </a:lnRef>
-          <a:fillRef idx="1">
-            <a:schemeClr val="accent1"/>
-          </a:fillRef>
-          <a:effectRef idx="0">
-            <a:schemeClr val="accent1"/>
-          </a:effectRef>
-          <a:fontRef idx="minor">
-            <a:schemeClr val="lt1"/>
-          </a:fontRef>
-        </p:style>
-        <p:txBody>
-          <a:bodyPr rtlCol="0" anchor="ctr"/>
-          <a:lstStyle/>
-          <a:p>
-            <a:pPr algn="ctr"/>
-            <a:endParaRPr lang="pt-BR" sz="2400" b="1" dirty="0" smtClean="0">
-              <a:solidFill>
-                <a:schemeClr val="tx1"/>
-              </a:solidFill>
-              <a:latin typeface="Ink Free" pitchFamily="66" charset="0"/>
-            </a:endParaRPr>
-          </a:p>
-          <a:p>
-            <a:pPr algn="ctr"/>
-            <a:r>
-              <a:rPr lang="pt-BR" sz="2400" b="1" dirty="0" smtClean="0">
-                <a:solidFill>
-                  <a:schemeClr val="tx1"/>
-                </a:solidFill>
-                <a:latin typeface="Ink Free" pitchFamily="66" charset="0"/>
-              </a:rPr>
-              <a:t>Prof.  Felipe Ribeiro Melo</a:t>
-            </a:r>
-          </a:p>
-          <a:p>
-            <a:pPr algn="ctr"/>
-            <a:endParaRPr lang="pt-BR" sz="2400" b="1" dirty="0" smtClean="0">
-              <a:solidFill>
-                <a:schemeClr val="tx1"/>
-              </a:solidFill>
-              <a:latin typeface="Ink Free" pitchFamily="66" charset="0"/>
-            </a:endParaRPr>
-          </a:p>
-        </p:txBody>
-      </p:sp>
-    </p:spTree>
-  </p:cSld>
-  <p:clrMapOvr>
-    <a:masterClrMapping/>
-  </p:clrMapOvr>
-  <p:timing>
-    <p:tnLst>
-      <p:par>
-        <p:cTn id="1" dur="indefinite" restart="never" nodeType="tmRoot"/>
-      </p:par>
-    </p:tnLst>
-  </p:timing>
-</p:sld>
-</file>
-
-<file path=ppt/slides/slide12.xml><?xml version="1.0" encoding="utf-8"?>
-<p:sld xmlns:a="http://schemas.openxmlformats.org/drawingml/2006/main" xmlns:r="http://schemas.openxmlformats.org/officeDocument/2006/relationships" xmlns:p="http://schemas.openxmlformats.org/presentationml/2006/main">
-  <p:cSld>
-    <p:spTree>
-      <p:nvGrpSpPr>
-        <p:cNvPr id="1" name=""/>
-        <p:cNvGrpSpPr/>
-        <p:nvPr/>
-      </p:nvGrpSpPr>
-      <p:grpSpPr>
-        <a:xfrm>
-          <a:off x="0" y="0"/>
-          <a:ext cx="0" cy="0"/>
-          <a:chOff x="0" y="0"/>
-          <a:chExt cx="0" cy="0"/>
-        </a:xfrm>
-      </p:grpSpPr>
-      <p:grpSp>
-        <p:nvGrpSpPr>
           <p:cNvPr id="14" name="Grupo 13"/>
           <p:cNvGrpSpPr/>
           <p:nvPr/>
@@ -5672,7 +5191,7 @@
 </p:sld>
 </file>
 
-<file path=ppt/slides/slide13.xml><?xml version="1.0" encoding="utf-8"?>
+<file path=ppt/slides/slide12.xml><?xml version="1.0" encoding="utf-8"?>
 <p:sld xmlns:a="http://schemas.openxmlformats.org/drawingml/2006/main" xmlns:r="http://schemas.openxmlformats.org/officeDocument/2006/relationships" xmlns:p="http://schemas.openxmlformats.org/presentationml/2006/main">
   <p:cSld>
     <p:spTree>
@@ -6185,7 +5704,7 @@
 </p:sld>
 </file>
 
-<file path=ppt/slides/slide14.xml><?xml version="1.0" encoding="utf-8"?>
+<file path=ppt/slides/slide13.xml><?xml version="1.0" encoding="utf-8"?>
 <p:sld xmlns:a="http://schemas.openxmlformats.org/drawingml/2006/main" xmlns:r="http://schemas.openxmlformats.org/officeDocument/2006/relationships" xmlns:p="http://schemas.openxmlformats.org/presentationml/2006/main">
   <p:cSld>
     <p:spTree>
@@ -6711,7 +6230,7 @@
 </p:sld>
 </file>
 
-<file path=ppt/slides/slide15.xml><?xml version="1.0" encoding="utf-8"?>
+<file path=ppt/slides/slide14.xml><?xml version="1.0" encoding="utf-8"?>
 <p:sld xmlns:a="http://schemas.openxmlformats.org/drawingml/2006/main" xmlns:r="http://schemas.openxmlformats.org/officeDocument/2006/relationships" xmlns:p="http://schemas.openxmlformats.org/presentationml/2006/main">
   <p:cSld>
     <p:spTree>
@@ -6818,7 +6337,7 @@
 </p:sld>
 </file>
 
-<file path=ppt/slides/slide16.xml><?xml version="1.0" encoding="utf-8"?>
+<file path=ppt/slides/slide15.xml><?xml version="1.0" encoding="utf-8"?>
 <p:sld xmlns:a="http://schemas.openxmlformats.org/drawingml/2006/main" xmlns:r="http://schemas.openxmlformats.org/officeDocument/2006/relationships" xmlns:p="http://schemas.openxmlformats.org/presentationml/2006/main">
   <p:cSld>
     <p:spTree>
@@ -7369,7 +6888,7 @@
 </p:sld>
 </file>
 
-<file path=ppt/slides/slide17.xml><?xml version="1.0" encoding="utf-8"?>
+<file path=ppt/slides/slide16.xml><?xml version="1.0" encoding="utf-8"?>
 <p:sld xmlns:a="http://schemas.openxmlformats.org/drawingml/2006/main" xmlns:r="http://schemas.openxmlformats.org/officeDocument/2006/relationships" xmlns:p="http://schemas.openxmlformats.org/presentationml/2006/main">
   <p:cSld>
     <p:spTree>
@@ -7561,16 +7080,7 @@
                       </a:solidFill>
                       <a:latin typeface="Ink Free" pitchFamily="66" charset="0"/>
                     </a:rPr>
-                    <a:t>03/08   </a:t>
-                  </a:r>
-                  <a:r>
-                    <a:rPr lang="pt-BR" sz="3200" b="1" dirty="0" smtClean="0">
-                      <a:solidFill>
-                        <a:schemeClr val="tx1"/>
-                      </a:solidFill>
-                      <a:latin typeface="Ink Free" pitchFamily="66" charset="0"/>
-                    </a:rPr>
-                    <a:t>14 horas</a:t>
+                    <a:t>03/08   14 horas</a:t>
                   </a:r>
                   <a:endParaRPr lang="pt-BR" sz="3200" b="1" dirty="0">
                     <a:solidFill>
@@ -7610,25 +7120,7 @@
                     <a:rPr lang="pt-BR" sz="2800" b="1" dirty="0" smtClean="0">
                       <a:latin typeface="Ink Free" pitchFamily="66" charset="0"/>
                     </a:rPr>
-                    <a:t>O </a:t>
-                  </a:r>
-                  <a:r>
-                    <a:rPr lang="pt-BR" sz="2800" b="1" dirty="0" smtClean="0">
-                      <a:latin typeface="Ink Free" pitchFamily="66" charset="0"/>
-                    </a:rPr>
-                    <a:t>que fazer? </a:t>
-                  </a:r>
-                  <a:r>
-                    <a:rPr lang="pt-BR" sz="2800" b="1" dirty="0" smtClean="0">
-                      <a:latin typeface="Ink Free" pitchFamily="66" charset="0"/>
-                    </a:rPr>
-                    <a:t> Reflexões </a:t>
-                  </a:r>
-                  <a:r>
-                    <a:rPr lang="pt-BR" sz="2800" b="1" dirty="0" smtClean="0">
-                      <a:latin typeface="Ink Free" pitchFamily="66" charset="0"/>
-                    </a:rPr>
-                    <a:t>sobre o retorno remoto.</a:t>
+                    <a:t>O que fazer?  Reflexões sobre o retorno remoto.</a:t>
                   </a:r>
                   <a:endParaRPr lang="en-US" sz="2800" b="1" dirty="0" smtClean="0">
                     <a:latin typeface="Ink Free" pitchFamily="66" charset="0"/>
@@ -7863,25 +7355,7 @@
                       </a:solidFill>
                       <a:latin typeface="Ink Free" pitchFamily="66" charset="0"/>
                     </a:rPr>
-                    <a:t>De </a:t>
-                  </a:r>
-                  <a:r>
-                    <a:rPr lang="pt-BR" sz="2000" b="1" dirty="0" smtClean="0">
-                      <a:solidFill>
-                        <a:schemeClr val="tx1"/>
-                      </a:solidFill>
-                      <a:latin typeface="Ink Free" pitchFamily="66" charset="0"/>
-                    </a:rPr>
-                    <a:t>forma intimista vou apresentar algumas reflexões sobre a pandemia e sobre a retomada das aulas remotamente. </a:t>
-                  </a:r>
-                  <a:r>
-                    <a:rPr lang="pt-BR" sz="2000" b="1" dirty="0" smtClean="0">
-                      <a:solidFill>
-                        <a:schemeClr val="tx1"/>
-                      </a:solidFill>
-                      <a:latin typeface="Ink Free" pitchFamily="66" charset="0"/>
-                    </a:rPr>
-                    <a:t>Pretendo apresentar o que aprendi assistindo as palestras do </a:t>
+                    <a:t>De forma intimista vou apresentar algumas reflexões sobre a pandemia e sobre a retomada das aulas remotamente. Pretendo apresentar o que aprendi assistindo as palestras do </a:t>
                   </a:r>
                   <a:r>
                     <a:rPr lang="pt-BR" sz="2000" b="1" dirty="0" err="1" smtClean="0">
@@ -7990,12 +7464,6 @@
                 </a:rPr>
                 <a:t>Prof. Vinicius Israel</a:t>
               </a:r>
-              <a:endParaRPr lang="pt-BR" sz="2800" b="1" dirty="0" smtClean="0">
-                <a:solidFill>
-                  <a:schemeClr val="tx1"/>
-                </a:solidFill>
-                <a:latin typeface="Ink Free" pitchFamily="66" charset="0"/>
-              </a:endParaRPr>
             </a:p>
             <a:p>
               <a:pPr algn="ctr"/>
@@ -8005,6 +7473,1716 @@
                 </a:solidFill>
                 <a:latin typeface="Ink Free" pitchFamily="66" charset="0"/>
               </a:endParaRPr>
+            </a:p>
+          </p:txBody>
+        </p:sp>
+      </p:grpSp>
+    </p:spTree>
+  </p:cSld>
+  <p:clrMapOvr>
+    <a:masterClrMapping/>
+  </p:clrMapOvr>
+  <p:timing>
+    <p:tnLst>
+      <p:par>
+        <p:cTn id="1" dur="indefinite" restart="never" nodeType="tmRoot"/>
+      </p:par>
+    </p:tnLst>
+  </p:timing>
+</p:sld>
+</file>
+
+<file path=ppt/slides/slide17.xml><?xml version="1.0" encoding="utf-8"?>
+<p:sld xmlns:a="http://schemas.openxmlformats.org/drawingml/2006/main" xmlns:r="http://schemas.openxmlformats.org/officeDocument/2006/relationships" xmlns:p="http://schemas.openxmlformats.org/presentationml/2006/main">
+  <p:cSld>
+    <p:spTree>
+      <p:nvGrpSpPr>
+        <p:cNvPr id="1" name=""/>
+        <p:cNvGrpSpPr/>
+        <p:nvPr/>
+      </p:nvGrpSpPr>
+      <p:grpSpPr>
+        <a:xfrm>
+          <a:off x="0" y="0"/>
+          <a:ext cx="0" cy="0"/>
+          <a:chOff x="0" y="0"/>
+          <a:chExt cx="0" cy="0"/>
+        </a:xfrm>
+      </p:grpSpPr>
+      <p:pic>
+        <p:nvPicPr>
+          <p:cNvPr id="11" name="Imagem 10" descr="Rpy.png"/>
+          <p:cNvPicPr>
+            <a:picLocks noChangeAspect="1"/>
+          </p:cNvPicPr>
+          <p:nvPr/>
+        </p:nvPicPr>
+        <p:blipFill>
+          <a:blip r:embed="rId2" cstate="print"/>
+          <a:srcRect l="375" t="32022" r="92044" b="62554"/>
+          <a:stretch>
+            <a:fillRect/>
+          </a:stretch>
+        </p:blipFill>
+        <p:spPr>
+          <a:xfrm>
+            <a:off x="0" y="27384"/>
+            <a:ext cx="9468544" cy="6858000"/>
+          </a:xfrm>
+          <a:prstGeom prst="rect">
+            <a:avLst/>
+          </a:prstGeom>
+        </p:spPr>
+      </p:pic>
+      <p:grpSp>
+        <p:nvGrpSpPr>
+          <p:cNvPr id="14" name="Grupo 13"/>
+          <p:cNvGrpSpPr/>
+          <p:nvPr/>
+        </p:nvGrpSpPr>
+        <p:grpSpPr>
+          <a:xfrm>
+            <a:off x="-324544" y="27384"/>
+            <a:ext cx="10513168" cy="6858000"/>
+            <a:chOff x="-324544" y="27384"/>
+            <a:chExt cx="10513168" cy="6858000"/>
+          </a:xfrm>
+        </p:grpSpPr>
+        <p:grpSp>
+          <p:nvGrpSpPr>
+            <p:cNvPr id="10" name="Grupo 12"/>
+            <p:cNvGrpSpPr/>
+            <p:nvPr/>
+          </p:nvGrpSpPr>
+          <p:grpSpPr>
+            <a:xfrm>
+              <a:off x="-324544" y="27384"/>
+              <a:ext cx="10513168" cy="6858000"/>
+              <a:chOff x="-324544" y="27384"/>
+              <a:chExt cx="10513168" cy="6858000"/>
+            </a:xfrm>
+          </p:grpSpPr>
+          <p:pic>
+            <p:nvPicPr>
+              <p:cNvPr id="15" name="Picture 4" descr="https://pbs.twimg.com/media/DfqjHpNU0AIuufg.jpg"/>
+              <p:cNvPicPr>
+                <a:picLocks noChangeAspect="1" noChangeArrowheads="1"/>
+              </p:cNvPicPr>
+              <p:nvPr/>
+            </p:nvPicPr>
+            <p:blipFill>
+              <a:blip r:embed="rId3" cstate="print">
+                <a:duotone>
+                  <a:prstClr val="black"/>
+                  <a:schemeClr val="accent5">
+                    <a:tint val="45000"/>
+                    <a:satMod val="400000"/>
+                  </a:schemeClr>
+                </a:duotone>
+              </a:blip>
+              <a:srcRect b="9841"/>
+              <a:stretch>
+                <a:fillRect/>
+              </a:stretch>
+            </p:blipFill>
+            <p:spPr bwMode="auto">
+              <a:xfrm>
+                <a:off x="-324544" y="27384"/>
+                <a:ext cx="10513168" cy="6858000"/>
+              </a:xfrm>
+              <a:prstGeom prst="rect">
+                <a:avLst/>
+              </a:prstGeom>
+              <a:noFill/>
+            </p:spPr>
+          </p:pic>
+          <p:pic>
+            <p:nvPicPr>
+              <p:cNvPr id="2" name="Imagem 1" descr="corpus-banner.png"/>
+              <p:cNvPicPr>
+                <a:picLocks noChangeAspect="1"/>
+              </p:cNvPicPr>
+              <p:nvPr/>
+            </p:nvPicPr>
+            <p:blipFill>
+              <a:blip r:embed="rId4" cstate="print"/>
+              <a:stretch>
+                <a:fillRect/>
+              </a:stretch>
+            </p:blipFill>
+            <p:spPr>
+              <a:xfrm>
+                <a:off x="251520" y="1434877"/>
+                <a:ext cx="3672408" cy="4253755"/>
+              </a:xfrm>
+              <a:prstGeom prst="rect">
+                <a:avLst/>
+              </a:prstGeom>
+            </p:spPr>
+          </p:pic>
+          <p:sp>
+            <p:nvSpPr>
+              <p:cNvPr id="3" name="Retângulo 2"/>
+              <p:cNvSpPr/>
+              <p:nvPr/>
+            </p:nvSpPr>
+            <p:spPr>
+              <a:xfrm>
+                <a:off x="4274370" y="216024"/>
+                <a:ext cx="4684361" cy="1188000"/>
+              </a:xfrm>
+              <a:prstGeom prst="rect">
+                <a:avLst/>
+              </a:prstGeom>
+              <a:solidFill>
+                <a:schemeClr val="bg1"/>
+              </a:solidFill>
+              <a:ln>
+                <a:noFill/>
+              </a:ln>
+            </p:spPr>
+            <p:style>
+              <a:lnRef idx="2">
+                <a:schemeClr val="accent1">
+                  <a:shade val="50000"/>
+                </a:schemeClr>
+              </a:lnRef>
+              <a:fillRef idx="1">
+                <a:schemeClr val="accent1"/>
+              </a:fillRef>
+              <a:effectRef idx="0">
+                <a:schemeClr val="accent1"/>
+              </a:effectRef>
+              <a:fontRef idx="minor">
+                <a:schemeClr val="lt1"/>
+              </a:fontRef>
+            </p:style>
+            <p:txBody>
+              <a:bodyPr rtlCol="0" anchor="ctr"/>
+              <a:lstStyle/>
+              <a:p>
+                <a:pPr algn="ctr"/>
+                <a:endParaRPr lang="pt-BR" b="1" dirty="0">
+                  <a:solidFill>
+                    <a:schemeClr val="tx1"/>
+                  </a:solidFill>
+                </a:endParaRPr>
+              </a:p>
+            </p:txBody>
+          </p:sp>
+          <p:sp>
+            <p:nvSpPr>
+              <p:cNvPr id="4" name="Retângulo 3"/>
+              <p:cNvSpPr/>
+              <p:nvPr/>
+            </p:nvSpPr>
+            <p:spPr>
+              <a:xfrm>
+                <a:off x="4286402" y="4405982"/>
+                <a:ext cx="4721958" cy="967234"/>
+              </a:xfrm>
+              <a:prstGeom prst="rect">
+                <a:avLst/>
+              </a:prstGeom>
+              <a:solidFill>
+                <a:schemeClr val="bg1"/>
+              </a:solidFill>
+              <a:ln>
+                <a:noFill/>
+              </a:ln>
+            </p:spPr>
+            <p:style>
+              <a:lnRef idx="2">
+                <a:schemeClr val="accent1">
+                  <a:shade val="50000"/>
+                </a:schemeClr>
+              </a:lnRef>
+              <a:fillRef idx="1">
+                <a:schemeClr val="accent1"/>
+              </a:fillRef>
+              <a:effectRef idx="0">
+                <a:schemeClr val="accent1"/>
+              </a:effectRef>
+              <a:fontRef idx="minor">
+                <a:schemeClr val="lt1"/>
+              </a:fontRef>
+            </p:style>
+            <p:txBody>
+              <a:bodyPr rtlCol="0" anchor="ctr"/>
+              <a:lstStyle/>
+              <a:p>
+                <a:pPr algn="ctr"/>
+                <a:r>
+                  <a:rPr lang="pt-BR" sz="4000" dirty="0" smtClean="0">
+                    <a:solidFill>
+                      <a:schemeClr val="tx1"/>
+                    </a:solidFill>
+                    <a:latin typeface="xkcd" pitchFamily="2" charset="0"/>
+                  </a:rPr>
+                  <a:t>31</a:t>
+                </a:r>
+                <a:r>
+                  <a:rPr lang="pt-BR" sz="4000" dirty="0" smtClean="0">
+                    <a:solidFill>
+                      <a:schemeClr val="tx1"/>
+                    </a:solidFill>
+                    <a:latin typeface="+mj-lt"/>
+                  </a:rPr>
+                  <a:t>/</a:t>
+                </a:r>
+                <a:r>
+                  <a:rPr lang="pt-BR" sz="4000" dirty="0" smtClean="0">
+                    <a:solidFill>
+                      <a:schemeClr val="tx1"/>
+                    </a:solidFill>
+                    <a:latin typeface="xkcd" pitchFamily="2" charset="0"/>
+                  </a:rPr>
+                  <a:t>08   14 horas</a:t>
+                </a:r>
+                <a:endParaRPr lang="pt-BR" sz="4000" dirty="0">
+                  <a:solidFill>
+                    <a:schemeClr val="tx1"/>
+                  </a:solidFill>
+                  <a:latin typeface="xkcd" pitchFamily="2" charset="0"/>
+                </a:endParaRPr>
+              </a:p>
+            </p:txBody>
+          </p:sp>
+          <p:sp>
+            <p:nvSpPr>
+              <p:cNvPr id="5" name="CaixaDeTexto 4"/>
+              <p:cNvSpPr txBox="1"/>
+              <p:nvPr/>
+            </p:nvSpPr>
+            <p:spPr>
+              <a:xfrm>
+                <a:off x="4355976" y="404664"/>
+                <a:ext cx="4536504" cy="830997"/>
+              </a:xfrm>
+              <a:prstGeom prst="rect">
+                <a:avLst/>
+              </a:prstGeom>
+              <a:noFill/>
+              <a:ln>
+                <a:noFill/>
+              </a:ln>
+            </p:spPr>
+            <p:txBody>
+              <a:bodyPr wrap="square" rtlCol="0">
+                <a:spAutoFit/>
+              </a:bodyPr>
+              <a:lstStyle/>
+              <a:p>
+                <a:r>
+                  <a:rPr lang="pt-BR" sz="2400" b="1" dirty="0" smtClean="0">
+                    <a:latin typeface="Ink Free" pitchFamily="66" charset="0"/>
+                  </a:rPr>
+                  <a:t>Técnicas estatísticas clássicas aplicadas ao curso da pandemia</a:t>
+                </a:r>
+                <a:endParaRPr lang="pt-BR" sz="2400" b="1" dirty="0">
+                  <a:latin typeface="Ink Free" pitchFamily="66" charset="0"/>
+                </a:endParaRPr>
+              </a:p>
+            </p:txBody>
+          </p:sp>
+          <p:sp>
+            <p:nvSpPr>
+              <p:cNvPr id="8" name="Retângulo 7"/>
+              <p:cNvSpPr/>
+              <p:nvPr/>
+            </p:nvSpPr>
+            <p:spPr>
+              <a:xfrm>
+                <a:off x="4261588" y="5594656"/>
+                <a:ext cx="4721958" cy="1074704"/>
+              </a:xfrm>
+              <a:prstGeom prst="rect">
+                <a:avLst/>
+              </a:prstGeom>
+              <a:solidFill>
+                <a:schemeClr val="bg1"/>
+              </a:solidFill>
+              <a:ln>
+                <a:noFill/>
+              </a:ln>
+            </p:spPr>
+            <p:style>
+              <a:lnRef idx="2">
+                <a:schemeClr val="accent1">
+                  <a:shade val="50000"/>
+                </a:schemeClr>
+              </a:lnRef>
+              <a:fillRef idx="1">
+                <a:schemeClr val="accent1"/>
+              </a:fillRef>
+              <a:effectRef idx="0">
+                <a:schemeClr val="accent1"/>
+              </a:effectRef>
+              <a:fontRef idx="minor">
+                <a:schemeClr val="lt1"/>
+              </a:fontRef>
+            </p:style>
+            <p:txBody>
+              <a:bodyPr rtlCol="0" anchor="ctr"/>
+              <a:lstStyle/>
+              <a:p>
+                <a:pPr algn="ctr"/>
+                <a:r>
+                  <a:rPr lang="pt-BR" sz="2400" dirty="0" smtClean="0">
+                    <a:solidFill>
+                      <a:schemeClr val="tx1"/>
+                    </a:solidFill>
+                    <a:latin typeface="Forte" pitchFamily="66" charset="0"/>
+                  </a:rPr>
+                  <a:t>Link </a:t>
+                </a:r>
+                <a:r>
+                  <a:rPr lang="pt-BR" sz="2400" dirty="0">
+                    <a:solidFill>
+                      <a:schemeClr val="tx1"/>
+                    </a:solidFill>
+                    <a:latin typeface="Forte" pitchFamily="66" charset="0"/>
+                  </a:rPr>
+                  <a:t>para o </a:t>
+                </a:r>
+                <a:r>
+                  <a:rPr lang="pt-BR" sz="2400" dirty="0" smtClean="0">
+                    <a:solidFill>
+                      <a:schemeClr val="tx1"/>
+                    </a:solidFill>
+                    <a:latin typeface="Forte" pitchFamily="66" charset="0"/>
+                  </a:rPr>
+                  <a:t>evento</a:t>
+                </a:r>
+              </a:p>
+              <a:p>
+                <a:pPr algn="ctr"/>
+                <a:r>
+                  <a:rPr lang="pt-BR" sz="2400" dirty="0" err="1" smtClean="0">
+                    <a:latin typeface="Bahnschrift" pitchFamily="34" charset="0"/>
+                    <a:hlinkClick r:id="rId5"/>
+                  </a:rPr>
+                  <a:t>meet</a:t>
+                </a:r>
+                <a:r>
+                  <a:rPr lang="pt-BR" sz="2400" dirty="0" smtClean="0">
+                    <a:latin typeface="Bahnschrift" pitchFamily="34" charset="0"/>
+                    <a:hlinkClick r:id="rId5"/>
+                  </a:rPr>
+                  <a:t>.google.com/</a:t>
+                </a:r>
+                <a:r>
+                  <a:rPr lang="pt-BR" sz="2400" dirty="0" err="1" smtClean="0">
+                    <a:latin typeface="Bahnschrift" pitchFamily="34" charset="0"/>
+                    <a:hlinkClick r:id="rId5"/>
+                  </a:rPr>
+                  <a:t>dma-ccgv-wnt</a:t>
+                </a:r>
+                <a:endParaRPr lang="pt-BR" sz="2400" dirty="0">
+                  <a:latin typeface="Bahnschrift" pitchFamily="34" charset="0"/>
+                  <a:hlinkClick r:id="rId5"/>
+                </a:endParaRPr>
+              </a:p>
+            </p:txBody>
+          </p:sp>
+          <p:sp>
+            <p:nvSpPr>
+              <p:cNvPr id="9" name="Retângulo 8"/>
+              <p:cNvSpPr/>
+              <p:nvPr/>
+            </p:nvSpPr>
+            <p:spPr>
+              <a:xfrm>
+                <a:off x="4280127" y="1608187"/>
+                <a:ext cx="4684361" cy="1100733"/>
+              </a:xfrm>
+              <a:prstGeom prst="rect">
+                <a:avLst/>
+              </a:prstGeom>
+              <a:solidFill>
+                <a:schemeClr val="bg1"/>
+              </a:solidFill>
+              <a:ln>
+                <a:noFill/>
+              </a:ln>
+            </p:spPr>
+            <p:style>
+              <a:lnRef idx="2">
+                <a:schemeClr val="accent1">
+                  <a:shade val="50000"/>
+                </a:schemeClr>
+              </a:lnRef>
+              <a:fillRef idx="1">
+                <a:schemeClr val="accent1"/>
+              </a:fillRef>
+              <a:effectRef idx="0">
+                <a:schemeClr val="accent1"/>
+              </a:effectRef>
+              <a:fontRef idx="minor">
+                <a:schemeClr val="lt1"/>
+              </a:fontRef>
+            </p:style>
+            <p:txBody>
+              <a:bodyPr rtlCol="0" anchor="ctr"/>
+              <a:lstStyle/>
+              <a:p>
+                <a:pPr algn="just"/>
+                <a:endParaRPr lang="pt-BR" sz="1600" b="1" dirty="0" smtClean="0">
+                  <a:solidFill>
+                    <a:schemeClr val="tx1"/>
+                  </a:solidFill>
+                  <a:latin typeface="Ink Free" pitchFamily="66" charset="0"/>
+                </a:endParaRPr>
+              </a:p>
+              <a:p>
+                <a:pPr algn="just"/>
+                <a:endParaRPr lang="pt-BR" sz="1600" b="1" dirty="0" smtClean="0">
+                  <a:solidFill>
+                    <a:schemeClr val="tx1"/>
+                  </a:solidFill>
+                  <a:latin typeface="Ink Free" pitchFamily="66" charset="0"/>
+                </a:endParaRPr>
+              </a:p>
+              <a:p>
+                <a:pPr algn="just"/>
+                <a:endParaRPr lang="pt-BR" sz="1600" b="1" dirty="0" smtClean="0">
+                  <a:solidFill>
+                    <a:schemeClr val="tx1"/>
+                  </a:solidFill>
+                  <a:latin typeface="Ink Free" pitchFamily="66" charset="0"/>
+                </a:endParaRPr>
+              </a:p>
+            </p:txBody>
+          </p:sp>
+          <p:sp>
+            <p:nvSpPr>
+              <p:cNvPr id="6" name="CaixaDeTexto 5"/>
+              <p:cNvSpPr txBox="1"/>
+              <p:nvPr/>
+            </p:nvSpPr>
+            <p:spPr>
+              <a:xfrm>
+                <a:off x="4427984" y="1682805"/>
+                <a:ext cx="4320480" cy="954107"/>
+              </a:xfrm>
+              <a:prstGeom prst="rect">
+                <a:avLst/>
+              </a:prstGeom>
+              <a:noFill/>
+              <a:ln>
+                <a:noFill/>
+              </a:ln>
+            </p:spPr>
+            <p:txBody>
+              <a:bodyPr wrap="square" rtlCol="0">
+                <a:spAutoFit/>
+              </a:bodyPr>
+              <a:lstStyle/>
+              <a:p>
+                <a:pPr algn="ctr"/>
+                <a:r>
+                  <a:rPr lang="pt-BR" sz="2800" b="1" dirty="0" smtClean="0">
+                    <a:latin typeface="Ink Free" pitchFamily="66" charset="0"/>
+                  </a:rPr>
+                  <a:t>Prof. Antonio Carlos Monteiro </a:t>
+                </a:r>
+                <a:r>
+                  <a:rPr lang="pt-BR" sz="2800" b="1" dirty="0" err="1" smtClean="0">
+                    <a:latin typeface="Ink Free" pitchFamily="66" charset="0"/>
+                  </a:rPr>
+                  <a:t>Ponce</a:t>
+                </a:r>
+                <a:r>
+                  <a:rPr lang="pt-BR" sz="2800" b="1" dirty="0" smtClean="0">
+                    <a:latin typeface="Ink Free" pitchFamily="66" charset="0"/>
+                  </a:rPr>
+                  <a:t> de Leon</a:t>
+                </a:r>
+                <a:endParaRPr lang="pt-BR" sz="2800" b="1" dirty="0">
+                  <a:latin typeface="Ink Free" pitchFamily="66" charset="0"/>
+                </a:endParaRPr>
+              </a:p>
+            </p:txBody>
+          </p:sp>
+        </p:grpSp>
+        <p:sp>
+          <p:nvSpPr>
+            <p:cNvPr id="13" name="Retângulo 12"/>
+            <p:cNvSpPr/>
+            <p:nvPr/>
+          </p:nvSpPr>
+          <p:spPr>
+            <a:xfrm>
+              <a:off x="4288201" y="2924944"/>
+              <a:ext cx="4684361" cy="1296144"/>
+            </a:xfrm>
+            <a:prstGeom prst="rect">
+              <a:avLst/>
+            </a:prstGeom>
+            <a:solidFill>
+              <a:schemeClr val="bg1"/>
+            </a:solidFill>
+            <a:ln>
+              <a:noFill/>
+            </a:ln>
+          </p:spPr>
+          <p:style>
+            <a:lnRef idx="2">
+              <a:schemeClr val="accent1">
+                <a:shade val="50000"/>
+              </a:schemeClr>
+            </a:lnRef>
+            <a:fillRef idx="1">
+              <a:schemeClr val="accent1"/>
+            </a:fillRef>
+            <a:effectRef idx="0">
+              <a:schemeClr val="accent1"/>
+            </a:effectRef>
+            <a:fontRef idx="minor">
+              <a:schemeClr val="lt1"/>
+            </a:fontRef>
+          </p:style>
+          <p:txBody>
+            <a:bodyPr rtlCol="0" anchor="ctr"/>
+            <a:lstStyle/>
+            <a:p>
+              <a:pPr algn="just"/>
+              <a:r>
+                <a:rPr lang="pt-BR" b="1" dirty="0" smtClean="0">
+                  <a:solidFill>
+                    <a:schemeClr val="tx1"/>
+                  </a:solidFill>
+                  <a:latin typeface="Ink Free" pitchFamily="66" charset="0"/>
+                </a:rPr>
+                <a:t>Professor titular do IMS/UERJ  e Professor Visitante regular do Instituto </a:t>
+              </a:r>
+              <a:r>
+                <a:rPr lang="pt-BR" b="1" dirty="0" err="1" smtClean="0">
+                  <a:solidFill>
+                    <a:schemeClr val="tx1"/>
+                  </a:solidFill>
+                  <a:latin typeface="Ink Free" pitchFamily="66" charset="0"/>
+                </a:rPr>
+                <a:t>Karolinska</a:t>
+              </a:r>
+              <a:r>
+                <a:rPr lang="pt-BR" b="1" dirty="0" smtClean="0">
+                  <a:solidFill>
+                    <a:schemeClr val="tx1"/>
+                  </a:solidFill>
+                  <a:latin typeface="Ink Free" pitchFamily="66" charset="0"/>
+                </a:rPr>
+                <a:t> e do Centre for </a:t>
+              </a:r>
+              <a:r>
+                <a:rPr lang="pt-BR" b="1" dirty="0" err="1" smtClean="0">
+                  <a:solidFill>
+                    <a:schemeClr val="tx1"/>
+                  </a:solidFill>
+                  <a:latin typeface="Ink Free" pitchFamily="66" charset="0"/>
+                </a:rPr>
+                <a:t>Health</a:t>
+              </a:r>
+              <a:r>
+                <a:rPr lang="pt-BR" b="1" dirty="0" smtClean="0">
+                  <a:solidFill>
+                    <a:schemeClr val="tx1"/>
+                  </a:solidFill>
+                  <a:latin typeface="Ink Free" pitchFamily="66" charset="0"/>
+                </a:rPr>
+                <a:t> </a:t>
+              </a:r>
+              <a:r>
+                <a:rPr lang="pt-BR" b="1" dirty="0" err="1" smtClean="0">
+                  <a:solidFill>
+                    <a:schemeClr val="tx1"/>
+                  </a:solidFill>
+                  <a:latin typeface="Ink Free" pitchFamily="66" charset="0"/>
+                </a:rPr>
+                <a:t>Equity</a:t>
+              </a:r>
+              <a:r>
+                <a:rPr lang="pt-BR" b="1" dirty="0" smtClean="0">
+                  <a:solidFill>
+                    <a:schemeClr val="tx1"/>
+                  </a:solidFill>
+                  <a:latin typeface="Ink Free" pitchFamily="66" charset="0"/>
+                </a:rPr>
+                <a:t> </a:t>
+              </a:r>
+              <a:r>
+                <a:rPr lang="pt-BR" b="1" dirty="0" err="1" smtClean="0">
+                  <a:solidFill>
+                    <a:schemeClr val="tx1"/>
+                  </a:solidFill>
+                  <a:latin typeface="Ink Free" pitchFamily="66" charset="0"/>
+                </a:rPr>
+                <a:t>Studies</a:t>
+              </a:r>
+              <a:r>
+                <a:rPr lang="pt-BR" b="1" dirty="0" smtClean="0">
+                  <a:solidFill>
+                    <a:schemeClr val="tx1"/>
+                  </a:solidFill>
+                  <a:latin typeface="Ink Free" pitchFamily="66" charset="0"/>
+                </a:rPr>
+                <a:t> (CHESS)</a:t>
+              </a:r>
+              <a:endParaRPr lang="pt-BR" b="1" dirty="0">
+                <a:solidFill>
+                  <a:schemeClr val="tx1"/>
+                </a:solidFill>
+                <a:latin typeface="Ink Free" pitchFamily="66" charset="0"/>
+              </a:endParaRPr>
+            </a:p>
+          </p:txBody>
+        </p:sp>
+      </p:grpSp>
+    </p:spTree>
+  </p:cSld>
+  <p:clrMapOvr>
+    <a:masterClrMapping/>
+  </p:clrMapOvr>
+  <p:timing>
+    <p:tnLst>
+      <p:par>
+        <p:cTn id="1" dur="indefinite" restart="never" nodeType="tmRoot"/>
+      </p:par>
+    </p:tnLst>
+  </p:timing>
+</p:sld>
+</file>
+
+<file path=ppt/slides/slide18.xml><?xml version="1.0" encoding="utf-8"?>
+<p:sld xmlns:a="http://schemas.openxmlformats.org/drawingml/2006/main" xmlns:r="http://schemas.openxmlformats.org/officeDocument/2006/relationships" xmlns:p="http://schemas.openxmlformats.org/presentationml/2006/main">
+  <p:cSld>
+    <p:spTree>
+      <p:nvGrpSpPr>
+        <p:cNvPr id="1" name=""/>
+        <p:cNvGrpSpPr/>
+        <p:nvPr/>
+      </p:nvGrpSpPr>
+      <p:grpSpPr>
+        <a:xfrm>
+          <a:off x="0" y="0"/>
+          <a:ext cx="0" cy="0"/>
+          <a:chOff x="0" y="0"/>
+          <a:chExt cx="0" cy="0"/>
+        </a:xfrm>
+      </p:grpSpPr>
+      <p:pic>
+        <p:nvPicPr>
+          <p:cNvPr id="11" name="Imagem 10" descr="Rpy.png"/>
+          <p:cNvPicPr>
+            <a:picLocks noChangeAspect="1"/>
+          </p:cNvPicPr>
+          <p:nvPr/>
+        </p:nvPicPr>
+        <p:blipFill>
+          <a:blip r:embed="rId2" cstate="print"/>
+          <a:srcRect l="375" t="32022" r="92044" b="62554"/>
+          <a:stretch>
+            <a:fillRect/>
+          </a:stretch>
+        </p:blipFill>
+        <p:spPr>
+          <a:xfrm>
+            <a:off x="0" y="27384"/>
+            <a:ext cx="9468544" cy="6858000"/>
+          </a:xfrm>
+          <a:prstGeom prst="rect">
+            <a:avLst/>
+          </a:prstGeom>
+        </p:spPr>
+      </p:pic>
+      <p:grpSp>
+        <p:nvGrpSpPr>
+          <p:cNvPr id="14" name="Grupo 13"/>
+          <p:cNvGrpSpPr/>
+          <p:nvPr/>
+        </p:nvGrpSpPr>
+        <p:grpSpPr>
+          <a:xfrm>
+            <a:off x="-612576" y="27384"/>
+            <a:ext cx="10513168" cy="6858000"/>
+            <a:chOff x="-612576" y="27384"/>
+            <a:chExt cx="10513168" cy="6858000"/>
+          </a:xfrm>
+        </p:grpSpPr>
+        <p:grpSp>
+          <p:nvGrpSpPr>
+            <p:cNvPr id="9" name="Grupo 12"/>
+            <p:cNvGrpSpPr/>
+            <p:nvPr/>
+          </p:nvGrpSpPr>
+          <p:grpSpPr>
+            <a:xfrm>
+              <a:off x="-612576" y="27384"/>
+              <a:ext cx="10513168" cy="6858000"/>
+              <a:chOff x="-612576" y="27384"/>
+              <a:chExt cx="10513168" cy="6858000"/>
+            </a:xfrm>
+          </p:grpSpPr>
+          <p:pic>
+            <p:nvPicPr>
+              <p:cNvPr id="15" name="Picture 4" descr="https://pbs.twimg.com/media/DfqjHpNU0AIuufg.jpg"/>
+              <p:cNvPicPr>
+                <a:picLocks noChangeAspect="1" noChangeArrowheads="1"/>
+              </p:cNvPicPr>
+              <p:nvPr/>
+            </p:nvPicPr>
+            <p:blipFill>
+              <a:blip r:embed="rId3" cstate="print">
+                <a:duotone>
+                  <a:prstClr val="black"/>
+                  <a:srgbClr val="92D050">
+                    <a:tint val="45000"/>
+                    <a:satMod val="400000"/>
+                  </a:srgbClr>
+                </a:duotone>
+              </a:blip>
+              <a:srcRect b="9841"/>
+              <a:stretch>
+                <a:fillRect/>
+              </a:stretch>
+            </p:blipFill>
+            <p:spPr bwMode="auto">
+              <a:xfrm>
+                <a:off x="-612576" y="27384"/>
+                <a:ext cx="10513168" cy="6858000"/>
+              </a:xfrm>
+              <a:prstGeom prst="rect">
+                <a:avLst/>
+              </a:prstGeom>
+              <a:noFill/>
+            </p:spPr>
+          </p:pic>
+          <p:pic>
+            <p:nvPicPr>
+              <p:cNvPr id="2" name="Imagem 1" descr="corpus-banner.png"/>
+              <p:cNvPicPr>
+                <a:picLocks noChangeAspect="1"/>
+              </p:cNvPicPr>
+              <p:nvPr/>
+            </p:nvPicPr>
+            <p:blipFill>
+              <a:blip r:embed="rId4" cstate="print"/>
+              <a:stretch>
+                <a:fillRect/>
+              </a:stretch>
+            </p:blipFill>
+            <p:spPr>
+              <a:xfrm>
+                <a:off x="-36512" y="1434877"/>
+                <a:ext cx="3672408" cy="4253755"/>
+              </a:xfrm>
+              <a:prstGeom prst="rect">
+                <a:avLst/>
+              </a:prstGeom>
+            </p:spPr>
+          </p:pic>
+          <p:sp>
+            <p:nvSpPr>
+              <p:cNvPr id="3" name="Retângulo 2"/>
+              <p:cNvSpPr/>
+              <p:nvPr/>
+            </p:nvSpPr>
+            <p:spPr>
+              <a:xfrm>
+                <a:off x="4058346" y="149432"/>
+                <a:ext cx="5410198" cy="903304"/>
+              </a:xfrm>
+              <a:prstGeom prst="rect">
+                <a:avLst/>
+              </a:prstGeom>
+              <a:solidFill>
+                <a:schemeClr val="bg1"/>
+              </a:solidFill>
+              <a:ln>
+                <a:noFill/>
+              </a:ln>
+            </p:spPr>
+            <p:style>
+              <a:lnRef idx="2">
+                <a:schemeClr val="accent1">
+                  <a:shade val="50000"/>
+                </a:schemeClr>
+              </a:lnRef>
+              <a:fillRef idx="1">
+                <a:schemeClr val="accent1"/>
+              </a:fillRef>
+              <a:effectRef idx="0">
+                <a:schemeClr val="accent1"/>
+              </a:effectRef>
+              <a:fontRef idx="minor">
+                <a:schemeClr val="lt1"/>
+              </a:fontRef>
+            </p:style>
+            <p:txBody>
+              <a:bodyPr rtlCol="0" anchor="ctr"/>
+              <a:lstStyle/>
+              <a:p>
+                <a:pPr algn="ctr"/>
+                <a:endParaRPr lang="pt-BR" b="1" dirty="0">
+                  <a:solidFill>
+                    <a:schemeClr val="tx1"/>
+                  </a:solidFill>
+                </a:endParaRPr>
+              </a:p>
+            </p:txBody>
+          </p:sp>
+          <p:sp>
+            <p:nvSpPr>
+              <p:cNvPr id="4" name="Retângulo 3"/>
+              <p:cNvSpPr/>
+              <p:nvPr/>
+            </p:nvSpPr>
+            <p:spPr>
+              <a:xfrm>
+                <a:off x="4070378" y="4549998"/>
+                <a:ext cx="5398166" cy="967234"/>
+              </a:xfrm>
+              <a:prstGeom prst="rect">
+                <a:avLst/>
+              </a:prstGeom>
+              <a:solidFill>
+                <a:schemeClr val="bg1"/>
+              </a:solidFill>
+              <a:ln>
+                <a:noFill/>
+              </a:ln>
+            </p:spPr>
+            <p:style>
+              <a:lnRef idx="2">
+                <a:schemeClr val="accent1">
+                  <a:shade val="50000"/>
+                </a:schemeClr>
+              </a:lnRef>
+              <a:fillRef idx="1">
+                <a:schemeClr val="accent1"/>
+              </a:fillRef>
+              <a:effectRef idx="0">
+                <a:schemeClr val="accent1"/>
+              </a:effectRef>
+              <a:fontRef idx="minor">
+                <a:schemeClr val="lt1"/>
+              </a:fontRef>
+            </p:style>
+            <p:txBody>
+              <a:bodyPr rtlCol="0" anchor="ctr"/>
+              <a:lstStyle/>
+              <a:p>
+                <a:pPr algn="ctr"/>
+                <a:r>
+                  <a:rPr lang="pt-BR" sz="4400" b="1" dirty="0" smtClean="0">
+                    <a:solidFill>
+                      <a:schemeClr val="tx1"/>
+                    </a:solidFill>
+                    <a:latin typeface="Ink Free" pitchFamily="66" charset="0"/>
+                  </a:rPr>
+                  <a:t>14/09   14 horas</a:t>
+                </a:r>
+                <a:endParaRPr lang="pt-BR" sz="4400" b="1" dirty="0">
+                  <a:solidFill>
+                    <a:schemeClr val="tx1"/>
+                  </a:solidFill>
+                  <a:latin typeface="Ink Free" pitchFamily="66" charset="0"/>
+                </a:endParaRPr>
+              </a:p>
+            </p:txBody>
+          </p:sp>
+          <p:sp>
+            <p:nvSpPr>
+              <p:cNvPr id="5" name="CaixaDeTexto 4"/>
+              <p:cNvSpPr txBox="1"/>
+              <p:nvPr/>
+            </p:nvSpPr>
+            <p:spPr>
+              <a:xfrm>
+                <a:off x="4139952" y="303039"/>
+                <a:ext cx="5076056" cy="646331"/>
+              </a:xfrm>
+              <a:prstGeom prst="rect">
+                <a:avLst/>
+              </a:prstGeom>
+              <a:noFill/>
+              <a:ln>
+                <a:noFill/>
+              </a:ln>
+            </p:spPr>
+            <p:txBody>
+              <a:bodyPr wrap="square" rtlCol="0">
+                <a:spAutoFit/>
+              </a:bodyPr>
+              <a:lstStyle/>
+              <a:p>
+                <a:pPr algn="ctr"/>
+                <a:r>
+                  <a:rPr lang="pt-BR" sz="3600" b="1" dirty="0" smtClean="0">
+                    <a:latin typeface="Ink Free" pitchFamily="66" charset="0"/>
+                  </a:rPr>
+                  <a:t>Dados públicos em saúde</a:t>
+                </a:r>
+              </a:p>
+            </p:txBody>
+          </p:sp>
+          <p:sp>
+            <p:nvSpPr>
+              <p:cNvPr id="8" name="Retângulo 7"/>
+              <p:cNvSpPr/>
+              <p:nvPr/>
+            </p:nvSpPr>
+            <p:spPr>
+              <a:xfrm>
+                <a:off x="4062817" y="5733256"/>
+                <a:ext cx="5405727" cy="1074704"/>
+              </a:xfrm>
+              <a:prstGeom prst="rect">
+                <a:avLst/>
+              </a:prstGeom>
+              <a:solidFill>
+                <a:schemeClr val="bg1"/>
+              </a:solidFill>
+              <a:ln>
+                <a:noFill/>
+              </a:ln>
+            </p:spPr>
+            <p:style>
+              <a:lnRef idx="2">
+                <a:schemeClr val="accent1">
+                  <a:shade val="50000"/>
+                </a:schemeClr>
+              </a:lnRef>
+              <a:fillRef idx="1">
+                <a:schemeClr val="accent1"/>
+              </a:fillRef>
+              <a:effectRef idx="0">
+                <a:schemeClr val="accent1"/>
+              </a:effectRef>
+              <a:fontRef idx="minor">
+                <a:schemeClr val="lt1"/>
+              </a:fontRef>
+            </p:style>
+            <p:txBody>
+              <a:bodyPr rtlCol="0" anchor="ctr"/>
+              <a:lstStyle/>
+              <a:p>
+                <a:pPr algn="ctr"/>
+                <a:r>
+                  <a:rPr lang="pt-BR" sz="2400" dirty="0" smtClean="0">
+                    <a:solidFill>
+                      <a:schemeClr val="tx1"/>
+                    </a:solidFill>
+                    <a:latin typeface="Forte" pitchFamily="66" charset="0"/>
+                  </a:rPr>
+                  <a:t>Link </a:t>
+                </a:r>
+                <a:r>
+                  <a:rPr lang="pt-BR" sz="2400" dirty="0">
+                    <a:solidFill>
+                      <a:schemeClr val="tx1"/>
+                    </a:solidFill>
+                    <a:latin typeface="Forte" pitchFamily="66" charset="0"/>
+                  </a:rPr>
+                  <a:t>para o </a:t>
+                </a:r>
+                <a:r>
+                  <a:rPr lang="pt-BR" sz="2400" dirty="0" smtClean="0">
+                    <a:solidFill>
+                      <a:schemeClr val="tx1"/>
+                    </a:solidFill>
+                    <a:latin typeface="Forte" pitchFamily="66" charset="0"/>
+                  </a:rPr>
+                  <a:t>evento</a:t>
+                </a:r>
+              </a:p>
+              <a:p>
+                <a:pPr algn="ctr"/>
+                <a:r>
+                  <a:rPr lang="pt-BR" sz="2400" dirty="0" smtClean="0">
+                    <a:solidFill>
+                      <a:schemeClr val="tx1"/>
+                    </a:solidFill>
+                    <a:latin typeface="Eras Bold ITC" pitchFamily="34" charset="0"/>
+                  </a:rPr>
+                  <a:t> </a:t>
+                </a:r>
+                <a:r>
+                  <a:rPr lang="pt-BR" sz="2400" dirty="0" err="1" smtClean="0">
+                    <a:solidFill>
+                      <a:schemeClr val="tx1"/>
+                    </a:solidFill>
+                    <a:latin typeface="Eras Bold ITC" pitchFamily="34" charset="0"/>
+                  </a:rPr>
+                  <a:t>meet</a:t>
+                </a:r>
+                <a:r>
+                  <a:rPr lang="pt-BR" sz="2400" dirty="0" smtClean="0">
+                    <a:solidFill>
+                      <a:schemeClr val="tx1"/>
+                    </a:solidFill>
+                    <a:latin typeface="Eras Bold ITC" pitchFamily="34" charset="0"/>
+                  </a:rPr>
+                  <a:t>.google.com/</a:t>
+                </a:r>
+                <a:r>
+                  <a:rPr lang="pt-BR" sz="2400" dirty="0" err="1" smtClean="0">
+                    <a:solidFill>
+                      <a:schemeClr val="tx1"/>
+                    </a:solidFill>
+                    <a:latin typeface="Eras Bold ITC" pitchFamily="34" charset="0"/>
+                  </a:rPr>
+                  <a:t>cjx-yrgd-kfi</a:t>
+                </a:r>
+                <a:endParaRPr lang="pt-BR" sz="2400" dirty="0" smtClean="0">
+                  <a:solidFill>
+                    <a:schemeClr val="tx1"/>
+                  </a:solidFill>
+                  <a:latin typeface="Eras Bold ITC" pitchFamily="34" charset="0"/>
+                </a:endParaRPr>
+              </a:p>
+            </p:txBody>
+          </p:sp>
+          <p:sp>
+            <p:nvSpPr>
+              <p:cNvPr id="12" name="Retângulo 11"/>
+              <p:cNvSpPr/>
+              <p:nvPr/>
+            </p:nvSpPr>
+            <p:spPr>
+              <a:xfrm>
+                <a:off x="4067944" y="2420888"/>
+                <a:ext cx="5400600" cy="1944216"/>
+              </a:xfrm>
+              <a:prstGeom prst="rect">
+                <a:avLst/>
+              </a:prstGeom>
+              <a:solidFill>
+                <a:schemeClr val="bg1"/>
+              </a:solidFill>
+              <a:ln>
+                <a:noFill/>
+              </a:ln>
+            </p:spPr>
+            <p:style>
+              <a:lnRef idx="2">
+                <a:schemeClr val="accent1">
+                  <a:shade val="50000"/>
+                </a:schemeClr>
+              </a:lnRef>
+              <a:fillRef idx="1">
+                <a:schemeClr val="accent1"/>
+              </a:fillRef>
+              <a:effectRef idx="0">
+                <a:schemeClr val="accent1"/>
+              </a:effectRef>
+              <a:fontRef idx="minor">
+                <a:schemeClr val="lt1"/>
+              </a:fontRef>
+            </p:style>
+            <p:txBody>
+              <a:bodyPr rtlCol="0" anchor="ctr"/>
+              <a:lstStyle/>
+              <a:p>
+                <a:pPr algn="just">
+                  <a:buFont typeface="Arial" pitchFamily="34" charset="0"/>
+                  <a:buChar char="•"/>
+                </a:pPr>
+                <a:r>
+                  <a:rPr lang="pt-BR" sz="1600" b="1" dirty="0" smtClean="0">
+                    <a:solidFill>
+                      <a:schemeClr val="tx1"/>
+                    </a:solidFill>
+                    <a:latin typeface="Ink Free" pitchFamily="66" charset="0"/>
+                  </a:rPr>
+                  <a:t>  Graduação em Enfermagem pela Universidade Federal do Estado do Rio de Janeiro (2010), </a:t>
+                </a:r>
+              </a:p>
+              <a:p>
+                <a:pPr algn="just">
+                  <a:buFont typeface="Arial" pitchFamily="34" charset="0"/>
+                  <a:buChar char="•"/>
+                </a:pPr>
+                <a:r>
+                  <a:rPr lang="pt-BR" sz="1600" b="1" dirty="0" smtClean="0">
+                    <a:solidFill>
+                      <a:schemeClr val="tx1"/>
+                    </a:solidFill>
+                    <a:latin typeface="Ink Free" pitchFamily="66" charset="0"/>
+                  </a:rPr>
+                  <a:t> Mestrado em Epidemiologia em Saúde Pública pela Escola Nacional de Saúde Pública Sérgio </a:t>
+                </a:r>
+                <a:r>
+                  <a:rPr lang="pt-BR" sz="1600" b="1" dirty="0" err="1" smtClean="0">
+                    <a:solidFill>
+                      <a:schemeClr val="tx1"/>
+                    </a:solidFill>
+                    <a:latin typeface="Ink Free" pitchFamily="66" charset="0"/>
+                  </a:rPr>
+                  <a:t>Arouca</a:t>
+                </a:r>
+                <a:r>
+                  <a:rPr lang="pt-BR" sz="1600" b="1" dirty="0" smtClean="0">
+                    <a:solidFill>
+                      <a:schemeClr val="tx1"/>
+                    </a:solidFill>
+                    <a:latin typeface="Ink Free" pitchFamily="66" charset="0"/>
+                  </a:rPr>
+                  <a:t> (2013) e </a:t>
+                </a:r>
+              </a:p>
+              <a:p>
+                <a:pPr algn="just">
+                  <a:buFont typeface="Arial" pitchFamily="34" charset="0"/>
+                  <a:buChar char="•"/>
+                </a:pPr>
+                <a:r>
+                  <a:rPr lang="pt-BR" sz="1600" b="1" dirty="0" smtClean="0">
+                    <a:solidFill>
+                      <a:schemeClr val="tx1"/>
+                    </a:solidFill>
+                    <a:latin typeface="Ink Free" pitchFamily="66" charset="0"/>
+                  </a:rPr>
+                  <a:t>  Doutorado em Epidemiologia em Saúde Pública pela Escola Nacional de Saúde Pública Sérgio </a:t>
+                </a:r>
+                <a:r>
+                  <a:rPr lang="pt-BR" sz="1600" b="1" dirty="0" err="1" smtClean="0">
+                    <a:solidFill>
+                      <a:schemeClr val="tx1"/>
+                    </a:solidFill>
+                    <a:latin typeface="Ink Free" pitchFamily="66" charset="0"/>
+                  </a:rPr>
+                  <a:t>Arouca</a:t>
+                </a:r>
+                <a:r>
+                  <a:rPr lang="pt-BR" sz="1600" b="1" dirty="0" smtClean="0">
+                    <a:solidFill>
+                      <a:schemeClr val="tx1"/>
+                    </a:solidFill>
+                    <a:latin typeface="Ink Free" pitchFamily="66" charset="0"/>
+                  </a:rPr>
+                  <a:t> (2017).</a:t>
+                </a:r>
+                <a:endParaRPr lang="pt-BR" sz="2800" b="1" dirty="0" smtClean="0">
+                  <a:solidFill>
+                    <a:schemeClr val="tx1"/>
+                  </a:solidFill>
+                  <a:latin typeface="Ink Free" pitchFamily="66" charset="0"/>
+                </a:endParaRPr>
+              </a:p>
+            </p:txBody>
+          </p:sp>
+        </p:grpSp>
+        <p:sp>
+          <p:nvSpPr>
+            <p:cNvPr id="13" name="Retângulo 12"/>
+            <p:cNvSpPr/>
+            <p:nvPr/>
+          </p:nvSpPr>
+          <p:spPr>
+            <a:xfrm>
+              <a:off x="4067944" y="1268760"/>
+              <a:ext cx="5398166" cy="967234"/>
+            </a:xfrm>
+            <a:prstGeom prst="rect">
+              <a:avLst/>
+            </a:prstGeom>
+            <a:solidFill>
+              <a:schemeClr val="bg1"/>
+            </a:solidFill>
+            <a:ln>
+              <a:noFill/>
+            </a:ln>
+          </p:spPr>
+          <p:style>
+            <a:lnRef idx="2">
+              <a:schemeClr val="accent1">
+                <a:shade val="50000"/>
+              </a:schemeClr>
+            </a:lnRef>
+            <a:fillRef idx="1">
+              <a:schemeClr val="accent1"/>
+            </a:fillRef>
+            <a:effectRef idx="0">
+              <a:schemeClr val="accent1"/>
+            </a:effectRef>
+            <a:fontRef idx="minor">
+              <a:schemeClr val="lt1"/>
+            </a:fontRef>
+          </p:style>
+          <p:txBody>
+            <a:bodyPr rtlCol="0" anchor="ctr"/>
+            <a:lstStyle/>
+            <a:p>
+              <a:pPr algn="ctr"/>
+              <a:r>
+                <a:rPr lang="pt-BR" sz="4400" b="1" dirty="0" smtClean="0">
+                  <a:solidFill>
+                    <a:schemeClr val="tx1"/>
+                  </a:solidFill>
+                  <a:latin typeface="Ink Free" pitchFamily="66" charset="0"/>
+                </a:rPr>
+                <a:t>Prof. Davi Alves</a:t>
+              </a:r>
+              <a:endParaRPr lang="pt-BR" sz="4400" b="1" dirty="0">
+                <a:solidFill>
+                  <a:schemeClr val="tx1"/>
+                </a:solidFill>
+                <a:latin typeface="Ink Free" pitchFamily="66" charset="0"/>
+              </a:endParaRPr>
+            </a:p>
+          </p:txBody>
+        </p:sp>
+      </p:grpSp>
+    </p:spTree>
+  </p:cSld>
+  <p:clrMapOvr>
+    <a:masterClrMapping/>
+  </p:clrMapOvr>
+  <p:timing>
+    <p:tnLst>
+      <p:par>
+        <p:cTn id="1" dur="indefinite" restart="never" nodeType="tmRoot"/>
+      </p:par>
+    </p:tnLst>
+  </p:timing>
+</p:sld>
+</file>
+
+<file path=ppt/slides/slide19.xml><?xml version="1.0" encoding="utf-8"?>
+<p:sld xmlns:a="http://schemas.openxmlformats.org/drawingml/2006/main" xmlns:r="http://schemas.openxmlformats.org/officeDocument/2006/relationships" xmlns:p="http://schemas.openxmlformats.org/presentationml/2006/main">
+  <p:cSld>
+    <p:spTree>
+      <p:nvGrpSpPr>
+        <p:cNvPr id="1" name=""/>
+        <p:cNvGrpSpPr/>
+        <p:nvPr/>
+      </p:nvGrpSpPr>
+      <p:grpSpPr>
+        <a:xfrm>
+          <a:off x="0" y="0"/>
+          <a:ext cx="0" cy="0"/>
+          <a:chOff x="0" y="0"/>
+          <a:chExt cx="0" cy="0"/>
+        </a:xfrm>
+      </p:grpSpPr>
+      <p:grpSp>
+        <p:nvGrpSpPr>
+          <p:cNvPr id="10" name="Grupo 9"/>
+          <p:cNvGrpSpPr/>
+          <p:nvPr/>
+        </p:nvGrpSpPr>
+        <p:grpSpPr>
+          <a:xfrm>
+            <a:off x="0" y="260648"/>
+            <a:ext cx="9612560" cy="6336704"/>
+            <a:chOff x="0" y="260648"/>
+            <a:chExt cx="9612560" cy="6336704"/>
+          </a:xfrm>
+        </p:grpSpPr>
+        <p:pic>
+          <p:nvPicPr>
+            <p:cNvPr id="15" name="Picture 4" descr="https://pbs.twimg.com/media/DfqjHpNU0AIuufg.jpg"/>
+            <p:cNvPicPr>
+              <a:picLocks noChangeAspect="1" noChangeArrowheads="1"/>
+            </p:cNvPicPr>
+            <p:nvPr/>
+          </p:nvPicPr>
+          <p:blipFill>
+            <a:blip r:embed="rId2" cstate="print">
+              <a:duotone>
+                <a:prstClr val="black"/>
+                <a:schemeClr val="accent1">
+                  <a:tint val="45000"/>
+                  <a:satMod val="400000"/>
+                </a:schemeClr>
+              </a:duotone>
+            </a:blip>
+            <a:srcRect b="9841"/>
+            <a:stretch>
+              <a:fillRect/>
+            </a:stretch>
+          </p:blipFill>
+          <p:spPr bwMode="auto">
+            <a:xfrm>
+              <a:off x="0" y="260648"/>
+              <a:ext cx="9612560" cy="6336704"/>
+            </a:xfrm>
+            <a:prstGeom prst="rect">
+              <a:avLst/>
+            </a:prstGeom>
+            <a:ln>
+              <a:noFill/>
+            </a:ln>
+            <a:effectLst>
+              <a:softEdge rad="112500"/>
+            </a:effectLst>
+          </p:spPr>
+        </p:pic>
+        <p:pic>
+          <p:nvPicPr>
+            <p:cNvPr id="2" name="Imagem 1" descr="corpus-banner.png"/>
+            <p:cNvPicPr>
+              <a:picLocks noChangeAspect="1"/>
+            </p:cNvPicPr>
+            <p:nvPr/>
+          </p:nvPicPr>
+          <p:blipFill>
+            <a:blip r:embed="rId3" cstate="print">
+              <a:duotone>
+                <a:schemeClr val="accent1">
+                  <a:shade val="45000"/>
+                  <a:satMod val="135000"/>
+                </a:schemeClr>
+                <a:prstClr val="white"/>
+              </a:duotone>
+            </a:blip>
+            <a:stretch>
+              <a:fillRect/>
+            </a:stretch>
+          </p:blipFill>
+          <p:spPr>
+            <a:xfrm>
+              <a:off x="216024" y="1673801"/>
+              <a:ext cx="3672408" cy="3930415"/>
+            </a:xfrm>
+            <a:prstGeom prst="rect">
+              <a:avLst/>
+            </a:prstGeom>
+          </p:spPr>
+        </p:pic>
+        <p:sp>
+          <p:nvSpPr>
+            <p:cNvPr id="3" name="Retângulo 2"/>
+            <p:cNvSpPr/>
+            <p:nvPr/>
+          </p:nvSpPr>
+          <p:spPr>
+            <a:xfrm>
+              <a:off x="4072936" y="980904"/>
+              <a:ext cx="5148064" cy="1473492"/>
+            </a:xfrm>
+            <a:prstGeom prst="rect">
+              <a:avLst/>
+            </a:prstGeom>
+            <a:solidFill>
+              <a:schemeClr val="bg1"/>
+            </a:solidFill>
+            <a:ln>
+              <a:noFill/>
+            </a:ln>
+          </p:spPr>
+          <p:style>
+            <a:lnRef idx="2">
+              <a:schemeClr val="accent1">
+                <a:shade val="50000"/>
+              </a:schemeClr>
+            </a:lnRef>
+            <a:fillRef idx="1">
+              <a:schemeClr val="accent1"/>
+            </a:fillRef>
+            <a:effectRef idx="0">
+              <a:schemeClr val="accent1"/>
+            </a:effectRef>
+            <a:fontRef idx="minor">
+              <a:schemeClr val="lt1"/>
+            </a:fontRef>
+          </p:style>
+          <p:txBody>
+            <a:bodyPr rtlCol="0" anchor="ctr"/>
+            <a:lstStyle/>
+            <a:p>
+              <a:pPr algn="ctr"/>
+              <a:endParaRPr lang="pt-BR" b="1" dirty="0">
+                <a:solidFill>
+                  <a:schemeClr val="tx1"/>
+                </a:solidFill>
+                <a:latin typeface="Tempus Sans ITC" pitchFamily="82" charset="0"/>
+              </a:endParaRPr>
+            </a:p>
+          </p:txBody>
+        </p:sp>
+        <p:sp>
+          <p:nvSpPr>
+            <p:cNvPr id="4" name="Retângulo 3"/>
+            <p:cNvSpPr/>
+            <p:nvPr/>
+          </p:nvSpPr>
+          <p:spPr>
+            <a:xfrm>
+              <a:off x="4069761" y="3928423"/>
+              <a:ext cx="5151239" cy="1080120"/>
+            </a:xfrm>
+            <a:prstGeom prst="rect">
+              <a:avLst/>
+            </a:prstGeom>
+            <a:solidFill>
+              <a:schemeClr val="bg1"/>
+            </a:solidFill>
+            <a:ln>
+              <a:noFill/>
+            </a:ln>
+          </p:spPr>
+          <p:style>
+            <a:lnRef idx="2">
+              <a:schemeClr val="accent1">
+                <a:shade val="50000"/>
+              </a:schemeClr>
+            </a:lnRef>
+            <a:fillRef idx="1">
+              <a:schemeClr val="accent1"/>
+            </a:fillRef>
+            <a:effectRef idx="0">
+              <a:schemeClr val="accent1"/>
+            </a:effectRef>
+            <a:fontRef idx="minor">
+              <a:schemeClr val="lt1"/>
+            </a:fontRef>
+          </p:style>
+          <p:txBody>
+            <a:bodyPr rtlCol="0" anchor="ctr"/>
+            <a:lstStyle/>
+            <a:p>
+              <a:pPr algn="ctr"/>
+              <a:r>
+                <a:rPr lang="pt-BR" sz="3600" b="1" dirty="0" smtClean="0">
+                  <a:solidFill>
+                    <a:schemeClr val="tx2"/>
+                  </a:solidFill>
+                  <a:latin typeface="Ink Free" pitchFamily="66" charset="0"/>
+                </a:rPr>
+                <a:t>28/09   14 horas</a:t>
+              </a:r>
+              <a:endParaRPr lang="pt-BR" sz="3600" b="1" dirty="0">
+                <a:solidFill>
+                  <a:schemeClr val="tx2"/>
+                </a:solidFill>
+                <a:latin typeface="Ink Free" pitchFamily="66" charset="0"/>
+              </a:endParaRPr>
+            </a:p>
+          </p:txBody>
+        </p:sp>
+        <p:sp>
+          <p:nvSpPr>
+            <p:cNvPr id="5" name="CaixaDeTexto 4"/>
+            <p:cNvSpPr txBox="1"/>
+            <p:nvPr/>
+          </p:nvSpPr>
+          <p:spPr>
+            <a:xfrm>
+              <a:off x="4211960" y="980728"/>
+              <a:ext cx="5354490" cy="1323439"/>
+            </a:xfrm>
+            <a:prstGeom prst="rect">
+              <a:avLst/>
+            </a:prstGeom>
+            <a:noFill/>
+            <a:ln>
+              <a:noFill/>
+            </a:ln>
+          </p:spPr>
+          <p:txBody>
+            <a:bodyPr wrap="square" rtlCol="0">
+              <a:spAutoFit/>
+            </a:bodyPr>
+            <a:lstStyle/>
+            <a:p>
+              <a:r>
+                <a:rPr lang="pt-BR" sz="6000" b="1" dirty="0" smtClean="0">
+                  <a:solidFill>
+                    <a:schemeClr val="tx2"/>
+                  </a:solidFill>
+                  <a:latin typeface="Ink Free" pitchFamily="66" charset="0"/>
+                </a:rPr>
+                <a:t>R </a:t>
+              </a:r>
+              <a:r>
+                <a:rPr lang="pt-BR" sz="6000" b="1" dirty="0" err="1" smtClean="0">
+                  <a:solidFill>
+                    <a:schemeClr val="tx2"/>
+                  </a:solidFill>
+                  <a:latin typeface="Ink Free" pitchFamily="66" charset="0"/>
+                </a:rPr>
+                <a:t>Commander</a:t>
+              </a:r>
+              <a:r>
+                <a:rPr lang="pt-BR" sz="6000" b="1" dirty="0" smtClean="0">
+                  <a:solidFill>
+                    <a:schemeClr val="tx2"/>
+                  </a:solidFill>
+                  <a:latin typeface="Ink Free" pitchFamily="66" charset="0"/>
+                </a:rPr>
+                <a:t>: </a:t>
+              </a:r>
+            </a:p>
+            <a:p>
+              <a:r>
+                <a:rPr lang="pt-BR" sz="2000" b="1" dirty="0" smtClean="0">
+                  <a:solidFill>
+                    <a:schemeClr val="tx2"/>
+                  </a:solidFill>
+                  <a:latin typeface="Ink Free" pitchFamily="66" charset="0"/>
+                </a:rPr>
+                <a:t>uma breve conversa sobre um “R com menus”</a:t>
+              </a:r>
+            </a:p>
+          </p:txBody>
+        </p:sp>
+        <p:sp>
+          <p:nvSpPr>
+            <p:cNvPr id="8" name="Retângulo 7"/>
+            <p:cNvSpPr/>
+            <p:nvPr/>
+          </p:nvSpPr>
+          <p:spPr>
+            <a:xfrm>
+              <a:off x="4065528" y="5229200"/>
+              <a:ext cx="5155472" cy="759297"/>
+            </a:xfrm>
+            <a:prstGeom prst="rect">
+              <a:avLst/>
+            </a:prstGeom>
+            <a:solidFill>
+              <a:schemeClr val="bg1"/>
+            </a:solidFill>
+            <a:ln>
+              <a:noFill/>
+            </a:ln>
+          </p:spPr>
+          <p:style>
+            <a:lnRef idx="2">
+              <a:schemeClr val="accent1">
+                <a:shade val="50000"/>
+              </a:schemeClr>
+            </a:lnRef>
+            <a:fillRef idx="1">
+              <a:schemeClr val="accent1"/>
+            </a:fillRef>
+            <a:effectRef idx="0">
+              <a:schemeClr val="accent1"/>
+            </a:effectRef>
+            <a:fontRef idx="minor">
+              <a:schemeClr val="lt1"/>
+            </a:fontRef>
+          </p:style>
+          <p:txBody>
+            <a:bodyPr rtlCol="0" anchor="ctr"/>
+            <a:lstStyle/>
+            <a:p>
+              <a:pPr algn="ctr"/>
+              <a:r>
+                <a:rPr lang="pt-BR" sz="2000" dirty="0" smtClean="0">
+                  <a:solidFill>
+                    <a:schemeClr val="tx2"/>
+                  </a:solidFill>
+                  <a:latin typeface="Forte" pitchFamily="66" charset="0"/>
+                </a:rPr>
+                <a:t>Link </a:t>
+              </a:r>
+              <a:r>
+                <a:rPr lang="pt-BR" sz="2000" dirty="0">
+                  <a:solidFill>
+                    <a:schemeClr val="tx2"/>
+                  </a:solidFill>
+                  <a:latin typeface="Forte" pitchFamily="66" charset="0"/>
+                </a:rPr>
+                <a:t>para o </a:t>
+              </a:r>
+              <a:r>
+                <a:rPr lang="pt-BR" sz="2000" dirty="0" smtClean="0">
+                  <a:solidFill>
+                    <a:schemeClr val="tx2"/>
+                  </a:solidFill>
+                  <a:latin typeface="Forte" pitchFamily="66" charset="0"/>
+                </a:rPr>
+                <a:t>evento</a:t>
+              </a:r>
+            </a:p>
+            <a:p>
+              <a:pPr algn="ctr"/>
+              <a:r>
+                <a:rPr lang="pt-BR" sz="2400" b="1" dirty="0" err="1" smtClean="0">
+                  <a:solidFill>
+                    <a:schemeClr val="tx2"/>
+                  </a:solidFill>
+                </a:rPr>
+                <a:t>meet</a:t>
+              </a:r>
+              <a:r>
+                <a:rPr lang="pt-BR" sz="2400" b="1" dirty="0" smtClean="0">
+                  <a:solidFill>
+                    <a:schemeClr val="tx2"/>
+                  </a:solidFill>
+                </a:rPr>
+                <a:t>.google.com/</a:t>
+              </a:r>
+              <a:r>
+                <a:rPr lang="pt-BR" sz="2400" b="1" dirty="0" err="1" smtClean="0">
+                  <a:solidFill>
+                    <a:schemeClr val="tx2"/>
+                  </a:solidFill>
+                </a:rPr>
+                <a:t>hpw-drts-pyz</a:t>
+              </a:r>
+              <a:endParaRPr lang="pt-BR" sz="2400" b="1" dirty="0" smtClean="0">
+                <a:solidFill>
+                  <a:schemeClr val="tx2"/>
+                </a:solidFill>
+              </a:endParaRPr>
+            </a:p>
+          </p:txBody>
+        </p:sp>
+        <p:sp>
+          <p:nvSpPr>
+            <p:cNvPr id="13" name="Retângulo 12"/>
+            <p:cNvSpPr/>
+            <p:nvPr/>
+          </p:nvSpPr>
+          <p:spPr>
+            <a:xfrm>
+              <a:off x="4072936" y="2651146"/>
+              <a:ext cx="5148064" cy="1040408"/>
+            </a:xfrm>
+            <a:prstGeom prst="rect">
+              <a:avLst/>
+            </a:prstGeom>
+            <a:solidFill>
+              <a:schemeClr val="bg1"/>
+            </a:solidFill>
+            <a:ln>
+              <a:noFill/>
+            </a:ln>
+          </p:spPr>
+          <p:style>
+            <a:lnRef idx="2">
+              <a:schemeClr val="accent1">
+                <a:shade val="50000"/>
+              </a:schemeClr>
+            </a:lnRef>
+            <a:fillRef idx="1">
+              <a:schemeClr val="accent1"/>
+            </a:fillRef>
+            <a:effectRef idx="0">
+              <a:schemeClr val="accent1"/>
+            </a:effectRef>
+            <a:fontRef idx="minor">
+              <a:schemeClr val="lt1"/>
+            </a:fontRef>
+          </p:style>
+          <p:txBody>
+            <a:bodyPr rtlCol="0" anchor="ctr"/>
+            <a:lstStyle/>
+            <a:p>
+              <a:pPr algn="ctr"/>
+              <a:r>
+                <a:rPr lang="pt-BR" sz="2100" b="1" dirty="0" smtClean="0">
+                  <a:solidFill>
+                    <a:schemeClr val="tx2"/>
+                  </a:solidFill>
+                  <a:latin typeface="Ink Free" pitchFamily="66" charset="0"/>
+                </a:rPr>
+                <a:t>Palestrante:  Felipe Rafael Ribeiro Melo</a:t>
+              </a:r>
             </a:p>
           </p:txBody>
         </p:sp>
@@ -8513,6 +9691,1020 @@
             </p:txBody>
           </p:sp>
         </p:grpSp>
+      </p:grpSp>
+    </p:spTree>
+  </p:cSld>
+  <p:clrMapOvr>
+    <a:masterClrMapping/>
+  </p:clrMapOvr>
+  <p:timing>
+    <p:tnLst>
+      <p:par>
+        <p:cTn id="1" dur="indefinite" restart="never" nodeType="tmRoot"/>
+      </p:par>
+    </p:tnLst>
+  </p:timing>
+</p:sld>
+</file>
+
+<file path=ppt/slides/slide20.xml><?xml version="1.0" encoding="utf-8"?>
+<p:sld xmlns:a="http://schemas.openxmlformats.org/drawingml/2006/main" xmlns:r="http://schemas.openxmlformats.org/officeDocument/2006/relationships" xmlns:p="http://schemas.openxmlformats.org/presentationml/2006/main">
+  <p:cSld>
+    <p:spTree>
+      <p:nvGrpSpPr>
+        <p:cNvPr id="1" name=""/>
+        <p:cNvGrpSpPr/>
+        <p:nvPr/>
+      </p:nvGrpSpPr>
+      <p:grpSpPr>
+        <a:xfrm>
+          <a:off x="0" y="0"/>
+          <a:ext cx="0" cy="0"/>
+          <a:chOff x="0" y="0"/>
+          <a:chExt cx="0" cy="0"/>
+        </a:xfrm>
+      </p:grpSpPr>
+      <p:grpSp>
+        <p:nvGrpSpPr>
+          <p:cNvPr id="11" name="Grupo 10"/>
+          <p:cNvGrpSpPr/>
+          <p:nvPr/>
+        </p:nvGrpSpPr>
+        <p:grpSpPr>
+          <a:xfrm>
+            <a:off x="-324544" y="260648"/>
+            <a:ext cx="9900592" cy="6336704"/>
+            <a:chOff x="-324544" y="260648"/>
+            <a:chExt cx="9900592" cy="6336704"/>
+          </a:xfrm>
+        </p:grpSpPr>
+        <p:grpSp>
+          <p:nvGrpSpPr>
+            <p:cNvPr id="10" name="Grupo 9"/>
+            <p:cNvGrpSpPr/>
+            <p:nvPr/>
+          </p:nvGrpSpPr>
+          <p:grpSpPr>
+            <a:xfrm>
+              <a:off x="-324544" y="260648"/>
+              <a:ext cx="9900592" cy="6336704"/>
+              <a:chOff x="-324544" y="260648"/>
+              <a:chExt cx="9900592" cy="6336704"/>
+            </a:xfrm>
+          </p:grpSpPr>
+          <p:pic>
+            <p:nvPicPr>
+              <p:cNvPr id="15" name="Picture 4" descr="https://pbs.twimg.com/media/DfqjHpNU0AIuufg.jpg"/>
+              <p:cNvPicPr>
+                <a:picLocks noChangeAspect="1" noChangeArrowheads="1"/>
+              </p:cNvPicPr>
+              <p:nvPr/>
+            </p:nvPicPr>
+            <p:blipFill>
+              <a:blip r:embed="rId2" cstate="print">
+                <a:duotone>
+                  <a:schemeClr val="accent5">
+                    <a:shade val="45000"/>
+                    <a:satMod val="135000"/>
+                  </a:schemeClr>
+                  <a:prstClr val="white"/>
+                </a:duotone>
+              </a:blip>
+              <a:srcRect b="9841"/>
+              <a:stretch>
+                <a:fillRect/>
+              </a:stretch>
+            </p:blipFill>
+            <p:spPr bwMode="auto">
+              <a:xfrm>
+                <a:off x="-324544" y="260648"/>
+                <a:ext cx="9900592" cy="6336704"/>
+              </a:xfrm>
+              <a:prstGeom prst="rect">
+                <a:avLst/>
+              </a:prstGeom>
+              <a:ln>
+                <a:noFill/>
+              </a:ln>
+              <a:effectLst>
+                <a:softEdge rad="112500"/>
+              </a:effectLst>
+            </p:spPr>
+          </p:pic>
+          <p:pic>
+            <p:nvPicPr>
+              <p:cNvPr id="2" name="Imagem 1" descr="corpus-banner.png"/>
+              <p:cNvPicPr>
+                <a:picLocks noChangeAspect="1"/>
+              </p:cNvPicPr>
+              <p:nvPr/>
+            </p:nvPicPr>
+            <p:blipFill>
+              <a:blip r:embed="rId3" cstate="print">
+                <a:duotone>
+                  <a:schemeClr val="accent5">
+                    <a:shade val="45000"/>
+                    <a:satMod val="135000"/>
+                  </a:schemeClr>
+                  <a:prstClr val="white"/>
+                </a:duotone>
+              </a:blip>
+              <a:stretch>
+                <a:fillRect/>
+              </a:stretch>
+            </p:blipFill>
+            <p:spPr>
+              <a:xfrm>
+                <a:off x="107504" y="1673801"/>
+                <a:ext cx="3672408" cy="3930415"/>
+              </a:xfrm>
+              <a:prstGeom prst="rect">
+                <a:avLst/>
+              </a:prstGeom>
+            </p:spPr>
+          </p:pic>
+          <p:sp>
+            <p:nvSpPr>
+              <p:cNvPr id="3" name="Retângulo 2"/>
+              <p:cNvSpPr/>
+              <p:nvPr/>
+            </p:nvSpPr>
+            <p:spPr>
+              <a:xfrm>
+                <a:off x="4122748" y="836712"/>
+                <a:ext cx="4608512" cy="1689516"/>
+              </a:xfrm>
+              <a:prstGeom prst="rect">
+                <a:avLst/>
+              </a:prstGeom>
+              <a:solidFill>
+                <a:schemeClr val="bg1"/>
+              </a:solidFill>
+              <a:ln>
+                <a:solidFill>
+                  <a:schemeClr val="accent5">
+                    <a:lumMod val="50000"/>
+                  </a:schemeClr>
+                </a:solidFill>
+              </a:ln>
+            </p:spPr>
+            <p:style>
+              <a:lnRef idx="2">
+                <a:schemeClr val="accent1">
+                  <a:shade val="50000"/>
+                </a:schemeClr>
+              </a:lnRef>
+              <a:fillRef idx="1">
+                <a:schemeClr val="accent1"/>
+              </a:fillRef>
+              <a:effectRef idx="0">
+                <a:schemeClr val="accent1"/>
+              </a:effectRef>
+              <a:fontRef idx="minor">
+                <a:schemeClr val="lt1"/>
+              </a:fontRef>
+            </p:style>
+            <p:txBody>
+              <a:bodyPr rtlCol="0" anchor="ctr"/>
+              <a:lstStyle/>
+              <a:p>
+                <a:pPr algn="ctr"/>
+                <a:endParaRPr lang="pt-BR" b="1" dirty="0">
+                  <a:solidFill>
+                    <a:schemeClr val="accent5">
+                      <a:lumMod val="50000"/>
+                    </a:schemeClr>
+                  </a:solidFill>
+                  <a:latin typeface="Tempus Sans ITC" pitchFamily="82" charset="0"/>
+                </a:endParaRPr>
+              </a:p>
+            </p:txBody>
+          </p:sp>
+          <p:sp>
+            <p:nvSpPr>
+              <p:cNvPr id="4" name="Retângulo 3"/>
+              <p:cNvSpPr/>
+              <p:nvPr/>
+            </p:nvSpPr>
+            <p:spPr>
+              <a:xfrm>
+                <a:off x="4124565" y="3861048"/>
+                <a:ext cx="4606695" cy="1080120"/>
+              </a:xfrm>
+              <a:prstGeom prst="rect">
+                <a:avLst/>
+              </a:prstGeom>
+              <a:solidFill>
+                <a:schemeClr val="bg1"/>
+              </a:solidFill>
+              <a:ln>
+                <a:solidFill>
+                  <a:schemeClr val="accent5">
+                    <a:lumMod val="50000"/>
+                  </a:schemeClr>
+                </a:solidFill>
+              </a:ln>
+            </p:spPr>
+            <p:style>
+              <a:lnRef idx="2">
+                <a:schemeClr val="accent1">
+                  <a:shade val="50000"/>
+                </a:schemeClr>
+              </a:lnRef>
+              <a:fillRef idx="1">
+                <a:schemeClr val="accent1"/>
+              </a:fillRef>
+              <a:effectRef idx="0">
+                <a:schemeClr val="accent1"/>
+              </a:effectRef>
+              <a:fontRef idx="minor">
+                <a:schemeClr val="lt1"/>
+              </a:fontRef>
+            </p:style>
+            <p:txBody>
+              <a:bodyPr rtlCol="0" anchor="ctr"/>
+              <a:lstStyle/>
+              <a:p>
+                <a:pPr algn="ctr"/>
+                <a:r>
+                  <a:rPr lang="pt-BR" sz="3600" b="1" dirty="0" smtClean="0">
+                    <a:solidFill>
+                      <a:schemeClr val="accent5">
+                        <a:lumMod val="50000"/>
+                      </a:schemeClr>
+                    </a:solidFill>
+                    <a:latin typeface="Ink Free" pitchFamily="66" charset="0"/>
+                  </a:rPr>
+                  <a:t>19/10   14 horas</a:t>
+                </a:r>
+                <a:endParaRPr lang="pt-BR" sz="3600" b="1" dirty="0">
+                  <a:solidFill>
+                    <a:schemeClr val="accent5">
+                      <a:lumMod val="50000"/>
+                    </a:schemeClr>
+                  </a:solidFill>
+                  <a:latin typeface="Ink Free" pitchFamily="66" charset="0"/>
+                </a:endParaRPr>
+              </a:p>
+            </p:txBody>
+          </p:sp>
+          <p:sp>
+            <p:nvSpPr>
+              <p:cNvPr id="8" name="Retângulo 7"/>
+              <p:cNvSpPr/>
+              <p:nvPr/>
+            </p:nvSpPr>
+            <p:spPr>
+              <a:xfrm>
+                <a:off x="4120332" y="5157192"/>
+                <a:ext cx="4610928" cy="759297"/>
+              </a:xfrm>
+              <a:prstGeom prst="rect">
+                <a:avLst/>
+              </a:prstGeom>
+              <a:solidFill>
+                <a:schemeClr val="bg1"/>
+              </a:solidFill>
+              <a:ln>
+                <a:solidFill>
+                  <a:schemeClr val="accent5">
+                    <a:lumMod val="50000"/>
+                  </a:schemeClr>
+                </a:solidFill>
+              </a:ln>
+            </p:spPr>
+            <p:style>
+              <a:lnRef idx="2">
+                <a:schemeClr val="accent1">
+                  <a:shade val="50000"/>
+                </a:schemeClr>
+              </a:lnRef>
+              <a:fillRef idx="1">
+                <a:schemeClr val="accent1"/>
+              </a:fillRef>
+              <a:effectRef idx="0">
+                <a:schemeClr val="accent1"/>
+              </a:effectRef>
+              <a:fontRef idx="minor">
+                <a:schemeClr val="lt1"/>
+              </a:fontRef>
+            </p:style>
+            <p:txBody>
+              <a:bodyPr rtlCol="0" anchor="ctr"/>
+              <a:lstStyle/>
+              <a:p>
+                <a:pPr algn="ctr"/>
+                <a:r>
+                  <a:rPr lang="pt-BR" sz="2000" dirty="0" smtClean="0">
+                    <a:solidFill>
+                      <a:schemeClr val="accent5">
+                        <a:lumMod val="50000"/>
+                      </a:schemeClr>
+                    </a:solidFill>
+                    <a:latin typeface="Forte" pitchFamily="66" charset="0"/>
+                  </a:rPr>
+                  <a:t>Link </a:t>
+                </a:r>
+                <a:r>
+                  <a:rPr lang="pt-BR" sz="2000" dirty="0">
+                    <a:solidFill>
+                      <a:schemeClr val="accent5">
+                        <a:lumMod val="50000"/>
+                      </a:schemeClr>
+                    </a:solidFill>
+                    <a:latin typeface="Forte" pitchFamily="66" charset="0"/>
+                  </a:rPr>
+                  <a:t>para o </a:t>
+                </a:r>
+                <a:r>
+                  <a:rPr lang="pt-BR" sz="2000" dirty="0" smtClean="0">
+                    <a:solidFill>
+                      <a:schemeClr val="accent5">
+                        <a:lumMod val="50000"/>
+                      </a:schemeClr>
+                    </a:solidFill>
+                    <a:latin typeface="Forte" pitchFamily="66" charset="0"/>
+                  </a:rPr>
+                  <a:t>evento</a:t>
+                </a:r>
+              </a:p>
+              <a:p>
+                <a:pPr algn="ctr"/>
+                <a:r>
+                  <a:rPr lang="pt-BR" sz="2400" b="1" dirty="0" err="1" smtClean="0">
+                    <a:solidFill>
+                      <a:schemeClr val="accent5">
+                        <a:lumMod val="50000"/>
+                      </a:schemeClr>
+                    </a:solidFill>
+                  </a:rPr>
+                  <a:t>meet</a:t>
+                </a:r>
+                <a:r>
+                  <a:rPr lang="pt-BR" sz="2400" b="1" dirty="0" smtClean="0">
+                    <a:solidFill>
+                      <a:schemeClr val="accent5">
+                        <a:lumMod val="50000"/>
+                      </a:schemeClr>
+                    </a:solidFill>
+                  </a:rPr>
+                  <a:t>.google.com/</a:t>
+                </a:r>
+                <a:r>
+                  <a:rPr lang="pt-BR" sz="2400" b="1" dirty="0" err="1" smtClean="0">
+                    <a:solidFill>
+                      <a:schemeClr val="accent5">
+                        <a:lumMod val="50000"/>
+                      </a:schemeClr>
+                    </a:solidFill>
+                  </a:rPr>
+                  <a:t>qqr-fepv-yjg</a:t>
+                </a:r>
+                <a:endParaRPr lang="pt-BR" sz="2400" b="1" dirty="0" smtClean="0">
+                  <a:solidFill>
+                    <a:schemeClr val="accent5">
+                      <a:lumMod val="50000"/>
+                    </a:schemeClr>
+                  </a:solidFill>
+                </a:endParaRPr>
+              </a:p>
+            </p:txBody>
+          </p:sp>
+          <p:sp>
+            <p:nvSpPr>
+              <p:cNvPr id="13" name="Retângulo 12"/>
+              <p:cNvSpPr/>
+              <p:nvPr/>
+            </p:nvSpPr>
+            <p:spPr>
+              <a:xfrm>
+                <a:off x="4127739" y="2651146"/>
+                <a:ext cx="4603521" cy="1040408"/>
+              </a:xfrm>
+              <a:prstGeom prst="rect">
+                <a:avLst/>
+              </a:prstGeom>
+              <a:solidFill>
+                <a:schemeClr val="bg1"/>
+              </a:solidFill>
+              <a:ln>
+                <a:solidFill>
+                  <a:schemeClr val="accent5">
+                    <a:lumMod val="50000"/>
+                  </a:schemeClr>
+                </a:solidFill>
+              </a:ln>
+            </p:spPr>
+            <p:style>
+              <a:lnRef idx="2">
+                <a:schemeClr val="accent1">
+                  <a:shade val="50000"/>
+                </a:schemeClr>
+              </a:lnRef>
+              <a:fillRef idx="1">
+                <a:schemeClr val="accent1"/>
+              </a:fillRef>
+              <a:effectRef idx="0">
+                <a:schemeClr val="accent1"/>
+              </a:effectRef>
+              <a:fontRef idx="minor">
+                <a:schemeClr val="lt1"/>
+              </a:fontRef>
+            </p:style>
+            <p:txBody>
+              <a:bodyPr rtlCol="0" anchor="ctr"/>
+              <a:lstStyle/>
+              <a:p>
+                <a:pPr algn="ctr"/>
+                <a:r>
+                  <a:rPr lang="pt-BR" sz="2400" b="1" dirty="0" smtClean="0">
+                    <a:solidFill>
+                      <a:schemeClr val="accent5">
+                        <a:lumMod val="50000"/>
+                      </a:schemeClr>
+                    </a:solidFill>
+                    <a:latin typeface="Ink Free" pitchFamily="66" charset="0"/>
+                  </a:rPr>
+                  <a:t>Palestrante: Prof.ª Letícia Raposo</a:t>
+                </a:r>
+              </a:p>
+            </p:txBody>
+          </p:sp>
+        </p:grpSp>
+        <p:sp>
+          <p:nvSpPr>
+            <p:cNvPr id="5" name="CaixaDeTexto 4"/>
+            <p:cNvSpPr txBox="1"/>
+            <p:nvPr/>
+          </p:nvSpPr>
+          <p:spPr>
+            <a:xfrm>
+              <a:off x="4266764" y="764704"/>
+              <a:ext cx="5273788" cy="1846659"/>
+            </a:xfrm>
+            <a:prstGeom prst="rect">
+              <a:avLst/>
+            </a:prstGeom>
+            <a:noFill/>
+            <a:ln>
+              <a:noFill/>
+            </a:ln>
+          </p:spPr>
+          <p:txBody>
+            <a:bodyPr wrap="square" rtlCol="0">
+              <a:spAutoFit/>
+            </a:bodyPr>
+            <a:lstStyle/>
+            <a:p>
+              <a:r>
+                <a:rPr lang="pt-BR" sz="5200" dirty="0" smtClean="0">
+                  <a:solidFill>
+                    <a:schemeClr val="accent5">
+                      <a:lumMod val="50000"/>
+                    </a:schemeClr>
+                  </a:solidFill>
+                  <a:latin typeface="Ink Free" pitchFamily="66" charset="0"/>
+                </a:rPr>
+                <a:t>Estatística, R </a:t>
+              </a:r>
+            </a:p>
+            <a:p>
+              <a:r>
+                <a:rPr lang="pt-BR" sz="3200" b="1" dirty="0" smtClean="0">
+                  <a:solidFill>
+                    <a:schemeClr val="accent5">
+                      <a:lumMod val="50000"/>
+                    </a:schemeClr>
+                  </a:solidFill>
+                  <a:latin typeface="Ink Free" pitchFamily="66" charset="0"/>
+                </a:rPr>
+                <a:t>e um gato sem bigodes: </a:t>
+              </a:r>
+            </a:p>
+            <a:p>
+              <a:r>
+                <a:rPr lang="pt-BR" sz="2800" dirty="0" smtClean="0">
+                  <a:solidFill>
+                    <a:schemeClr val="accent5">
+                      <a:lumMod val="50000"/>
+                    </a:schemeClr>
+                  </a:solidFill>
+                  <a:latin typeface="Ink Free" pitchFamily="66" charset="0"/>
+                </a:rPr>
+                <a:t>um ensino online mais lúdico</a:t>
+              </a:r>
+              <a:endParaRPr lang="pt-BR" sz="1000" dirty="0" smtClean="0">
+                <a:solidFill>
+                  <a:schemeClr val="accent5">
+                    <a:lumMod val="50000"/>
+                  </a:schemeClr>
+                </a:solidFill>
+                <a:latin typeface="Ink Free" pitchFamily="66" charset="0"/>
+              </a:endParaRPr>
+            </a:p>
+          </p:txBody>
+        </p:sp>
+      </p:grpSp>
+    </p:spTree>
+  </p:cSld>
+  <p:clrMapOvr>
+    <a:masterClrMapping/>
+  </p:clrMapOvr>
+  <p:timing>
+    <p:tnLst>
+      <p:par>
+        <p:cTn id="1" dur="indefinite" restart="never" nodeType="tmRoot"/>
+      </p:par>
+    </p:tnLst>
+  </p:timing>
+</p:sld>
+</file>
+
+<file path=ppt/slides/slide21.xml><?xml version="1.0" encoding="utf-8"?>
+<p:sld xmlns:a="http://schemas.openxmlformats.org/drawingml/2006/main" xmlns:r="http://schemas.openxmlformats.org/officeDocument/2006/relationships" xmlns:p="http://schemas.openxmlformats.org/presentationml/2006/main">
+  <p:cSld>
+    <p:spTree>
+      <p:nvGrpSpPr>
+        <p:cNvPr id="1" name=""/>
+        <p:cNvGrpSpPr/>
+        <p:nvPr/>
+      </p:nvGrpSpPr>
+      <p:grpSpPr>
+        <a:xfrm>
+          <a:off x="0" y="0"/>
+          <a:ext cx="0" cy="0"/>
+          <a:chOff x="0" y="0"/>
+          <a:chExt cx="0" cy="0"/>
+        </a:xfrm>
+      </p:grpSpPr>
+      <p:grpSp>
+        <p:nvGrpSpPr>
+          <p:cNvPr id="6" name="Grupo 10"/>
+          <p:cNvGrpSpPr/>
+          <p:nvPr/>
+        </p:nvGrpSpPr>
+        <p:grpSpPr>
+          <a:xfrm>
+            <a:off x="35496" y="260648"/>
+            <a:ext cx="9036496" cy="6336704"/>
+            <a:chOff x="539552" y="260648"/>
+            <a:chExt cx="9036496" cy="6336704"/>
+          </a:xfrm>
+        </p:grpSpPr>
+        <p:grpSp>
+          <p:nvGrpSpPr>
+            <p:cNvPr id="7" name="Grupo 9"/>
+            <p:cNvGrpSpPr/>
+            <p:nvPr/>
+          </p:nvGrpSpPr>
+          <p:grpSpPr>
+            <a:xfrm>
+              <a:off x="539552" y="260648"/>
+              <a:ext cx="9036496" cy="6336704"/>
+              <a:chOff x="539552" y="260648"/>
+              <a:chExt cx="9036496" cy="6336704"/>
+            </a:xfrm>
+          </p:grpSpPr>
+          <p:pic>
+            <p:nvPicPr>
+              <p:cNvPr id="15" name="Picture 4" descr="https://pbs.twimg.com/media/DfqjHpNU0AIuufg.jpg"/>
+              <p:cNvPicPr>
+                <a:picLocks noChangeAspect="1" noChangeArrowheads="1"/>
+              </p:cNvPicPr>
+              <p:nvPr/>
+            </p:nvPicPr>
+            <p:blipFill>
+              <a:blip r:embed="rId2" cstate="print">
+                <a:duotone>
+                  <a:schemeClr val="accent6">
+                    <a:shade val="45000"/>
+                    <a:satMod val="135000"/>
+                  </a:schemeClr>
+                  <a:prstClr val="white"/>
+                </a:duotone>
+              </a:blip>
+              <a:srcRect b="9841"/>
+              <a:stretch>
+                <a:fillRect/>
+              </a:stretch>
+            </p:blipFill>
+            <p:spPr bwMode="auto">
+              <a:xfrm>
+                <a:off x="539552" y="260648"/>
+                <a:ext cx="9036496" cy="6336704"/>
+              </a:xfrm>
+              <a:prstGeom prst="rect">
+                <a:avLst/>
+              </a:prstGeom>
+              <a:ln>
+                <a:noFill/>
+              </a:ln>
+              <a:effectLst>
+                <a:softEdge rad="112500"/>
+              </a:effectLst>
+            </p:spPr>
+          </p:pic>
+          <p:pic>
+            <p:nvPicPr>
+              <p:cNvPr id="2" name="Imagem 1" descr="corpus-banner.png"/>
+              <p:cNvPicPr>
+                <a:picLocks noChangeAspect="1"/>
+              </p:cNvPicPr>
+              <p:nvPr/>
+            </p:nvPicPr>
+            <p:blipFill>
+              <a:blip r:embed="rId3" cstate="print">
+                <a:duotone>
+                  <a:schemeClr val="accent6">
+                    <a:shade val="45000"/>
+                    <a:satMod val="135000"/>
+                  </a:schemeClr>
+                  <a:prstClr val="white"/>
+                </a:duotone>
+              </a:blip>
+              <a:stretch>
+                <a:fillRect/>
+              </a:stretch>
+            </p:blipFill>
+            <p:spPr>
+              <a:xfrm>
+                <a:off x="755576" y="2321873"/>
+                <a:ext cx="2783760" cy="2979335"/>
+              </a:xfrm>
+              <a:prstGeom prst="rect">
+                <a:avLst/>
+              </a:prstGeom>
+            </p:spPr>
+          </p:pic>
+          <p:sp>
+            <p:nvSpPr>
+              <p:cNvPr id="3" name="Retângulo 2"/>
+              <p:cNvSpPr/>
+              <p:nvPr/>
+            </p:nvSpPr>
+            <p:spPr>
+              <a:xfrm>
+                <a:off x="3779912" y="620688"/>
+                <a:ext cx="5364088" cy="1689516"/>
+              </a:xfrm>
+              <a:prstGeom prst="rect">
+                <a:avLst/>
+              </a:prstGeom>
+              <a:solidFill>
+                <a:schemeClr val="bg1"/>
+              </a:solidFill>
+              <a:ln>
+                <a:noFill/>
+              </a:ln>
+            </p:spPr>
+            <p:style>
+              <a:lnRef idx="2">
+                <a:schemeClr val="accent1">
+                  <a:shade val="50000"/>
+                </a:schemeClr>
+              </a:lnRef>
+              <a:fillRef idx="1">
+                <a:schemeClr val="accent1"/>
+              </a:fillRef>
+              <a:effectRef idx="0">
+                <a:schemeClr val="accent1"/>
+              </a:effectRef>
+              <a:fontRef idx="minor">
+                <a:schemeClr val="lt1"/>
+              </a:fontRef>
+            </p:style>
+            <p:txBody>
+              <a:bodyPr rtlCol="0" anchor="ctr"/>
+              <a:lstStyle/>
+              <a:p>
+                <a:pPr algn="ctr"/>
+                <a:endParaRPr lang="pt-BR" b="1" dirty="0">
+                  <a:solidFill>
+                    <a:schemeClr val="accent5">
+                      <a:lumMod val="50000"/>
+                    </a:schemeClr>
+                  </a:solidFill>
+                  <a:latin typeface="Tempus Sans ITC" pitchFamily="82" charset="0"/>
+                </a:endParaRPr>
+              </a:p>
+            </p:txBody>
+          </p:sp>
+          <p:sp>
+            <p:nvSpPr>
+              <p:cNvPr id="4" name="Retângulo 3"/>
+              <p:cNvSpPr/>
+              <p:nvPr/>
+            </p:nvSpPr>
+            <p:spPr>
+              <a:xfrm>
+                <a:off x="3779912" y="4005064"/>
+                <a:ext cx="5361947" cy="1080120"/>
+              </a:xfrm>
+              <a:prstGeom prst="rect">
+                <a:avLst/>
+              </a:prstGeom>
+              <a:solidFill>
+                <a:schemeClr val="bg1"/>
+              </a:solidFill>
+              <a:ln>
+                <a:noFill/>
+              </a:ln>
+            </p:spPr>
+            <p:style>
+              <a:lnRef idx="2">
+                <a:schemeClr val="accent1">
+                  <a:shade val="50000"/>
+                </a:schemeClr>
+              </a:lnRef>
+              <a:fillRef idx="1">
+                <a:schemeClr val="accent1"/>
+              </a:fillRef>
+              <a:effectRef idx="0">
+                <a:schemeClr val="accent1"/>
+              </a:effectRef>
+              <a:fontRef idx="minor">
+                <a:schemeClr val="lt1"/>
+              </a:fontRef>
+            </p:style>
+            <p:txBody>
+              <a:bodyPr rtlCol="0" anchor="ctr"/>
+              <a:lstStyle/>
+              <a:p>
+                <a:pPr algn="ctr"/>
+                <a:r>
+                  <a:rPr lang="pt-BR" sz="3600" b="1" dirty="0" smtClean="0">
+                    <a:solidFill>
+                      <a:schemeClr val="tx1"/>
+                    </a:solidFill>
+                    <a:latin typeface="Ink Free" pitchFamily="66" charset="0"/>
+                  </a:rPr>
+                  <a:t>Dia: 9/11   </a:t>
+                </a:r>
+                <a:r>
+                  <a:rPr lang="pt-BR" sz="3600" b="1" dirty="0" smtClean="0">
+                    <a:solidFill>
+                      <a:schemeClr val="tx1"/>
+                    </a:solidFill>
+                    <a:latin typeface="Ink Free" pitchFamily="66" charset="0"/>
+                  </a:rPr>
+                  <a:t>14 horas</a:t>
+                </a:r>
+                <a:endParaRPr lang="pt-BR" sz="3600" b="1" dirty="0">
+                  <a:solidFill>
+                    <a:schemeClr val="tx1"/>
+                  </a:solidFill>
+                  <a:latin typeface="Ink Free" pitchFamily="66" charset="0"/>
+                </a:endParaRPr>
+              </a:p>
+            </p:txBody>
+          </p:sp>
+          <p:sp>
+            <p:nvSpPr>
+              <p:cNvPr id="8" name="Retângulo 7"/>
+              <p:cNvSpPr/>
+              <p:nvPr/>
+            </p:nvSpPr>
+            <p:spPr>
+              <a:xfrm>
+                <a:off x="3779912" y="5406007"/>
+                <a:ext cx="5371290" cy="759297"/>
+              </a:xfrm>
+              <a:prstGeom prst="rect">
+                <a:avLst/>
+              </a:prstGeom>
+              <a:solidFill>
+                <a:schemeClr val="bg1"/>
+              </a:solidFill>
+              <a:ln>
+                <a:noFill/>
+              </a:ln>
+            </p:spPr>
+            <p:style>
+              <a:lnRef idx="2">
+                <a:schemeClr val="accent1">
+                  <a:shade val="50000"/>
+                </a:schemeClr>
+              </a:lnRef>
+              <a:fillRef idx="1">
+                <a:schemeClr val="accent1"/>
+              </a:fillRef>
+              <a:effectRef idx="0">
+                <a:schemeClr val="accent1"/>
+              </a:effectRef>
+              <a:fontRef idx="minor">
+                <a:schemeClr val="lt1"/>
+              </a:fontRef>
+            </p:style>
+            <p:txBody>
+              <a:bodyPr rtlCol="0" anchor="ctr"/>
+              <a:lstStyle/>
+              <a:p>
+                <a:pPr algn="ctr"/>
+                <a:r>
+                  <a:rPr lang="pt-BR" sz="2000" dirty="0" smtClean="0">
+                    <a:solidFill>
+                      <a:schemeClr val="tx1"/>
+                    </a:solidFill>
+                    <a:latin typeface="Forte" pitchFamily="66" charset="0"/>
+                  </a:rPr>
+                  <a:t>Link </a:t>
+                </a:r>
+                <a:r>
+                  <a:rPr lang="pt-BR" sz="2000" dirty="0">
+                    <a:solidFill>
+                      <a:schemeClr val="tx1"/>
+                    </a:solidFill>
+                    <a:latin typeface="Forte" pitchFamily="66" charset="0"/>
+                  </a:rPr>
+                  <a:t>para o </a:t>
+                </a:r>
+                <a:r>
+                  <a:rPr lang="pt-BR" sz="2000" dirty="0" smtClean="0">
+                    <a:solidFill>
+                      <a:schemeClr val="tx1"/>
+                    </a:solidFill>
+                    <a:latin typeface="Forte" pitchFamily="66" charset="0"/>
+                  </a:rPr>
+                  <a:t>evento</a:t>
+                </a:r>
+              </a:p>
+              <a:p>
+                <a:pPr algn="ctr"/>
+                <a:r>
+                  <a:rPr lang="pt-BR" sz="2400" b="1" dirty="0" err="1" smtClean="0">
+                    <a:solidFill>
+                      <a:schemeClr val="tx1"/>
+                    </a:solidFill>
+                  </a:rPr>
+                  <a:t>meet</a:t>
+                </a:r>
+                <a:r>
+                  <a:rPr lang="pt-BR" sz="2400" b="1" dirty="0" smtClean="0">
+                    <a:solidFill>
+                      <a:schemeClr val="tx1"/>
+                    </a:solidFill>
+                  </a:rPr>
+                  <a:t>.google.com/</a:t>
+                </a:r>
+                <a:r>
+                  <a:rPr lang="pt-BR" sz="2400" b="1" dirty="0" err="1" smtClean="0">
+                    <a:solidFill>
+                      <a:schemeClr val="tx1"/>
+                    </a:solidFill>
+                  </a:rPr>
+                  <a:t>vhz-ibgk-zpv</a:t>
+                </a:r>
+                <a:endParaRPr lang="pt-BR" sz="2400" b="1" dirty="0" smtClean="0">
+                  <a:solidFill>
+                    <a:schemeClr val="tx1"/>
+                  </a:solidFill>
+                </a:endParaRPr>
+              </a:p>
+            </p:txBody>
+          </p:sp>
+          <p:sp>
+            <p:nvSpPr>
+              <p:cNvPr id="13" name="Retângulo 12"/>
+              <p:cNvSpPr/>
+              <p:nvPr/>
+            </p:nvSpPr>
+            <p:spPr>
+              <a:xfrm>
+                <a:off x="3784903" y="2604616"/>
+                <a:ext cx="5359097" cy="1040408"/>
+              </a:xfrm>
+              <a:prstGeom prst="rect">
+                <a:avLst/>
+              </a:prstGeom>
+              <a:solidFill>
+                <a:schemeClr val="bg1"/>
+              </a:solidFill>
+              <a:ln>
+                <a:noFill/>
+              </a:ln>
+            </p:spPr>
+            <p:style>
+              <a:lnRef idx="2">
+                <a:schemeClr val="accent1">
+                  <a:shade val="50000"/>
+                </a:schemeClr>
+              </a:lnRef>
+              <a:fillRef idx="1">
+                <a:schemeClr val="accent1"/>
+              </a:fillRef>
+              <a:effectRef idx="0">
+                <a:schemeClr val="accent1"/>
+              </a:effectRef>
+              <a:fontRef idx="minor">
+                <a:schemeClr val="lt1"/>
+              </a:fontRef>
+            </p:style>
+            <p:txBody>
+              <a:bodyPr rtlCol="0" anchor="ctr"/>
+              <a:lstStyle/>
+              <a:p>
+                <a:pPr algn="ctr"/>
+                <a:r>
+                  <a:rPr lang="pt-BR" sz="2000" b="1" dirty="0" smtClean="0">
+                    <a:solidFill>
+                      <a:schemeClr val="tx1"/>
+                    </a:solidFill>
+                    <a:latin typeface="Ink Free" pitchFamily="66" charset="0"/>
+                  </a:rPr>
+                  <a:t>Palestrante: </a:t>
+                </a:r>
+                <a:endParaRPr lang="pt-BR" sz="2000" b="1" dirty="0" smtClean="0">
+                  <a:solidFill>
+                    <a:schemeClr val="tx1"/>
+                  </a:solidFill>
+                  <a:latin typeface="Ink Free" pitchFamily="66" charset="0"/>
+                </a:endParaRPr>
+              </a:p>
+              <a:p>
+                <a:pPr algn="ctr"/>
+                <a:r>
+                  <a:rPr lang="pt-BR" sz="3000" b="1" dirty="0" smtClean="0">
+                    <a:solidFill>
+                      <a:schemeClr val="tx1"/>
+                    </a:solidFill>
+                    <a:latin typeface="Ink Free" pitchFamily="66" charset="0"/>
+                  </a:rPr>
+                  <a:t>Prof.ª </a:t>
+                </a:r>
+                <a:r>
+                  <a:rPr lang="pt-BR" sz="3000" b="1" dirty="0" smtClean="0">
+                    <a:solidFill>
+                      <a:schemeClr val="tx1"/>
+                    </a:solidFill>
+                    <a:latin typeface="Ink Free" pitchFamily="66" charset="0"/>
+                  </a:rPr>
+                  <a:t>Denise </a:t>
+                </a:r>
+                <a:r>
+                  <a:rPr lang="pt-BR" sz="3000" b="1" dirty="0" err="1" smtClean="0">
+                    <a:solidFill>
+                      <a:schemeClr val="tx1"/>
+                    </a:solidFill>
+                    <a:latin typeface="Ink Free" pitchFamily="66" charset="0"/>
+                  </a:rPr>
+                  <a:t>Britz</a:t>
+                </a:r>
+                <a:r>
+                  <a:rPr lang="pt-BR" sz="3000" b="1" dirty="0" smtClean="0">
+                    <a:solidFill>
+                      <a:schemeClr val="tx1"/>
+                    </a:solidFill>
+                    <a:latin typeface="Ink Free" pitchFamily="66" charset="0"/>
+                  </a:rPr>
+                  <a:t> do N. Silva</a:t>
+                </a:r>
+                <a:endParaRPr lang="pt-BR" sz="3000" b="1" dirty="0" smtClean="0">
+                  <a:solidFill>
+                    <a:schemeClr val="tx1"/>
+                  </a:solidFill>
+                  <a:latin typeface="Ink Free" pitchFamily="66" charset="0"/>
+                </a:endParaRPr>
+              </a:p>
+            </p:txBody>
+          </p:sp>
+        </p:grpSp>
+        <p:sp>
+          <p:nvSpPr>
+            <p:cNvPr id="5" name="CaixaDeTexto 4"/>
+            <p:cNvSpPr txBox="1"/>
+            <p:nvPr/>
+          </p:nvSpPr>
+          <p:spPr>
+            <a:xfrm>
+              <a:off x="3851920" y="764704"/>
+              <a:ext cx="5273788" cy="1323439"/>
+            </a:xfrm>
+            <a:prstGeom prst="rect">
+              <a:avLst/>
+            </a:prstGeom>
+            <a:noFill/>
+            <a:ln>
+              <a:noFill/>
+            </a:ln>
+          </p:spPr>
+          <p:txBody>
+            <a:bodyPr wrap="square" rtlCol="0">
+              <a:spAutoFit/>
+            </a:bodyPr>
+            <a:lstStyle/>
+            <a:p>
+              <a:r>
+                <a:rPr lang="pt-BR" sz="4000" b="1" dirty="0" smtClean="0">
+                  <a:latin typeface="Ink Free" pitchFamily="66" charset="0"/>
+                </a:rPr>
+                <a:t>Estatísticas Públicas, Cidadania e Democracia</a:t>
+              </a:r>
+              <a:endParaRPr lang="pt-BR" sz="1000" b="1" dirty="0" smtClean="0">
+                <a:latin typeface="Ink Free" pitchFamily="66" charset="0"/>
+              </a:endParaRPr>
+            </a:p>
+          </p:txBody>
+        </p:sp>
       </p:grpSp>
     </p:spTree>
   </p:cSld>
